--- a/files/Big Data on AWS.pptx
+++ b/files/Big Data on AWS.pptx
@@ -5,10 +5,10 @@
     <p:sldMasterId id="2147483648" r:id="rId4"/>
   </p:sldMasterIdLst>
   <p:notesMasterIdLst>
-    <p:notesMasterId r:id="rId19"/>
+    <p:notesMasterId r:id="rId21"/>
   </p:notesMasterIdLst>
   <p:handoutMasterIdLst>
-    <p:handoutMasterId r:id="rId20"/>
+    <p:handoutMasterId r:id="rId22"/>
   </p:handoutMasterIdLst>
   <p:sldIdLst>
     <p:sldId id="256" r:id="rId5"/>
@@ -16,15 +16,17 @@
     <p:sldId id="276" r:id="rId7"/>
     <p:sldId id="278" r:id="rId8"/>
     <p:sldId id="286" r:id="rId9"/>
-    <p:sldId id="279" r:id="rId10"/>
-    <p:sldId id="280" r:id="rId11"/>
-    <p:sldId id="282" r:id="rId12"/>
-    <p:sldId id="283" r:id="rId13"/>
-    <p:sldId id="285" r:id="rId14"/>
-    <p:sldId id="284" r:id="rId15"/>
-    <p:sldId id="288" r:id="rId16"/>
-    <p:sldId id="266" r:id="rId17"/>
-    <p:sldId id="287" r:id="rId18"/>
+    <p:sldId id="289" r:id="rId10"/>
+    <p:sldId id="279" r:id="rId11"/>
+    <p:sldId id="280" r:id="rId12"/>
+    <p:sldId id="290" r:id="rId13"/>
+    <p:sldId id="282" r:id="rId14"/>
+    <p:sldId id="283" r:id="rId15"/>
+    <p:sldId id="285" r:id="rId16"/>
+    <p:sldId id="284" r:id="rId17"/>
+    <p:sldId id="288" r:id="rId18"/>
+    <p:sldId id="266" r:id="rId19"/>
+    <p:sldId id="287" r:id="rId20"/>
   </p:sldIdLst>
   <p:sldSz cx="12192000" cy="6858000"/>
   <p:notesSz cx="6858000" cy="9144000"/>
@@ -229,7 +231,7 @@
             <a:pPr algn="r" rtl="0"/>
             <a:fld id="{85FB9A08-40BC-47B5-8130-616BDCF09507}" type="datetime1">
               <a:rPr lang="fr-FR" smtClean="0"/>
-              <a:t>20/12/2020</a:t>
+              <a:t>26/12/2020</a:t>
             </a:fld>
             <a:endParaRPr lang="fr-FR" dirty="0"/>
           </a:p>
@@ -399,7 +401,7 @@
             <a:fld id="{082B9BC8-1895-4EB7-B2E1-D3911C69AD0C}" type="datetime1">
               <a:rPr lang="fr-FR" smtClean="0"/>
               <a:pPr/>
-              <a:t>20/12/2020</a:t>
+              <a:t>26/12/2020</a:t>
             </a:fld>
             <a:endParaRPr lang="fr-FR" dirty="0"/>
           </a:p>
@@ -1042,7 +1044,7 @@
             <a:fld id="{B0AE1499-D871-4B5A-815F-37F8E0C46F8C}" type="datetime1">
               <a:rPr lang="fr-FR" smtClean="0"/>
               <a:pPr/>
-              <a:t>20/12/2020</a:t>
+              <a:t>26/12/2020</a:t>
             </a:fld>
             <a:endParaRPr lang="fr-FR" dirty="0"/>
           </a:p>
@@ -1234,7 +1236,7 @@
             <a:fld id="{7CFD53AE-A1A9-4971-B817-D6F393C7FE35}" type="datetime1">
               <a:rPr lang="fr-FR" smtClean="0"/>
               <a:pPr/>
-              <a:t>20/12/2020</a:t>
+              <a:t>26/12/2020</a:t>
             </a:fld>
             <a:endParaRPr lang="fr-FR" dirty="0"/>
           </a:p>
@@ -1420,7 +1422,7 @@
             <a:fld id="{B4EA85BC-BD2B-458E-8340-8D31B4F152AE}" type="datetime1">
               <a:rPr lang="fr-FR" smtClean="0"/>
               <a:pPr/>
-              <a:t>20/12/2020</a:t>
+              <a:t>26/12/2020</a:t>
             </a:fld>
             <a:endParaRPr lang="fr-FR" dirty="0"/>
           </a:p>
@@ -1868,7 +1870,7 @@
             <a:fld id="{2C9DB741-A3C2-4C75-A4D1-97F129BE9491}" type="datetime1">
               <a:rPr lang="fr-FR" smtClean="0"/>
               <a:pPr/>
-              <a:t>20/12/2020</a:t>
+              <a:t>26/12/2020</a:t>
             </a:fld>
             <a:endParaRPr lang="fr-FR" dirty="0"/>
           </a:p>
@@ -2320,7 +2322,7 @@
             <a:fld id="{11B59C61-65A8-4FB6-8060-9ACE25B631CB}" type="datetime1">
               <a:rPr lang="fr-FR" noProof="0" smtClean="0"/>
               <a:pPr/>
-              <a:t>20/12/2020</a:t>
+              <a:t>26/12/2020</a:t>
             </a:fld>
             <a:endParaRPr lang="fr-FR" noProof="0" dirty="0"/>
           </a:p>
@@ -2450,7 +2452,7 @@
             <a:fld id="{B19C7B91-9FE1-44A2-8FAA-E998ADCC26EE}" type="datetime1">
               <a:rPr lang="fr-FR" smtClean="0"/>
               <a:pPr/>
-              <a:t>20/12/2020</a:t>
+              <a:t>26/12/2020</a:t>
             </a:fld>
             <a:endParaRPr lang="fr-FR" dirty="0"/>
           </a:p>
@@ -2556,7 +2558,7 @@
             <a:fld id="{24294901-3B67-4101-8D94-E7F6C7A7004D}" type="datetime1">
               <a:rPr lang="fr-FR" smtClean="0"/>
               <a:pPr/>
-              <a:t>20/12/2020</a:t>
+              <a:t>26/12/2020</a:t>
             </a:fld>
             <a:endParaRPr lang="fr-FR" dirty="0"/>
           </a:p>
@@ -2852,7 +2854,7 @@
             <a:fld id="{36311718-BEC8-4DB8-9B0A-52986EABC5C9}" type="datetime1">
               <a:rPr lang="fr-FR" smtClean="0"/>
               <a:pPr/>
-              <a:t>20/12/2020</a:t>
+              <a:t>26/12/2020</a:t>
             </a:fld>
             <a:endParaRPr lang="fr-FR" dirty="0"/>
           </a:p>
@@ -3178,7 +3180,7 @@
             <a:fld id="{E883871E-5D80-4EDF-9E01-94E184402302}" type="datetime1">
               <a:rPr lang="fr-FR" smtClean="0"/>
               <a:pPr/>
-              <a:t>20/12/2020</a:t>
+              <a:t>26/12/2020</a:t>
             </a:fld>
             <a:endParaRPr lang="fr-FR" dirty="0"/>
           </a:p>
@@ -3397,7 +3399,7 @@
             <a:fld id="{A9F01D7A-F2CA-4D89-BC48-D8C829AA64E1}" type="datetime1">
               <a:rPr lang="fr-FR" smtClean="0"/>
               <a:pPr/>
-              <a:t>20/12/2020</a:t>
+              <a:t>26/12/2020</a:t>
             </a:fld>
             <a:endParaRPr lang="fr-FR" dirty="0"/>
           </a:p>
@@ -3980,22 +3982,19 @@
           <a:p>
             <a:r>
               <a:rPr lang="fr-FR" dirty="0" err="1"/>
-              <a:t>Demo</a:t>
-            </a:r>
-            <a:r>
-              <a:rPr lang="fr-FR" dirty="0"/>
-              <a:t> – </a:t>
-            </a:r>
-            <a:br>
-              <a:rPr lang="fr-FR" dirty="0"/>
-            </a:br>
-            <a:r>
-              <a:rPr lang="fr-FR" dirty="0" err="1"/>
-              <a:t>Presentation</a:t>
-            </a:r>
-            <a:r>
-              <a:rPr lang="fr-FR" dirty="0"/>
-              <a:t> of a solution</a:t>
+              <a:t>Some</a:t>
+            </a:r>
+            <a:r>
+              <a:rPr lang="fr-FR" dirty="0"/>
+              <a:t> </a:t>
+            </a:r>
+            <a:r>
+              <a:rPr lang="fr-FR" dirty="0" err="1"/>
+              <a:t>useful</a:t>
+            </a:r>
+            <a:r>
+              <a:rPr lang="fr-FR" dirty="0"/>
+              <a:t> services on AWS :</a:t>
             </a:r>
           </a:p>
         </p:txBody>
@@ -4018,89 +4017,204 @@
         </p:nvSpPr>
         <p:spPr/>
         <p:txBody>
-          <a:bodyPr/>
+          <a:bodyPr>
+            <a:normAutofit fontScale="55000" lnSpcReduction="20000"/>
+          </a:bodyPr>
           <a:lstStyle/>
           <a:p>
             <a:r>
               <a:rPr lang="fr-FR" dirty="0"/>
-              <a:t>Use </a:t>
-            </a:r>
-            <a:r>
-              <a:rPr lang="fr-FR" dirty="0" err="1"/>
-              <a:t>spark</a:t>
-            </a:r>
-            <a:r>
-              <a:rPr lang="fr-FR" dirty="0"/>
-              <a:t> to process data in batch mode</a:t>
-            </a:r>
-          </a:p>
-          <a:p>
-            <a:r>
-              <a:rPr lang="fr-FR" dirty="0"/>
-              <a:t>Use AWS EMR / AWS S3 as </a:t>
-            </a:r>
-            <a:r>
-              <a:rPr lang="fr-FR" dirty="0" err="1"/>
-              <a:t>resources</a:t>
-            </a:r>
-            <a:r>
-              <a:rPr lang="fr-FR" dirty="0"/>
-              <a:t> for the </a:t>
+              <a:t>AWS EC2 : </a:t>
+            </a:r>
+            <a:r>
+              <a:rPr lang="fr-FR" dirty="0" err="1"/>
+              <a:t>Elastic</a:t>
+            </a:r>
+            <a:r>
+              <a:rPr lang="fr-FR" dirty="0"/>
+              <a:t> </a:t>
+            </a:r>
+            <a:r>
+              <a:rPr lang="fr-FR" dirty="0" err="1"/>
+              <a:t>Compute</a:t>
+            </a:r>
+            <a:r>
+              <a:rPr lang="fr-FR" dirty="0"/>
+              <a:t> Cloud</a:t>
+            </a:r>
+          </a:p>
+          <a:p>
+            <a:r>
+              <a:rPr lang="fr-FR" dirty="0"/>
+              <a:t>AWS RDS : </a:t>
+            </a:r>
+            <a:r>
+              <a:rPr lang="fr-FR" dirty="0" err="1"/>
+              <a:t>Relational</a:t>
+            </a:r>
+            <a:r>
+              <a:rPr lang="fr-FR" dirty="0"/>
+              <a:t> </a:t>
+            </a:r>
+            <a:r>
+              <a:rPr lang="fr-FR" dirty="0" err="1"/>
+              <a:t>Database</a:t>
+            </a:r>
+            <a:r>
+              <a:rPr lang="fr-FR" dirty="0"/>
+              <a:t> Service</a:t>
+            </a:r>
+          </a:p>
+          <a:p>
+            <a:r>
+              <a:rPr lang="fr-FR" dirty="0"/>
+              <a:t>AWS S3 : Simple Storage Service</a:t>
+            </a:r>
+          </a:p>
+          <a:p>
+            <a:r>
+              <a:rPr lang="fr-FR" dirty="0"/>
+              <a:t>AWS VPC : Virtual </a:t>
+            </a:r>
+            <a:r>
+              <a:rPr lang="fr-FR" dirty="0" err="1"/>
+              <a:t>Private</a:t>
+            </a:r>
+            <a:r>
+              <a:rPr lang="fr-FR" dirty="0"/>
+              <a:t> Cloud</a:t>
+            </a:r>
+          </a:p>
+          <a:p>
+            <a:r>
+              <a:rPr lang="fr-FR" dirty="0"/>
+              <a:t>AWS SNS : Simple Notification Service</a:t>
+            </a:r>
+          </a:p>
+          <a:p>
+            <a:r>
+              <a:rPr lang="fr-FR" dirty="0"/>
+              <a:t>AWS LAMBDA :</a:t>
+            </a:r>
+            <a:r>
+              <a:rPr lang="en-US" b="0" i="0" dirty="0">
+                <a:solidFill>
+                  <a:srgbClr val="4D5156"/>
+                </a:solidFill>
+                <a:effectLst/>
+                <a:latin typeface="arial" panose="020B0604020202020204" pitchFamily="34" charset="0"/>
+              </a:rPr>
+              <a:t> </a:t>
+            </a:r>
+            <a:r>
+              <a:rPr lang="en-US" sz="2100" dirty="0"/>
+              <a:t>a compute service that lets us run code without provisioning or managing servers. </a:t>
+            </a:r>
+            <a:endParaRPr lang="fr-FR" sz="2100" dirty="0"/>
+          </a:p>
+          <a:p>
+            <a:r>
+              <a:rPr lang="fr-FR" dirty="0"/>
+              <a:t>AWS </a:t>
+            </a:r>
+            <a:r>
+              <a:rPr lang="fr-FR" sz="2100" dirty="0"/>
+              <a:t>KINESIS : </a:t>
+            </a:r>
+            <a:r>
+              <a:rPr lang="en-US" sz="2100" dirty="0"/>
+              <a:t>a managed, scalable, cloud-based service that allows real-time processing of streaming large amount of data per second. </a:t>
+            </a:r>
+            <a:endParaRPr lang="fr-FR" sz="2100" dirty="0"/>
+          </a:p>
+          <a:p>
+            <a:r>
+              <a:rPr lang="fr-FR" dirty="0"/>
+              <a:t>AWS SQS : Simple Queue Service</a:t>
+            </a:r>
+          </a:p>
+          <a:p>
+            <a:r>
+              <a:rPr lang="fr-FR" dirty="0"/>
+              <a:t>AWS DYNAMODB : key-value document </a:t>
+            </a:r>
+            <a:r>
+              <a:rPr lang="fr-FR" dirty="0" err="1"/>
+              <a:t>oriented</a:t>
+            </a:r>
+            <a:r>
+              <a:rPr lang="fr-FR" dirty="0"/>
+              <a:t> and </a:t>
+            </a:r>
+            <a:r>
+              <a:rPr lang="fr-FR" dirty="0" err="1"/>
+              <a:t>structured</a:t>
+            </a:r>
+            <a:r>
+              <a:rPr lang="fr-FR" dirty="0"/>
+              <a:t> NoSQL </a:t>
+            </a:r>
+            <a:r>
+              <a:rPr lang="fr-FR" dirty="0" err="1"/>
+              <a:t>DataBase</a:t>
+            </a:r>
+            <a:endParaRPr lang="fr-FR" dirty="0"/>
+          </a:p>
+          <a:p>
+            <a:r>
+              <a:rPr lang="fr-FR" dirty="0"/>
+              <a:t>AWS GLUE : a </a:t>
+            </a:r>
+            <a:r>
+              <a:rPr lang="fr-FR" dirty="0" err="1"/>
+              <a:t>serverless</a:t>
+            </a:r>
+            <a:r>
+              <a:rPr lang="fr-FR" dirty="0"/>
+              <a:t> ETL for data </a:t>
+            </a:r>
+            <a:r>
+              <a:rPr lang="fr-FR" dirty="0" err="1"/>
+              <a:t>analysis</a:t>
+            </a:r>
+            <a:r>
+              <a:rPr lang="fr-FR" dirty="0"/>
+              <a:t>, </a:t>
             </a:r>
             <a:r>
               <a:rPr lang="fr-FR" dirty="0" err="1"/>
               <a:t>processing</a:t>
             </a:r>
+            <a:r>
+              <a:rPr lang="fr-FR" dirty="0"/>
+              <a:t>, transformation…</a:t>
+            </a:r>
+          </a:p>
+          <a:p>
+            <a:r>
+              <a:rPr lang="fr-FR" dirty="0"/>
+              <a:t>AWS ATHENA : </a:t>
+            </a:r>
+            <a:r>
+              <a:rPr lang="en-US" dirty="0"/>
+              <a:t>an interactive query service that makes it easy to analyze data in Amazon S3 using standard SQL syntax.</a:t>
+            </a:r>
+          </a:p>
+          <a:p>
+            <a:r>
+              <a:rPr lang="en-US" dirty="0"/>
+              <a:t>AWS EMR : Elastic MapReduce</a:t>
+            </a:r>
+          </a:p>
+          <a:p>
             <a:endParaRPr lang="fr-FR" dirty="0"/>
-          </a:p>
-          <a:p>
-            <a:r>
-              <a:rPr lang="fr-FR" dirty="0"/>
-              <a:t>Read the collection </a:t>
-            </a:r>
-          </a:p>
-          <a:p>
-            <a:r>
-              <a:rPr lang="fr-FR" dirty="0"/>
-              <a:t>Do a </a:t>
-            </a:r>
-            <a:r>
-              <a:rPr lang="fr-FR" dirty="0" err="1"/>
-              <a:t>filter</a:t>
-            </a:r>
-            <a:r>
-              <a:rPr lang="fr-FR" dirty="0"/>
-              <a:t> by </a:t>
-            </a:r>
-            <a:r>
-              <a:rPr lang="fr-FR" dirty="0" err="1"/>
-              <a:t>given</a:t>
-            </a:r>
-            <a:r>
-              <a:rPr lang="fr-FR" dirty="0"/>
-              <a:t> country</a:t>
-            </a:r>
-          </a:p>
-          <a:p>
-            <a:r>
-              <a:rPr lang="fr-FR" dirty="0"/>
-              <a:t>Write the </a:t>
-            </a:r>
-            <a:r>
-              <a:rPr lang="fr-FR" dirty="0" err="1"/>
-              <a:t>filtered</a:t>
-            </a:r>
-            <a:r>
-              <a:rPr lang="fr-FR" dirty="0"/>
-              <a:t> collection to a new directory</a:t>
-            </a:r>
           </a:p>
         </p:txBody>
       </p:sp>
     </p:spTree>
     <p:extLst>
       <p:ext uri="{BB962C8B-B14F-4D97-AF65-F5344CB8AC3E}">
-        <p14:creationId xmlns:p14="http://schemas.microsoft.com/office/powerpoint/2010/main" val="478790635"/>
+        <p14:creationId xmlns:p14="http://schemas.microsoft.com/office/powerpoint/2010/main" val="585596523"/>
       </p:ext>
     </p:extLst>
   </p:cSld>
@@ -4149,47 +4263,23 @@
           <a:lstStyle/>
           <a:p>
             <a:r>
-              <a:rPr lang="fr-FR" dirty="0" err="1"/>
-              <a:t>Demo</a:t>
-            </a:r>
-            <a:r>
-              <a:rPr lang="fr-FR" dirty="0"/>
-              <a:t> –</a:t>
+              <a:rPr lang="fr-FR" dirty="0"/>
+              <a:t>POC – </a:t>
             </a:r>
             <a:br>
               <a:rPr lang="fr-FR" dirty="0"/>
             </a:br>
             <a:r>
-              <a:rPr lang="fr-FR" dirty="0"/>
-              <a:t>A </a:t>
-            </a:r>
-            <a:r>
-              <a:rPr lang="fr-FR" dirty="0" err="1"/>
-              <a:t>little</a:t>
-            </a:r>
-            <a:r>
-              <a:rPr lang="fr-FR" dirty="0"/>
-              <a:t> practice </a:t>
-            </a:r>
-            <a:r>
-              <a:rPr lang="fr-FR" dirty="0" err="1"/>
-              <a:t>is</a:t>
-            </a:r>
-            <a:r>
-              <a:rPr lang="fr-FR" dirty="0"/>
-              <a:t> </a:t>
-            </a:r>
-            <a:r>
-              <a:rPr lang="fr-FR" dirty="0" err="1"/>
-              <a:t>always</a:t>
-            </a:r>
-            <a:r>
-              <a:rPr lang="fr-FR" dirty="0"/>
-              <a:t> </a:t>
-            </a:r>
-            <a:r>
-              <a:rPr lang="fr-FR" dirty="0" err="1"/>
-              <a:t>welcome</a:t>
+              <a:rPr lang="fr-FR" dirty="0" err="1"/>
+              <a:t>Presentation</a:t>
+            </a:r>
+            <a:r>
+              <a:rPr lang="fr-FR" dirty="0"/>
+              <a:t> of the </a:t>
+            </a:r>
+            <a:r>
+              <a:rPr lang="fr-FR" dirty="0" err="1"/>
+              <a:t>context</a:t>
             </a:r>
             <a:endParaRPr lang="fr-FR" dirty="0"/>
           </a:p>
@@ -4216,6 +4306,16 @@
           <a:bodyPr/>
           <a:lstStyle/>
           <a:p>
+            <a:r>
+              <a:rPr lang="en-US" dirty="0"/>
+              <a:t>We have a Collection of football games and we want to do an analysis of the games in which a given country has played in a given year.</a:t>
+            </a:r>
+          </a:p>
+          <a:p>
+            <a:r>
+              <a:rPr lang="en-US" dirty="0"/>
+              <a:t>We also need to transform collection schema as shown bellow :</a:t>
+            </a:r>
             <a:endParaRPr lang="fr-FR" dirty="0"/>
           </a:p>
         </p:txBody>
@@ -4223,7 +4323,7 @@
     </p:spTree>
     <p:extLst>
       <p:ext uri="{BB962C8B-B14F-4D97-AF65-F5344CB8AC3E}">
-        <p14:creationId xmlns:p14="http://schemas.microsoft.com/office/powerpoint/2010/main" val="133476141"/>
+        <p14:creationId xmlns:p14="http://schemas.microsoft.com/office/powerpoint/2010/main" val="2670036827"/>
       </p:ext>
     </p:extLst>
   </p:cSld>
@@ -4272,12 +4372,19 @@
           <a:lstStyle/>
           <a:p>
             <a:r>
-              <a:rPr lang="fr-FR" dirty="0" err="1"/>
-              <a:t>What</a:t>
-            </a:r>
-            <a:r>
-              <a:rPr lang="fr-FR" dirty="0"/>
-              <a:t> Next?</a:t>
+              <a:rPr lang="fr-FR" dirty="0"/>
+              <a:t>POC – </a:t>
+            </a:r>
+            <a:br>
+              <a:rPr lang="fr-FR" dirty="0"/>
+            </a:br>
+            <a:r>
+              <a:rPr lang="fr-FR" dirty="0" err="1"/>
+              <a:t>Presentation</a:t>
+            </a:r>
+            <a:r>
+              <a:rPr lang="fr-FR" dirty="0"/>
+              <a:t> of a solution</a:t>
             </a:r>
           </a:p>
         </p:txBody>
@@ -4300,26 +4407,71 @@
         </p:nvSpPr>
         <p:spPr/>
         <p:txBody>
-          <a:bodyPr>
-            <a:normAutofit fontScale="92500"/>
-          </a:bodyPr>
+          <a:bodyPr/>
           <a:lstStyle/>
           <a:p>
             <a:r>
               <a:rPr lang="fr-FR" dirty="0"/>
-              <a:t>In real </a:t>
-            </a:r>
-            <a:r>
-              <a:rPr lang="fr-FR" dirty="0" err="1"/>
-              <a:t>enterprise</a:t>
-            </a:r>
-            <a:r>
-              <a:rPr lang="fr-FR" dirty="0"/>
-              <a:t> world, </a:t>
-            </a:r>
-            <a:r>
-              <a:rPr lang="fr-FR" dirty="0" err="1"/>
-              <a:t>we</a:t>
+              <a:t>Use </a:t>
+            </a:r>
+            <a:r>
+              <a:rPr lang="fr-FR" dirty="0" err="1"/>
+              <a:t>spark</a:t>
+            </a:r>
+            <a:r>
+              <a:rPr lang="fr-FR" dirty="0"/>
+              <a:t> to process data in batch mode</a:t>
+            </a:r>
+          </a:p>
+          <a:p>
+            <a:r>
+              <a:rPr lang="fr-FR" dirty="0"/>
+              <a:t>Use AWS EMR / AWS S3 as </a:t>
+            </a:r>
+            <a:r>
+              <a:rPr lang="fr-FR" dirty="0" err="1"/>
+              <a:t>resources</a:t>
+            </a:r>
+            <a:r>
+              <a:rPr lang="fr-FR" dirty="0"/>
+              <a:t> for the </a:t>
+            </a:r>
+            <a:r>
+              <a:rPr lang="fr-FR" dirty="0" err="1"/>
+              <a:t>processing</a:t>
+            </a:r>
+            <a:endParaRPr lang="fr-FR" dirty="0"/>
+          </a:p>
+          <a:p>
+            <a:r>
+              <a:rPr lang="fr-FR" dirty="0"/>
+              <a:t>Read the collection </a:t>
+            </a:r>
+          </a:p>
+          <a:p>
+            <a:r>
+              <a:rPr lang="fr-FR" dirty="0"/>
+              <a:t>Do a </a:t>
+            </a:r>
+            <a:r>
+              <a:rPr lang="fr-FR" dirty="0" err="1"/>
+              <a:t>filter</a:t>
+            </a:r>
+            <a:r>
+              <a:rPr lang="fr-FR" dirty="0"/>
+              <a:t> by </a:t>
+            </a:r>
+            <a:r>
+              <a:rPr lang="fr-FR" dirty="0" err="1"/>
+              <a:t>given</a:t>
+            </a:r>
+            <a:r>
+              <a:rPr lang="fr-FR" dirty="0"/>
+              <a:t> country in a </a:t>
+            </a:r>
+            <a:r>
+              <a:rPr lang="fr-FR" dirty="0" err="1"/>
+              <a:t>given</a:t>
             </a:r>
             <a:r>
               <a:rPr lang="fr-FR" dirty="0"/>
@@ -4327,502 +4479,33 @@
             </a:r>
             <a:r>
               <a:rPr lang="fr-FR" dirty="0" err="1"/>
-              <a:t>would</a:t>
-            </a:r>
-            <a:r>
-              <a:rPr lang="fr-FR" dirty="0"/>
-              <a:t> </a:t>
-            </a:r>
-            <a:r>
-              <a:rPr lang="fr-FR" dirty="0" err="1"/>
-              <a:t>need</a:t>
-            </a:r>
-            <a:r>
-              <a:rPr lang="fr-FR" dirty="0"/>
-              <a:t> </a:t>
-            </a:r>
-            <a:r>
-              <a:rPr lang="fr-FR" dirty="0" err="1"/>
-              <a:t>tools</a:t>
-            </a:r>
-            <a:r>
-              <a:rPr lang="fr-FR" dirty="0"/>
-              <a:t> to </a:t>
-            </a:r>
-            <a:r>
-              <a:rPr lang="fr-FR" dirty="0" err="1"/>
-              <a:t>deploy</a:t>
-            </a:r>
-            <a:r>
-              <a:rPr lang="fr-FR" dirty="0"/>
-              <a:t> </a:t>
-            </a:r>
-            <a:r>
-              <a:rPr lang="fr-FR" dirty="0" err="1"/>
-              <a:t>our</a:t>
-            </a:r>
-            <a:r>
-              <a:rPr lang="fr-FR" dirty="0"/>
-              <a:t> code, </a:t>
-            </a:r>
-            <a:r>
-              <a:rPr lang="fr-FR" dirty="0" err="1"/>
-              <a:t>it</a:t>
-            </a:r>
-            <a:r>
-              <a:rPr lang="fr-FR" dirty="0"/>
-              <a:t> </a:t>
-            </a:r>
-            <a:r>
-              <a:rPr lang="fr-FR" dirty="0" err="1"/>
-              <a:t>may</a:t>
-            </a:r>
-            <a:r>
-              <a:rPr lang="fr-FR" dirty="0"/>
-              <a:t> </a:t>
-            </a:r>
-            <a:r>
-              <a:rPr lang="fr-FR" dirty="0" err="1"/>
-              <a:t>be</a:t>
-            </a:r>
-            <a:r>
-              <a:rPr lang="fr-FR" dirty="0"/>
-              <a:t> Jenkins or AWS </a:t>
-            </a:r>
-            <a:r>
-              <a:rPr lang="fr-FR" dirty="0" err="1"/>
-              <a:t>CodeBuild</a:t>
-            </a:r>
-            <a:r>
-              <a:rPr lang="fr-FR" dirty="0"/>
-              <a:t>/</a:t>
-            </a:r>
-            <a:r>
-              <a:rPr lang="fr-FR" dirty="0" err="1"/>
-              <a:t>CodeDeploy</a:t>
-            </a:r>
-            <a:r>
-              <a:rPr lang="fr-FR" dirty="0"/>
-              <a:t> and </a:t>
-            </a:r>
-            <a:r>
-              <a:rPr lang="fr-FR" dirty="0" err="1"/>
-              <a:t>might</a:t>
-            </a:r>
-            <a:r>
-              <a:rPr lang="fr-FR" dirty="0"/>
-              <a:t> </a:t>
-            </a:r>
-            <a:r>
-              <a:rPr lang="fr-FR" dirty="0" err="1"/>
-              <a:t>also</a:t>
-            </a:r>
-            <a:r>
-              <a:rPr lang="fr-FR" dirty="0"/>
-              <a:t> use containers like Docker and </a:t>
-            </a:r>
-            <a:r>
-              <a:rPr lang="fr-FR" dirty="0" err="1"/>
-              <a:t>Kubernetes</a:t>
-            </a:r>
-            <a:r>
-              <a:rPr lang="fr-FR" dirty="0"/>
-              <a:t>.</a:t>
-            </a:r>
-          </a:p>
-          <a:p>
-            <a:r>
-              <a:rPr lang="fr-FR" dirty="0" err="1"/>
-              <a:t>We</a:t>
-            </a:r>
-            <a:r>
-              <a:rPr lang="fr-FR" dirty="0"/>
-              <a:t> </a:t>
-            </a:r>
-            <a:r>
-              <a:rPr lang="fr-FR" dirty="0" err="1"/>
-              <a:t>should</a:t>
-            </a:r>
-            <a:r>
-              <a:rPr lang="fr-FR" dirty="0"/>
-              <a:t> have a </a:t>
-            </a:r>
-            <a:r>
-              <a:rPr lang="fr-FR" dirty="0" err="1"/>
-              <a:t>tool</a:t>
-            </a:r>
-            <a:r>
-              <a:rPr lang="fr-FR" dirty="0"/>
-              <a:t> to </a:t>
-            </a:r>
-            <a:r>
-              <a:rPr lang="fr-FR" dirty="0" err="1"/>
-              <a:t>schedule</a:t>
-            </a:r>
-            <a:r>
-              <a:rPr lang="fr-FR" dirty="0"/>
-              <a:t> the </a:t>
-            </a:r>
-            <a:r>
-              <a:rPr lang="fr-FR" dirty="0" err="1"/>
-              <a:t>tasks</a:t>
-            </a:r>
-            <a:r>
-              <a:rPr lang="fr-FR" dirty="0"/>
-              <a:t>, for </a:t>
-            </a:r>
-            <a:r>
-              <a:rPr lang="fr-FR" dirty="0" err="1"/>
-              <a:t>example</a:t>
-            </a:r>
-            <a:r>
-              <a:rPr lang="fr-FR" dirty="0"/>
-              <a:t> in the </a:t>
-            </a:r>
-            <a:r>
-              <a:rPr lang="fr-FR" dirty="0" err="1"/>
-              <a:t>company</a:t>
-            </a:r>
-            <a:r>
-              <a:rPr lang="fr-FR" dirty="0"/>
-              <a:t> I </a:t>
-            </a:r>
-            <a:r>
-              <a:rPr lang="fr-FR" dirty="0" err="1"/>
-              <a:t>work</a:t>
-            </a:r>
-            <a:r>
-              <a:rPr lang="fr-FR" dirty="0"/>
-              <a:t> for, </a:t>
-            </a:r>
-            <a:r>
-              <a:rPr lang="fr-FR" dirty="0" err="1"/>
-              <a:t>we’re</a:t>
-            </a:r>
-            <a:r>
-              <a:rPr lang="fr-FR" dirty="0"/>
-              <a:t> </a:t>
-            </a:r>
-            <a:r>
-              <a:rPr lang="fr-FR" dirty="0" err="1"/>
-              <a:t>using</a:t>
-            </a:r>
-            <a:r>
-              <a:rPr lang="fr-FR" dirty="0"/>
-              <a:t> Apache </a:t>
-            </a:r>
-            <a:r>
-              <a:rPr lang="fr-FR" dirty="0" err="1"/>
-              <a:t>Airflow</a:t>
-            </a:r>
-            <a:r>
-              <a:rPr lang="fr-FR" dirty="0"/>
-              <a:t> to </a:t>
-            </a:r>
-            <a:r>
-              <a:rPr lang="fr-FR" dirty="0" err="1"/>
-              <a:t>develop</a:t>
-            </a:r>
-            <a:r>
-              <a:rPr lang="fr-FR" dirty="0"/>
-              <a:t> all workflows. </a:t>
-            </a:r>
-            <a:r>
-              <a:rPr lang="fr-FR" dirty="0">
-                <a:hlinkClick r:id="rId2"/>
-              </a:rPr>
-              <a:t>https://airflow.apache.org/</a:t>
+              <a:t>year</a:t>
             </a:r>
             <a:endParaRPr lang="fr-FR" dirty="0"/>
           </a:p>
           <a:p>
             <a:r>
               <a:rPr lang="fr-FR" dirty="0"/>
-              <a:t>A notion of Infrastructure as code </a:t>
-            </a:r>
-            <a:r>
-              <a:rPr lang="fr-FR" dirty="0" err="1"/>
-              <a:t>also</a:t>
-            </a:r>
-            <a:r>
-              <a:rPr lang="fr-FR" dirty="0"/>
-              <a:t> </a:t>
-            </a:r>
-            <a:r>
-              <a:rPr lang="fr-FR" dirty="0" err="1"/>
-              <a:t>is</a:t>
-            </a:r>
-            <a:r>
-              <a:rPr lang="fr-FR" dirty="0"/>
-              <a:t> </a:t>
-            </a:r>
-            <a:r>
-              <a:rPr lang="fr-FR" dirty="0" err="1"/>
-              <a:t>often</a:t>
-            </a:r>
-            <a:r>
-              <a:rPr lang="fr-FR" dirty="0"/>
-              <a:t> </a:t>
-            </a:r>
-            <a:r>
-              <a:rPr lang="fr-FR" dirty="0" err="1"/>
-              <a:t>invoked</a:t>
-            </a:r>
-            <a:r>
-              <a:rPr lang="fr-FR" dirty="0"/>
-              <a:t> in </a:t>
-            </a:r>
-            <a:r>
-              <a:rPr lang="fr-FR" dirty="0" err="1"/>
-              <a:t>order</a:t>
-            </a:r>
-            <a:r>
-              <a:rPr lang="fr-FR" dirty="0"/>
-              <a:t> to best practice, </a:t>
-            </a:r>
-            <a:r>
-              <a:rPr lang="fr-FR" dirty="0" err="1"/>
-              <a:t>easy</a:t>
-            </a:r>
-            <a:r>
-              <a:rPr lang="fr-FR" dirty="0"/>
-              <a:t> </a:t>
-            </a:r>
-            <a:r>
-              <a:rPr lang="fr-FR" dirty="0" err="1"/>
-              <a:t>handle</a:t>
-            </a:r>
-            <a:r>
-              <a:rPr lang="fr-FR" dirty="0"/>
-              <a:t>, and </a:t>
-            </a:r>
-            <a:r>
-              <a:rPr lang="fr-FR" dirty="0" err="1"/>
-              <a:t>easy</a:t>
-            </a:r>
-            <a:r>
-              <a:rPr lang="fr-FR" dirty="0"/>
-              <a:t> version </a:t>
-            </a:r>
-            <a:r>
-              <a:rPr lang="fr-FR" dirty="0" err="1"/>
-              <a:t>our</a:t>
-            </a:r>
-            <a:r>
-              <a:rPr lang="fr-FR" dirty="0"/>
-              <a:t> infrastructure on the Cloud. In the </a:t>
-            </a:r>
-            <a:r>
-              <a:rPr lang="fr-FR" dirty="0" err="1"/>
-              <a:t>list</a:t>
-            </a:r>
-            <a:r>
-              <a:rPr lang="fr-FR" dirty="0"/>
-              <a:t> </a:t>
-            </a:r>
-            <a:r>
-              <a:rPr lang="fr-FR" dirty="0" err="1"/>
-              <a:t>we</a:t>
-            </a:r>
-            <a:r>
-              <a:rPr lang="fr-FR" dirty="0"/>
-              <a:t> have </a:t>
-            </a:r>
-            <a:r>
-              <a:rPr lang="fr-FR" dirty="0" err="1"/>
-              <a:t>Troposphere</a:t>
-            </a:r>
-            <a:r>
-              <a:rPr lang="fr-FR" dirty="0"/>
-              <a:t>, </a:t>
-            </a:r>
-            <a:r>
-              <a:rPr lang="fr-FR" dirty="0" err="1"/>
-              <a:t>Terraform</a:t>
-            </a:r>
-            <a:r>
-              <a:rPr lang="fr-FR" dirty="0"/>
-              <a:t> …</a:t>
-            </a:r>
-          </a:p>
-          <a:p>
-            <a:r>
-              <a:rPr lang="fr-FR" dirty="0" err="1"/>
-              <a:t>Securizing</a:t>
-            </a:r>
-            <a:r>
-              <a:rPr lang="fr-FR" dirty="0"/>
-              <a:t> </a:t>
-            </a:r>
-            <a:r>
-              <a:rPr lang="fr-FR" dirty="0" err="1"/>
-              <a:t>our</a:t>
-            </a:r>
-            <a:r>
-              <a:rPr lang="fr-FR" dirty="0"/>
-              <a:t> </a:t>
-            </a:r>
-            <a:r>
-              <a:rPr lang="fr-FR" dirty="0" err="1"/>
-              <a:t>bucket</a:t>
-            </a:r>
-            <a:r>
-              <a:rPr lang="fr-FR" dirty="0"/>
-              <a:t> (AWS IAM)</a:t>
-            </a:r>
-          </a:p>
-          <a:p>
-            <a:r>
-              <a:rPr lang="fr-FR" dirty="0" err="1"/>
-              <a:t>Debugging</a:t>
-            </a:r>
-            <a:r>
-              <a:rPr lang="fr-FR" dirty="0"/>
-              <a:t> a </a:t>
-            </a:r>
-            <a:r>
-              <a:rPr lang="fr-FR" dirty="0" err="1"/>
-              <a:t>spark</a:t>
-            </a:r>
-            <a:r>
-              <a:rPr lang="fr-FR" dirty="0"/>
-              <a:t> batch application </a:t>
-            </a:r>
-            <a:r>
-              <a:rPr lang="fr-FR" dirty="0" err="1"/>
-              <a:t>is</a:t>
-            </a:r>
-            <a:r>
-              <a:rPr lang="fr-FR" dirty="0"/>
-              <a:t> tough, </a:t>
-            </a:r>
-            <a:r>
-              <a:rPr lang="fr-FR" dirty="0" err="1"/>
-              <a:t>very</a:t>
-            </a:r>
-            <a:r>
-              <a:rPr lang="fr-FR" dirty="0"/>
-              <a:t> </a:t>
-            </a:r>
-            <a:r>
-              <a:rPr lang="fr-FR" dirty="0" err="1"/>
-              <a:t>very</a:t>
-            </a:r>
-            <a:r>
-              <a:rPr lang="fr-FR" dirty="0"/>
-              <a:t> tough; </a:t>
-            </a:r>
-            <a:r>
-              <a:rPr lang="fr-FR" dirty="0" err="1"/>
-              <a:t>because</a:t>
-            </a:r>
-            <a:r>
-              <a:rPr lang="fr-FR" dirty="0"/>
-              <a:t> of </a:t>
-            </a:r>
-            <a:r>
-              <a:rPr lang="fr-FR" dirty="0" err="1"/>
-              <a:t>spark</a:t>
-            </a:r>
-            <a:r>
-              <a:rPr lang="fr-FR" dirty="0"/>
-              <a:t> </a:t>
-            </a:r>
-            <a:r>
-              <a:rPr lang="fr-FR" dirty="0" err="1"/>
-              <a:t>laziness</a:t>
-            </a:r>
-            <a:r>
-              <a:rPr lang="fr-FR" dirty="0"/>
-              <a:t> and </a:t>
-            </a:r>
-            <a:r>
-              <a:rPr lang="fr-FR" dirty="0" err="1"/>
-              <a:t>distributed</a:t>
-            </a:r>
-            <a:r>
-              <a:rPr lang="fr-FR" dirty="0"/>
-              <a:t> system concept; </a:t>
-            </a:r>
-            <a:r>
-              <a:rPr lang="fr-FR" dirty="0" err="1"/>
-              <a:t>without</a:t>
-            </a:r>
-            <a:r>
-              <a:rPr lang="fr-FR" dirty="0"/>
-              <a:t> </a:t>
-            </a:r>
-            <a:r>
-              <a:rPr lang="fr-FR" dirty="0" err="1"/>
-              <a:t>mentioning</a:t>
-            </a:r>
-            <a:r>
-              <a:rPr lang="fr-FR" dirty="0"/>
-              <a:t> the </a:t>
-            </a:r>
-            <a:r>
-              <a:rPr lang="fr-FR" dirty="0" err="1"/>
-              <a:t>amount</a:t>
-            </a:r>
-            <a:r>
-              <a:rPr lang="fr-FR" dirty="0"/>
-              <a:t> of data </a:t>
-            </a:r>
-            <a:r>
-              <a:rPr lang="fr-FR" dirty="0" err="1"/>
-              <a:t>being</a:t>
-            </a:r>
-            <a:r>
-              <a:rPr lang="fr-FR" dirty="0"/>
-              <a:t> </a:t>
-            </a:r>
-            <a:r>
-              <a:rPr lang="fr-FR" dirty="0" err="1"/>
-              <a:t>processed</a:t>
-            </a:r>
-            <a:r>
-              <a:rPr lang="fr-FR" dirty="0"/>
-              <a:t>, </a:t>
-            </a:r>
-            <a:r>
-              <a:rPr lang="fr-FR" dirty="0" err="1"/>
-              <a:t>we</a:t>
-            </a:r>
-            <a:r>
-              <a:rPr lang="fr-FR" dirty="0"/>
-              <a:t> </a:t>
-            </a:r>
-            <a:r>
-              <a:rPr lang="fr-FR" dirty="0" err="1"/>
-              <a:t>cannot</a:t>
-            </a:r>
-            <a:r>
-              <a:rPr lang="fr-FR" dirty="0"/>
-              <a:t> do a </a:t>
-            </a:r>
-            <a:r>
-              <a:rPr lang="fr-FR" dirty="0" err="1"/>
-              <a:t>breakpoint</a:t>
-            </a:r>
-            <a:r>
-              <a:rPr lang="fr-FR" dirty="0"/>
-              <a:t> on the code and check </a:t>
-            </a:r>
-            <a:r>
-              <a:rPr lang="fr-FR" dirty="0" err="1"/>
-              <a:t>where</a:t>
-            </a:r>
-            <a:r>
-              <a:rPr lang="fr-FR" dirty="0"/>
-              <a:t> </a:t>
-            </a:r>
-            <a:r>
-              <a:rPr lang="fr-FR" dirty="0" err="1"/>
-              <a:t>it</a:t>
-            </a:r>
-            <a:r>
-              <a:rPr lang="fr-FR" dirty="0"/>
-              <a:t> fails. 🙂</a:t>
+              <a:t>Do change the </a:t>
+            </a:r>
+            <a:r>
+              <a:rPr lang="fr-FR" dirty="0" err="1"/>
+              <a:t>schema</a:t>
+            </a:r>
+            <a:endParaRPr lang="fr-FR" dirty="0"/>
+          </a:p>
+          <a:p>
+            <a:r>
+              <a:rPr lang="fr-FR" dirty="0"/>
+              <a:t>Write the </a:t>
+            </a:r>
+            <a:r>
+              <a:rPr lang="fr-FR" dirty="0" err="1"/>
+              <a:t>filtered</a:t>
+            </a:r>
+            <a:r>
+              <a:rPr lang="fr-FR" dirty="0"/>
+              <a:t> collection to a new directory</a:t>
             </a:r>
           </a:p>
         </p:txBody>
@@ -4830,7 +4513,7 @@
     </p:spTree>
     <p:extLst>
       <p:ext uri="{BB962C8B-B14F-4D97-AF65-F5344CB8AC3E}">
-        <p14:creationId xmlns:p14="http://schemas.microsoft.com/office/powerpoint/2010/main" val="431944487"/>
+        <p14:creationId xmlns:p14="http://schemas.microsoft.com/office/powerpoint/2010/main" val="478790635"/>
       </p:ext>
     </p:extLst>
   </p:cSld>
@@ -4859,6 +4542,716 @@
       </p:grpSpPr>
       <p:sp>
         <p:nvSpPr>
+          <p:cNvPr id="2" name="Titre 1">
+            <a:extLst>
+              <a:ext uri="{FF2B5EF4-FFF2-40B4-BE49-F238E27FC236}">
+                <a16:creationId xmlns:a16="http://schemas.microsoft.com/office/drawing/2014/main" id="{796BD3F1-30E6-42AA-A27D-EB24DA4D916E}"/>
+              </a:ext>
+            </a:extLst>
+          </p:cNvPr>
+          <p:cNvSpPr>
+            <a:spLocks noGrp="1"/>
+          </p:cNvSpPr>
+          <p:nvPr>
+            <p:ph type="title"/>
+          </p:nvPr>
+        </p:nvSpPr>
+        <p:spPr/>
+        <p:txBody>
+          <a:bodyPr/>
+          <a:lstStyle/>
+          <a:p>
+            <a:r>
+              <a:rPr lang="fr-FR" dirty="0"/>
+              <a:t>POC –</a:t>
+            </a:r>
+            <a:br>
+              <a:rPr lang="fr-FR" dirty="0"/>
+            </a:br>
+            <a:r>
+              <a:rPr lang="fr-FR" dirty="0"/>
+              <a:t>A </a:t>
+            </a:r>
+            <a:r>
+              <a:rPr lang="fr-FR" dirty="0" err="1"/>
+              <a:t>little</a:t>
+            </a:r>
+            <a:r>
+              <a:rPr lang="fr-FR" dirty="0"/>
+              <a:t> practice </a:t>
+            </a:r>
+            <a:r>
+              <a:rPr lang="fr-FR" dirty="0" err="1"/>
+              <a:t>is</a:t>
+            </a:r>
+            <a:r>
+              <a:rPr lang="fr-FR" dirty="0"/>
+              <a:t> </a:t>
+            </a:r>
+            <a:r>
+              <a:rPr lang="fr-FR" dirty="0" err="1"/>
+              <a:t>always</a:t>
+            </a:r>
+            <a:r>
+              <a:rPr lang="fr-FR" dirty="0"/>
+              <a:t> </a:t>
+            </a:r>
+            <a:r>
+              <a:rPr lang="fr-FR" dirty="0" err="1"/>
+              <a:t>welcome</a:t>
+            </a:r>
+            <a:endParaRPr lang="fr-FR" dirty="0"/>
+          </a:p>
+        </p:txBody>
+      </p:sp>
+      <p:sp>
+        <p:nvSpPr>
+          <p:cNvPr id="3" name="Espace réservé du contenu 2">
+            <a:extLst>
+              <a:ext uri="{FF2B5EF4-FFF2-40B4-BE49-F238E27FC236}">
+                <a16:creationId xmlns:a16="http://schemas.microsoft.com/office/drawing/2014/main" id="{710AAF3A-11AD-4DB5-90D9-C581F90542CA}"/>
+              </a:ext>
+            </a:extLst>
+          </p:cNvPr>
+          <p:cNvSpPr>
+            <a:spLocks noGrp="1"/>
+          </p:cNvSpPr>
+          <p:nvPr>
+            <p:ph idx="1"/>
+          </p:nvPr>
+        </p:nvSpPr>
+        <p:spPr/>
+        <p:txBody>
+          <a:bodyPr/>
+          <a:lstStyle/>
+          <a:p>
+            <a:endParaRPr lang="fr-FR" dirty="0"/>
+          </a:p>
+        </p:txBody>
+      </p:sp>
+    </p:spTree>
+    <p:extLst>
+      <p:ext uri="{BB962C8B-B14F-4D97-AF65-F5344CB8AC3E}">
+        <p14:creationId xmlns:p14="http://schemas.microsoft.com/office/powerpoint/2010/main" val="133476141"/>
+      </p:ext>
+    </p:extLst>
+  </p:cSld>
+  <p:clrMapOvr>
+    <a:masterClrMapping/>
+  </p:clrMapOvr>
+</p:sld>
+</file>
+
+<file path=ppt/slides/slide14.xml><?xml version="1.0" encoding="utf-8"?>
+<p:sld xmlns:a="http://schemas.openxmlformats.org/drawingml/2006/main" xmlns:r="http://schemas.openxmlformats.org/officeDocument/2006/relationships" xmlns:p="http://schemas.openxmlformats.org/presentationml/2006/main">
+  <p:cSld>
+    <p:spTree>
+      <p:nvGrpSpPr>
+        <p:cNvPr id="1" name=""/>
+        <p:cNvGrpSpPr/>
+        <p:nvPr/>
+      </p:nvGrpSpPr>
+      <p:grpSpPr>
+        <a:xfrm>
+          <a:off x="0" y="0"/>
+          <a:ext cx="0" cy="0"/>
+          <a:chOff x="0" y="0"/>
+          <a:chExt cx="0" cy="0"/>
+        </a:xfrm>
+      </p:grpSpPr>
+      <p:sp>
+        <p:nvSpPr>
+          <p:cNvPr id="2" name="Titre 1">
+            <a:extLst>
+              <a:ext uri="{FF2B5EF4-FFF2-40B4-BE49-F238E27FC236}">
+                <a16:creationId xmlns:a16="http://schemas.microsoft.com/office/drawing/2014/main" id="{796BD3F1-30E6-42AA-A27D-EB24DA4D916E}"/>
+              </a:ext>
+            </a:extLst>
+          </p:cNvPr>
+          <p:cNvSpPr>
+            <a:spLocks noGrp="1"/>
+          </p:cNvSpPr>
+          <p:nvPr>
+            <p:ph type="title"/>
+          </p:nvPr>
+        </p:nvSpPr>
+        <p:spPr/>
+        <p:txBody>
+          <a:bodyPr/>
+          <a:lstStyle/>
+          <a:p>
+            <a:r>
+              <a:rPr lang="fr-FR" dirty="0" err="1"/>
+              <a:t>What</a:t>
+            </a:r>
+            <a:r>
+              <a:rPr lang="fr-FR" dirty="0"/>
+              <a:t> Next?</a:t>
+            </a:r>
+          </a:p>
+        </p:txBody>
+      </p:sp>
+      <p:sp>
+        <p:nvSpPr>
+          <p:cNvPr id="3" name="Espace réservé du contenu 2">
+            <a:extLst>
+              <a:ext uri="{FF2B5EF4-FFF2-40B4-BE49-F238E27FC236}">
+                <a16:creationId xmlns:a16="http://schemas.microsoft.com/office/drawing/2014/main" id="{710AAF3A-11AD-4DB5-90D9-C581F90542CA}"/>
+              </a:ext>
+            </a:extLst>
+          </p:cNvPr>
+          <p:cNvSpPr>
+            <a:spLocks noGrp="1"/>
+          </p:cNvSpPr>
+          <p:nvPr>
+            <p:ph idx="1"/>
+          </p:nvPr>
+        </p:nvSpPr>
+        <p:spPr/>
+        <p:txBody>
+          <a:bodyPr>
+            <a:normAutofit lnSpcReduction="10000"/>
+          </a:bodyPr>
+          <a:lstStyle/>
+          <a:p>
+            <a:r>
+              <a:rPr lang="fr-FR" dirty="0"/>
+              <a:t>In real </a:t>
+            </a:r>
+            <a:r>
+              <a:rPr lang="fr-FR" dirty="0" err="1"/>
+              <a:t>enterprise</a:t>
+            </a:r>
+            <a:r>
+              <a:rPr lang="fr-FR" dirty="0"/>
+              <a:t> world, </a:t>
+            </a:r>
+            <a:r>
+              <a:rPr lang="fr-FR" dirty="0" err="1"/>
+              <a:t>we</a:t>
+            </a:r>
+            <a:r>
+              <a:rPr lang="fr-FR" dirty="0"/>
+              <a:t> </a:t>
+            </a:r>
+            <a:r>
+              <a:rPr lang="fr-FR" dirty="0" err="1"/>
+              <a:t>would</a:t>
+            </a:r>
+            <a:r>
+              <a:rPr lang="fr-FR" dirty="0"/>
+              <a:t> </a:t>
+            </a:r>
+            <a:r>
+              <a:rPr lang="fr-FR" dirty="0" err="1"/>
+              <a:t>need</a:t>
+            </a:r>
+            <a:r>
+              <a:rPr lang="fr-FR" dirty="0"/>
+              <a:t> </a:t>
+            </a:r>
+            <a:r>
+              <a:rPr lang="fr-FR" dirty="0" err="1"/>
+              <a:t>tools</a:t>
+            </a:r>
+            <a:r>
+              <a:rPr lang="fr-FR" dirty="0"/>
+              <a:t> to </a:t>
+            </a:r>
+            <a:r>
+              <a:rPr lang="fr-FR" dirty="0" err="1"/>
+              <a:t>deploy</a:t>
+            </a:r>
+            <a:r>
+              <a:rPr lang="fr-FR" dirty="0"/>
+              <a:t> </a:t>
+            </a:r>
+            <a:r>
+              <a:rPr lang="fr-FR" dirty="0" err="1"/>
+              <a:t>our</a:t>
+            </a:r>
+            <a:r>
+              <a:rPr lang="fr-FR" dirty="0"/>
+              <a:t> code, </a:t>
+            </a:r>
+            <a:r>
+              <a:rPr lang="fr-FR" dirty="0" err="1"/>
+              <a:t>it</a:t>
+            </a:r>
+            <a:r>
+              <a:rPr lang="fr-FR" dirty="0"/>
+              <a:t> </a:t>
+            </a:r>
+            <a:r>
+              <a:rPr lang="fr-FR" dirty="0" err="1"/>
+              <a:t>may</a:t>
+            </a:r>
+            <a:r>
+              <a:rPr lang="fr-FR" dirty="0"/>
+              <a:t> </a:t>
+            </a:r>
+            <a:r>
+              <a:rPr lang="fr-FR" dirty="0" err="1"/>
+              <a:t>be</a:t>
+            </a:r>
+            <a:r>
+              <a:rPr lang="fr-FR" dirty="0"/>
+              <a:t> Jenkins or AWS </a:t>
+            </a:r>
+            <a:r>
+              <a:rPr lang="fr-FR" dirty="0" err="1"/>
+              <a:t>CodeBuild</a:t>
+            </a:r>
+            <a:r>
+              <a:rPr lang="fr-FR" dirty="0"/>
+              <a:t>/</a:t>
+            </a:r>
+            <a:r>
+              <a:rPr lang="fr-FR" dirty="0" err="1"/>
+              <a:t>CodeDeploy</a:t>
+            </a:r>
+            <a:r>
+              <a:rPr lang="fr-FR" dirty="0"/>
+              <a:t> or </a:t>
+            </a:r>
+            <a:r>
+              <a:rPr lang="fr-FR" dirty="0" err="1"/>
+              <a:t>CircleCI</a:t>
+            </a:r>
+            <a:r>
+              <a:rPr lang="fr-FR" dirty="0"/>
+              <a:t>.</a:t>
+            </a:r>
+          </a:p>
+          <a:p>
+            <a:r>
+              <a:rPr lang="fr-FR" dirty="0" err="1"/>
+              <a:t>We</a:t>
+            </a:r>
+            <a:r>
+              <a:rPr lang="fr-FR" dirty="0"/>
+              <a:t> </a:t>
+            </a:r>
+            <a:r>
+              <a:rPr lang="fr-FR" dirty="0" err="1"/>
+              <a:t>should</a:t>
+            </a:r>
+            <a:r>
+              <a:rPr lang="fr-FR" dirty="0"/>
+              <a:t> have a </a:t>
+            </a:r>
+            <a:r>
+              <a:rPr lang="fr-FR" dirty="0" err="1"/>
+              <a:t>tool</a:t>
+            </a:r>
+            <a:r>
+              <a:rPr lang="fr-FR" dirty="0"/>
+              <a:t> to </a:t>
+            </a:r>
+            <a:r>
+              <a:rPr lang="fr-FR" dirty="0" err="1"/>
+              <a:t>schedule</a:t>
+            </a:r>
+            <a:r>
+              <a:rPr lang="fr-FR" dirty="0"/>
+              <a:t> the </a:t>
+            </a:r>
+            <a:r>
+              <a:rPr lang="fr-FR" dirty="0" err="1"/>
+              <a:t>tasks</a:t>
+            </a:r>
+            <a:r>
+              <a:rPr lang="fr-FR" dirty="0"/>
+              <a:t>, for </a:t>
+            </a:r>
+            <a:r>
+              <a:rPr lang="fr-FR" dirty="0" err="1"/>
+              <a:t>example</a:t>
+            </a:r>
+            <a:r>
+              <a:rPr lang="fr-FR" dirty="0"/>
+              <a:t> in the </a:t>
+            </a:r>
+            <a:r>
+              <a:rPr lang="fr-FR" dirty="0" err="1"/>
+              <a:t>company</a:t>
+            </a:r>
+            <a:r>
+              <a:rPr lang="fr-FR" dirty="0"/>
+              <a:t> I </a:t>
+            </a:r>
+            <a:r>
+              <a:rPr lang="fr-FR" dirty="0" err="1"/>
+              <a:t>work</a:t>
+            </a:r>
+            <a:r>
+              <a:rPr lang="fr-FR" dirty="0"/>
+              <a:t> for, </a:t>
+            </a:r>
+            <a:r>
+              <a:rPr lang="fr-FR" dirty="0" err="1"/>
+              <a:t>we’re</a:t>
+            </a:r>
+            <a:r>
+              <a:rPr lang="fr-FR" dirty="0"/>
+              <a:t> </a:t>
+            </a:r>
+            <a:r>
+              <a:rPr lang="fr-FR" dirty="0" err="1"/>
+              <a:t>using</a:t>
+            </a:r>
+            <a:r>
+              <a:rPr lang="fr-FR" dirty="0"/>
+              <a:t> Apache </a:t>
+            </a:r>
+            <a:r>
+              <a:rPr lang="fr-FR" dirty="0" err="1"/>
+              <a:t>Airflow</a:t>
+            </a:r>
+            <a:r>
+              <a:rPr lang="fr-FR" dirty="0"/>
+              <a:t> to </a:t>
+            </a:r>
+            <a:r>
+              <a:rPr lang="fr-FR" dirty="0" err="1"/>
+              <a:t>describe</a:t>
+            </a:r>
+            <a:r>
+              <a:rPr lang="fr-FR" dirty="0"/>
+              <a:t> all workflows. </a:t>
+            </a:r>
+            <a:r>
+              <a:rPr lang="fr-FR" dirty="0">
+                <a:hlinkClick r:id="rId2"/>
+              </a:rPr>
+              <a:t>https://airflow.apache.org/</a:t>
+            </a:r>
+            <a:endParaRPr lang="fr-FR" dirty="0"/>
+          </a:p>
+          <a:p>
+            <a:r>
+              <a:rPr lang="fr-FR" dirty="0"/>
+              <a:t>A notion of Infrastructure as code </a:t>
+            </a:r>
+            <a:r>
+              <a:rPr lang="fr-FR" dirty="0" err="1"/>
+              <a:t>also</a:t>
+            </a:r>
+            <a:r>
+              <a:rPr lang="fr-FR" dirty="0"/>
+              <a:t> </a:t>
+            </a:r>
+            <a:r>
+              <a:rPr lang="fr-FR" dirty="0" err="1"/>
+              <a:t>is</a:t>
+            </a:r>
+            <a:r>
+              <a:rPr lang="fr-FR" dirty="0"/>
+              <a:t> </a:t>
+            </a:r>
+            <a:r>
+              <a:rPr lang="fr-FR" dirty="0" err="1"/>
+              <a:t>often</a:t>
+            </a:r>
+            <a:r>
+              <a:rPr lang="fr-FR" dirty="0"/>
+              <a:t> </a:t>
+            </a:r>
+            <a:r>
+              <a:rPr lang="fr-FR" dirty="0" err="1"/>
+              <a:t>invoked</a:t>
+            </a:r>
+            <a:r>
+              <a:rPr lang="fr-FR" dirty="0"/>
+              <a:t> in </a:t>
+            </a:r>
+            <a:r>
+              <a:rPr lang="fr-FR" dirty="0" err="1"/>
+              <a:t>order</a:t>
+            </a:r>
+            <a:r>
+              <a:rPr lang="fr-FR" dirty="0"/>
+              <a:t> to </a:t>
+            </a:r>
+            <a:r>
+              <a:rPr lang="fr-FR" dirty="0" err="1"/>
+              <a:t>easy</a:t>
+            </a:r>
+            <a:r>
+              <a:rPr lang="fr-FR" dirty="0"/>
+              <a:t> </a:t>
+            </a:r>
+            <a:r>
+              <a:rPr lang="fr-FR" dirty="0" err="1"/>
+              <a:t>handle</a:t>
+            </a:r>
+            <a:r>
+              <a:rPr lang="fr-FR" dirty="0"/>
+              <a:t>, and </a:t>
+            </a:r>
+            <a:r>
+              <a:rPr lang="fr-FR" dirty="0" err="1"/>
+              <a:t>easy</a:t>
+            </a:r>
+            <a:r>
+              <a:rPr lang="fr-FR" dirty="0"/>
+              <a:t> version </a:t>
+            </a:r>
+            <a:r>
+              <a:rPr lang="fr-FR" dirty="0" err="1"/>
+              <a:t>our</a:t>
+            </a:r>
+            <a:r>
+              <a:rPr lang="fr-FR" dirty="0"/>
+              <a:t> infrastructure on the Cloud. In the </a:t>
+            </a:r>
+            <a:r>
+              <a:rPr lang="fr-FR" dirty="0" err="1"/>
+              <a:t>list</a:t>
+            </a:r>
+            <a:r>
+              <a:rPr lang="fr-FR" dirty="0"/>
+              <a:t> </a:t>
+            </a:r>
+            <a:r>
+              <a:rPr lang="fr-FR" dirty="0" err="1"/>
+              <a:t>we</a:t>
+            </a:r>
+            <a:r>
+              <a:rPr lang="fr-FR" dirty="0"/>
+              <a:t> have </a:t>
+            </a:r>
+            <a:r>
+              <a:rPr lang="fr-FR" dirty="0" err="1"/>
+              <a:t>Troposphere</a:t>
+            </a:r>
+            <a:r>
+              <a:rPr lang="fr-FR" dirty="0"/>
+              <a:t>, </a:t>
+            </a:r>
+            <a:r>
+              <a:rPr lang="fr-FR" dirty="0" err="1"/>
+              <a:t>Terraform</a:t>
+            </a:r>
+            <a:r>
+              <a:rPr lang="fr-FR" dirty="0"/>
+              <a:t> …</a:t>
+            </a:r>
+          </a:p>
+          <a:p>
+            <a:r>
+              <a:rPr lang="fr-FR" dirty="0" err="1"/>
+              <a:t>Securizing</a:t>
+            </a:r>
+            <a:r>
+              <a:rPr lang="fr-FR" dirty="0"/>
+              <a:t> </a:t>
+            </a:r>
+            <a:r>
+              <a:rPr lang="fr-FR" dirty="0" err="1"/>
+              <a:t>our</a:t>
+            </a:r>
+            <a:r>
+              <a:rPr lang="fr-FR" dirty="0"/>
+              <a:t> </a:t>
+            </a:r>
+            <a:r>
+              <a:rPr lang="fr-FR" dirty="0" err="1"/>
+              <a:t>bucket</a:t>
+            </a:r>
+            <a:r>
+              <a:rPr lang="fr-FR" dirty="0"/>
+              <a:t> (AWS IAM)</a:t>
+            </a:r>
+          </a:p>
+          <a:p>
+            <a:r>
+              <a:rPr lang="fr-FR" dirty="0" err="1"/>
+              <a:t>Debugging</a:t>
+            </a:r>
+            <a:r>
+              <a:rPr lang="fr-FR" dirty="0"/>
+              <a:t> a </a:t>
+            </a:r>
+            <a:r>
+              <a:rPr lang="fr-FR" dirty="0" err="1"/>
+              <a:t>spark</a:t>
+            </a:r>
+            <a:r>
+              <a:rPr lang="fr-FR" dirty="0"/>
+              <a:t> batch application </a:t>
+            </a:r>
+            <a:r>
+              <a:rPr lang="fr-FR" dirty="0" err="1"/>
+              <a:t>is</a:t>
+            </a:r>
+            <a:r>
+              <a:rPr lang="fr-FR" dirty="0"/>
+              <a:t> tough, </a:t>
+            </a:r>
+            <a:r>
+              <a:rPr lang="fr-FR" dirty="0" err="1"/>
+              <a:t>very</a:t>
+            </a:r>
+            <a:r>
+              <a:rPr lang="fr-FR" dirty="0"/>
+              <a:t> </a:t>
+            </a:r>
+            <a:r>
+              <a:rPr lang="fr-FR" dirty="0" err="1"/>
+              <a:t>very</a:t>
+            </a:r>
+            <a:r>
+              <a:rPr lang="fr-FR" dirty="0"/>
+              <a:t> tough; </a:t>
+            </a:r>
+            <a:r>
+              <a:rPr lang="fr-FR" dirty="0" err="1"/>
+              <a:t>because</a:t>
+            </a:r>
+            <a:r>
+              <a:rPr lang="fr-FR" dirty="0"/>
+              <a:t> of </a:t>
+            </a:r>
+            <a:r>
+              <a:rPr lang="fr-FR" dirty="0" err="1"/>
+              <a:t>spark</a:t>
+            </a:r>
+            <a:r>
+              <a:rPr lang="fr-FR" dirty="0"/>
+              <a:t> </a:t>
+            </a:r>
+            <a:r>
+              <a:rPr lang="fr-FR" dirty="0" err="1"/>
+              <a:t>laziness</a:t>
+            </a:r>
+            <a:r>
+              <a:rPr lang="fr-FR" dirty="0"/>
+              <a:t> and </a:t>
+            </a:r>
+            <a:r>
+              <a:rPr lang="fr-FR" dirty="0" err="1"/>
+              <a:t>distributed</a:t>
+            </a:r>
+            <a:r>
+              <a:rPr lang="fr-FR" dirty="0"/>
+              <a:t> system concept; </a:t>
+            </a:r>
+            <a:r>
+              <a:rPr lang="fr-FR" dirty="0" err="1"/>
+              <a:t>without</a:t>
+            </a:r>
+            <a:r>
+              <a:rPr lang="fr-FR" dirty="0"/>
+              <a:t> </a:t>
+            </a:r>
+            <a:r>
+              <a:rPr lang="fr-FR" dirty="0" err="1"/>
+              <a:t>mentioning</a:t>
+            </a:r>
+            <a:r>
+              <a:rPr lang="fr-FR" dirty="0"/>
+              <a:t> the </a:t>
+            </a:r>
+            <a:r>
+              <a:rPr lang="fr-FR" dirty="0" err="1"/>
+              <a:t>amount</a:t>
+            </a:r>
+            <a:r>
+              <a:rPr lang="fr-FR" dirty="0"/>
+              <a:t> of data </a:t>
+            </a:r>
+            <a:r>
+              <a:rPr lang="fr-FR" dirty="0" err="1"/>
+              <a:t>being</a:t>
+            </a:r>
+            <a:r>
+              <a:rPr lang="fr-FR" dirty="0"/>
+              <a:t> </a:t>
+            </a:r>
+            <a:r>
+              <a:rPr lang="fr-FR" dirty="0" err="1"/>
+              <a:t>processed</a:t>
+            </a:r>
+            <a:r>
+              <a:rPr lang="fr-FR" dirty="0"/>
+              <a:t>, </a:t>
+            </a:r>
+            <a:r>
+              <a:rPr lang="fr-FR" dirty="0" err="1"/>
+              <a:t>we</a:t>
+            </a:r>
+            <a:r>
+              <a:rPr lang="fr-FR" dirty="0"/>
+              <a:t> </a:t>
+            </a:r>
+            <a:r>
+              <a:rPr lang="fr-FR" dirty="0" err="1"/>
+              <a:t>cannot</a:t>
+            </a:r>
+            <a:r>
+              <a:rPr lang="fr-FR" dirty="0"/>
+              <a:t> do a </a:t>
+            </a:r>
+            <a:r>
+              <a:rPr lang="fr-FR" dirty="0" err="1"/>
+              <a:t>breakpoint</a:t>
+            </a:r>
+            <a:r>
+              <a:rPr lang="fr-FR" dirty="0"/>
+              <a:t> on the code and check </a:t>
+            </a:r>
+            <a:r>
+              <a:rPr lang="fr-FR" dirty="0" err="1"/>
+              <a:t>where</a:t>
+            </a:r>
+            <a:r>
+              <a:rPr lang="fr-FR" dirty="0"/>
+              <a:t> </a:t>
+            </a:r>
+            <a:r>
+              <a:rPr lang="fr-FR" dirty="0" err="1"/>
+              <a:t>it</a:t>
+            </a:r>
+            <a:r>
+              <a:rPr lang="fr-FR" dirty="0"/>
+              <a:t> fails. 🙂</a:t>
+            </a:r>
+          </a:p>
+        </p:txBody>
+      </p:sp>
+    </p:spTree>
+    <p:extLst>
+      <p:ext uri="{BB962C8B-B14F-4D97-AF65-F5344CB8AC3E}">
+        <p14:creationId xmlns:p14="http://schemas.microsoft.com/office/powerpoint/2010/main" val="431944487"/>
+      </p:ext>
+    </p:extLst>
+  </p:cSld>
+  <p:clrMapOvr>
+    <a:masterClrMapping/>
+  </p:clrMapOvr>
+</p:sld>
+</file>
+
+<file path=ppt/slides/slide15.xml><?xml version="1.0" encoding="utf-8"?>
+<p:sld xmlns:a="http://schemas.openxmlformats.org/drawingml/2006/main" xmlns:r="http://schemas.openxmlformats.org/officeDocument/2006/relationships" xmlns:p="http://schemas.openxmlformats.org/presentationml/2006/main">
+  <p:cSld>
+    <p:spTree>
+      <p:nvGrpSpPr>
+        <p:cNvPr id="1" name=""/>
+        <p:cNvGrpSpPr/>
+        <p:nvPr/>
+      </p:nvGrpSpPr>
+      <p:grpSpPr>
+        <a:xfrm>
+          <a:off x="0" y="0"/>
+          <a:ext cx="0" cy="0"/>
+          <a:chOff x="0" y="0"/>
+          <a:chExt cx="0" cy="0"/>
+        </a:xfrm>
+      </p:grpSpPr>
+      <p:sp>
+        <p:nvSpPr>
           <p:cNvPr id="2" name="Titre 1"/>
           <p:cNvSpPr>
             <a:spLocks noGrp="1"/>
@@ -4921,7 +5314,7 @@
 </p:sld>
 </file>
 
-<file path=ppt/slides/slide14.xml><?xml version="1.0" encoding="utf-8"?>
+<file path=ppt/slides/slide16.xml><?xml version="1.0" encoding="utf-8"?>
 <p:sld xmlns:a="http://schemas.openxmlformats.org/drawingml/2006/main" xmlns:r="http://schemas.openxmlformats.org/officeDocument/2006/relationships" xmlns:p="http://schemas.openxmlformats.org/presentationml/2006/main">
   <p:cSld>
     <p:spTree>
@@ -5935,28 +6328,16 @@
           <a:lstStyle/>
           <a:p>
             <a:r>
-              <a:rPr lang="fr-FR" dirty="0" err="1"/>
-              <a:t>Resources</a:t>
-            </a:r>
-            <a:r>
-              <a:rPr lang="fr-FR" dirty="0"/>
-              <a:t> </a:t>
-            </a:r>
-            <a:r>
-              <a:rPr lang="fr-FR" dirty="0" err="1"/>
-              <a:t>managment</a:t>
-            </a:r>
-            <a:r>
-              <a:rPr lang="fr-FR" dirty="0"/>
-              <a:t> on AWS - </a:t>
-            </a:r>
-            <a:r>
-              <a:rPr lang="fr-FR" dirty="0" err="1"/>
-              <a:t>CloudFormation</a:t>
-            </a:r>
-            <a:r>
-              <a:rPr lang="fr-FR" dirty="0"/>
-              <a:t> :</a:t>
+              <a:rPr lang="fr-FR" dirty="0"/>
+              <a:t>Basic </a:t>
+            </a:r>
+            <a:r>
+              <a:rPr lang="fr-FR" dirty="0" err="1"/>
+              <a:t>Overview</a:t>
+            </a:r>
+            <a:r>
+              <a:rPr lang="fr-FR" dirty="0"/>
+              <a:t> of AWS !!</a:t>
             </a:r>
           </a:p>
         </p:txBody>
@@ -5982,57 +6363,63 @@
           <a:bodyPr/>
           <a:lstStyle/>
           <a:p>
-            <a:r>
-              <a:rPr lang="en-US" dirty="0"/>
-              <a:t>provides a language to describe and provision all infrastructure resources in AWS;</a:t>
-            </a:r>
-          </a:p>
-          <a:p>
-            <a:r>
-              <a:rPr lang="en-US" dirty="0"/>
-              <a:t>allows us to use a simple text file to model and provision all the resources needed for your applications, across all regions and all accounts;</a:t>
-            </a:r>
-          </a:p>
-          <a:p>
-            <a:r>
-              <a:rPr lang="en-US" dirty="0"/>
-              <a:t>manages the dependencies between the different resources for you. For example, it will understand for itself that it is necessary to create the VPC before attempting to attach an egress gateway to it.</a:t>
-            </a:r>
-          </a:p>
-          <a:p>
-            <a:r>
-              <a:rPr lang="en-US" dirty="0"/>
-              <a:t>The Template file CloudFormation is a descriptive file of your infrastructure, it can be written in either JSON or YAML.</a:t>
-            </a:r>
-          </a:p>
-          <a:p>
             <a:pPr marL="0" indent="0">
               <a:buNone/>
             </a:pPr>
             <a:r>
-              <a:rPr lang="en-US" dirty="0"/>
-              <a:t>The link bellow leads to AWS CloudFormation : </a:t>
-            </a:r>
-            <a:r>
-              <a:rPr lang="en-US" dirty="0">
-                <a:hlinkClick r:id="rId2"/>
-              </a:rPr>
-              <a:t>https://eu-west-3.console.aws.amazon.com/cloudformation/home?region=eu-west-3#/</a:t>
-            </a:r>
-            <a:endParaRPr lang="en-US" dirty="0"/>
-          </a:p>
-          <a:p>
-            <a:pPr marL="0" indent="0">
-              <a:buNone/>
-            </a:pPr>
+              <a:rPr lang="fr-FR" dirty="0"/>
+              <a:t>The 3 basics and </a:t>
+            </a:r>
+            <a:r>
+              <a:rPr lang="fr-FR" dirty="0" err="1"/>
+              <a:t>nice</a:t>
+            </a:r>
+            <a:r>
+              <a:rPr lang="fr-FR" dirty="0"/>
+              <a:t> to know </a:t>
+            </a:r>
+            <a:r>
+              <a:rPr lang="fr-FR" dirty="0" err="1"/>
+              <a:t>things</a:t>
+            </a:r>
+            <a:r>
+              <a:rPr lang="fr-FR" dirty="0"/>
+              <a:t> on the cloud are :</a:t>
+            </a:r>
+          </a:p>
+          <a:p>
+            <a:r>
+              <a:rPr lang="fr-FR" dirty="0" err="1"/>
+              <a:t>Resources</a:t>
+            </a:r>
+            <a:r>
+              <a:rPr lang="fr-FR" dirty="0"/>
+              <a:t> </a:t>
+            </a:r>
+            <a:r>
+              <a:rPr lang="fr-FR" dirty="0" err="1"/>
+              <a:t>managment</a:t>
+            </a:r>
             <a:endParaRPr lang="fr-FR" dirty="0"/>
+          </a:p>
+          <a:p>
+            <a:r>
+              <a:rPr lang="fr-FR" dirty="0"/>
+              <a:t>Networking</a:t>
+            </a:r>
+          </a:p>
+          <a:p>
+            <a:r>
+              <a:rPr lang="fr-FR" dirty="0"/>
+              <a:t>Security</a:t>
+            </a:r>
           </a:p>
         </p:txBody>
       </p:sp>
     </p:spTree>
     <p:extLst>
       <p:ext uri="{BB962C8B-B14F-4D97-AF65-F5344CB8AC3E}">
-        <p14:creationId xmlns:p14="http://schemas.microsoft.com/office/powerpoint/2010/main" val="2890967254"/>
+        <p14:creationId xmlns:p14="http://schemas.microsoft.com/office/powerpoint/2010/main" val="1189534615"/>
       </p:ext>
     </p:extLst>
   </p:cSld>
@@ -6081,15 +6468,28 @@
           <a:lstStyle/>
           <a:p>
             <a:r>
-              <a:rPr lang="fr-FR" dirty="0"/>
-              <a:t>Networking on AWS –</a:t>
-            </a:r>
-            <a:br>
-              <a:rPr lang="fr-FR" dirty="0"/>
-            </a:br>
-            <a:r>
-              <a:rPr lang="fr-FR" dirty="0"/>
-              <a:t>VPC :</a:t>
+              <a:rPr lang="fr-FR" dirty="0" err="1"/>
+              <a:t>Resources</a:t>
+            </a:r>
+            <a:r>
+              <a:rPr lang="fr-FR" dirty="0"/>
+              <a:t> </a:t>
+            </a:r>
+            <a:r>
+              <a:rPr lang="fr-FR" dirty="0" err="1"/>
+              <a:t>managment</a:t>
+            </a:r>
+            <a:r>
+              <a:rPr lang="fr-FR" dirty="0"/>
+              <a:t> on AWS - </a:t>
+            </a:r>
+            <a:r>
+              <a:rPr lang="fr-FR" dirty="0" err="1"/>
+              <a:t>CloudFormation</a:t>
+            </a:r>
+            <a:r>
+              <a:rPr lang="fr-FR" dirty="0"/>
+              <a:t> :</a:t>
             </a:r>
           </a:p>
         </p:txBody>
@@ -6116,126 +6516,43 @@
           <a:lstStyle/>
           <a:p>
             <a:r>
-              <a:rPr lang="fr-FR" dirty="0"/>
-              <a:t>Virtual </a:t>
-            </a:r>
-            <a:r>
-              <a:rPr lang="fr-FR" dirty="0" err="1"/>
-              <a:t>Private</a:t>
-            </a:r>
-            <a:r>
-              <a:rPr lang="fr-FR" dirty="0"/>
-              <a:t> Cloud, as the </a:t>
-            </a:r>
-            <a:r>
-              <a:rPr lang="fr-FR" dirty="0" err="1"/>
-              <a:t>name</a:t>
-            </a:r>
-            <a:r>
-              <a:rPr lang="fr-FR" dirty="0"/>
-              <a:t> </a:t>
-            </a:r>
-            <a:r>
-              <a:rPr lang="fr-FR" dirty="0" err="1"/>
-              <a:t>itself</a:t>
-            </a:r>
-            <a:r>
-              <a:rPr lang="fr-FR" dirty="0"/>
-              <a:t> </a:t>
-            </a:r>
-            <a:r>
-              <a:rPr lang="fr-FR" dirty="0" err="1"/>
-              <a:t>says</a:t>
-            </a:r>
-            <a:r>
-              <a:rPr lang="fr-FR" dirty="0"/>
-              <a:t>, </a:t>
-            </a:r>
-            <a:r>
-              <a:rPr lang="fr-FR" dirty="0" err="1"/>
-              <a:t>is</a:t>
-            </a:r>
-            <a:r>
-              <a:rPr lang="fr-FR" dirty="0"/>
-              <a:t> a </a:t>
-            </a:r>
-            <a:r>
-              <a:rPr lang="fr-FR" dirty="0" err="1"/>
-              <a:t>private</a:t>
-            </a:r>
-            <a:r>
-              <a:rPr lang="fr-FR" dirty="0"/>
-              <a:t> </a:t>
-            </a:r>
-            <a:r>
-              <a:rPr lang="fr-FR" dirty="0" err="1"/>
-              <a:t>virtual</a:t>
-            </a:r>
-            <a:r>
-              <a:rPr lang="fr-FR" dirty="0"/>
-              <a:t> network on </a:t>
-            </a:r>
-            <a:r>
-              <a:rPr lang="fr-FR" dirty="0" err="1"/>
-              <a:t>which</a:t>
-            </a:r>
-            <a:r>
-              <a:rPr lang="fr-FR" dirty="0"/>
-              <a:t> all </a:t>
-            </a:r>
-            <a:r>
-              <a:rPr lang="fr-FR" dirty="0" err="1"/>
-              <a:t>nertwork</a:t>
-            </a:r>
-            <a:r>
-              <a:rPr lang="fr-FR" dirty="0"/>
-              <a:t> configuration </a:t>
-            </a:r>
-            <a:r>
-              <a:rPr lang="fr-FR" dirty="0" err="1"/>
-              <a:t>should</a:t>
-            </a:r>
-            <a:r>
-              <a:rPr lang="fr-FR" dirty="0"/>
-              <a:t> </a:t>
-            </a:r>
-            <a:r>
-              <a:rPr lang="fr-FR" dirty="0" err="1"/>
-              <a:t>be</a:t>
-            </a:r>
-            <a:r>
-              <a:rPr lang="fr-FR" dirty="0"/>
-              <a:t> </a:t>
-            </a:r>
-            <a:r>
-              <a:rPr lang="fr-FR" dirty="0" err="1"/>
-              <a:t>created</a:t>
-            </a:r>
-            <a:r>
-              <a:rPr lang="fr-FR" dirty="0"/>
-              <a:t>.</a:t>
-            </a:r>
-          </a:p>
-          <a:p>
-            <a:r>
-              <a:rPr lang="fr-FR" dirty="0"/>
-              <a:t>Bellow a </a:t>
-            </a:r>
-            <a:r>
-              <a:rPr lang="fr-FR" dirty="0" err="1"/>
-              <a:t>link</a:t>
-            </a:r>
-            <a:r>
-              <a:rPr lang="fr-FR" dirty="0"/>
-              <a:t> for AWS VPC  : </a:t>
-            </a:r>
-            <a:r>
-              <a:rPr lang="fr-FR" dirty="0">
+              <a:rPr lang="en-US" dirty="0"/>
+              <a:t>provides a language to describe and provision all infrastructure resources in AWS;</a:t>
+            </a:r>
+          </a:p>
+          <a:p>
+            <a:r>
+              <a:rPr lang="en-US" dirty="0"/>
+              <a:t>allows us to use a simple text file to model and provision all the resources needed for your applications, across all regions and all accounts;</a:t>
+            </a:r>
+          </a:p>
+          <a:p>
+            <a:r>
+              <a:rPr lang="en-US" dirty="0"/>
+              <a:t>manages the dependencies between the different resources for you. For example, it will understand for itself that it is necessary to create the VPC before attempting to attach an egress gateway to it.</a:t>
+            </a:r>
+          </a:p>
+          <a:p>
+            <a:r>
+              <a:rPr lang="en-US" dirty="0"/>
+              <a:t>the Template file CloudFormation is a descriptive file of your infrastructure, it can be written in either JSON or YAML.</a:t>
+            </a:r>
+          </a:p>
+          <a:p>
+            <a:pPr marL="0" indent="0">
+              <a:buNone/>
+            </a:pPr>
+            <a:r>
+              <a:rPr lang="en-US" dirty="0"/>
+              <a:t>The link bellow leads to AWS CloudFormation : </a:t>
+            </a:r>
+            <a:r>
+              <a:rPr lang="en-US" dirty="0">
                 <a:hlinkClick r:id="rId2"/>
               </a:rPr>
-              <a:t>https://eu-west-3.console.aws.amazon.com/vpc/home?region=eu-west-3#</a:t>
-            </a:r>
-            <a:endParaRPr lang="fr-FR" dirty="0"/>
+              <a:t>https://eu-west-3.console.aws.amazon.com/cloudformation/home?region=eu-west-3#/</a:t>
+            </a:r>
+            <a:endParaRPr lang="en-US" dirty="0"/>
           </a:p>
           <a:p>
             <a:pPr marL="0" indent="0">
@@ -6248,7 +6565,7 @@
     </p:spTree>
     <p:extLst>
       <p:ext uri="{BB962C8B-B14F-4D97-AF65-F5344CB8AC3E}">
-        <p14:creationId xmlns:p14="http://schemas.microsoft.com/office/powerpoint/2010/main" val="754897106"/>
+        <p14:creationId xmlns:p14="http://schemas.microsoft.com/office/powerpoint/2010/main" val="2890967254"/>
       </p:ext>
     </p:extLst>
   </p:cSld>
@@ -6297,20 +6614,15 @@
           <a:lstStyle/>
           <a:p>
             <a:r>
-              <a:rPr lang="fr-FR" dirty="0" err="1"/>
-              <a:t>Some</a:t>
-            </a:r>
-            <a:r>
-              <a:rPr lang="fr-FR" dirty="0"/>
-              <a:t> </a:t>
-            </a:r>
-            <a:r>
-              <a:rPr lang="fr-FR" dirty="0" err="1"/>
-              <a:t>useful</a:t>
-            </a:r>
-            <a:r>
-              <a:rPr lang="fr-FR" dirty="0"/>
-              <a:t> services on AWS :</a:t>
+              <a:rPr lang="fr-FR" dirty="0"/>
+              <a:t>Networking on AWS –</a:t>
+            </a:r>
+            <a:br>
+              <a:rPr lang="fr-FR" dirty="0"/>
+            </a:br>
+            <a:r>
+              <a:rPr lang="fr-FR" dirty="0"/>
+              <a:t>VPC :</a:t>
             </a:r>
           </a:p>
         </p:txBody>
@@ -6333,18 +6645,24 @@
         </p:nvSpPr>
         <p:spPr/>
         <p:txBody>
-          <a:bodyPr>
-            <a:normAutofit fontScale="55000" lnSpcReduction="20000"/>
-          </a:bodyPr>
+          <a:bodyPr/>
           <a:lstStyle/>
           <a:p>
             <a:r>
               <a:rPr lang="fr-FR" dirty="0"/>
-              <a:t>AWS EC2 : </a:t>
-            </a:r>
-            <a:r>
-              <a:rPr lang="fr-FR" dirty="0" err="1"/>
-              <a:t>Elastic</a:t>
+              <a:t>Virtual </a:t>
+            </a:r>
+            <a:r>
+              <a:rPr lang="fr-FR" dirty="0" err="1"/>
+              <a:t>Private</a:t>
+            </a:r>
+            <a:r>
+              <a:rPr lang="fr-FR" dirty="0"/>
+              <a:t> Cloud, as the </a:t>
+            </a:r>
+            <a:r>
+              <a:rPr lang="fr-FR" dirty="0" err="1"/>
+              <a:t>name</a:t>
             </a:r>
             <a:r>
               <a:rPr lang="fr-FR" dirty="0"/>
@@ -6352,21 +6670,7 @@
             </a:r>
             <a:r>
               <a:rPr lang="fr-FR" dirty="0" err="1"/>
-              <a:t>Compute</a:t>
-            </a:r>
-            <a:r>
-              <a:rPr lang="fr-FR" dirty="0"/>
-              <a:t> Cloud</a:t>
-            </a:r>
-          </a:p>
-          <a:p>
-            <a:r>
-              <a:rPr lang="fr-FR" dirty="0"/>
-              <a:t>AWS RDS : </a:t>
-            </a:r>
-            <a:r>
-              <a:rPr lang="fr-FR" dirty="0" err="1"/>
-              <a:t>Relational</a:t>
+              <a:t>itself</a:t>
             </a:r>
             <a:r>
               <a:rPr lang="fr-FR" dirty="0"/>
@@ -6374,155 +6678,102 @@
             </a:r>
             <a:r>
               <a:rPr lang="fr-FR" dirty="0" err="1"/>
-              <a:t>Database</a:t>
-            </a:r>
-            <a:r>
-              <a:rPr lang="fr-FR" dirty="0"/>
-              <a:t> Service</a:t>
-            </a:r>
-          </a:p>
-          <a:p>
-            <a:r>
-              <a:rPr lang="fr-FR" dirty="0"/>
-              <a:t>AWS S3 : Simple Storage Service</a:t>
-            </a:r>
-          </a:p>
-          <a:p>
-            <a:r>
-              <a:rPr lang="fr-FR" dirty="0"/>
-              <a:t>AWS VPC : Virtual </a:t>
-            </a:r>
-            <a:r>
-              <a:rPr lang="fr-FR" dirty="0" err="1"/>
-              <a:t>Private</a:t>
-            </a:r>
-            <a:r>
-              <a:rPr lang="fr-FR" dirty="0"/>
-              <a:t> Cloud</a:t>
-            </a:r>
-          </a:p>
-          <a:p>
-            <a:r>
-              <a:rPr lang="fr-FR" dirty="0"/>
-              <a:t>AWS SNS : Simple Notification Service</a:t>
-            </a:r>
-          </a:p>
-          <a:p>
-            <a:r>
-              <a:rPr lang="fr-FR" dirty="0"/>
-              <a:t>AWS LAMBDA :</a:t>
-            </a:r>
-            <a:r>
-              <a:rPr lang="en-US" b="0" i="0" dirty="0">
-                <a:solidFill>
-                  <a:srgbClr val="4D5156"/>
-                </a:solidFill>
-                <a:effectLst/>
-                <a:latin typeface="arial" panose="020B0604020202020204" pitchFamily="34" charset="0"/>
+              <a:t>says</a:t>
+            </a:r>
+            <a:r>
+              <a:rPr lang="fr-FR" dirty="0"/>
+              <a:t>, </a:t>
+            </a:r>
+            <a:r>
+              <a:rPr lang="fr-FR" dirty="0" err="1"/>
+              <a:t>is</a:t>
+            </a:r>
+            <a:r>
+              <a:rPr lang="fr-FR" dirty="0"/>
+              <a:t> a </a:t>
+            </a:r>
+            <a:r>
+              <a:rPr lang="fr-FR" dirty="0" err="1"/>
+              <a:t>private</a:t>
+            </a:r>
+            <a:r>
+              <a:rPr lang="fr-FR" dirty="0"/>
+              <a:t> </a:t>
+            </a:r>
+            <a:r>
+              <a:rPr lang="fr-FR" dirty="0" err="1"/>
+              <a:t>virtual</a:t>
+            </a:r>
+            <a:r>
+              <a:rPr lang="fr-FR" dirty="0"/>
+              <a:t> network on </a:t>
+            </a:r>
+            <a:r>
+              <a:rPr lang="fr-FR" dirty="0" err="1"/>
+              <a:t>which</a:t>
+            </a:r>
+            <a:r>
+              <a:rPr lang="fr-FR" dirty="0"/>
+              <a:t> all </a:t>
+            </a:r>
+            <a:r>
+              <a:rPr lang="fr-FR" dirty="0" err="1"/>
+              <a:t>nertwork</a:t>
+            </a:r>
+            <a:r>
+              <a:rPr lang="fr-FR" dirty="0"/>
+              <a:t> configuration </a:t>
+            </a:r>
+            <a:r>
+              <a:rPr lang="fr-FR" dirty="0" err="1"/>
+              <a:t>should</a:t>
+            </a:r>
+            <a:r>
+              <a:rPr lang="fr-FR" dirty="0"/>
+              <a:t> </a:t>
+            </a:r>
+            <a:r>
+              <a:rPr lang="fr-FR" dirty="0" err="1"/>
+              <a:t>be</a:t>
+            </a:r>
+            <a:r>
+              <a:rPr lang="fr-FR" dirty="0"/>
+              <a:t> </a:t>
+            </a:r>
+            <a:r>
+              <a:rPr lang="fr-FR" dirty="0" err="1"/>
+              <a:t>created</a:t>
+            </a:r>
+            <a:r>
+              <a:rPr lang="fr-FR" dirty="0"/>
+              <a:t>.</a:t>
+            </a:r>
+          </a:p>
+          <a:p>
+            <a:r>
+              <a:rPr lang="fr-FR" dirty="0"/>
+              <a:t>Bellow a </a:t>
+            </a:r>
+            <a:r>
+              <a:rPr lang="fr-FR" dirty="0" err="1"/>
+              <a:t>link</a:t>
+            </a:r>
+            <a:r>
+              <a:rPr lang="fr-FR" dirty="0"/>
+              <a:t> for AWS VPC  : </a:t>
+            </a:r>
+            <a:r>
+              <a:rPr lang="fr-FR" dirty="0">
+                <a:hlinkClick r:id="rId2"/>
               </a:rPr>
-              <a:t> </a:t>
-            </a:r>
-            <a:r>
-              <a:rPr lang="en-US" sz="2100" dirty="0"/>
-              <a:t>a compute service that lets us run code without provisioning or managing servers. </a:t>
-            </a:r>
-            <a:endParaRPr lang="fr-FR" sz="2100" dirty="0"/>
-          </a:p>
-          <a:p>
-            <a:r>
-              <a:rPr lang="fr-FR" dirty="0"/>
-              <a:t>AWS </a:t>
-            </a:r>
-            <a:r>
-              <a:rPr lang="fr-FR" sz="2100" dirty="0"/>
-              <a:t>KINESIS : </a:t>
-            </a:r>
-            <a:r>
-              <a:rPr lang="en-US" sz="2100" dirty="0"/>
-              <a:t>a managed, scalable, cloud-based service that allows real-time processing of streaming large amount of data per second. </a:t>
-            </a:r>
-            <a:endParaRPr lang="fr-FR" sz="2100" dirty="0"/>
-          </a:p>
-          <a:p>
-            <a:r>
-              <a:rPr lang="fr-FR" dirty="0"/>
-              <a:t>AWS SQS : Simple Queue Service</a:t>
-            </a:r>
-          </a:p>
-          <a:p>
-            <a:r>
-              <a:rPr lang="fr-FR" dirty="0"/>
-              <a:t>AWS DYNAMODB : key-value document </a:t>
-            </a:r>
-            <a:r>
-              <a:rPr lang="fr-FR" dirty="0" err="1"/>
-              <a:t>oriented</a:t>
-            </a:r>
-            <a:r>
-              <a:rPr lang="fr-FR" dirty="0"/>
-              <a:t> and </a:t>
-            </a:r>
-            <a:r>
-              <a:rPr lang="fr-FR" dirty="0" err="1"/>
-              <a:t>structured</a:t>
-            </a:r>
-            <a:r>
-              <a:rPr lang="fr-FR" dirty="0"/>
-              <a:t> NoSQL </a:t>
-            </a:r>
-            <a:r>
-              <a:rPr lang="fr-FR" dirty="0" err="1"/>
-              <a:t>DataBase</a:t>
+              <a:t>https://eu-west-3.console.aws.amazon.com/vpc/home?region=eu-west-3#</a:t>
             </a:r>
             <a:endParaRPr lang="fr-FR" dirty="0"/>
           </a:p>
           <a:p>
-            <a:r>
-              <a:rPr lang="fr-FR" dirty="0"/>
-              <a:t>AWS GLUE : a </a:t>
-            </a:r>
-            <a:r>
-              <a:rPr lang="fr-FR" dirty="0" err="1"/>
-              <a:t>serverless</a:t>
-            </a:r>
-            <a:r>
-              <a:rPr lang="fr-FR" dirty="0"/>
-              <a:t> ETL for data </a:t>
-            </a:r>
-            <a:r>
-              <a:rPr lang="fr-FR" dirty="0" err="1"/>
-              <a:t>analysis</a:t>
-            </a:r>
-            <a:r>
-              <a:rPr lang="fr-FR" dirty="0"/>
-              <a:t>, </a:t>
-            </a:r>
-            <a:r>
-              <a:rPr lang="fr-FR" dirty="0" err="1"/>
-              <a:t>processing</a:t>
-            </a:r>
-            <a:r>
-              <a:rPr lang="fr-FR" dirty="0"/>
-              <a:t>, transformation…</a:t>
-            </a:r>
-          </a:p>
-          <a:p>
-            <a:r>
-              <a:rPr lang="fr-FR" dirty="0"/>
-              <a:t>AWS ATHENA : </a:t>
-            </a:r>
-            <a:r>
-              <a:rPr lang="en-US" dirty="0"/>
-              <a:t>an interactive query service that makes it easy to analyze data in Amazon S3 using standard SQL syntax.</a:t>
-            </a:r>
-          </a:p>
-          <a:p>
-            <a:r>
-              <a:rPr lang="en-US" dirty="0"/>
-              <a:t>AWS EMR : Elastic MapReduce</a:t>
-            </a:r>
-          </a:p>
-          <a:p>
+            <a:pPr marL="0" indent="0">
+              <a:buNone/>
+            </a:pPr>
             <a:endParaRPr lang="fr-FR" dirty="0"/>
           </a:p>
         </p:txBody>
@@ -6530,7 +6781,7 @@
     </p:spTree>
     <p:extLst>
       <p:ext uri="{BB962C8B-B14F-4D97-AF65-F5344CB8AC3E}">
-        <p14:creationId xmlns:p14="http://schemas.microsoft.com/office/powerpoint/2010/main" val="585596523"/>
+        <p14:creationId xmlns:p14="http://schemas.microsoft.com/office/powerpoint/2010/main" val="754897106"/>
       </p:ext>
     </p:extLst>
   </p:cSld>
@@ -6579,29 +6830,16 @@
           <a:lstStyle/>
           <a:p>
             <a:r>
-              <a:rPr lang="fr-FR" dirty="0" err="1"/>
-              <a:t>Demo</a:t>
-            </a:r>
-            <a:r>
-              <a:rPr lang="fr-FR" dirty="0"/>
-              <a:t> – </a:t>
+              <a:rPr lang="fr-FR" dirty="0"/>
+              <a:t>Security on AWS –</a:t>
             </a:r>
             <a:br>
               <a:rPr lang="fr-FR" dirty="0"/>
             </a:br>
             <a:r>
-              <a:rPr lang="fr-FR" dirty="0" err="1"/>
-              <a:t>Presentation</a:t>
-            </a:r>
-            <a:r>
-              <a:rPr lang="fr-FR" dirty="0"/>
-              <a:t> of the </a:t>
-            </a:r>
-            <a:r>
-              <a:rPr lang="fr-FR" dirty="0" err="1"/>
-              <a:t>context</a:t>
-            </a:r>
-            <a:endParaRPr lang="fr-FR" dirty="0"/>
+              <a:rPr lang="fr-FR" dirty="0"/>
+              <a:t>IAM :</a:t>
+            </a:r>
           </a:p>
         </p:txBody>
       </p:sp>
@@ -6628,8 +6866,31 @@
           <a:p>
             <a:r>
               <a:rPr lang="en-US" dirty="0"/>
-              <a:t>We have a Collection of football games and we want to do an analysis of the games in which a given country has played.</a:t>
-            </a:r>
+              <a:t>AWS Identity and Access Management (IAM) is a web service that helps you securely control access to AWS resources. You use IAM to control who is authenticated (signed in) and authorized (has permissions) to use resources. ... Instead, adhere to the best practice of using the root user only to create your first IAM user.</a:t>
+            </a:r>
+          </a:p>
+          <a:p>
+            <a:r>
+              <a:rPr lang="fr-FR" dirty="0"/>
+              <a:t>Bellow a </a:t>
+            </a:r>
+            <a:r>
+              <a:rPr lang="fr-FR" dirty="0" err="1"/>
+              <a:t>link</a:t>
+            </a:r>
+            <a:r>
+              <a:rPr lang="fr-FR" dirty="0"/>
+              <a:t> for AWS IAM  : </a:t>
+            </a:r>
+            <a:r>
+              <a:rPr lang="fr-FR" dirty="0">
+                <a:hlinkClick r:id="rId2"/>
+              </a:rPr>
+              <a:t>https://console.aws.amazon.com/iam/home?region=eu-west-3#/home</a:t>
+            </a:r>
+            <a:endParaRPr lang="fr-FR" dirty="0"/>
+          </a:p>
+          <a:p>
             <a:endParaRPr lang="fr-FR" dirty="0"/>
           </a:p>
         </p:txBody>
@@ -6637,7 +6898,7 @@
     </p:spTree>
     <p:extLst>
       <p:ext uri="{BB962C8B-B14F-4D97-AF65-F5344CB8AC3E}">
-        <p14:creationId xmlns:p14="http://schemas.microsoft.com/office/powerpoint/2010/main" val="2670036827"/>
+        <p14:creationId xmlns:p14="http://schemas.microsoft.com/office/powerpoint/2010/main" val="4216429445"/>
       </p:ext>
     </p:extLst>
   </p:cSld>
@@ -8471,15 +8732,6 @@
 </file>
 
 <file path=customXml/item2.xml><?xml version="1.0" encoding="utf-8"?>
-<?mso-contentType ?>
-<FormTemplates xmlns="http://schemas.microsoft.com/sharepoint/v3/contenttype/forms">
-  <Display>DocumentLibraryForm</Display>
-  <Edit>AssetEditForm</Edit>
-  <New>DocumentLibraryForm</New>
-</FormTemplates>
-</file>
-
-<file path=customXml/item3.xml><?xml version="1.0" encoding="utf-8"?>
 <p:properties xmlns:p="http://schemas.microsoft.com/office/2006/metadata/properties" xmlns:xsi="http://www.w3.org/2001/XMLSchema-instance" xmlns:pc="http://schemas.microsoft.com/office/infopath/2007/PartnerControls">
   <documentManagement>
     <DirectSourceMarket xmlns="4873beb7-5857-4685-be1f-d57550cc96cc" xsi:nil="true"/>
@@ -8605,6 +8857,15 @@
 </p:properties>
 </file>
 
+<file path=customXml/item3.xml><?xml version="1.0" encoding="utf-8"?>
+<?mso-contentType ?>
+<FormTemplates xmlns="http://schemas.microsoft.com/sharepoint/v3/contenttype/forms">
+  <Display>DocumentLibraryForm</Display>
+  <Edit>AssetEditForm</Edit>
+  <New>DocumentLibraryForm</New>
+</FormTemplates>
+</file>
+
 <file path=customXml/itemProps1.xml><?xml version="1.0" encoding="utf-8"?>
 <ds:datastoreItem xmlns:ds="http://schemas.openxmlformats.org/officeDocument/2006/customXml" ds:itemID="{0B5C6E15-39DC-470B-9445-F754B9458020}">
   <ds:schemaRefs>
@@ -8624,14 +8885,6 @@
 </file>
 
 <file path=customXml/itemProps2.xml><?xml version="1.0" encoding="utf-8"?>
-<ds:datastoreItem xmlns:ds="http://schemas.openxmlformats.org/officeDocument/2006/customXml" ds:itemID="{746CFF6F-D9AA-4BC0-911A-0A1356771912}">
-  <ds:schemaRefs>
-    <ds:schemaRef ds:uri="http://schemas.microsoft.com/sharepoint/v3/contenttype/forms"/>
-  </ds:schemaRefs>
-</ds:datastoreItem>
-</file>
-
-<file path=customXml/itemProps3.xml><?xml version="1.0" encoding="utf-8"?>
 <ds:datastoreItem xmlns:ds="http://schemas.openxmlformats.org/officeDocument/2006/customXml" ds:itemID="{04098515-0C12-46CF-BC7C-69B4A13CD5FA}">
   <ds:schemaRefs>
     <ds:schemaRef ds:uri="http://schemas.microsoft.com/office/2006/metadata/properties"/>
@@ -8639,4 +8892,12 @@
     <ds:schemaRef ds:uri="4873beb7-5857-4685-be1f-d57550cc96cc"/>
   </ds:schemaRefs>
 </ds:datastoreItem>
+</file>
+
+<file path=customXml/itemProps3.xml><?xml version="1.0" encoding="utf-8"?>
+<ds:datastoreItem xmlns:ds="http://schemas.openxmlformats.org/officeDocument/2006/customXml" ds:itemID="{746CFF6F-D9AA-4BC0-911A-0A1356771912}">
+  <ds:schemaRefs>
+    <ds:schemaRef ds:uri="http://schemas.microsoft.com/sharepoint/v3/contenttype/forms"/>
+  </ds:schemaRefs>
+</ds:datastoreItem>
 </file>
--- a/files/Big Data on AWS.pptx
+++ b/files/Big Data on AWS.pptx
@@ -231,7 +231,7 @@
             <a:pPr algn="r" rtl="0"/>
             <a:fld id="{85FB9A08-40BC-47B5-8130-616BDCF09507}" type="datetime1">
               <a:rPr lang="fr-FR" smtClean="0"/>
-              <a:t>26/12/2020</a:t>
+              <a:t>29/12/2020</a:t>
             </a:fld>
             <a:endParaRPr lang="fr-FR" dirty="0"/>
           </a:p>
@@ -401,7 +401,7 @@
             <a:fld id="{082B9BC8-1895-4EB7-B2E1-D3911C69AD0C}" type="datetime1">
               <a:rPr lang="fr-FR" smtClean="0"/>
               <a:pPr/>
-              <a:t>26/12/2020</a:t>
+              <a:t>29/12/2020</a:t>
             </a:fld>
             <a:endParaRPr lang="fr-FR" dirty="0"/>
           </a:p>
@@ -1044,7 +1044,7 @@
             <a:fld id="{B0AE1499-D871-4B5A-815F-37F8E0C46F8C}" type="datetime1">
               <a:rPr lang="fr-FR" smtClean="0"/>
               <a:pPr/>
-              <a:t>26/12/2020</a:t>
+              <a:t>29/12/2020</a:t>
             </a:fld>
             <a:endParaRPr lang="fr-FR" dirty="0"/>
           </a:p>
@@ -1236,7 +1236,7 @@
             <a:fld id="{7CFD53AE-A1A9-4971-B817-D6F393C7FE35}" type="datetime1">
               <a:rPr lang="fr-FR" smtClean="0"/>
               <a:pPr/>
-              <a:t>26/12/2020</a:t>
+              <a:t>29/12/2020</a:t>
             </a:fld>
             <a:endParaRPr lang="fr-FR" dirty="0"/>
           </a:p>
@@ -1422,7 +1422,7 @@
             <a:fld id="{B4EA85BC-BD2B-458E-8340-8D31B4F152AE}" type="datetime1">
               <a:rPr lang="fr-FR" smtClean="0"/>
               <a:pPr/>
-              <a:t>26/12/2020</a:t>
+              <a:t>29/12/2020</a:t>
             </a:fld>
             <a:endParaRPr lang="fr-FR" dirty="0"/>
           </a:p>
@@ -1870,7 +1870,7 @@
             <a:fld id="{2C9DB741-A3C2-4C75-A4D1-97F129BE9491}" type="datetime1">
               <a:rPr lang="fr-FR" smtClean="0"/>
               <a:pPr/>
-              <a:t>26/12/2020</a:t>
+              <a:t>29/12/2020</a:t>
             </a:fld>
             <a:endParaRPr lang="fr-FR" dirty="0"/>
           </a:p>
@@ -2322,7 +2322,7 @@
             <a:fld id="{11B59C61-65A8-4FB6-8060-9ACE25B631CB}" type="datetime1">
               <a:rPr lang="fr-FR" noProof="0" smtClean="0"/>
               <a:pPr/>
-              <a:t>26/12/2020</a:t>
+              <a:t>29/12/2020</a:t>
             </a:fld>
             <a:endParaRPr lang="fr-FR" noProof="0" dirty="0"/>
           </a:p>
@@ -2452,7 +2452,7 @@
             <a:fld id="{B19C7B91-9FE1-44A2-8FAA-E998ADCC26EE}" type="datetime1">
               <a:rPr lang="fr-FR" smtClean="0"/>
               <a:pPr/>
-              <a:t>26/12/2020</a:t>
+              <a:t>29/12/2020</a:t>
             </a:fld>
             <a:endParaRPr lang="fr-FR" dirty="0"/>
           </a:p>
@@ -2558,7 +2558,7 @@
             <a:fld id="{24294901-3B67-4101-8D94-E7F6C7A7004D}" type="datetime1">
               <a:rPr lang="fr-FR" smtClean="0"/>
               <a:pPr/>
-              <a:t>26/12/2020</a:t>
+              <a:t>29/12/2020</a:t>
             </a:fld>
             <a:endParaRPr lang="fr-FR" dirty="0"/>
           </a:p>
@@ -2854,7 +2854,7 @@
             <a:fld id="{36311718-BEC8-4DB8-9B0A-52986EABC5C9}" type="datetime1">
               <a:rPr lang="fr-FR" smtClean="0"/>
               <a:pPr/>
-              <a:t>26/12/2020</a:t>
+              <a:t>29/12/2020</a:t>
             </a:fld>
             <a:endParaRPr lang="fr-FR" dirty="0"/>
           </a:p>
@@ -3180,7 +3180,7 @@
             <a:fld id="{E883871E-5D80-4EDF-9E01-94E184402302}" type="datetime1">
               <a:rPr lang="fr-FR" smtClean="0"/>
               <a:pPr/>
-              <a:t>26/12/2020</a:t>
+              <a:t>29/12/2020</a:t>
             </a:fld>
             <a:endParaRPr lang="fr-FR" dirty="0"/>
           </a:p>
@@ -3399,7 +3399,7 @@
             <a:fld id="{A9F01D7A-F2CA-4D89-BC48-D8C829AA64E1}" type="datetime1">
               <a:rPr lang="fr-FR" smtClean="0"/>
               <a:pPr/>
-              <a:t>26/12/2020</a:t>
+              <a:t>29/12/2020</a:t>
             </a:fld>
             <a:endParaRPr lang="fr-FR" dirty="0"/>
           </a:p>
@@ -3927,14 +3927,14 @@
   <p:clrMapOvr>
     <a:masterClrMapping/>
   </p:clrMapOvr>
-  <mc:AlternateContent xmlns:mc="http://schemas.openxmlformats.org/markup-compatibility/2006" xmlns:p14="http://schemas.microsoft.com/office/powerpoint/2010/main">
-    <mc:Choice Requires="p14">
-      <p:transition spd="med" p14:dur="700">
-        <p:fade/>
+  <mc:AlternateContent xmlns:mc="http://schemas.openxmlformats.org/markup-compatibility/2006">
+    <mc:Choice xmlns:p159="http://schemas.microsoft.com/office/powerpoint/2015/09/main" Requires="p159">
+      <p:transition xmlns:p14="http://schemas.microsoft.com/office/powerpoint/2010/main" spd="slow" p14:dur="2000">
+        <p159:morph option="byObject"/>
       </p:transition>
     </mc:Choice>
-    <mc:Fallback xmlns="">
-      <p:transition spd="med">
+    <mc:Fallback>
+      <p:transition spd="slow">
         <p:fade/>
       </p:transition>
     </mc:Fallback>
@@ -4221,6 +4221,18 @@
   <p:clrMapOvr>
     <a:masterClrMapping/>
   </p:clrMapOvr>
+  <mc:AlternateContent xmlns:mc="http://schemas.openxmlformats.org/markup-compatibility/2006">
+    <mc:Choice xmlns:p159="http://schemas.microsoft.com/office/powerpoint/2015/09/main" Requires="p159">
+      <p:transition xmlns:p14="http://schemas.microsoft.com/office/powerpoint/2010/main" spd="slow" p14:dur="2000">
+        <p159:morph option="byObject"/>
+      </p:transition>
+    </mc:Choice>
+    <mc:Fallback>
+      <p:transition spd="slow">
+        <p:fade/>
+      </p:transition>
+    </mc:Fallback>
+  </mc:AlternateContent>
 </p:sld>
 </file>
 
@@ -4316,7 +4328,541 @@
               <a:rPr lang="en-US" dirty="0"/>
               <a:t>We also need to transform collection schema as shown bellow :</a:t>
             </a:r>
+          </a:p>
+          <a:p>
+            <a:pPr marL="0" indent="0">
+              <a:buNone/>
+            </a:pPr>
             <a:endParaRPr lang="fr-FR" dirty="0"/>
+          </a:p>
+        </p:txBody>
+      </p:sp>
+      <p:graphicFrame>
+        <p:nvGraphicFramePr>
+          <p:cNvPr id="4" name="Tableau 4">
+            <a:extLst>
+              <a:ext uri="{FF2B5EF4-FFF2-40B4-BE49-F238E27FC236}">
+                <a16:creationId xmlns:a16="http://schemas.microsoft.com/office/drawing/2014/main" id="{B7681848-7A09-41C0-A8E7-B3B486875FC7}"/>
+              </a:ext>
+            </a:extLst>
+          </p:cNvPr>
+          <p:cNvGraphicFramePr>
+            <a:graphicFrameLocks noGrp="1"/>
+          </p:cNvGraphicFramePr>
+          <p:nvPr>
+            <p:extLst>
+              <p:ext uri="{D42A27DB-BD31-4B8C-83A1-F6EECF244321}">
+                <p14:modId xmlns:p14="http://schemas.microsoft.com/office/powerpoint/2010/main" val="2588267330"/>
+              </p:ext>
+            </p:extLst>
+          </p:nvPr>
+        </p:nvGraphicFramePr>
+        <p:xfrm>
+          <a:off x="1523999" y="3258071"/>
+          <a:ext cx="8892477" cy="370840"/>
+        </p:xfrm>
+        <a:graphic>
+          <a:graphicData uri="http://schemas.openxmlformats.org/drawingml/2006/table">
+            <a:tbl>
+              <a:tblPr firstRow="1" bandRow="1">
+                <a:tableStyleId>{5C22544A-7EE6-4342-B048-85BDC9FD1C3A}</a:tableStyleId>
+              </a:tblPr>
+              <a:tblGrid>
+                <a:gridCol w="988053">
+                  <a:extLst>
+                    <a:ext uri="{9D8B030D-6E8A-4147-A177-3AD203B41FA5}">
+                      <a16:colId xmlns:a16="http://schemas.microsoft.com/office/drawing/2014/main" val="3511112792"/>
+                    </a:ext>
+                  </a:extLst>
+                </a:gridCol>
+                <a:gridCol w="988053">
+                  <a:extLst>
+                    <a:ext uri="{9D8B030D-6E8A-4147-A177-3AD203B41FA5}">
+                      <a16:colId xmlns:a16="http://schemas.microsoft.com/office/drawing/2014/main" val="399537280"/>
+                    </a:ext>
+                  </a:extLst>
+                </a:gridCol>
+                <a:gridCol w="988053">
+                  <a:extLst>
+                    <a:ext uri="{9D8B030D-6E8A-4147-A177-3AD203B41FA5}">
+                      <a16:colId xmlns:a16="http://schemas.microsoft.com/office/drawing/2014/main" val="1139674342"/>
+                    </a:ext>
+                  </a:extLst>
+                </a:gridCol>
+                <a:gridCol w="988053">
+                  <a:extLst>
+                    <a:ext uri="{9D8B030D-6E8A-4147-A177-3AD203B41FA5}">
+                      <a16:colId xmlns:a16="http://schemas.microsoft.com/office/drawing/2014/main" val="1497553826"/>
+                    </a:ext>
+                  </a:extLst>
+                </a:gridCol>
+                <a:gridCol w="988053">
+                  <a:extLst>
+                    <a:ext uri="{9D8B030D-6E8A-4147-A177-3AD203B41FA5}">
+                      <a16:colId xmlns:a16="http://schemas.microsoft.com/office/drawing/2014/main" val="3466500416"/>
+                    </a:ext>
+                  </a:extLst>
+                </a:gridCol>
+                <a:gridCol w="988053">
+                  <a:extLst>
+                    <a:ext uri="{9D8B030D-6E8A-4147-A177-3AD203B41FA5}">
+                      <a16:colId xmlns:a16="http://schemas.microsoft.com/office/drawing/2014/main" val="4148364546"/>
+                    </a:ext>
+                  </a:extLst>
+                </a:gridCol>
+                <a:gridCol w="988053">
+                  <a:extLst>
+                    <a:ext uri="{9D8B030D-6E8A-4147-A177-3AD203B41FA5}">
+                      <a16:colId xmlns:a16="http://schemas.microsoft.com/office/drawing/2014/main" val="3339783524"/>
+                    </a:ext>
+                  </a:extLst>
+                </a:gridCol>
+                <a:gridCol w="988053">
+                  <a:extLst>
+                    <a:ext uri="{9D8B030D-6E8A-4147-A177-3AD203B41FA5}">
+                      <a16:colId xmlns:a16="http://schemas.microsoft.com/office/drawing/2014/main" val="724998430"/>
+                    </a:ext>
+                  </a:extLst>
+                </a:gridCol>
+                <a:gridCol w="988053">
+                  <a:extLst>
+                    <a:ext uri="{9D8B030D-6E8A-4147-A177-3AD203B41FA5}">
+                      <a16:colId xmlns:a16="http://schemas.microsoft.com/office/drawing/2014/main" val="3999887273"/>
+                    </a:ext>
+                  </a:extLst>
+                </a:gridCol>
+              </a:tblGrid>
+              <a:tr h="370840">
+                <a:tc>
+                  <a:txBody>
+                    <a:bodyPr/>
+                    <a:lstStyle/>
+                    <a:p>
+                      <a:r>
+                        <a:rPr lang="en-US" sz="1200" dirty="0"/>
+                        <a:t>date</a:t>
+                      </a:r>
+                      <a:endParaRPr lang="fr-FR" sz="1200" dirty="0"/>
+                    </a:p>
+                  </a:txBody>
+                  <a:tcPr/>
+                </a:tc>
+                <a:tc>
+                  <a:txBody>
+                    <a:bodyPr/>
+                    <a:lstStyle/>
+                    <a:p>
+                      <a:r>
+                        <a:rPr lang="en-US" sz="1200" dirty="0" err="1"/>
+                        <a:t>home_team</a:t>
+                      </a:r>
+                      <a:endParaRPr lang="fr-FR" sz="1200" dirty="0"/>
+                    </a:p>
+                  </a:txBody>
+                  <a:tcPr/>
+                </a:tc>
+                <a:tc>
+                  <a:txBody>
+                    <a:bodyPr/>
+                    <a:lstStyle/>
+                    <a:p>
+                      <a:r>
+                        <a:rPr lang="en-US" sz="1200" dirty="0" err="1"/>
+                        <a:t>away_team</a:t>
+                      </a:r>
+                      <a:endParaRPr lang="fr-FR" sz="1200" dirty="0"/>
+                    </a:p>
+                  </a:txBody>
+                  <a:tcPr/>
+                </a:tc>
+                <a:tc>
+                  <a:txBody>
+                    <a:bodyPr/>
+                    <a:lstStyle/>
+                    <a:p>
+                      <a:r>
+                        <a:rPr lang="en-US" sz="1200" dirty="0" err="1"/>
+                        <a:t>home_score</a:t>
+                      </a:r>
+                      <a:endParaRPr lang="fr-FR" sz="1200" dirty="0"/>
+                    </a:p>
+                  </a:txBody>
+                  <a:tcPr/>
+                </a:tc>
+                <a:tc>
+                  <a:txBody>
+                    <a:bodyPr/>
+                    <a:lstStyle/>
+                    <a:p>
+                      <a:r>
+                        <a:rPr lang="en-US" sz="1200" dirty="0" err="1"/>
+                        <a:t>away_score</a:t>
+                      </a:r>
+                      <a:endParaRPr lang="fr-FR" sz="1200" dirty="0"/>
+                    </a:p>
+                  </a:txBody>
+                  <a:tcPr/>
+                </a:tc>
+                <a:tc>
+                  <a:txBody>
+                    <a:bodyPr/>
+                    <a:lstStyle/>
+                    <a:p>
+                      <a:r>
+                        <a:rPr lang="en-US" sz="1200" dirty="0"/>
+                        <a:t>tournament</a:t>
+                      </a:r>
+                      <a:endParaRPr lang="fr-FR" sz="1200" dirty="0"/>
+                    </a:p>
+                  </a:txBody>
+                  <a:tcPr/>
+                </a:tc>
+                <a:tc>
+                  <a:txBody>
+                    <a:bodyPr/>
+                    <a:lstStyle/>
+                    <a:p>
+                      <a:r>
+                        <a:rPr lang="en-US" sz="1200" dirty="0"/>
+                        <a:t>city</a:t>
+                      </a:r>
+                      <a:endParaRPr lang="fr-FR" sz="1200" dirty="0"/>
+                    </a:p>
+                  </a:txBody>
+                  <a:tcPr/>
+                </a:tc>
+                <a:tc>
+                  <a:txBody>
+                    <a:bodyPr/>
+                    <a:lstStyle/>
+                    <a:p>
+                      <a:r>
+                        <a:rPr lang="en-US" sz="1200" dirty="0"/>
+                        <a:t>country</a:t>
+                      </a:r>
+                      <a:endParaRPr lang="fr-FR" sz="1200" dirty="0"/>
+                    </a:p>
+                  </a:txBody>
+                  <a:tcPr/>
+                </a:tc>
+                <a:tc>
+                  <a:txBody>
+                    <a:bodyPr/>
+                    <a:lstStyle/>
+                    <a:p>
+                      <a:r>
+                        <a:rPr lang="en-US" sz="1200" dirty="0"/>
+                        <a:t>neutral</a:t>
+                      </a:r>
+                      <a:endParaRPr lang="fr-FR" sz="1200" dirty="0"/>
+                    </a:p>
+                  </a:txBody>
+                  <a:tcPr/>
+                </a:tc>
+                <a:extLst>
+                  <a:ext uri="{0D108BD9-81ED-4DB2-BD59-A6C34878D82A}">
+                    <a16:rowId xmlns:a16="http://schemas.microsoft.com/office/drawing/2014/main" val="2592674370"/>
+                  </a:ext>
+                </a:extLst>
+              </a:tr>
+            </a:tbl>
+          </a:graphicData>
+        </a:graphic>
+      </p:graphicFrame>
+      <p:graphicFrame>
+        <p:nvGraphicFramePr>
+          <p:cNvPr id="5" name="Tableau 4">
+            <a:extLst>
+              <a:ext uri="{FF2B5EF4-FFF2-40B4-BE49-F238E27FC236}">
+                <a16:creationId xmlns:a16="http://schemas.microsoft.com/office/drawing/2014/main" id="{00D2CBCA-023D-402E-844B-62E2EB59B2D9}"/>
+              </a:ext>
+            </a:extLst>
+          </p:cNvPr>
+          <p:cNvGraphicFramePr>
+            <a:graphicFrameLocks noGrp="1"/>
+          </p:cNvGraphicFramePr>
+          <p:nvPr>
+            <p:extLst>
+              <p:ext uri="{D42A27DB-BD31-4B8C-83A1-F6EECF244321}">
+                <p14:modId xmlns:p14="http://schemas.microsoft.com/office/powerpoint/2010/main" val="2690864635"/>
+              </p:ext>
+            </p:extLst>
+          </p:nvPr>
+        </p:nvGraphicFramePr>
+        <p:xfrm>
+          <a:off x="335360" y="4653136"/>
+          <a:ext cx="11305258" cy="370840"/>
+        </p:xfrm>
+        <a:graphic>
+          <a:graphicData uri="http://schemas.openxmlformats.org/drawingml/2006/table">
+            <a:tbl>
+              <a:tblPr firstRow="1" bandRow="1">
+                <a:tableStyleId>{5C22544A-7EE6-4342-B048-85BDC9FD1C3A}</a:tableStyleId>
+              </a:tblPr>
+              <a:tblGrid>
+                <a:gridCol w="1086534">
+                  <a:extLst>
+                    <a:ext uri="{9D8B030D-6E8A-4147-A177-3AD203B41FA5}">
+                      <a16:colId xmlns:a16="http://schemas.microsoft.com/office/drawing/2014/main" val="3511112792"/>
+                    </a:ext>
+                  </a:extLst>
+                </a:gridCol>
+                <a:gridCol w="1086534">
+                  <a:extLst>
+                    <a:ext uri="{9D8B030D-6E8A-4147-A177-3AD203B41FA5}">
+                      <a16:colId xmlns:a16="http://schemas.microsoft.com/office/drawing/2014/main" val="399537280"/>
+                    </a:ext>
+                  </a:extLst>
+                </a:gridCol>
+                <a:gridCol w="1086534">
+                  <a:extLst>
+                    <a:ext uri="{9D8B030D-6E8A-4147-A177-3AD203B41FA5}">
+                      <a16:colId xmlns:a16="http://schemas.microsoft.com/office/drawing/2014/main" val="1139674342"/>
+                    </a:ext>
+                  </a:extLst>
+                </a:gridCol>
+                <a:gridCol w="1086534">
+                  <a:extLst>
+                    <a:ext uri="{9D8B030D-6E8A-4147-A177-3AD203B41FA5}">
+                      <a16:colId xmlns:a16="http://schemas.microsoft.com/office/drawing/2014/main" val="1497553826"/>
+                    </a:ext>
+                  </a:extLst>
+                </a:gridCol>
+                <a:gridCol w="1086534">
+                  <a:extLst>
+                    <a:ext uri="{9D8B030D-6E8A-4147-A177-3AD203B41FA5}">
+                      <a16:colId xmlns:a16="http://schemas.microsoft.com/office/drawing/2014/main" val="3466500416"/>
+                    </a:ext>
+                  </a:extLst>
+                </a:gridCol>
+                <a:gridCol w="1086534">
+                  <a:extLst>
+                    <a:ext uri="{9D8B030D-6E8A-4147-A177-3AD203B41FA5}">
+                      <a16:colId xmlns:a16="http://schemas.microsoft.com/office/drawing/2014/main" val="4148364546"/>
+                    </a:ext>
+                  </a:extLst>
+                </a:gridCol>
+                <a:gridCol w="1086534">
+                  <a:extLst>
+                    <a:ext uri="{9D8B030D-6E8A-4147-A177-3AD203B41FA5}">
+                      <a16:colId xmlns:a16="http://schemas.microsoft.com/office/drawing/2014/main" val="1066494708"/>
+                    </a:ext>
+                  </a:extLst>
+                </a:gridCol>
+                <a:gridCol w="1086534">
+                  <a:extLst>
+                    <a:ext uri="{9D8B030D-6E8A-4147-A177-3AD203B41FA5}">
+                      <a16:colId xmlns:a16="http://schemas.microsoft.com/office/drawing/2014/main" val="3339783524"/>
+                    </a:ext>
+                  </a:extLst>
+                </a:gridCol>
+                <a:gridCol w="1086534">
+                  <a:extLst>
+                    <a:ext uri="{9D8B030D-6E8A-4147-A177-3AD203B41FA5}">
+                      <a16:colId xmlns:a16="http://schemas.microsoft.com/office/drawing/2014/main" val="724998430"/>
+                    </a:ext>
+                  </a:extLst>
+                </a:gridCol>
+                <a:gridCol w="1526452">
+                  <a:extLst>
+                    <a:ext uri="{9D8B030D-6E8A-4147-A177-3AD203B41FA5}">
+                      <a16:colId xmlns:a16="http://schemas.microsoft.com/office/drawing/2014/main" val="3999887273"/>
+                    </a:ext>
+                  </a:extLst>
+                </a:gridCol>
+              </a:tblGrid>
+              <a:tr h="370840">
+                <a:tc>
+                  <a:txBody>
+                    <a:bodyPr/>
+                    <a:lstStyle/>
+                    <a:p>
+                      <a:r>
+                        <a:rPr lang="en-US" sz="1000" dirty="0"/>
+                        <a:t>date</a:t>
+                      </a:r>
+                      <a:endParaRPr lang="fr-FR" sz="1000" dirty="0"/>
+                    </a:p>
+                  </a:txBody>
+                  <a:tcPr/>
+                </a:tc>
+                <a:tc>
+                  <a:txBody>
+                    <a:bodyPr/>
+                    <a:lstStyle/>
+                    <a:p>
+                      <a:r>
+                        <a:rPr lang="en-US" sz="1000" dirty="0"/>
+                        <a:t>team</a:t>
+                      </a:r>
+                      <a:endParaRPr lang="fr-FR" sz="1000" dirty="0"/>
+                    </a:p>
+                  </a:txBody>
+                  <a:tcPr/>
+                </a:tc>
+                <a:tc>
+                  <a:txBody>
+                    <a:bodyPr/>
+                    <a:lstStyle/>
+                    <a:p>
+                      <a:r>
+                        <a:rPr lang="fr-FR" sz="1000" dirty="0" err="1"/>
+                        <a:t>opponent</a:t>
+                      </a:r>
+                      <a:endParaRPr lang="fr-FR" sz="1000" dirty="0"/>
+                    </a:p>
+                  </a:txBody>
+                  <a:tcPr/>
+                </a:tc>
+                <a:tc>
+                  <a:txBody>
+                    <a:bodyPr/>
+                    <a:lstStyle/>
+                    <a:p>
+                      <a:r>
+                        <a:rPr lang="fr-FR" sz="1000" dirty="0" err="1"/>
+                        <a:t>as_home</a:t>
+                      </a:r>
+                      <a:endParaRPr lang="fr-FR" sz="1000" dirty="0"/>
+                    </a:p>
+                  </a:txBody>
+                  <a:tcPr/>
+                </a:tc>
+                <a:tc>
+                  <a:txBody>
+                    <a:bodyPr/>
+                    <a:lstStyle/>
+                    <a:p>
+                      <a:r>
+                        <a:rPr lang="en-US" sz="1000" dirty="0" err="1"/>
+                        <a:t>team_score</a:t>
+                      </a:r>
+                      <a:endParaRPr lang="fr-FR" sz="1000" dirty="0"/>
+                    </a:p>
+                  </a:txBody>
+                  <a:tcPr/>
+                </a:tc>
+                <a:tc>
+                  <a:txBody>
+                    <a:bodyPr/>
+                    <a:lstStyle/>
+                    <a:p>
+                      <a:r>
+                        <a:rPr lang="en-US" sz="1000" dirty="0" err="1"/>
+                        <a:t>opponent_score</a:t>
+                      </a:r>
+                      <a:endParaRPr lang="fr-FR" sz="1000" dirty="0"/>
+                    </a:p>
+                  </a:txBody>
+                  <a:tcPr/>
+                </a:tc>
+                <a:tc>
+                  <a:txBody>
+                    <a:bodyPr/>
+                    <a:lstStyle/>
+                    <a:p>
+                      <a:r>
+                        <a:rPr lang="fr-FR" sz="1000" dirty="0" err="1"/>
+                        <a:t>tournament</a:t>
+                      </a:r>
+                      <a:endParaRPr lang="fr-FR" sz="1000" dirty="0"/>
+                    </a:p>
+                  </a:txBody>
+                  <a:tcPr/>
+                </a:tc>
+                <a:tc>
+                  <a:txBody>
+                    <a:bodyPr/>
+                    <a:lstStyle/>
+                    <a:p>
+                      <a:r>
+                        <a:rPr lang="en-US" sz="1000" dirty="0"/>
+                        <a:t>city</a:t>
+                      </a:r>
+                      <a:endParaRPr lang="fr-FR" sz="1000" dirty="0"/>
+                    </a:p>
+                  </a:txBody>
+                  <a:tcPr/>
+                </a:tc>
+                <a:tc>
+                  <a:txBody>
+                    <a:bodyPr/>
+                    <a:lstStyle/>
+                    <a:p>
+                      <a:r>
+                        <a:rPr lang="en-US" sz="1000" dirty="0"/>
+                        <a:t>country</a:t>
+                      </a:r>
+                      <a:endParaRPr lang="fr-FR" sz="1000" dirty="0"/>
+                    </a:p>
+                  </a:txBody>
+                  <a:tcPr/>
+                </a:tc>
+                <a:tc>
+                  <a:txBody>
+                    <a:bodyPr/>
+                    <a:lstStyle/>
+                    <a:p>
+                      <a:r>
+                        <a:rPr lang="en-US" sz="1000" dirty="0"/>
+                        <a:t>neutral</a:t>
+                      </a:r>
+                      <a:endParaRPr lang="fr-FR" sz="1000" dirty="0"/>
+                    </a:p>
+                  </a:txBody>
+                  <a:tcPr/>
+                </a:tc>
+                <a:extLst>
+                  <a:ext uri="{0D108BD9-81ED-4DB2-BD59-A6C34878D82A}">
+                    <a16:rowId xmlns:a16="http://schemas.microsoft.com/office/drawing/2014/main" val="2592674370"/>
+                  </a:ext>
+                </a:extLst>
+              </a:tr>
+            </a:tbl>
+          </a:graphicData>
+        </a:graphic>
+      </p:graphicFrame>
+      <p:sp>
+        <p:nvSpPr>
+          <p:cNvPr id="6" name="Flèche : bas 5">
+            <a:extLst>
+              <a:ext uri="{FF2B5EF4-FFF2-40B4-BE49-F238E27FC236}">
+                <a16:creationId xmlns:a16="http://schemas.microsoft.com/office/drawing/2014/main" id="{AE94EC37-3E93-4A60-A4F8-7F42C78FD877}"/>
+              </a:ext>
+            </a:extLst>
+          </p:cNvPr>
+          <p:cNvSpPr/>
+          <p:nvPr/>
+        </p:nvSpPr>
+        <p:spPr>
+          <a:xfrm>
+            <a:off x="5762249" y="3994264"/>
+            <a:ext cx="189735" cy="370840"/>
+          </a:xfrm>
+          <a:prstGeom prst="downArrow">
+            <a:avLst/>
+          </a:prstGeom>
+        </p:spPr>
+        <p:style>
+          <a:lnRef idx="2">
+            <a:schemeClr val="accent1"/>
+          </a:lnRef>
+          <a:fillRef idx="1">
+            <a:schemeClr val="lt1"/>
+          </a:fillRef>
+          <a:effectRef idx="0">
+            <a:schemeClr val="accent1"/>
+          </a:effectRef>
+          <a:fontRef idx="minor">
+            <a:schemeClr val="dk1"/>
+          </a:fontRef>
+        </p:style>
+        <p:txBody>
+          <a:bodyPr rtlCol="0" anchor="ctr"/>
+          <a:lstStyle/>
+          <a:p>
+            <a:pPr algn="ctr"/>
+            <a:endParaRPr lang="fr-FR"/>
           </a:p>
         </p:txBody>
       </p:sp>
@@ -4330,6 +4876,18 @@
   <p:clrMapOvr>
     <a:masterClrMapping/>
   </p:clrMapOvr>
+  <mc:AlternateContent xmlns:mc="http://schemas.openxmlformats.org/markup-compatibility/2006">
+    <mc:Choice xmlns:p159="http://schemas.microsoft.com/office/powerpoint/2015/09/main" Requires="p159">
+      <p:transition xmlns:p14="http://schemas.microsoft.com/office/powerpoint/2010/main" spd="slow" p14:dur="2000">
+        <p159:morph option="byObject"/>
+      </p:transition>
+    </mc:Choice>
+    <mc:Fallback>
+      <p:transition spd="slow">
+        <p:fade/>
+      </p:transition>
+    </mc:Fallback>
+  </mc:AlternateContent>
 </p:sld>
 </file>
 
@@ -4520,6 +5078,18 @@
   <p:clrMapOvr>
     <a:masterClrMapping/>
   </p:clrMapOvr>
+  <mc:AlternateContent xmlns:mc="http://schemas.openxmlformats.org/markup-compatibility/2006">
+    <mc:Choice xmlns:p159="http://schemas.microsoft.com/office/powerpoint/2015/09/main" Requires="p159">
+      <p:transition xmlns:p14="http://schemas.microsoft.com/office/powerpoint/2010/main" spd="slow" p14:dur="2000">
+        <p159:morph option="byObject"/>
+      </p:transition>
+    </mc:Choice>
+    <mc:Fallback>
+      <p:transition spd="slow">
+        <p:fade/>
+      </p:transition>
+    </mc:Fallback>
+  </mc:AlternateContent>
 </p:sld>
 </file>
 
@@ -4639,6 +5209,18 @@
   <p:clrMapOvr>
     <a:masterClrMapping/>
   </p:clrMapOvr>
+  <mc:AlternateContent xmlns:mc="http://schemas.openxmlformats.org/markup-compatibility/2006">
+    <mc:Choice xmlns:p159="http://schemas.microsoft.com/office/powerpoint/2015/09/main" Requires="p159">
+      <p:transition xmlns:p14="http://schemas.microsoft.com/office/powerpoint/2010/main" spd="slow" p14:dur="2000">
+        <p159:morph option="byObject"/>
+      </p:transition>
+    </mc:Choice>
+    <mc:Fallback>
+      <p:transition spd="slow">
+        <p:fade/>
+      </p:transition>
+    </mc:Fallback>
+  </mc:AlternateContent>
 </p:sld>
 </file>
 
@@ -5087,11 +5669,27 @@
             </a:r>
             <a:r>
               <a:rPr lang="fr-FR" dirty="0"/>
-              <a:t> tough, </a:t>
-            </a:r>
-            <a:r>
-              <a:rPr lang="fr-FR" dirty="0" err="1"/>
-              <a:t>very</a:t>
+              <a:t> simple but not </a:t>
+            </a:r>
+            <a:r>
+              <a:rPr lang="fr-FR" dirty="0" err="1"/>
+              <a:t>easy</a:t>
+            </a:r>
+            <a:r>
+              <a:rPr lang="fr-FR" dirty="0"/>
+              <a:t>; </a:t>
+            </a:r>
+            <a:r>
+              <a:rPr lang="fr-FR" dirty="0" err="1"/>
+              <a:t>because</a:t>
+            </a:r>
+            <a:r>
+              <a:rPr lang="fr-FR" dirty="0"/>
+              <a:t> of </a:t>
+            </a:r>
+            <a:r>
+              <a:rPr lang="fr-FR" dirty="0" err="1"/>
+              <a:t>spark</a:t>
             </a:r>
             <a:r>
               <a:rPr lang="fr-FR" dirty="0"/>
@@ -5099,23 +5697,23 @@
             </a:r>
             <a:r>
               <a:rPr lang="fr-FR" dirty="0" err="1"/>
-              <a:t>very</a:t>
-            </a:r>
-            <a:r>
-              <a:rPr lang="fr-FR" dirty="0"/>
-              <a:t> tough; </a:t>
-            </a:r>
-            <a:r>
-              <a:rPr lang="fr-FR" dirty="0" err="1"/>
-              <a:t>because</a:t>
-            </a:r>
-            <a:r>
-              <a:rPr lang="fr-FR" dirty="0"/>
-              <a:t> of </a:t>
-            </a:r>
-            <a:r>
-              <a:rPr lang="fr-FR" dirty="0" err="1"/>
-              <a:t>spark</a:t>
+              <a:t>laziness</a:t>
+            </a:r>
+            <a:r>
+              <a:rPr lang="fr-FR" dirty="0"/>
+              <a:t> and </a:t>
+            </a:r>
+            <a:r>
+              <a:rPr lang="fr-FR" dirty="0" err="1"/>
+              <a:t>distributed</a:t>
+            </a:r>
+            <a:r>
+              <a:rPr lang="fr-FR" dirty="0"/>
+              <a:t> system concept; </a:t>
+            </a:r>
+            <a:r>
+              <a:rPr lang="fr-FR" dirty="0" err="1"/>
+              <a:t>without</a:t>
             </a:r>
             <a:r>
               <a:rPr lang="fr-FR" dirty="0"/>
@@ -5123,23 +5721,23 @@
             </a:r>
             <a:r>
               <a:rPr lang="fr-FR" dirty="0" err="1"/>
-              <a:t>laziness</a:t>
-            </a:r>
-            <a:r>
-              <a:rPr lang="fr-FR" dirty="0"/>
-              <a:t> and </a:t>
-            </a:r>
-            <a:r>
-              <a:rPr lang="fr-FR" dirty="0" err="1"/>
-              <a:t>distributed</a:t>
-            </a:r>
-            <a:r>
-              <a:rPr lang="fr-FR" dirty="0"/>
-              <a:t> system concept; </a:t>
-            </a:r>
-            <a:r>
-              <a:rPr lang="fr-FR" dirty="0" err="1"/>
-              <a:t>without</a:t>
+              <a:t>mentioning</a:t>
+            </a:r>
+            <a:r>
+              <a:rPr lang="fr-FR" dirty="0"/>
+              <a:t> the </a:t>
+            </a:r>
+            <a:r>
+              <a:rPr lang="fr-FR" dirty="0" err="1"/>
+              <a:t>amount</a:t>
+            </a:r>
+            <a:r>
+              <a:rPr lang="fr-FR" dirty="0"/>
+              <a:t> of data </a:t>
+            </a:r>
+            <a:r>
+              <a:rPr lang="fr-FR" dirty="0" err="1"/>
+              <a:t>being</a:t>
             </a:r>
             <a:r>
               <a:rPr lang="fr-FR" dirty="0"/>
@@ -5147,23 +5745,15 @@
             </a:r>
             <a:r>
               <a:rPr lang="fr-FR" dirty="0" err="1"/>
-              <a:t>mentioning</a:t>
-            </a:r>
-            <a:r>
-              <a:rPr lang="fr-FR" dirty="0"/>
-              <a:t> the </a:t>
-            </a:r>
-            <a:r>
-              <a:rPr lang="fr-FR" dirty="0" err="1"/>
-              <a:t>amount</a:t>
-            </a:r>
-            <a:r>
-              <a:rPr lang="fr-FR" dirty="0"/>
-              <a:t> of data </a:t>
-            </a:r>
-            <a:r>
-              <a:rPr lang="fr-FR" dirty="0" err="1"/>
-              <a:t>being</a:t>
+              <a:t>processed</a:t>
+            </a:r>
+            <a:r>
+              <a:rPr lang="fr-FR" dirty="0"/>
+              <a:t>, and of course </a:t>
+            </a:r>
+            <a:r>
+              <a:rPr lang="fr-FR" dirty="0" err="1"/>
+              <a:t>we</a:t>
             </a:r>
             <a:r>
               <a:rPr lang="fr-FR" dirty="0"/>
@@ -5171,15 +5761,23 @@
             </a:r>
             <a:r>
               <a:rPr lang="fr-FR" dirty="0" err="1"/>
-              <a:t>processed</a:t>
-            </a:r>
-            <a:r>
-              <a:rPr lang="fr-FR" dirty="0"/>
-              <a:t>, </a:t>
-            </a:r>
-            <a:r>
-              <a:rPr lang="fr-FR" dirty="0" err="1"/>
-              <a:t>we</a:t>
+              <a:t>cannot</a:t>
+            </a:r>
+            <a:r>
+              <a:rPr lang="fr-FR" dirty="0"/>
+              <a:t> do a </a:t>
+            </a:r>
+            <a:r>
+              <a:rPr lang="fr-FR" dirty="0" err="1"/>
+              <a:t>breakpoint</a:t>
+            </a:r>
+            <a:r>
+              <a:rPr lang="fr-FR" dirty="0"/>
+              <a:t> on the code and check </a:t>
+            </a:r>
+            <a:r>
+              <a:rPr lang="fr-FR" dirty="0" err="1"/>
+              <a:t>where</a:t>
             </a:r>
             <a:r>
               <a:rPr lang="fr-FR" dirty="0"/>
@@ -5187,35 +5785,11 @@
             </a:r>
             <a:r>
               <a:rPr lang="fr-FR" dirty="0" err="1"/>
-              <a:t>cannot</a:t>
-            </a:r>
-            <a:r>
-              <a:rPr lang="fr-FR" dirty="0"/>
-              <a:t> do a </a:t>
-            </a:r>
-            <a:r>
-              <a:rPr lang="fr-FR" dirty="0" err="1"/>
-              <a:t>breakpoint</a:t>
-            </a:r>
-            <a:r>
-              <a:rPr lang="fr-FR" dirty="0"/>
-              <a:t> on the code and check </a:t>
-            </a:r>
-            <a:r>
-              <a:rPr lang="fr-FR" dirty="0" err="1"/>
-              <a:t>where</a:t>
-            </a:r>
-            <a:r>
-              <a:rPr lang="fr-FR" dirty="0"/>
-              <a:t> </a:t>
-            </a:r>
-            <a:r>
-              <a:rPr lang="fr-FR" dirty="0" err="1"/>
               <a:t>it</a:t>
             </a:r>
             <a:r>
               <a:rPr lang="fr-FR" dirty="0"/>
-              <a:t> fails. 🙂</a:t>
+              <a:t> fails. </a:t>
             </a:r>
           </a:p>
         </p:txBody>
@@ -5230,6 +5804,18 @@
   <p:clrMapOvr>
     <a:masterClrMapping/>
   </p:clrMapOvr>
+  <mc:AlternateContent xmlns:mc="http://schemas.openxmlformats.org/markup-compatibility/2006">
+    <mc:Choice xmlns:p159="http://schemas.microsoft.com/office/powerpoint/2015/09/main" Requires="p159">
+      <p:transition xmlns:p14="http://schemas.microsoft.com/office/powerpoint/2010/main" spd="slow" p14:dur="2000">
+        <p159:morph option="byObject"/>
+      </p:transition>
+    </mc:Choice>
+    <mc:Fallback>
+      <p:transition spd="slow">
+        <p:fade/>
+      </p:transition>
+    </mc:Fallback>
+  </mc:AlternateContent>
 </p:sld>
 </file>
 
@@ -5311,6 +5897,18 @@
   <p:clrMapOvr>
     <a:masterClrMapping/>
   </p:clrMapOvr>
+  <mc:AlternateContent xmlns:mc="http://schemas.openxmlformats.org/markup-compatibility/2006">
+    <mc:Choice xmlns:p159="http://schemas.microsoft.com/office/powerpoint/2015/09/main" Requires="p159">
+      <p:transition xmlns:p14="http://schemas.microsoft.com/office/powerpoint/2010/main" spd="slow" p14:dur="2000">
+        <p159:morph option="byObject"/>
+      </p:transition>
+    </mc:Choice>
+    <mc:Fallback>
+      <p:transition spd="slow">
+        <p:fade/>
+      </p:transition>
+    </mc:Fallback>
+  </mc:AlternateContent>
 </p:sld>
 </file>
 
@@ -5404,6 +6002,18 @@
   <p:clrMapOvr>
     <a:masterClrMapping/>
   </p:clrMapOvr>
+  <mc:AlternateContent xmlns:mc="http://schemas.openxmlformats.org/markup-compatibility/2006">
+    <mc:Choice xmlns:p159="http://schemas.microsoft.com/office/powerpoint/2015/09/main" Requires="p159">
+      <p:transition xmlns:p14="http://schemas.microsoft.com/office/powerpoint/2010/main" spd="slow" p14:dur="2000">
+        <p159:morph option="byObject"/>
+      </p:transition>
+    </mc:Choice>
+    <mc:Fallback>
+      <p:transition spd="slow">
+        <p:fade/>
+      </p:transition>
+    </mc:Fallback>
+  </mc:AlternateContent>
 </p:sld>
 </file>
 
@@ -5678,6 +6288,18 @@
   <p:clrMapOvr>
     <a:masterClrMapping/>
   </p:clrMapOvr>
+  <mc:AlternateContent xmlns:mc="http://schemas.openxmlformats.org/markup-compatibility/2006">
+    <mc:Choice xmlns:p159="http://schemas.microsoft.com/office/powerpoint/2015/09/main" Requires="p159">
+      <p:transition xmlns:p14="http://schemas.microsoft.com/office/powerpoint/2010/main" spd="slow" p14:dur="2000">
+        <p159:morph option="byObject"/>
+      </p:transition>
+    </mc:Choice>
+    <mc:Fallback>
+      <p:transition spd="slow">
+        <p:fade/>
+      </p:transition>
+    </mc:Fallback>
+  </mc:AlternateContent>
 </p:sld>
 </file>
 
@@ -5863,6 +6485,18 @@
   <p:clrMapOvr>
     <a:masterClrMapping/>
   </p:clrMapOvr>
+  <mc:AlternateContent xmlns:mc="http://schemas.openxmlformats.org/markup-compatibility/2006">
+    <mc:Choice xmlns:p159="http://schemas.microsoft.com/office/powerpoint/2015/09/main" Requires="p159">
+      <p:transition xmlns:p14="http://schemas.microsoft.com/office/powerpoint/2010/main" spd="slow" p14:dur="2000">
+        <p159:morph option="byObject"/>
+      </p:transition>
+    </mc:Choice>
+    <mc:Fallback>
+      <p:transition spd="slow">
+        <p:fade/>
+      </p:transition>
+    </mc:Fallback>
+  </mc:AlternateContent>
 </p:sld>
 </file>
 
@@ -6020,6 +6654,18 @@
   <p:clrMapOvr>
     <a:masterClrMapping/>
   </p:clrMapOvr>
+  <mc:AlternateContent xmlns:mc="http://schemas.openxmlformats.org/markup-compatibility/2006">
+    <mc:Choice xmlns:p159="http://schemas.microsoft.com/office/powerpoint/2015/09/main" Requires="p159">
+      <p:transition xmlns:p14="http://schemas.microsoft.com/office/powerpoint/2010/main" spd="slow" p14:dur="2000">
+        <p159:morph option="byObject"/>
+      </p:transition>
+    </mc:Choice>
+    <mc:Fallback>
+      <p:transition spd="slow">
+        <p:fade/>
+      </p:transition>
+    </mc:Fallback>
+  </mc:AlternateContent>
 </p:sld>
 </file>
 
@@ -6286,6 +6932,18 @@
   <p:clrMapOvr>
     <a:masterClrMapping/>
   </p:clrMapOvr>
+  <mc:AlternateContent xmlns:mc="http://schemas.openxmlformats.org/markup-compatibility/2006">
+    <mc:Choice xmlns:p159="http://schemas.microsoft.com/office/powerpoint/2015/09/main" Requires="p159">
+      <p:transition xmlns:p14="http://schemas.microsoft.com/office/powerpoint/2010/main" spd="slow" p14:dur="2000">
+        <p159:morph option="byObject"/>
+      </p:transition>
+    </mc:Choice>
+    <mc:Fallback>
+      <p:transition spd="slow">
+        <p:fade/>
+      </p:transition>
+    </mc:Fallback>
+  </mc:AlternateContent>
 </p:sld>
 </file>
 
@@ -6426,6 +7084,18 @@
   <p:clrMapOvr>
     <a:masterClrMapping/>
   </p:clrMapOvr>
+  <mc:AlternateContent xmlns:mc="http://schemas.openxmlformats.org/markup-compatibility/2006">
+    <mc:Choice xmlns:p159="http://schemas.microsoft.com/office/powerpoint/2015/09/main" Requires="p159">
+      <p:transition xmlns:p14="http://schemas.microsoft.com/office/powerpoint/2010/main" spd="slow" p14:dur="2000">
+        <p159:morph option="byObject"/>
+      </p:transition>
+    </mc:Choice>
+    <mc:Fallback>
+      <p:transition spd="slow">
+        <p:fade/>
+      </p:transition>
+    </mc:Fallback>
+  </mc:AlternateContent>
 </p:sld>
 </file>
 
@@ -6572,6 +7242,18 @@
   <p:clrMapOvr>
     <a:masterClrMapping/>
   </p:clrMapOvr>
+  <mc:AlternateContent xmlns:mc="http://schemas.openxmlformats.org/markup-compatibility/2006">
+    <mc:Choice xmlns:p159="http://schemas.microsoft.com/office/powerpoint/2015/09/main" Requires="p159">
+      <p:transition xmlns:p14="http://schemas.microsoft.com/office/powerpoint/2010/main" spd="slow" p14:dur="2000">
+        <p159:morph option="byObject"/>
+      </p:transition>
+    </mc:Choice>
+    <mc:Fallback>
+      <p:transition spd="slow">
+        <p:fade/>
+      </p:transition>
+    </mc:Fallback>
+  </mc:AlternateContent>
 </p:sld>
 </file>
 
@@ -6788,6 +7470,18 @@
   <p:clrMapOvr>
     <a:masterClrMapping/>
   </p:clrMapOvr>
+  <mc:AlternateContent xmlns:mc="http://schemas.openxmlformats.org/markup-compatibility/2006">
+    <mc:Choice xmlns:p159="http://schemas.microsoft.com/office/powerpoint/2015/09/main" Requires="p159">
+      <p:transition xmlns:p14="http://schemas.microsoft.com/office/powerpoint/2010/main" spd="slow" p14:dur="2000">
+        <p159:morph option="byObject"/>
+      </p:transition>
+    </mc:Choice>
+    <mc:Fallback>
+      <p:transition spd="slow">
+        <p:fade/>
+      </p:transition>
+    </mc:Fallback>
+  </mc:AlternateContent>
 </p:sld>
 </file>
 
@@ -6905,6 +7599,18 @@
   <p:clrMapOvr>
     <a:masterClrMapping/>
   </p:clrMapOvr>
+  <mc:AlternateContent xmlns:mc="http://schemas.openxmlformats.org/markup-compatibility/2006">
+    <mc:Choice xmlns:p159="http://schemas.microsoft.com/office/powerpoint/2015/09/main" Requires="p159">
+      <p:transition xmlns:p14="http://schemas.microsoft.com/office/powerpoint/2010/main" spd="slow" p14:dur="2000">
+        <p159:morph option="byObject"/>
+      </p:transition>
+    </mc:Choice>
+    <mc:Fallback>
+      <p:transition spd="slow">
+        <p:fade/>
+      </p:transition>
+    </mc:Fallback>
+  </mc:AlternateContent>
 </p:sld>
 </file>
 
@@ -7692,6 +8398,132 @@
 </file>
 
 <file path=customXml/item1.xml><?xml version="1.0" encoding="utf-8"?>
+<p:properties xmlns:p="http://schemas.microsoft.com/office/2006/metadata/properties" xmlns:xsi="http://www.w3.org/2001/XMLSchema-instance" xmlns:pc="http://schemas.microsoft.com/office/infopath/2007/PartnerControls">
+  <documentManagement>
+    <DirectSourceMarket xmlns="4873beb7-5857-4685-be1f-d57550cc96cc" xsi:nil="true"/>
+    <ApprovalStatus xmlns="4873beb7-5857-4685-be1f-d57550cc96cc">InProgress</ApprovalStatus>
+    <MarketSpecific xmlns="4873beb7-5857-4685-be1f-d57550cc96cc">false</MarketSpecific>
+    <LocComments xmlns="4873beb7-5857-4685-be1f-d57550cc96cc" xsi:nil="true"/>
+    <ThumbnailAssetId xmlns="4873beb7-5857-4685-be1f-d57550cc96cc" xsi:nil="true"/>
+    <PrimaryImageGen xmlns="4873beb7-5857-4685-be1f-d57550cc96cc">true</PrimaryImageGen>
+    <LegacyData xmlns="4873beb7-5857-4685-be1f-d57550cc96cc" xsi:nil="true"/>
+    <LocRecommendedHandoff xmlns="4873beb7-5857-4685-be1f-d57550cc96cc" xsi:nil="true"/>
+    <BusinessGroup xmlns="4873beb7-5857-4685-be1f-d57550cc96cc" xsi:nil="true"/>
+    <BlockPublish xmlns="4873beb7-5857-4685-be1f-d57550cc96cc">false</BlockPublish>
+    <TPFriendlyName xmlns="4873beb7-5857-4685-be1f-d57550cc96cc" xsi:nil="true"/>
+    <NumericId xmlns="4873beb7-5857-4685-be1f-d57550cc96cc" xsi:nil="true"/>
+    <APEditor xmlns="4873beb7-5857-4685-be1f-d57550cc96cc">
+      <UserInfo>
+        <DisplayName/>
+        <AccountId xsi:nil="true"/>
+        <AccountType/>
+      </UserInfo>
+    </APEditor>
+    <SourceTitle xmlns="4873beb7-5857-4685-be1f-d57550cc96cc" xsi:nil="true"/>
+    <OpenTemplate xmlns="4873beb7-5857-4685-be1f-d57550cc96cc">true</OpenTemplate>
+    <UALocComments xmlns="4873beb7-5857-4685-be1f-d57550cc96cc" xsi:nil="true"/>
+    <ParentAssetId xmlns="4873beb7-5857-4685-be1f-d57550cc96cc" xsi:nil="true"/>
+    <IntlLangReviewDate xmlns="4873beb7-5857-4685-be1f-d57550cc96cc" xsi:nil="true"/>
+    <FeatureTagsTaxHTField0 xmlns="4873beb7-5857-4685-be1f-d57550cc96cc">
+      <Terms xmlns="http://schemas.microsoft.com/office/infopath/2007/PartnerControls"/>
+    </FeatureTagsTaxHTField0>
+    <PublishStatusLookup xmlns="4873beb7-5857-4685-be1f-d57550cc96cc">
+      <Value>1566889</Value>
+    </PublishStatusLookup>
+    <Providers xmlns="4873beb7-5857-4685-be1f-d57550cc96cc" xsi:nil="true"/>
+    <MachineTranslated xmlns="4873beb7-5857-4685-be1f-d57550cc96cc">false</MachineTranslated>
+    <OriginalSourceMarket xmlns="4873beb7-5857-4685-be1f-d57550cc96cc" xsi:nil="true"/>
+    <APDescription xmlns="4873beb7-5857-4685-be1f-d57550cc96cc" xsi:nil="true"/>
+    <ClipArtFilename xmlns="4873beb7-5857-4685-be1f-d57550cc96cc" xsi:nil="true"/>
+    <ContentItem xmlns="4873beb7-5857-4685-be1f-d57550cc96cc" xsi:nil="true"/>
+    <TPInstallLocation xmlns="4873beb7-5857-4685-be1f-d57550cc96cc" xsi:nil="true"/>
+    <PublishTargets xmlns="4873beb7-5857-4685-be1f-d57550cc96cc">OfficeOnlineVNext</PublishTargets>
+    <TimesCloned xmlns="4873beb7-5857-4685-be1f-d57550cc96cc" xsi:nil="true"/>
+    <AssetStart xmlns="4873beb7-5857-4685-be1f-d57550cc96cc">2012-05-23T08:44:00+00:00</AssetStart>
+    <Provider xmlns="4873beb7-5857-4685-be1f-d57550cc96cc" xsi:nil="true"/>
+    <AcquiredFrom xmlns="4873beb7-5857-4685-be1f-d57550cc96cc">Internal MS</AcquiredFrom>
+    <FriendlyTitle xmlns="4873beb7-5857-4685-be1f-d57550cc96cc" xsi:nil="true"/>
+    <LastHandOff xmlns="4873beb7-5857-4685-be1f-d57550cc96cc" xsi:nil="true"/>
+    <TPClientViewer xmlns="4873beb7-5857-4685-be1f-d57550cc96cc" xsi:nil="true"/>
+    <UACurrentWords xmlns="4873beb7-5857-4685-be1f-d57550cc96cc" xsi:nil="true"/>
+    <ArtSampleDocs xmlns="4873beb7-5857-4685-be1f-d57550cc96cc" xsi:nil="true"/>
+    <UALocRecommendation xmlns="4873beb7-5857-4685-be1f-d57550cc96cc">Localize</UALocRecommendation>
+    <Manager xmlns="4873beb7-5857-4685-be1f-d57550cc96cc" xsi:nil="true"/>
+    <ShowIn xmlns="4873beb7-5857-4685-be1f-d57550cc96cc">Show everywhere</ShowIn>
+    <UANotes xmlns="4873beb7-5857-4685-be1f-d57550cc96cc" xsi:nil="true"/>
+    <TemplateStatus xmlns="4873beb7-5857-4685-be1f-d57550cc96cc">Complete</TemplateStatus>
+    <InternalTagsTaxHTField0 xmlns="4873beb7-5857-4685-be1f-d57550cc96cc">
+      <Terms xmlns="http://schemas.microsoft.com/office/infopath/2007/PartnerControls"/>
+    </InternalTagsTaxHTField0>
+    <CSXHash xmlns="4873beb7-5857-4685-be1f-d57550cc96cc" xsi:nil="true"/>
+    <Downloads xmlns="4873beb7-5857-4685-be1f-d57550cc96cc">0</Downloads>
+    <VoteCount xmlns="4873beb7-5857-4685-be1f-d57550cc96cc" xsi:nil="true"/>
+    <OOCacheId xmlns="4873beb7-5857-4685-be1f-d57550cc96cc" xsi:nil="true"/>
+    <IsDeleted xmlns="4873beb7-5857-4685-be1f-d57550cc96cc">false</IsDeleted>
+    <AssetExpire xmlns="4873beb7-5857-4685-be1f-d57550cc96cc">2029-01-01T08:00:00+00:00</AssetExpire>
+    <DSATActionTaken xmlns="4873beb7-5857-4685-be1f-d57550cc96cc" xsi:nil="true"/>
+    <CSXSubmissionMarket xmlns="4873beb7-5857-4685-be1f-d57550cc96cc" xsi:nil="true"/>
+    <TPExecutable xmlns="4873beb7-5857-4685-be1f-d57550cc96cc" xsi:nil="true"/>
+    <SubmitterId xmlns="4873beb7-5857-4685-be1f-d57550cc96cc" xsi:nil="true"/>
+    <EditorialTags xmlns="4873beb7-5857-4685-be1f-d57550cc96cc" xsi:nil="true"/>
+    <ApprovalLog xmlns="4873beb7-5857-4685-be1f-d57550cc96cc" xsi:nil="true"/>
+    <AssetType xmlns="4873beb7-5857-4685-be1f-d57550cc96cc">TP</AssetType>
+    <BugNumber xmlns="4873beb7-5857-4685-be1f-d57550cc96cc" xsi:nil="true"/>
+    <CSXSubmissionDate xmlns="4873beb7-5857-4685-be1f-d57550cc96cc" xsi:nil="true"/>
+    <CSXUpdate xmlns="4873beb7-5857-4685-be1f-d57550cc96cc">false</CSXUpdate>
+    <Milestone xmlns="4873beb7-5857-4685-be1f-d57550cc96cc" xsi:nil="true"/>
+    <RecommendationsModifier xmlns="4873beb7-5857-4685-be1f-d57550cc96cc" xsi:nil="true"/>
+    <OriginAsset xmlns="4873beb7-5857-4685-be1f-d57550cc96cc" xsi:nil="true"/>
+    <TPComponent xmlns="4873beb7-5857-4685-be1f-d57550cc96cc" xsi:nil="true"/>
+    <AssetId xmlns="4873beb7-5857-4685-be1f-d57550cc96cc">TP102901017</AssetId>
+    <IntlLocPriority xmlns="4873beb7-5857-4685-be1f-d57550cc96cc" xsi:nil="true"/>
+    <PolicheckWords xmlns="4873beb7-5857-4685-be1f-d57550cc96cc" xsi:nil="true"/>
+    <TPLaunchHelpLink xmlns="4873beb7-5857-4685-be1f-d57550cc96cc" xsi:nil="true"/>
+    <TPApplication xmlns="4873beb7-5857-4685-be1f-d57550cc96cc" xsi:nil="true"/>
+    <CrawlForDependencies xmlns="4873beb7-5857-4685-be1f-d57550cc96cc">false</CrawlForDependencies>
+    <HandoffToMSDN xmlns="4873beb7-5857-4685-be1f-d57550cc96cc" xsi:nil="true"/>
+    <PlannedPubDate xmlns="4873beb7-5857-4685-be1f-d57550cc96cc" xsi:nil="true"/>
+    <IntlLangReviewer xmlns="4873beb7-5857-4685-be1f-d57550cc96cc" xsi:nil="true"/>
+    <TrustLevel xmlns="4873beb7-5857-4685-be1f-d57550cc96cc">1 Microsoft Managed Content</TrustLevel>
+    <LocLastLocAttemptVersionLookup xmlns="4873beb7-5857-4685-be1f-d57550cc96cc">836753</LocLastLocAttemptVersionLookup>
+    <IsSearchable xmlns="4873beb7-5857-4685-be1f-d57550cc96cc">true</IsSearchable>
+    <TemplateTemplateType xmlns="4873beb7-5857-4685-be1f-d57550cc96cc">PowerPoint Design Template</TemplateTemplateType>
+    <CampaignTagsTaxHTField0 xmlns="4873beb7-5857-4685-be1f-d57550cc96cc">
+      <Terms xmlns="http://schemas.microsoft.com/office/infopath/2007/PartnerControls"/>
+    </CampaignTagsTaxHTField0>
+    <TPNamespace xmlns="4873beb7-5857-4685-be1f-d57550cc96cc" xsi:nil="true"/>
+    <TaxCatchAll xmlns="4873beb7-5857-4685-be1f-d57550cc96cc"/>
+    <Markets xmlns="4873beb7-5857-4685-be1f-d57550cc96cc"/>
+    <UAProjectedTotalWords xmlns="4873beb7-5857-4685-be1f-d57550cc96cc" xsi:nil="true"/>
+    <IntlLangReview xmlns="4873beb7-5857-4685-be1f-d57550cc96cc">false</IntlLangReview>
+    <OutputCachingOn xmlns="4873beb7-5857-4685-be1f-d57550cc96cc">false</OutputCachingOn>
+    <AverageRating xmlns="4873beb7-5857-4685-be1f-d57550cc96cc" xsi:nil="true"/>
+    <APAuthor xmlns="4873beb7-5857-4685-be1f-d57550cc96cc">
+      <UserInfo>
+        <DisplayName>REDMOND\v-anij</DisplayName>
+        <AccountId>2469</AccountId>
+        <AccountType/>
+      </UserInfo>
+    </APAuthor>
+    <LocManualTestRequired xmlns="4873beb7-5857-4685-be1f-d57550cc96cc">false</LocManualTestRequired>
+    <TPCommandLine xmlns="4873beb7-5857-4685-be1f-d57550cc96cc" xsi:nil="true"/>
+    <TPAppVersion xmlns="4873beb7-5857-4685-be1f-d57550cc96cc" xsi:nil="true"/>
+    <EditorialStatus xmlns="4873beb7-5857-4685-be1f-d57550cc96cc">Complete</EditorialStatus>
+    <LastModifiedDateTime xmlns="4873beb7-5857-4685-be1f-d57550cc96cc" xsi:nil="true"/>
+    <ScenarioTagsTaxHTField0 xmlns="4873beb7-5857-4685-be1f-d57550cc96cc">
+      <Terms xmlns="http://schemas.microsoft.com/office/infopath/2007/PartnerControls"/>
+    </ScenarioTagsTaxHTField0>
+    <OriginalRelease xmlns="4873beb7-5857-4685-be1f-d57550cc96cc">15</OriginalRelease>
+    <TPLaunchHelpLinkType xmlns="4873beb7-5857-4685-be1f-d57550cc96cc">Template</TPLaunchHelpLinkType>
+    <LocalizationTagsTaxHTField0 xmlns="4873beb7-5857-4685-be1f-d57550cc96cc">
+      <Terms xmlns="http://schemas.microsoft.com/office/infopath/2007/PartnerControls"/>
+    </LocalizationTagsTaxHTField0>
+    <LocMarketGroupTiers2 xmlns="4873beb7-5857-4685-be1f-d57550cc96cc" xsi:nil="true"/>
+  </documentManagement>
+</p:properties>
+</file>
+
+<file path=customXml/item2.xml><?xml version="1.0" encoding="utf-8"?>
 <ct:contentTypeSchema xmlns:ct="http://schemas.microsoft.com/office/2006/metadata/contentType" xmlns:ma="http://schemas.microsoft.com/office/2006/metadata/properties/metaAttributes" ct:_="" ma:_="" ma:contentTypeName="TemplateFile" ma:contentTypeID="0x0101006EDDDB5EE6D98C44930B742096920B300400F5B6D36B3EF94B4E9A635CDF2A18F5B8" ma:contentTypeVersion="72" ma:contentTypeDescription="Create a new document." ma:contentTypeScope="" ma:versionID="a23e56308344d904b51738559c3d67c9">
   <xsd:schema xmlns:xsd="http://www.w3.org/2001/XMLSchema" xmlns:xs="http://www.w3.org/2001/XMLSchema" xmlns:p="http://schemas.microsoft.com/office/2006/metadata/properties" xmlns:ns2="4873beb7-5857-4685-be1f-d57550cc96cc" targetNamespace="http://schemas.microsoft.com/office/2006/metadata/properties" ma:root="true" ma:fieldsID="cd0908cc4600e77bf5da051303e00c8d" ns2:_="">
     <xsd:import namespace="4873beb7-5857-4685-be1f-d57550cc96cc"/>
@@ -8731,132 +9563,6 @@
 </ct:contentTypeSchema>
 </file>
 
-<file path=customXml/item2.xml><?xml version="1.0" encoding="utf-8"?>
-<p:properties xmlns:p="http://schemas.microsoft.com/office/2006/metadata/properties" xmlns:xsi="http://www.w3.org/2001/XMLSchema-instance" xmlns:pc="http://schemas.microsoft.com/office/infopath/2007/PartnerControls">
-  <documentManagement>
-    <DirectSourceMarket xmlns="4873beb7-5857-4685-be1f-d57550cc96cc" xsi:nil="true"/>
-    <ApprovalStatus xmlns="4873beb7-5857-4685-be1f-d57550cc96cc">InProgress</ApprovalStatus>
-    <MarketSpecific xmlns="4873beb7-5857-4685-be1f-d57550cc96cc">false</MarketSpecific>
-    <LocComments xmlns="4873beb7-5857-4685-be1f-d57550cc96cc" xsi:nil="true"/>
-    <ThumbnailAssetId xmlns="4873beb7-5857-4685-be1f-d57550cc96cc" xsi:nil="true"/>
-    <PrimaryImageGen xmlns="4873beb7-5857-4685-be1f-d57550cc96cc">true</PrimaryImageGen>
-    <LegacyData xmlns="4873beb7-5857-4685-be1f-d57550cc96cc" xsi:nil="true"/>
-    <LocRecommendedHandoff xmlns="4873beb7-5857-4685-be1f-d57550cc96cc" xsi:nil="true"/>
-    <BusinessGroup xmlns="4873beb7-5857-4685-be1f-d57550cc96cc" xsi:nil="true"/>
-    <BlockPublish xmlns="4873beb7-5857-4685-be1f-d57550cc96cc">false</BlockPublish>
-    <TPFriendlyName xmlns="4873beb7-5857-4685-be1f-d57550cc96cc" xsi:nil="true"/>
-    <NumericId xmlns="4873beb7-5857-4685-be1f-d57550cc96cc" xsi:nil="true"/>
-    <APEditor xmlns="4873beb7-5857-4685-be1f-d57550cc96cc">
-      <UserInfo>
-        <DisplayName/>
-        <AccountId xsi:nil="true"/>
-        <AccountType/>
-      </UserInfo>
-    </APEditor>
-    <SourceTitle xmlns="4873beb7-5857-4685-be1f-d57550cc96cc" xsi:nil="true"/>
-    <OpenTemplate xmlns="4873beb7-5857-4685-be1f-d57550cc96cc">true</OpenTemplate>
-    <UALocComments xmlns="4873beb7-5857-4685-be1f-d57550cc96cc" xsi:nil="true"/>
-    <ParentAssetId xmlns="4873beb7-5857-4685-be1f-d57550cc96cc" xsi:nil="true"/>
-    <IntlLangReviewDate xmlns="4873beb7-5857-4685-be1f-d57550cc96cc" xsi:nil="true"/>
-    <FeatureTagsTaxHTField0 xmlns="4873beb7-5857-4685-be1f-d57550cc96cc">
-      <Terms xmlns="http://schemas.microsoft.com/office/infopath/2007/PartnerControls"/>
-    </FeatureTagsTaxHTField0>
-    <PublishStatusLookup xmlns="4873beb7-5857-4685-be1f-d57550cc96cc">
-      <Value>1566889</Value>
-    </PublishStatusLookup>
-    <Providers xmlns="4873beb7-5857-4685-be1f-d57550cc96cc" xsi:nil="true"/>
-    <MachineTranslated xmlns="4873beb7-5857-4685-be1f-d57550cc96cc">false</MachineTranslated>
-    <OriginalSourceMarket xmlns="4873beb7-5857-4685-be1f-d57550cc96cc" xsi:nil="true"/>
-    <APDescription xmlns="4873beb7-5857-4685-be1f-d57550cc96cc" xsi:nil="true"/>
-    <ClipArtFilename xmlns="4873beb7-5857-4685-be1f-d57550cc96cc" xsi:nil="true"/>
-    <ContentItem xmlns="4873beb7-5857-4685-be1f-d57550cc96cc" xsi:nil="true"/>
-    <TPInstallLocation xmlns="4873beb7-5857-4685-be1f-d57550cc96cc" xsi:nil="true"/>
-    <PublishTargets xmlns="4873beb7-5857-4685-be1f-d57550cc96cc">OfficeOnlineVNext</PublishTargets>
-    <TimesCloned xmlns="4873beb7-5857-4685-be1f-d57550cc96cc" xsi:nil="true"/>
-    <AssetStart xmlns="4873beb7-5857-4685-be1f-d57550cc96cc">2012-05-23T08:44:00+00:00</AssetStart>
-    <Provider xmlns="4873beb7-5857-4685-be1f-d57550cc96cc" xsi:nil="true"/>
-    <AcquiredFrom xmlns="4873beb7-5857-4685-be1f-d57550cc96cc">Internal MS</AcquiredFrom>
-    <FriendlyTitle xmlns="4873beb7-5857-4685-be1f-d57550cc96cc" xsi:nil="true"/>
-    <LastHandOff xmlns="4873beb7-5857-4685-be1f-d57550cc96cc" xsi:nil="true"/>
-    <TPClientViewer xmlns="4873beb7-5857-4685-be1f-d57550cc96cc" xsi:nil="true"/>
-    <UACurrentWords xmlns="4873beb7-5857-4685-be1f-d57550cc96cc" xsi:nil="true"/>
-    <ArtSampleDocs xmlns="4873beb7-5857-4685-be1f-d57550cc96cc" xsi:nil="true"/>
-    <UALocRecommendation xmlns="4873beb7-5857-4685-be1f-d57550cc96cc">Localize</UALocRecommendation>
-    <Manager xmlns="4873beb7-5857-4685-be1f-d57550cc96cc" xsi:nil="true"/>
-    <ShowIn xmlns="4873beb7-5857-4685-be1f-d57550cc96cc">Show everywhere</ShowIn>
-    <UANotes xmlns="4873beb7-5857-4685-be1f-d57550cc96cc" xsi:nil="true"/>
-    <TemplateStatus xmlns="4873beb7-5857-4685-be1f-d57550cc96cc">Complete</TemplateStatus>
-    <InternalTagsTaxHTField0 xmlns="4873beb7-5857-4685-be1f-d57550cc96cc">
-      <Terms xmlns="http://schemas.microsoft.com/office/infopath/2007/PartnerControls"/>
-    </InternalTagsTaxHTField0>
-    <CSXHash xmlns="4873beb7-5857-4685-be1f-d57550cc96cc" xsi:nil="true"/>
-    <Downloads xmlns="4873beb7-5857-4685-be1f-d57550cc96cc">0</Downloads>
-    <VoteCount xmlns="4873beb7-5857-4685-be1f-d57550cc96cc" xsi:nil="true"/>
-    <OOCacheId xmlns="4873beb7-5857-4685-be1f-d57550cc96cc" xsi:nil="true"/>
-    <IsDeleted xmlns="4873beb7-5857-4685-be1f-d57550cc96cc">false</IsDeleted>
-    <AssetExpire xmlns="4873beb7-5857-4685-be1f-d57550cc96cc">2029-01-01T08:00:00+00:00</AssetExpire>
-    <DSATActionTaken xmlns="4873beb7-5857-4685-be1f-d57550cc96cc" xsi:nil="true"/>
-    <CSXSubmissionMarket xmlns="4873beb7-5857-4685-be1f-d57550cc96cc" xsi:nil="true"/>
-    <TPExecutable xmlns="4873beb7-5857-4685-be1f-d57550cc96cc" xsi:nil="true"/>
-    <SubmitterId xmlns="4873beb7-5857-4685-be1f-d57550cc96cc" xsi:nil="true"/>
-    <EditorialTags xmlns="4873beb7-5857-4685-be1f-d57550cc96cc" xsi:nil="true"/>
-    <ApprovalLog xmlns="4873beb7-5857-4685-be1f-d57550cc96cc" xsi:nil="true"/>
-    <AssetType xmlns="4873beb7-5857-4685-be1f-d57550cc96cc">TP</AssetType>
-    <BugNumber xmlns="4873beb7-5857-4685-be1f-d57550cc96cc" xsi:nil="true"/>
-    <CSXSubmissionDate xmlns="4873beb7-5857-4685-be1f-d57550cc96cc" xsi:nil="true"/>
-    <CSXUpdate xmlns="4873beb7-5857-4685-be1f-d57550cc96cc">false</CSXUpdate>
-    <Milestone xmlns="4873beb7-5857-4685-be1f-d57550cc96cc" xsi:nil="true"/>
-    <RecommendationsModifier xmlns="4873beb7-5857-4685-be1f-d57550cc96cc" xsi:nil="true"/>
-    <OriginAsset xmlns="4873beb7-5857-4685-be1f-d57550cc96cc" xsi:nil="true"/>
-    <TPComponent xmlns="4873beb7-5857-4685-be1f-d57550cc96cc" xsi:nil="true"/>
-    <AssetId xmlns="4873beb7-5857-4685-be1f-d57550cc96cc">TP102901017</AssetId>
-    <IntlLocPriority xmlns="4873beb7-5857-4685-be1f-d57550cc96cc" xsi:nil="true"/>
-    <PolicheckWords xmlns="4873beb7-5857-4685-be1f-d57550cc96cc" xsi:nil="true"/>
-    <TPLaunchHelpLink xmlns="4873beb7-5857-4685-be1f-d57550cc96cc" xsi:nil="true"/>
-    <TPApplication xmlns="4873beb7-5857-4685-be1f-d57550cc96cc" xsi:nil="true"/>
-    <CrawlForDependencies xmlns="4873beb7-5857-4685-be1f-d57550cc96cc">false</CrawlForDependencies>
-    <HandoffToMSDN xmlns="4873beb7-5857-4685-be1f-d57550cc96cc" xsi:nil="true"/>
-    <PlannedPubDate xmlns="4873beb7-5857-4685-be1f-d57550cc96cc" xsi:nil="true"/>
-    <IntlLangReviewer xmlns="4873beb7-5857-4685-be1f-d57550cc96cc" xsi:nil="true"/>
-    <TrustLevel xmlns="4873beb7-5857-4685-be1f-d57550cc96cc">1 Microsoft Managed Content</TrustLevel>
-    <LocLastLocAttemptVersionLookup xmlns="4873beb7-5857-4685-be1f-d57550cc96cc">836753</LocLastLocAttemptVersionLookup>
-    <IsSearchable xmlns="4873beb7-5857-4685-be1f-d57550cc96cc">true</IsSearchable>
-    <TemplateTemplateType xmlns="4873beb7-5857-4685-be1f-d57550cc96cc">PowerPoint Design Template</TemplateTemplateType>
-    <CampaignTagsTaxHTField0 xmlns="4873beb7-5857-4685-be1f-d57550cc96cc">
-      <Terms xmlns="http://schemas.microsoft.com/office/infopath/2007/PartnerControls"/>
-    </CampaignTagsTaxHTField0>
-    <TPNamespace xmlns="4873beb7-5857-4685-be1f-d57550cc96cc" xsi:nil="true"/>
-    <TaxCatchAll xmlns="4873beb7-5857-4685-be1f-d57550cc96cc"/>
-    <Markets xmlns="4873beb7-5857-4685-be1f-d57550cc96cc"/>
-    <UAProjectedTotalWords xmlns="4873beb7-5857-4685-be1f-d57550cc96cc" xsi:nil="true"/>
-    <IntlLangReview xmlns="4873beb7-5857-4685-be1f-d57550cc96cc">false</IntlLangReview>
-    <OutputCachingOn xmlns="4873beb7-5857-4685-be1f-d57550cc96cc">false</OutputCachingOn>
-    <AverageRating xmlns="4873beb7-5857-4685-be1f-d57550cc96cc" xsi:nil="true"/>
-    <APAuthor xmlns="4873beb7-5857-4685-be1f-d57550cc96cc">
-      <UserInfo>
-        <DisplayName>REDMOND\v-anij</DisplayName>
-        <AccountId>2469</AccountId>
-        <AccountType/>
-      </UserInfo>
-    </APAuthor>
-    <LocManualTestRequired xmlns="4873beb7-5857-4685-be1f-d57550cc96cc">false</LocManualTestRequired>
-    <TPCommandLine xmlns="4873beb7-5857-4685-be1f-d57550cc96cc" xsi:nil="true"/>
-    <TPAppVersion xmlns="4873beb7-5857-4685-be1f-d57550cc96cc" xsi:nil="true"/>
-    <EditorialStatus xmlns="4873beb7-5857-4685-be1f-d57550cc96cc">Complete</EditorialStatus>
-    <LastModifiedDateTime xmlns="4873beb7-5857-4685-be1f-d57550cc96cc" xsi:nil="true"/>
-    <ScenarioTagsTaxHTField0 xmlns="4873beb7-5857-4685-be1f-d57550cc96cc">
-      <Terms xmlns="http://schemas.microsoft.com/office/infopath/2007/PartnerControls"/>
-    </ScenarioTagsTaxHTField0>
-    <OriginalRelease xmlns="4873beb7-5857-4685-be1f-d57550cc96cc">15</OriginalRelease>
-    <TPLaunchHelpLinkType xmlns="4873beb7-5857-4685-be1f-d57550cc96cc">Template</TPLaunchHelpLinkType>
-    <LocalizationTagsTaxHTField0 xmlns="4873beb7-5857-4685-be1f-d57550cc96cc">
-      <Terms xmlns="http://schemas.microsoft.com/office/infopath/2007/PartnerControls"/>
-    </LocalizationTagsTaxHTField0>
-    <LocMarketGroupTiers2 xmlns="4873beb7-5857-4685-be1f-d57550cc96cc" xsi:nil="true"/>
-  </documentManagement>
-</p:properties>
-</file>
-
 <file path=customXml/item3.xml><?xml version="1.0" encoding="utf-8"?>
 <?mso-contentType ?>
 <FormTemplates xmlns="http://schemas.microsoft.com/sharepoint/v3/contenttype/forms">
@@ -8867,6 +9573,16 @@
 </file>
 
 <file path=customXml/itemProps1.xml><?xml version="1.0" encoding="utf-8"?>
+<ds:datastoreItem xmlns:ds="http://schemas.openxmlformats.org/officeDocument/2006/customXml" ds:itemID="{04098515-0C12-46CF-BC7C-69B4A13CD5FA}">
+  <ds:schemaRefs>
+    <ds:schemaRef ds:uri="http://schemas.microsoft.com/office/2006/metadata/properties"/>
+    <ds:schemaRef ds:uri="http://schemas.microsoft.com/office/infopath/2007/PartnerControls"/>
+    <ds:schemaRef ds:uri="4873beb7-5857-4685-be1f-d57550cc96cc"/>
+  </ds:schemaRefs>
+</ds:datastoreItem>
+</file>
+
+<file path=customXml/itemProps2.xml><?xml version="1.0" encoding="utf-8"?>
 <ds:datastoreItem xmlns:ds="http://schemas.openxmlformats.org/officeDocument/2006/customXml" ds:itemID="{0B5C6E15-39DC-470B-9445-F754B9458020}">
   <ds:schemaRefs>
     <ds:schemaRef ds:uri="http://schemas.microsoft.com/office/2006/metadata/contentType"/>
@@ -8884,16 +9600,6 @@
 </ds:datastoreItem>
 </file>
 
-<file path=customXml/itemProps2.xml><?xml version="1.0" encoding="utf-8"?>
-<ds:datastoreItem xmlns:ds="http://schemas.openxmlformats.org/officeDocument/2006/customXml" ds:itemID="{04098515-0C12-46CF-BC7C-69B4A13CD5FA}">
-  <ds:schemaRefs>
-    <ds:schemaRef ds:uri="http://schemas.microsoft.com/office/2006/metadata/properties"/>
-    <ds:schemaRef ds:uri="http://schemas.microsoft.com/office/infopath/2007/PartnerControls"/>
-    <ds:schemaRef ds:uri="4873beb7-5857-4685-be1f-d57550cc96cc"/>
-  </ds:schemaRefs>
-</ds:datastoreItem>
-</file>
-
 <file path=customXml/itemProps3.xml><?xml version="1.0" encoding="utf-8"?>
 <ds:datastoreItem xmlns:ds="http://schemas.openxmlformats.org/officeDocument/2006/customXml" ds:itemID="{746CFF6F-D9AA-4BC0-911A-0A1356771912}">
   <ds:schemaRefs>

--- a/files/Big Data on AWS.pptx
+++ b/files/Big Data on AWS.pptx
@@ -231,7 +231,7 @@
             <a:pPr algn="r" rtl="0"/>
             <a:fld id="{85FB9A08-40BC-47B5-8130-616BDCF09507}" type="datetime1">
               <a:rPr lang="fr-FR" smtClean="0"/>
-              <a:t>29/12/2020</a:t>
+              <a:t>03/01/2021</a:t>
             </a:fld>
             <a:endParaRPr lang="fr-FR" dirty="0"/>
           </a:p>
@@ -401,7 +401,7 @@
             <a:fld id="{082B9BC8-1895-4EB7-B2E1-D3911C69AD0C}" type="datetime1">
               <a:rPr lang="fr-FR" smtClean="0"/>
               <a:pPr/>
-              <a:t>29/12/2020</a:t>
+              <a:t>03/01/2021</a:t>
             </a:fld>
             <a:endParaRPr lang="fr-FR" dirty="0"/>
           </a:p>
@@ -1044,7 +1044,7 @@
             <a:fld id="{B0AE1499-D871-4B5A-815F-37F8E0C46F8C}" type="datetime1">
               <a:rPr lang="fr-FR" smtClean="0"/>
               <a:pPr/>
-              <a:t>29/12/2020</a:t>
+              <a:t>03/01/2021</a:t>
             </a:fld>
             <a:endParaRPr lang="fr-FR" dirty="0"/>
           </a:p>
@@ -1236,7 +1236,7 @@
             <a:fld id="{7CFD53AE-A1A9-4971-B817-D6F393C7FE35}" type="datetime1">
               <a:rPr lang="fr-FR" smtClean="0"/>
               <a:pPr/>
-              <a:t>29/12/2020</a:t>
+              <a:t>03/01/2021</a:t>
             </a:fld>
             <a:endParaRPr lang="fr-FR" dirty="0"/>
           </a:p>
@@ -1422,7 +1422,7 @@
             <a:fld id="{B4EA85BC-BD2B-458E-8340-8D31B4F152AE}" type="datetime1">
               <a:rPr lang="fr-FR" smtClean="0"/>
               <a:pPr/>
-              <a:t>29/12/2020</a:t>
+              <a:t>03/01/2021</a:t>
             </a:fld>
             <a:endParaRPr lang="fr-FR" dirty="0"/>
           </a:p>
@@ -1870,7 +1870,7 @@
             <a:fld id="{2C9DB741-A3C2-4C75-A4D1-97F129BE9491}" type="datetime1">
               <a:rPr lang="fr-FR" smtClean="0"/>
               <a:pPr/>
-              <a:t>29/12/2020</a:t>
+              <a:t>03/01/2021</a:t>
             </a:fld>
             <a:endParaRPr lang="fr-FR" dirty="0"/>
           </a:p>
@@ -2322,7 +2322,7 @@
             <a:fld id="{11B59C61-65A8-4FB6-8060-9ACE25B631CB}" type="datetime1">
               <a:rPr lang="fr-FR" noProof="0" smtClean="0"/>
               <a:pPr/>
-              <a:t>29/12/2020</a:t>
+              <a:t>03/01/2021</a:t>
             </a:fld>
             <a:endParaRPr lang="fr-FR" noProof="0" dirty="0"/>
           </a:p>
@@ -2452,7 +2452,7 @@
             <a:fld id="{B19C7B91-9FE1-44A2-8FAA-E998ADCC26EE}" type="datetime1">
               <a:rPr lang="fr-FR" smtClean="0"/>
               <a:pPr/>
-              <a:t>29/12/2020</a:t>
+              <a:t>03/01/2021</a:t>
             </a:fld>
             <a:endParaRPr lang="fr-FR" dirty="0"/>
           </a:p>
@@ -2558,7 +2558,7 @@
             <a:fld id="{24294901-3B67-4101-8D94-E7F6C7A7004D}" type="datetime1">
               <a:rPr lang="fr-FR" smtClean="0"/>
               <a:pPr/>
-              <a:t>29/12/2020</a:t>
+              <a:t>03/01/2021</a:t>
             </a:fld>
             <a:endParaRPr lang="fr-FR" dirty="0"/>
           </a:p>
@@ -2854,7 +2854,7 @@
             <a:fld id="{36311718-BEC8-4DB8-9B0A-52986EABC5C9}" type="datetime1">
               <a:rPr lang="fr-FR" smtClean="0"/>
               <a:pPr/>
-              <a:t>29/12/2020</a:t>
+              <a:t>03/01/2021</a:t>
             </a:fld>
             <a:endParaRPr lang="fr-FR" dirty="0"/>
           </a:p>
@@ -3180,7 +3180,7 @@
             <a:fld id="{E883871E-5D80-4EDF-9E01-94E184402302}" type="datetime1">
               <a:rPr lang="fr-FR" smtClean="0"/>
               <a:pPr/>
-              <a:t>29/12/2020</a:t>
+              <a:t>03/01/2021</a:t>
             </a:fld>
             <a:endParaRPr lang="fr-FR" dirty="0"/>
           </a:p>
@@ -3399,7 +3399,7 @@
             <a:fld id="{A9F01D7A-F2CA-4D89-BC48-D8C829AA64E1}" type="datetime1">
               <a:rPr lang="fr-FR" smtClean="0"/>
               <a:pPr/>
-              <a:t>29/12/2020</a:t>
+              <a:t>03/01/2021</a:t>
             </a:fld>
             <a:endParaRPr lang="fr-FR" dirty="0"/>
           </a:p>
@@ -3927,13 +3927,13 @@
   <p:clrMapOvr>
     <a:masterClrMapping/>
   </p:clrMapOvr>
-  <mc:AlternateContent xmlns:mc="http://schemas.openxmlformats.org/markup-compatibility/2006">
-    <mc:Choice xmlns:p159="http://schemas.microsoft.com/office/powerpoint/2015/09/main" Requires="p159">
+  <mc:AlternateContent xmlns:mc="http://schemas.openxmlformats.org/markup-compatibility/2006" xmlns:p159="http://schemas.microsoft.com/office/powerpoint/2015/09/main">
+    <mc:Choice Requires="p159">
       <p:transition xmlns:p14="http://schemas.microsoft.com/office/powerpoint/2010/main" spd="slow" p14:dur="2000">
         <p159:morph option="byObject"/>
       </p:transition>
     </mc:Choice>
-    <mc:Fallback>
+    <mc:Fallback xmlns="">
       <p:transition spd="slow">
         <p:fade/>
       </p:transition>
@@ -4221,18 +4221,582 @@
   <p:clrMapOvr>
     <a:masterClrMapping/>
   </p:clrMapOvr>
-  <mc:AlternateContent xmlns:mc="http://schemas.openxmlformats.org/markup-compatibility/2006">
-    <mc:Choice xmlns:p159="http://schemas.microsoft.com/office/powerpoint/2015/09/main" Requires="p159">
+  <mc:AlternateContent xmlns:mc="http://schemas.openxmlformats.org/markup-compatibility/2006" xmlns:p159="http://schemas.microsoft.com/office/powerpoint/2015/09/main">
+    <mc:Choice Requires="p159">
       <p:transition xmlns:p14="http://schemas.microsoft.com/office/powerpoint/2010/main" spd="slow" p14:dur="2000">
         <p159:morph option="byObject"/>
       </p:transition>
     </mc:Choice>
-    <mc:Fallback>
+    <mc:Fallback xmlns="">
       <p:transition spd="slow">
         <p:fade/>
       </p:transition>
     </mc:Fallback>
   </mc:AlternateContent>
+  <p:timing>
+    <p:tnLst>
+      <p:par>
+        <p:cTn id="1" dur="indefinite" restart="never" nodeType="tmRoot">
+          <p:childTnLst>
+            <p:seq concurrent="1" nextAc="seek">
+              <p:cTn id="2" dur="indefinite" nodeType="mainSeq">
+                <p:childTnLst>
+                  <p:par>
+                    <p:cTn id="3" fill="hold">
+                      <p:stCondLst>
+                        <p:cond delay="indefinite"/>
+                      </p:stCondLst>
+                      <p:childTnLst>
+                        <p:par>
+                          <p:cTn id="4" fill="hold">
+                            <p:stCondLst>
+                              <p:cond delay="0"/>
+                            </p:stCondLst>
+                            <p:childTnLst>
+                              <p:par>
+                                <p:cTn id="5" presetID="10" presetClass="entr" presetSubtype="0" fill="hold" nodeType="clickEffect">
+                                  <p:stCondLst>
+                                    <p:cond delay="0"/>
+                                  </p:stCondLst>
+                                  <p:childTnLst>
+                                    <p:set>
+                                      <p:cBhvr>
+                                        <p:cTn id="6" dur="1" fill="hold">
+                                          <p:stCondLst>
+                                            <p:cond delay="0"/>
+                                          </p:stCondLst>
+                                        </p:cTn>
+                                        <p:tgtEl>
+                                          <p:spTgt spid="3">
+                                            <p:txEl>
+                                              <p:pRg st="0" end="0"/>
+                                            </p:txEl>
+                                          </p:spTgt>
+                                        </p:tgtEl>
+                                        <p:attrNameLst>
+                                          <p:attrName>style.visibility</p:attrName>
+                                        </p:attrNameLst>
+                                      </p:cBhvr>
+                                      <p:to>
+                                        <p:strVal val="visible"/>
+                                      </p:to>
+                                    </p:set>
+                                    <p:animEffect transition="in" filter="fade">
+                                      <p:cBhvr>
+                                        <p:cTn id="7" dur="500"/>
+                                        <p:tgtEl>
+                                          <p:spTgt spid="3">
+                                            <p:txEl>
+                                              <p:pRg st="0" end="0"/>
+                                            </p:txEl>
+                                          </p:spTgt>
+                                        </p:tgtEl>
+                                      </p:cBhvr>
+                                    </p:animEffect>
+                                  </p:childTnLst>
+                                </p:cTn>
+                              </p:par>
+                              <p:par>
+                                <p:cTn id="8" presetID="10" presetClass="entr" presetSubtype="0" fill="hold" nodeType="withEffect">
+                                  <p:stCondLst>
+                                    <p:cond delay="0"/>
+                                  </p:stCondLst>
+                                  <p:childTnLst>
+                                    <p:set>
+                                      <p:cBhvr>
+                                        <p:cTn id="9" dur="1" fill="hold">
+                                          <p:stCondLst>
+                                            <p:cond delay="0"/>
+                                          </p:stCondLst>
+                                        </p:cTn>
+                                        <p:tgtEl>
+                                          <p:spTgt spid="3">
+                                            <p:txEl>
+                                              <p:pRg st="1" end="1"/>
+                                            </p:txEl>
+                                          </p:spTgt>
+                                        </p:tgtEl>
+                                        <p:attrNameLst>
+                                          <p:attrName>style.visibility</p:attrName>
+                                        </p:attrNameLst>
+                                      </p:cBhvr>
+                                      <p:to>
+                                        <p:strVal val="visible"/>
+                                      </p:to>
+                                    </p:set>
+                                    <p:animEffect transition="in" filter="fade">
+                                      <p:cBhvr>
+                                        <p:cTn id="10" dur="500"/>
+                                        <p:tgtEl>
+                                          <p:spTgt spid="3">
+                                            <p:txEl>
+                                              <p:pRg st="1" end="1"/>
+                                            </p:txEl>
+                                          </p:spTgt>
+                                        </p:tgtEl>
+                                      </p:cBhvr>
+                                    </p:animEffect>
+                                  </p:childTnLst>
+                                </p:cTn>
+                              </p:par>
+                              <p:par>
+                                <p:cTn id="11" presetID="10" presetClass="entr" presetSubtype="0" fill="hold" nodeType="withEffect">
+                                  <p:stCondLst>
+                                    <p:cond delay="0"/>
+                                  </p:stCondLst>
+                                  <p:childTnLst>
+                                    <p:set>
+                                      <p:cBhvr>
+                                        <p:cTn id="12" dur="1" fill="hold">
+                                          <p:stCondLst>
+                                            <p:cond delay="0"/>
+                                          </p:stCondLst>
+                                        </p:cTn>
+                                        <p:tgtEl>
+                                          <p:spTgt spid="3">
+                                            <p:txEl>
+                                              <p:pRg st="2" end="2"/>
+                                            </p:txEl>
+                                          </p:spTgt>
+                                        </p:tgtEl>
+                                        <p:attrNameLst>
+                                          <p:attrName>style.visibility</p:attrName>
+                                        </p:attrNameLst>
+                                      </p:cBhvr>
+                                      <p:to>
+                                        <p:strVal val="visible"/>
+                                      </p:to>
+                                    </p:set>
+                                    <p:animEffect transition="in" filter="fade">
+                                      <p:cBhvr>
+                                        <p:cTn id="13" dur="500"/>
+                                        <p:tgtEl>
+                                          <p:spTgt spid="3">
+                                            <p:txEl>
+                                              <p:pRg st="2" end="2"/>
+                                            </p:txEl>
+                                          </p:spTgt>
+                                        </p:tgtEl>
+                                      </p:cBhvr>
+                                    </p:animEffect>
+                                  </p:childTnLst>
+                                </p:cTn>
+                              </p:par>
+                              <p:par>
+                                <p:cTn id="14" presetID="10" presetClass="entr" presetSubtype="0" fill="hold" nodeType="withEffect">
+                                  <p:stCondLst>
+                                    <p:cond delay="0"/>
+                                  </p:stCondLst>
+                                  <p:childTnLst>
+                                    <p:set>
+                                      <p:cBhvr>
+                                        <p:cTn id="15" dur="1" fill="hold">
+                                          <p:stCondLst>
+                                            <p:cond delay="0"/>
+                                          </p:stCondLst>
+                                        </p:cTn>
+                                        <p:tgtEl>
+                                          <p:spTgt spid="3">
+                                            <p:txEl>
+                                              <p:pRg st="3" end="3"/>
+                                            </p:txEl>
+                                          </p:spTgt>
+                                        </p:tgtEl>
+                                        <p:attrNameLst>
+                                          <p:attrName>style.visibility</p:attrName>
+                                        </p:attrNameLst>
+                                      </p:cBhvr>
+                                      <p:to>
+                                        <p:strVal val="visible"/>
+                                      </p:to>
+                                    </p:set>
+                                    <p:animEffect transition="in" filter="fade">
+                                      <p:cBhvr>
+                                        <p:cTn id="16" dur="500"/>
+                                        <p:tgtEl>
+                                          <p:spTgt spid="3">
+                                            <p:txEl>
+                                              <p:pRg st="3" end="3"/>
+                                            </p:txEl>
+                                          </p:spTgt>
+                                        </p:tgtEl>
+                                      </p:cBhvr>
+                                    </p:animEffect>
+                                  </p:childTnLst>
+                                </p:cTn>
+                              </p:par>
+                              <p:par>
+                                <p:cTn id="17" presetID="10" presetClass="entr" presetSubtype="0" fill="hold" nodeType="withEffect">
+                                  <p:stCondLst>
+                                    <p:cond delay="0"/>
+                                  </p:stCondLst>
+                                  <p:childTnLst>
+                                    <p:set>
+                                      <p:cBhvr>
+                                        <p:cTn id="18" dur="1" fill="hold">
+                                          <p:stCondLst>
+                                            <p:cond delay="0"/>
+                                          </p:stCondLst>
+                                        </p:cTn>
+                                        <p:tgtEl>
+                                          <p:spTgt spid="3">
+                                            <p:txEl>
+                                              <p:pRg st="4" end="4"/>
+                                            </p:txEl>
+                                          </p:spTgt>
+                                        </p:tgtEl>
+                                        <p:attrNameLst>
+                                          <p:attrName>style.visibility</p:attrName>
+                                        </p:attrNameLst>
+                                      </p:cBhvr>
+                                      <p:to>
+                                        <p:strVal val="visible"/>
+                                      </p:to>
+                                    </p:set>
+                                    <p:animEffect transition="in" filter="fade">
+                                      <p:cBhvr>
+                                        <p:cTn id="19" dur="500"/>
+                                        <p:tgtEl>
+                                          <p:spTgt spid="3">
+                                            <p:txEl>
+                                              <p:pRg st="4" end="4"/>
+                                            </p:txEl>
+                                          </p:spTgt>
+                                        </p:tgtEl>
+                                      </p:cBhvr>
+                                    </p:animEffect>
+                                  </p:childTnLst>
+                                </p:cTn>
+                              </p:par>
+                              <p:par>
+                                <p:cTn id="20" presetID="10" presetClass="entr" presetSubtype="0" fill="hold" nodeType="withEffect">
+                                  <p:stCondLst>
+                                    <p:cond delay="0"/>
+                                  </p:stCondLst>
+                                  <p:childTnLst>
+                                    <p:set>
+                                      <p:cBhvr>
+                                        <p:cTn id="21" dur="1" fill="hold">
+                                          <p:stCondLst>
+                                            <p:cond delay="0"/>
+                                          </p:stCondLst>
+                                        </p:cTn>
+                                        <p:tgtEl>
+                                          <p:spTgt spid="3">
+                                            <p:txEl>
+                                              <p:pRg st="5" end="5"/>
+                                            </p:txEl>
+                                          </p:spTgt>
+                                        </p:tgtEl>
+                                        <p:attrNameLst>
+                                          <p:attrName>style.visibility</p:attrName>
+                                        </p:attrNameLst>
+                                      </p:cBhvr>
+                                      <p:to>
+                                        <p:strVal val="visible"/>
+                                      </p:to>
+                                    </p:set>
+                                    <p:animEffect transition="in" filter="fade">
+                                      <p:cBhvr>
+                                        <p:cTn id="22" dur="500"/>
+                                        <p:tgtEl>
+                                          <p:spTgt spid="3">
+                                            <p:txEl>
+                                              <p:pRg st="5" end="5"/>
+                                            </p:txEl>
+                                          </p:spTgt>
+                                        </p:tgtEl>
+                                      </p:cBhvr>
+                                    </p:animEffect>
+                                  </p:childTnLst>
+                                </p:cTn>
+                              </p:par>
+                              <p:par>
+                                <p:cTn id="23" presetID="10" presetClass="entr" presetSubtype="0" fill="hold" nodeType="withEffect">
+                                  <p:stCondLst>
+                                    <p:cond delay="0"/>
+                                  </p:stCondLst>
+                                  <p:childTnLst>
+                                    <p:set>
+                                      <p:cBhvr>
+                                        <p:cTn id="24" dur="1" fill="hold">
+                                          <p:stCondLst>
+                                            <p:cond delay="0"/>
+                                          </p:stCondLst>
+                                        </p:cTn>
+                                        <p:tgtEl>
+                                          <p:spTgt spid="3">
+                                            <p:txEl>
+                                              <p:pRg st="6" end="6"/>
+                                            </p:txEl>
+                                          </p:spTgt>
+                                        </p:tgtEl>
+                                        <p:attrNameLst>
+                                          <p:attrName>style.visibility</p:attrName>
+                                        </p:attrNameLst>
+                                      </p:cBhvr>
+                                      <p:to>
+                                        <p:strVal val="visible"/>
+                                      </p:to>
+                                    </p:set>
+                                    <p:animEffect transition="in" filter="fade">
+                                      <p:cBhvr>
+                                        <p:cTn id="25" dur="500"/>
+                                        <p:tgtEl>
+                                          <p:spTgt spid="3">
+                                            <p:txEl>
+                                              <p:pRg st="6" end="6"/>
+                                            </p:txEl>
+                                          </p:spTgt>
+                                        </p:tgtEl>
+                                      </p:cBhvr>
+                                    </p:animEffect>
+                                  </p:childTnLst>
+                                </p:cTn>
+                              </p:par>
+                              <p:par>
+                                <p:cTn id="26" presetID="10" presetClass="entr" presetSubtype="0" fill="hold" nodeType="withEffect">
+                                  <p:stCondLst>
+                                    <p:cond delay="0"/>
+                                  </p:stCondLst>
+                                  <p:childTnLst>
+                                    <p:set>
+                                      <p:cBhvr>
+                                        <p:cTn id="27" dur="1" fill="hold">
+                                          <p:stCondLst>
+                                            <p:cond delay="0"/>
+                                          </p:stCondLst>
+                                        </p:cTn>
+                                        <p:tgtEl>
+                                          <p:spTgt spid="3">
+                                            <p:txEl>
+                                              <p:pRg st="7" end="7"/>
+                                            </p:txEl>
+                                          </p:spTgt>
+                                        </p:tgtEl>
+                                        <p:attrNameLst>
+                                          <p:attrName>style.visibility</p:attrName>
+                                        </p:attrNameLst>
+                                      </p:cBhvr>
+                                      <p:to>
+                                        <p:strVal val="visible"/>
+                                      </p:to>
+                                    </p:set>
+                                    <p:animEffect transition="in" filter="fade">
+                                      <p:cBhvr>
+                                        <p:cTn id="28" dur="500"/>
+                                        <p:tgtEl>
+                                          <p:spTgt spid="3">
+                                            <p:txEl>
+                                              <p:pRg st="7" end="7"/>
+                                            </p:txEl>
+                                          </p:spTgt>
+                                        </p:tgtEl>
+                                      </p:cBhvr>
+                                    </p:animEffect>
+                                  </p:childTnLst>
+                                </p:cTn>
+                              </p:par>
+                              <p:par>
+                                <p:cTn id="29" presetID="10" presetClass="entr" presetSubtype="0" fill="hold" nodeType="withEffect">
+                                  <p:stCondLst>
+                                    <p:cond delay="0"/>
+                                  </p:stCondLst>
+                                  <p:childTnLst>
+                                    <p:set>
+                                      <p:cBhvr>
+                                        <p:cTn id="30" dur="1" fill="hold">
+                                          <p:stCondLst>
+                                            <p:cond delay="0"/>
+                                          </p:stCondLst>
+                                        </p:cTn>
+                                        <p:tgtEl>
+                                          <p:spTgt spid="3">
+                                            <p:txEl>
+                                              <p:pRg st="8" end="8"/>
+                                            </p:txEl>
+                                          </p:spTgt>
+                                        </p:tgtEl>
+                                        <p:attrNameLst>
+                                          <p:attrName>style.visibility</p:attrName>
+                                        </p:attrNameLst>
+                                      </p:cBhvr>
+                                      <p:to>
+                                        <p:strVal val="visible"/>
+                                      </p:to>
+                                    </p:set>
+                                    <p:animEffect transition="in" filter="fade">
+                                      <p:cBhvr>
+                                        <p:cTn id="31" dur="500"/>
+                                        <p:tgtEl>
+                                          <p:spTgt spid="3">
+                                            <p:txEl>
+                                              <p:pRg st="8" end="8"/>
+                                            </p:txEl>
+                                          </p:spTgt>
+                                        </p:tgtEl>
+                                      </p:cBhvr>
+                                    </p:animEffect>
+                                  </p:childTnLst>
+                                </p:cTn>
+                              </p:par>
+                              <p:par>
+                                <p:cTn id="32" presetID="10" presetClass="entr" presetSubtype="0" fill="hold" nodeType="withEffect">
+                                  <p:stCondLst>
+                                    <p:cond delay="0"/>
+                                  </p:stCondLst>
+                                  <p:childTnLst>
+                                    <p:set>
+                                      <p:cBhvr>
+                                        <p:cTn id="33" dur="1" fill="hold">
+                                          <p:stCondLst>
+                                            <p:cond delay="0"/>
+                                          </p:stCondLst>
+                                        </p:cTn>
+                                        <p:tgtEl>
+                                          <p:spTgt spid="3">
+                                            <p:txEl>
+                                              <p:pRg st="9" end="9"/>
+                                            </p:txEl>
+                                          </p:spTgt>
+                                        </p:tgtEl>
+                                        <p:attrNameLst>
+                                          <p:attrName>style.visibility</p:attrName>
+                                        </p:attrNameLst>
+                                      </p:cBhvr>
+                                      <p:to>
+                                        <p:strVal val="visible"/>
+                                      </p:to>
+                                    </p:set>
+                                    <p:animEffect transition="in" filter="fade">
+                                      <p:cBhvr>
+                                        <p:cTn id="34" dur="500"/>
+                                        <p:tgtEl>
+                                          <p:spTgt spid="3">
+                                            <p:txEl>
+                                              <p:pRg st="9" end="9"/>
+                                            </p:txEl>
+                                          </p:spTgt>
+                                        </p:tgtEl>
+                                      </p:cBhvr>
+                                    </p:animEffect>
+                                  </p:childTnLst>
+                                </p:cTn>
+                              </p:par>
+                              <p:par>
+                                <p:cTn id="35" presetID="10" presetClass="entr" presetSubtype="0" fill="hold" nodeType="withEffect">
+                                  <p:stCondLst>
+                                    <p:cond delay="0"/>
+                                  </p:stCondLst>
+                                  <p:childTnLst>
+                                    <p:set>
+                                      <p:cBhvr>
+                                        <p:cTn id="36" dur="1" fill="hold">
+                                          <p:stCondLst>
+                                            <p:cond delay="0"/>
+                                          </p:stCondLst>
+                                        </p:cTn>
+                                        <p:tgtEl>
+                                          <p:spTgt spid="3">
+                                            <p:txEl>
+                                              <p:pRg st="10" end="10"/>
+                                            </p:txEl>
+                                          </p:spTgt>
+                                        </p:tgtEl>
+                                        <p:attrNameLst>
+                                          <p:attrName>style.visibility</p:attrName>
+                                        </p:attrNameLst>
+                                      </p:cBhvr>
+                                      <p:to>
+                                        <p:strVal val="visible"/>
+                                      </p:to>
+                                    </p:set>
+                                    <p:animEffect transition="in" filter="fade">
+                                      <p:cBhvr>
+                                        <p:cTn id="37" dur="500"/>
+                                        <p:tgtEl>
+                                          <p:spTgt spid="3">
+                                            <p:txEl>
+                                              <p:pRg st="10" end="10"/>
+                                            </p:txEl>
+                                          </p:spTgt>
+                                        </p:tgtEl>
+                                      </p:cBhvr>
+                                    </p:animEffect>
+                                  </p:childTnLst>
+                                </p:cTn>
+                              </p:par>
+                              <p:par>
+                                <p:cTn id="38" presetID="10" presetClass="entr" presetSubtype="0" fill="hold" nodeType="withEffect">
+                                  <p:stCondLst>
+                                    <p:cond delay="0"/>
+                                  </p:stCondLst>
+                                  <p:childTnLst>
+                                    <p:set>
+                                      <p:cBhvr>
+                                        <p:cTn id="39" dur="1" fill="hold">
+                                          <p:stCondLst>
+                                            <p:cond delay="0"/>
+                                          </p:stCondLst>
+                                        </p:cTn>
+                                        <p:tgtEl>
+                                          <p:spTgt spid="3">
+                                            <p:txEl>
+                                              <p:pRg st="11" end="11"/>
+                                            </p:txEl>
+                                          </p:spTgt>
+                                        </p:tgtEl>
+                                        <p:attrNameLst>
+                                          <p:attrName>style.visibility</p:attrName>
+                                        </p:attrNameLst>
+                                      </p:cBhvr>
+                                      <p:to>
+                                        <p:strVal val="visible"/>
+                                      </p:to>
+                                    </p:set>
+                                    <p:animEffect transition="in" filter="fade">
+                                      <p:cBhvr>
+                                        <p:cTn id="40" dur="500"/>
+                                        <p:tgtEl>
+                                          <p:spTgt spid="3">
+                                            <p:txEl>
+                                              <p:pRg st="11" end="11"/>
+                                            </p:txEl>
+                                          </p:spTgt>
+                                        </p:tgtEl>
+                                      </p:cBhvr>
+                                    </p:animEffect>
+                                  </p:childTnLst>
+                                </p:cTn>
+                              </p:par>
+                            </p:childTnLst>
+                          </p:cTn>
+                        </p:par>
+                      </p:childTnLst>
+                    </p:cTn>
+                  </p:par>
+                </p:childTnLst>
+              </p:cTn>
+              <p:prevCondLst>
+                <p:cond evt="onPrev" delay="0">
+                  <p:tgtEl>
+                    <p:sldTgt/>
+                  </p:tgtEl>
+                </p:cond>
+              </p:prevCondLst>
+              <p:nextCondLst>
+                <p:cond evt="onNext" delay="0">
+                  <p:tgtEl>
+                    <p:sldTgt/>
+                  </p:tgtEl>
+                </p:cond>
+              </p:nextCondLst>
+            </p:seq>
+          </p:childTnLst>
+        </p:cTn>
+      </p:par>
+    </p:tnLst>
+  </p:timing>
 </p:sld>
 </file>
 
@@ -4876,18 +5440,422 @@
   <p:clrMapOvr>
     <a:masterClrMapping/>
   </p:clrMapOvr>
-  <mc:AlternateContent xmlns:mc="http://schemas.openxmlformats.org/markup-compatibility/2006">
-    <mc:Choice xmlns:p159="http://schemas.microsoft.com/office/powerpoint/2015/09/main" Requires="p159">
+  <mc:AlternateContent xmlns:mc="http://schemas.openxmlformats.org/markup-compatibility/2006" xmlns:p159="http://schemas.microsoft.com/office/powerpoint/2015/09/main">
+    <mc:Choice Requires="p159">
       <p:transition xmlns:p14="http://schemas.microsoft.com/office/powerpoint/2010/main" spd="slow" p14:dur="2000">
         <p159:morph option="byObject"/>
       </p:transition>
     </mc:Choice>
-    <mc:Fallback>
+    <mc:Fallback xmlns="">
       <p:transition spd="slow">
         <p:fade/>
       </p:transition>
     </mc:Fallback>
   </mc:AlternateContent>
+  <p:timing>
+    <p:tnLst>
+      <p:par>
+        <p:cTn id="1" dur="indefinite" restart="never" nodeType="tmRoot">
+          <p:childTnLst>
+            <p:seq concurrent="1" nextAc="seek">
+              <p:cTn id="2" dur="indefinite" nodeType="mainSeq">
+                <p:childTnLst>
+                  <p:par>
+                    <p:cTn id="3" fill="hold">
+                      <p:stCondLst>
+                        <p:cond delay="indefinite"/>
+                      </p:stCondLst>
+                      <p:childTnLst>
+                        <p:par>
+                          <p:cTn id="4" fill="hold">
+                            <p:stCondLst>
+                              <p:cond delay="0"/>
+                            </p:stCondLst>
+                            <p:childTnLst>
+                              <p:par>
+                                <p:cTn id="5" presetID="1" presetClass="entr" presetSubtype="0" fill="hold" nodeType="clickEffect">
+                                  <p:stCondLst>
+                                    <p:cond delay="0"/>
+                                  </p:stCondLst>
+                                  <p:childTnLst>
+                                    <p:set>
+                                      <p:cBhvr>
+                                        <p:cTn id="6" dur="1" fill="hold">
+                                          <p:stCondLst>
+                                            <p:cond delay="0"/>
+                                          </p:stCondLst>
+                                        </p:cTn>
+                                        <p:tgtEl>
+                                          <p:spTgt spid="3">
+                                            <p:txEl>
+                                              <p:pRg st="0" end="0"/>
+                                            </p:txEl>
+                                          </p:spTgt>
+                                        </p:tgtEl>
+                                        <p:attrNameLst>
+                                          <p:attrName>style.visibility</p:attrName>
+                                        </p:attrNameLst>
+                                      </p:cBhvr>
+                                      <p:to>
+                                        <p:strVal val="visible"/>
+                                      </p:to>
+                                    </p:set>
+                                  </p:childTnLst>
+                                </p:cTn>
+                              </p:par>
+                            </p:childTnLst>
+                          </p:cTn>
+                        </p:par>
+                      </p:childTnLst>
+                    </p:cTn>
+                  </p:par>
+                  <p:par>
+                    <p:cTn id="7" fill="hold">
+                      <p:stCondLst>
+                        <p:cond delay="indefinite"/>
+                      </p:stCondLst>
+                      <p:childTnLst>
+                        <p:par>
+                          <p:cTn id="8" fill="hold">
+                            <p:stCondLst>
+                              <p:cond delay="0"/>
+                            </p:stCondLst>
+                            <p:childTnLst>
+                              <p:par>
+                                <p:cTn id="9" presetID="1" presetClass="entr" presetSubtype="0" fill="hold" nodeType="clickEffect">
+                                  <p:stCondLst>
+                                    <p:cond delay="0"/>
+                                  </p:stCondLst>
+                                  <p:childTnLst>
+                                    <p:set>
+                                      <p:cBhvr>
+                                        <p:cTn id="10" dur="1" fill="hold">
+                                          <p:stCondLst>
+                                            <p:cond delay="0"/>
+                                          </p:stCondLst>
+                                        </p:cTn>
+                                        <p:tgtEl>
+                                          <p:spTgt spid="3">
+                                            <p:txEl>
+                                              <p:pRg st="1" end="1"/>
+                                            </p:txEl>
+                                          </p:spTgt>
+                                        </p:tgtEl>
+                                        <p:attrNameLst>
+                                          <p:attrName>style.visibility</p:attrName>
+                                        </p:attrNameLst>
+                                      </p:cBhvr>
+                                      <p:to>
+                                        <p:strVal val="visible"/>
+                                      </p:to>
+                                    </p:set>
+                                  </p:childTnLst>
+                                </p:cTn>
+                              </p:par>
+                            </p:childTnLst>
+                          </p:cTn>
+                        </p:par>
+                      </p:childTnLst>
+                    </p:cTn>
+                  </p:par>
+                  <p:par>
+                    <p:cTn id="11" fill="hold">
+                      <p:stCondLst>
+                        <p:cond delay="indefinite"/>
+                      </p:stCondLst>
+                      <p:childTnLst>
+                        <p:par>
+                          <p:cTn id="12" fill="hold">
+                            <p:stCondLst>
+                              <p:cond delay="0"/>
+                            </p:stCondLst>
+                            <p:childTnLst>
+                              <p:par>
+                                <p:cTn id="13" presetID="2" presetClass="entr" presetSubtype="4" fill="hold" nodeType="clickEffect">
+                                  <p:stCondLst>
+                                    <p:cond delay="0"/>
+                                  </p:stCondLst>
+                                  <p:childTnLst>
+                                    <p:set>
+                                      <p:cBhvr>
+                                        <p:cTn id="14" dur="1" fill="hold">
+                                          <p:stCondLst>
+                                            <p:cond delay="0"/>
+                                          </p:stCondLst>
+                                        </p:cTn>
+                                        <p:tgtEl>
+                                          <p:spTgt spid="4"/>
+                                        </p:tgtEl>
+                                        <p:attrNameLst>
+                                          <p:attrName>style.visibility</p:attrName>
+                                        </p:attrNameLst>
+                                      </p:cBhvr>
+                                      <p:to>
+                                        <p:strVal val="visible"/>
+                                      </p:to>
+                                    </p:set>
+                                    <p:anim calcmode="lin" valueType="num">
+                                      <p:cBhvr additive="base">
+                                        <p:cTn id="15" dur="500" fill="hold"/>
+                                        <p:tgtEl>
+                                          <p:spTgt spid="4"/>
+                                        </p:tgtEl>
+                                        <p:attrNameLst>
+                                          <p:attrName>ppt_x</p:attrName>
+                                        </p:attrNameLst>
+                                      </p:cBhvr>
+                                      <p:tavLst>
+                                        <p:tav tm="0">
+                                          <p:val>
+                                            <p:strVal val="#ppt_x"/>
+                                          </p:val>
+                                        </p:tav>
+                                        <p:tav tm="100000">
+                                          <p:val>
+                                            <p:strVal val="#ppt_x"/>
+                                          </p:val>
+                                        </p:tav>
+                                      </p:tavLst>
+                                    </p:anim>
+                                    <p:anim calcmode="lin" valueType="num">
+                                      <p:cBhvr additive="base">
+                                        <p:cTn id="16" dur="500" fill="hold"/>
+                                        <p:tgtEl>
+                                          <p:spTgt spid="4"/>
+                                        </p:tgtEl>
+                                        <p:attrNameLst>
+                                          <p:attrName>ppt_y</p:attrName>
+                                        </p:attrNameLst>
+                                      </p:cBhvr>
+                                      <p:tavLst>
+                                        <p:tav tm="0">
+                                          <p:val>
+                                            <p:strVal val="1+#ppt_h/2"/>
+                                          </p:val>
+                                        </p:tav>
+                                        <p:tav tm="100000">
+                                          <p:val>
+                                            <p:strVal val="#ppt_y"/>
+                                          </p:val>
+                                        </p:tav>
+                                      </p:tavLst>
+                                    </p:anim>
+                                  </p:childTnLst>
+                                </p:cTn>
+                              </p:par>
+                            </p:childTnLst>
+                          </p:cTn>
+                        </p:par>
+                      </p:childTnLst>
+                    </p:cTn>
+                  </p:par>
+                  <p:par>
+                    <p:cTn id="17" fill="hold">
+                      <p:stCondLst>
+                        <p:cond delay="indefinite"/>
+                      </p:stCondLst>
+                      <p:childTnLst>
+                        <p:par>
+                          <p:cTn id="18" fill="hold">
+                            <p:stCondLst>
+                              <p:cond delay="0"/>
+                            </p:stCondLst>
+                            <p:childTnLst>
+                              <p:par>
+                                <p:cTn id="19" presetID="2" presetClass="entr" presetSubtype="4" fill="hold" grpId="0" nodeType="clickEffect">
+                                  <p:stCondLst>
+                                    <p:cond delay="0"/>
+                                  </p:stCondLst>
+                                  <p:childTnLst>
+                                    <p:set>
+                                      <p:cBhvr>
+                                        <p:cTn id="20" dur="1" fill="hold">
+                                          <p:stCondLst>
+                                            <p:cond delay="0"/>
+                                          </p:stCondLst>
+                                        </p:cTn>
+                                        <p:tgtEl>
+                                          <p:spTgt spid="6"/>
+                                        </p:tgtEl>
+                                        <p:attrNameLst>
+                                          <p:attrName>style.visibility</p:attrName>
+                                        </p:attrNameLst>
+                                      </p:cBhvr>
+                                      <p:to>
+                                        <p:strVal val="visible"/>
+                                      </p:to>
+                                    </p:set>
+                                    <p:anim calcmode="lin" valueType="num">
+                                      <p:cBhvr additive="base">
+                                        <p:cTn id="21" dur="500" fill="hold"/>
+                                        <p:tgtEl>
+                                          <p:spTgt spid="6"/>
+                                        </p:tgtEl>
+                                        <p:attrNameLst>
+                                          <p:attrName>ppt_x</p:attrName>
+                                        </p:attrNameLst>
+                                      </p:cBhvr>
+                                      <p:tavLst>
+                                        <p:tav tm="0">
+                                          <p:val>
+                                            <p:strVal val="#ppt_x"/>
+                                          </p:val>
+                                        </p:tav>
+                                        <p:tav tm="100000">
+                                          <p:val>
+                                            <p:strVal val="#ppt_x"/>
+                                          </p:val>
+                                        </p:tav>
+                                      </p:tavLst>
+                                    </p:anim>
+                                    <p:anim calcmode="lin" valueType="num">
+                                      <p:cBhvr additive="base">
+                                        <p:cTn id="22" dur="500" fill="hold"/>
+                                        <p:tgtEl>
+                                          <p:spTgt spid="6"/>
+                                        </p:tgtEl>
+                                        <p:attrNameLst>
+                                          <p:attrName>ppt_y</p:attrName>
+                                        </p:attrNameLst>
+                                      </p:cBhvr>
+                                      <p:tavLst>
+                                        <p:tav tm="0">
+                                          <p:val>
+                                            <p:strVal val="1+#ppt_h/2"/>
+                                          </p:val>
+                                        </p:tav>
+                                        <p:tav tm="100000">
+                                          <p:val>
+                                            <p:strVal val="#ppt_y"/>
+                                          </p:val>
+                                        </p:tav>
+                                      </p:tavLst>
+                                    </p:anim>
+                                  </p:childTnLst>
+                                </p:cTn>
+                              </p:par>
+                            </p:childTnLst>
+                          </p:cTn>
+                        </p:par>
+                      </p:childTnLst>
+                    </p:cTn>
+                  </p:par>
+                  <p:par>
+                    <p:cTn id="23" fill="hold">
+                      <p:stCondLst>
+                        <p:cond delay="indefinite"/>
+                      </p:stCondLst>
+                      <p:childTnLst>
+                        <p:par>
+                          <p:cTn id="24" fill="hold">
+                            <p:stCondLst>
+                              <p:cond delay="0"/>
+                            </p:stCondLst>
+                            <p:childTnLst>
+                              <p:par>
+                                <p:cTn id="25" presetID="2" presetClass="entr" presetSubtype="4" fill="hold" nodeType="clickEffect">
+                                  <p:stCondLst>
+                                    <p:cond delay="0"/>
+                                  </p:stCondLst>
+                                  <p:childTnLst>
+                                    <p:set>
+                                      <p:cBhvr>
+                                        <p:cTn id="26" dur="1" fill="hold">
+                                          <p:stCondLst>
+                                            <p:cond delay="0"/>
+                                          </p:stCondLst>
+                                        </p:cTn>
+                                        <p:tgtEl>
+                                          <p:spTgt spid="5"/>
+                                        </p:tgtEl>
+                                        <p:attrNameLst>
+                                          <p:attrName>style.visibility</p:attrName>
+                                        </p:attrNameLst>
+                                      </p:cBhvr>
+                                      <p:to>
+                                        <p:strVal val="visible"/>
+                                      </p:to>
+                                    </p:set>
+                                    <p:anim calcmode="lin" valueType="num">
+                                      <p:cBhvr additive="base">
+                                        <p:cTn id="27" dur="500" fill="hold"/>
+                                        <p:tgtEl>
+                                          <p:spTgt spid="5"/>
+                                        </p:tgtEl>
+                                        <p:attrNameLst>
+                                          <p:attrName>ppt_x</p:attrName>
+                                        </p:attrNameLst>
+                                      </p:cBhvr>
+                                      <p:tavLst>
+                                        <p:tav tm="0">
+                                          <p:val>
+                                            <p:strVal val="#ppt_x"/>
+                                          </p:val>
+                                        </p:tav>
+                                        <p:tav tm="100000">
+                                          <p:val>
+                                            <p:strVal val="#ppt_x"/>
+                                          </p:val>
+                                        </p:tav>
+                                      </p:tavLst>
+                                    </p:anim>
+                                    <p:anim calcmode="lin" valueType="num">
+                                      <p:cBhvr additive="base">
+                                        <p:cTn id="28" dur="500" fill="hold"/>
+                                        <p:tgtEl>
+                                          <p:spTgt spid="5"/>
+                                        </p:tgtEl>
+                                        <p:attrNameLst>
+                                          <p:attrName>ppt_y</p:attrName>
+                                        </p:attrNameLst>
+                                      </p:cBhvr>
+                                      <p:tavLst>
+                                        <p:tav tm="0">
+                                          <p:val>
+                                            <p:strVal val="1+#ppt_h/2"/>
+                                          </p:val>
+                                        </p:tav>
+                                        <p:tav tm="100000">
+                                          <p:val>
+                                            <p:strVal val="#ppt_y"/>
+                                          </p:val>
+                                        </p:tav>
+                                      </p:tavLst>
+                                    </p:anim>
+                                  </p:childTnLst>
+                                </p:cTn>
+                              </p:par>
+                            </p:childTnLst>
+                          </p:cTn>
+                        </p:par>
+                      </p:childTnLst>
+                    </p:cTn>
+                  </p:par>
+                </p:childTnLst>
+              </p:cTn>
+              <p:prevCondLst>
+                <p:cond evt="onPrev" delay="0">
+                  <p:tgtEl>
+                    <p:sldTgt/>
+                  </p:tgtEl>
+                </p:cond>
+              </p:prevCondLst>
+              <p:nextCondLst>
+                <p:cond evt="onNext" delay="0">
+                  <p:tgtEl>
+                    <p:sldTgt/>
+                  </p:tgtEl>
+                </p:cond>
+              </p:nextCondLst>
+            </p:seq>
+          </p:childTnLst>
+        </p:cTn>
+      </p:par>
+    </p:tnLst>
+    <p:bldLst>
+      <p:bldP spid="6" grpId="0" animBg="1"/>
+    </p:bldLst>
+  </p:timing>
 </p:sld>
 </file>
 
@@ -5078,18 +6046,324 @@
   <p:clrMapOvr>
     <a:masterClrMapping/>
   </p:clrMapOvr>
-  <mc:AlternateContent xmlns:mc="http://schemas.openxmlformats.org/markup-compatibility/2006">
-    <mc:Choice xmlns:p159="http://schemas.microsoft.com/office/powerpoint/2015/09/main" Requires="p159">
+  <mc:AlternateContent xmlns:mc="http://schemas.openxmlformats.org/markup-compatibility/2006" xmlns:p159="http://schemas.microsoft.com/office/powerpoint/2015/09/main">
+    <mc:Choice Requires="p159">
       <p:transition xmlns:p14="http://schemas.microsoft.com/office/powerpoint/2010/main" spd="slow" p14:dur="2000">
         <p159:morph option="byObject"/>
       </p:transition>
     </mc:Choice>
-    <mc:Fallback>
+    <mc:Fallback xmlns="">
       <p:transition spd="slow">
         <p:fade/>
       </p:transition>
     </mc:Fallback>
   </mc:AlternateContent>
+  <p:timing>
+    <p:tnLst>
+      <p:par>
+        <p:cTn id="1" dur="indefinite" restart="never" nodeType="tmRoot">
+          <p:childTnLst>
+            <p:seq concurrent="1" nextAc="seek">
+              <p:cTn id="2" dur="indefinite" nodeType="mainSeq">
+                <p:childTnLst>
+                  <p:par>
+                    <p:cTn id="3" fill="hold">
+                      <p:stCondLst>
+                        <p:cond delay="indefinite"/>
+                      </p:stCondLst>
+                      <p:childTnLst>
+                        <p:par>
+                          <p:cTn id="4" fill="hold">
+                            <p:stCondLst>
+                              <p:cond delay="0"/>
+                            </p:stCondLst>
+                            <p:childTnLst>
+                              <p:par>
+                                <p:cTn id="5" presetID="10" presetClass="entr" presetSubtype="0" fill="hold" nodeType="clickEffect">
+                                  <p:stCondLst>
+                                    <p:cond delay="0"/>
+                                  </p:stCondLst>
+                                  <p:childTnLst>
+                                    <p:set>
+                                      <p:cBhvr>
+                                        <p:cTn id="6" dur="1" fill="hold">
+                                          <p:stCondLst>
+                                            <p:cond delay="0"/>
+                                          </p:stCondLst>
+                                        </p:cTn>
+                                        <p:tgtEl>
+                                          <p:spTgt spid="3">
+                                            <p:txEl>
+                                              <p:pRg st="0" end="0"/>
+                                            </p:txEl>
+                                          </p:spTgt>
+                                        </p:tgtEl>
+                                        <p:attrNameLst>
+                                          <p:attrName>style.visibility</p:attrName>
+                                        </p:attrNameLst>
+                                      </p:cBhvr>
+                                      <p:to>
+                                        <p:strVal val="visible"/>
+                                      </p:to>
+                                    </p:set>
+                                    <p:animEffect transition="in" filter="fade">
+                                      <p:cBhvr>
+                                        <p:cTn id="7" dur="500"/>
+                                        <p:tgtEl>
+                                          <p:spTgt spid="3">
+                                            <p:txEl>
+                                              <p:pRg st="0" end="0"/>
+                                            </p:txEl>
+                                          </p:spTgt>
+                                        </p:tgtEl>
+                                      </p:cBhvr>
+                                    </p:animEffect>
+                                  </p:childTnLst>
+                                </p:cTn>
+                              </p:par>
+                              <p:par>
+                                <p:cTn id="8" presetID="10" presetClass="entr" presetSubtype="0" fill="hold" nodeType="withEffect">
+                                  <p:stCondLst>
+                                    <p:cond delay="0"/>
+                                  </p:stCondLst>
+                                  <p:childTnLst>
+                                    <p:set>
+                                      <p:cBhvr>
+                                        <p:cTn id="9" dur="1" fill="hold">
+                                          <p:stCondLst>
+                                            <p:cond delay="0"/>
+                                          </p:stCondLst>
+                                        </p:cTn>
+                                        <p:tgtEl>
+                                          <p:spTgt spid="3">
+                                            <p:txEl>
+                                              <p:pRg st="1" end="1"/>
+                                            </p:txEl>
+                                          </p:spTgt>
+                                        </p:tgtEl>
+                                        <p:attrNameLst>
+                                          <p:attrName>style.visibility</p:attrName>
+                                        </p:attrNameLst>
+                                      </p:cBhvr>
+                                      <p:to>
+                                        <p:strVal val="visible"/>
+                                      </p:to>
+                                    </p:set>
+                                    <p:animEffect transition="in" filter="fade">
+                                      <p:cBhvr>
+                                        <p:cTn id="10" dur="500"/>
+                                        <p:tgtEl>
+                                          <p:spTgt spid="3">
+                                            <p:txEl>
+                                              <p:pRg st="1" end="1"/>
+                                            </p:txEl>
+                                          </p:spTgt>
+                                        </p:tgtEl>
+                                      </p:cBhvr>
+                                    </p:animEffect>
+                                  </p:childTnLst>
+                                </p:cTn>
+                              </p:par>
+                              <p:par>
+                                <p:cTn id="11" presetID="10" presetClass="entr" presetSubtype="0" fill="hold" nodeType="withEffect">
+                                  <p:stCondLst>
+                                    <p:cond delay="0"/>
+                                  </p:stCondLst>
+                                  <p:childTnLst>
+                                    <p:set>
+                                      <p:cBhvr>
+                                        <p:cTn id="12" dur="1" fill="hold">
+                                          <p:stCondLst>
+                                            <p:cond delay="0"/>
+                                          </p:stCondLst>
+                                        </p:cTn>
+                                        <p:tgtEl>
+                                          <p:spTgt spid="3">
+                                            <p:txEl>
+                                              <p:pRg st="2" end="2"/>
+                                            </p:txEl>
+                                          </p:spTgt>
+                                        </p:tgtEl>
+                                        <p:attrNameLst>
+                                          <p:attrName>style.visibility</p:attrName>
+                                        </p:attrNameLst>
+                                      </p:cBhvr>
+                                      <p:to>
+                                        <p:strVal val="visible"/>
+                                      </p:to>
+                                    </p:set>
+                                    <p:animEffect transition="in" filter="fade">
+                                      <p:cBhvr>
+                                        <p:cTn id="13" dur="500"/>
+                                        <p:tgtEl>
+                                          <p:spTgt spid="3">
+                                            <p:txEl>
+                                              <p:pRg st="2" end="2"/>
+                                            </p:txEl>
+                                          </p:spTgt>
+                                        </p:tgtEl>
+                                      </p:cBhvr>
+                                    </p:animEffect>
+                                  </p:childTnLst>
+                                </p:cTn>
+                              </p:par>
+                              <p:par>
+                                <p:cTn id="14" presetID="10" presetClass="entr" presetSubtype="0" fill="hold" nodeType="withEffect">
+                                  <p:stCondLst>
+                                    <p:cond delay="0"/>
+                                  </p:stCondLst>
+                                  <p:childTnLst>
+                                    <p:set>
+                                      <p:cBhvr>
+                                        <p:cTn id="15" dur="1" fill="hold">
+                                          <p:stCondLst>
+                                            <p:cond delay="0"/>
+                                          </p:stCondLst>
+                                        </p:cTn>
+                                        <p:tgtEl>
+                                          <p:spTgt spid="3">
+                                            <p:txEl>
+                                              <p:pRg st="3" end="3"/>
+                                            </p:txEl>
+                                          </p:spTgt>
+                                        </p:tgtEl>
+                                        <p:attrNameLst>
+                                          <p:attrName>style.visibility</p:attrName>
+                                        </p:attrNameLst>
+                                      </p:cBhvr>
+                                      <p:to>
+                                        <p:strVal val="visible"/>
+                                      </p:to>
+                                    </p:set>
+                                    <p:animEffect transition="in" filter="fade">
+                                      <p:cBhvr>
+                                        <p:cTn id="16" dur="500"/>
+                                        <p:tgtEl>
+                                          <p:spTgt spid="3">
+                                            <p:txEl>
+                                              <p:pRg st="3" end="3"/>
+                                            </p:txEl>
+                                          </p:spTgt>
+                                        </p:tgtEl>
+                                      </p:cBhvr>
+                                    </p:animEffect>
+                                  </p:childTnLst>
+                                </p:cTn>
+                              </p:par>
+                              <p:par>
+                                <p:cTn id="17" presetID="10" presetClass="entr" presetSubtype="0" fill="hold" nodeType="withEffect">
+                                  <p:stCondLst>
+                                    <p:cond delay="0"/>
+                                  </p:stCondLst>
+                                  <p:childTnLst>
+                                    <p:set>
+                                      <p:cBhvr>
+                                        <p:cTn id="18" dur="1" fill="hold">
+                                          <p:stCondLst>
+                                            <p:cond delay="0"/>
+                                          </p:stCondLst>
+                                        </p:cTn>
+                                        <p:tgtEl>
+                                          <p:spTgt spid="3">
+                                            <p:txEl>
+                                              <p:pRg st="4" end="4"/>
+                                            </p:txEl>
+                                          </p:spTgt>
+                                        </p:tgtEl>
+                                        <p:attrNameLst>
+                                          <p:attrName>style.visibility</p:attrName>
+                                        </p:attrNameLst>
+                                      </p:cBhvr>
+                                      <p:to>
+                                        <p:strVal val="visible"/>
+                                      </p:to>
+                                    </p:set>
+                                    <p:animEffect transition="in" filter="fade">
+                                      <p:cBhvr>
+                                        <p:cTn id="19" dur="500"/>
+                                        <p:tgtEl>
+                                          <p:spTgt spid="3">
+                                            <p:txEl>
+                                              <p:pRg st="4" end="4"/>
+                                            </p:txEl>
+                                          </p:spTgt>
+                                        </p:tgtEl>
+                                      </p:cBhvr>
+                                    </p:animEffect>
+                                  </p:childTnLst>
+                                </p:cTn>
+                              </p:par>
+                              <p:par>
+                                <p:cTn id="20" presetID="10" presetClass="entr" presetSubtype="0" fill="hold" nodeType="withEffect">
+                                  <p:stCondLst>
+                                    <p:cond delay="0"/>
+                                  </p:stCondLst>
+                                  <p:childTnLst>
+                                    <p:set>
+                                      <p:cBhvr>
+                                        <p:cTn id="21" dur="1" fill="hold">
+                                          <p:stCondLst>
+                                            <p:cond delay="0"/>
+                                          </p:stCondLst>
+                                        </p:cTn>
+                                        <p:tgtEl>
+                                          <p:spTgt spid="3">
+                                            <p:txEl>
+                                              <p:pRg st="5" end="5"/>
+                                            </p:txEl>
+                                          </p:spTgt>
+                                        </p:tgtEl>
+                                        <p:attrNameLst>
+                                          <p:attrName>style.visibility</p:attrName>
+                                        </p:attrNameLst>
+                                      </p:cBhvr>
+                                      <p:to>
+                                        <p:strVal val="visible"/>
+                                      </p:to>
+                                    </p:set>
+                                    <p:animEffect transition="in" filter="fade">
+                                      <p:cBhvr>
+                                        <p:cTn id="22" dur="500"/>
+                                        <p:tgtEl>
+                                          <p:spTgt spid="3">
+                                            <p:txEl>
+                                              <p:pRg st="5" end="5"/>
+                                            </p:txEl>
+                                          </p:spTgt>
+                                        </p:tgtEl>
+                                      </p:cBhvr>
+                                    </p:animEffect>
+                                  </p:childTnLst>
+                                </p:cTn>
+                              </p:par>
+                            </p:childTnLst>
+                          </p:cTn>
+                        </p:par>
+                      </p:childTnLst>
+                    </p:cTn>
+                  </p:par>
+                </p:childTnLst>
+              </p:cTn>
+              <p:prevCondLst>
+                <p:cond evt="onPrev" delay="0">
+                  <p:tgtEl>
+                    <p:sldTgt/>
+                  </p:tgtEl>
+                </p:cond>
+              </p:prevCondLst>
+              <p:nextCondLst>
+                <p:cond evt="onNext" delay="0">
+                  <p:tgtEl>
+                    <p:sldTgt/>
+                  </p:tgtEl>
+                </p:cond>
+              </p:nextCondLst>
+            </p:seq>
+          </p:childTnLst>
+        </p:cTn>
+      </p:par>
+    </p:tnLst>
+  </p:timing>
 </p:sld>
 </file>
 
@@ -5209,13 +6483,13 @@
   <p:clrMapOvr>
     <a:masterClrMapping/>
   </p:clrMapOvr>
-  <mc:AlternateContent xmlns:mc="http://schemas.openxmlformats.org/markup-compatibility/2006">
-    <mc:Choice xmlns:p159="http://schemas.microsoft.com/office/powerpoint/2015/09/main" Requires="p159">
+  <mc:AlternateContent xmlns:mc="http://schemas.openxmlformats.org/markup-compatibility/2006" xmlns:p159="http://schemas.microsoft.com/office/powerpoint/2015/09/main">
+    <mc:Choice Requires="p159">
       <p:transition xmlns:p14="http://schemas.microsoft.com/office/powerpoint/2010/main" spd="slow" p14:dur="2000">
         <p159:morph option="byObject"/>
       </p:transition>
     </mc:Choice>
-    <mc:Fallback>
+    <mc:Fallback xmlns="">
       <p:transition spd="slow">
         <p:fade/>
       </p:transition>
@@ -5804,18 +7078,293 @@
   <p:clrMapOvr>
     <a:masterClrMapping/>
   </p:clrMapOvr>
-  <mc:AlternateContent xmlns:mc="http://schemas.openxmlformats.org/markup-compatibility/2006">
-    <mc:Choice xmlns:p159="http://schemas.microsoft.com/office/powerpoint/2015/09/main" Requires="p159">
+  <mc:AlternateContent xmlns:mc="http://schemas.openxmlformats.org/markup-compatibility/2006" xmlns:p159="http://schemas.microsoft.com/office/powerpoint/2015/09/main">
+    <mc:Choice Requires="p159">
       <p:transition xmlns:p14="http://schemas.microsoft.com/office/powerpoint/2010/main" spd="slow" p14:dur="2000">
         <p159:morph option="byObject"/>
       </p:transition>
     </mc:Choice>
-    <mc:Fallback>
+    <mc:Fallback xmlns="">
       <p:transition spd="slow">
         <p:fade/>
       </p:transition>
     </mc:Fallback>
   </mc:AlternateContent>
+  <p:timing>
+    <p:tnLst>
+      <p:par>
+        <p:cTn id="1" dur="indefinite" restart="never" nodeType="tmRoot">
+          <p:childTnLst>
+            <p:seq concurrent="1" nextAc="seek">
+              <p:cTn id="2" dur="indefinite" nodeType="mainSeq">
+                <p:childTnLst>
+                  <p:par>
+                    <p:cTn id="3" fill="hold">
+                      <p:stCondLst>
+                        <p:cond delay="indefinite"/>
+                      </p:stCondLst>
+                      <p:childTnLst>
+                        <p:par>
+                          <p:cTn id="4" fill="hold">
+                            <p:stCondLst>
+                              <p:cond delay="0"/>
+                            </p:stCondLst>
+                            <p:childTnLst>
+                              <p:par>
+                                <p:cTn id="5" presetID="1" presetClass="entr" presetSubtype="0" fill="hold" nodeType="clickEffect">
+                                  <p:stCondLst>
+                                    <p:cond delay="0"/>
+                                  </p:stCondLst>
+                                  <p:childTnLst>
+                                    <p:set>
+                                      <p:cBhvr>
+                                        <p:cTn id="6" dur="1" fill="hold">
+                                          <p:stCondLst>
+                                            <p:cond delay="0"/>
+                                          </p:stCondLst>
+                                        </p:cTn>
+                                        <p:tgtEl>
+                                          <p:spTgt spid="3">
+                                            <p:txEl>
+                                              <p:pRg st="0" end="0"/>
+                                            </p:txEl>
+                                          </p:spTgt>
+                                        </p:tgtEl>
+                                        <p:attrNameLst>
+                                          <p:attrName>style.visibility</p:attrName>
+                                        </p:attrNameLst>
+                                      </p:cBhvr>
+                                      <p:to>
+                                        <p:strVal val="visible"/>
+                                      </p:to>
+                                    </p:set>
+                                  </p:childTnLst>
+                                </p:cTn>
+                              </p:par>
+                            </p:childTnLst>
+                          </p:cTn>
+                        </p:par>
+                      </p:childTnLst>
+                    </p:cTn>
+                  </p:par>
+                  <p:par>
+                    <p:cTn id="7" fill="hold">
+                      <p:stCondLst>
+                        <p:cond delay="indefinite"/>
+                      </p:stCondLst>
+                      <p:childTnLst>
+                        <p:par>
+                          <p:cTn id="8" fill="hold">
+                            <p:stCondLst>
+                              <p:cond delay="0"/>
+                            </p:stCondLst>
+                            <p:childTnLst>
+                              <p:par>
+                                <p:cTn id="9" presetID="1" presetClass="entr" presetSubtype="0" fill="hold" nodeType="clickEffect">
+                                  <p:stCondLst>
+                                    <p:cond delay="0"/>
+                                  </p:stCondLst>
+                                  <p:childTnLst>
+                                    <p:set>
+                                      <p:cBhvr>
+                                        <p:cTn id="10" dur="1" fill="hold">
+                                          <p:stCondLst>
+                                            <p:cond delay="0"/>
+                                          </p:stCondLst>
+                                        </p:cTn>
+                                        <p:tgtEl>
+                                          <p:spTgt spid="3">
+                                            <p:txEl>
+                                              <p:pRg st="1" end="1"/>
+                                            </p:txEl>
+                                          </p:spTgt>
+                                        </p:tgtEl>
+                                        <p:attrNameLst>
+                                          <p:attrName>style.visibility</p:attrName>
+                                        </p:attrNameLst>
+                                      </p:cBhvr>
+                                      <p:to>
+                                        <p:strVal val="visible"/>
+                                      </p:to>
+                                    </p:set>
+                                  </p:childTnLst>
+                                </p:cTn>
+                              </p:par>
+                            </p:childTnLst>
+                          </p:cTn>
+                        </p:par>
+                      </p:childTnLst>
+                    </p:cTn>
+                  </p:par>
+                  <p:par>
+                    <p:cTn id="11" fill="hold">
+                      <p:stCondLst>
+                        <p:cond delay="indefinite"/>
+                      </p:stCondLst>
+                      <p:childTnLst>
+                        <p:par>
+                          <p:cTn id="12" fill="hold">
+                            <p:stCondLst>
+                              <p:cond delay="0"/>
+                            </p:stCondLst>
+                            <p:childTnLst>
+                              <p:par>
+                                <p:cTn id="13" presetID="1" presetClass="entr" presetSubtype="0" fill="hold" nodeType="clickEffect">
+                                  <p:stCondLst>
+                                    <p:cond delay="0"/>
+                                  </p:stCondLst>
+                                  <p:childTnLst>
+                                    <p:set>
+                                      <p:cBhvr>
+                                        <p:cTn id="14" dur="1" fill="hold">
+                                          <p:stCondLst>
+                                            <p:cond delay="0"/>
+                                          </p:stCondLst>
+                                        </p:cTn>
+                                        <p:tgtEl>
+                                          <p:spTgt spid="3">
+                                            <p:txEl>
+                                              <p:pRg st="2" end="2"/>
+                                            </p:txEl>
+                                          </p:spTgt>
+                                        </p:tgtEl>
+                                        <p:attrNameLst>
+                                          <p:attrName>style.visibility</p:attrName>
+                                        </p:attrNameLst>
+                                      </p:cBhvr>
+                                      <p:to>
+                                        <p:strVal val="visible"/>
+                                      </p:to>
+                                    </p:set>
+                                  </p:childTnLst>
+                                </p:cTn>
+                              </p:par>
+                            </p:childTnLst>
+                          </p:cTn>
+                        </p:par>
+                      </p:childTnLst>
+                    </p:cTn>
+                  </p:par>
+                  <p:par>
+                    <p:cTn id="15" fill="hold">
+                      <p:stCondLst>
+                        <p:cond delay="indefinite"/>
+                      </p:stCondLst>
+                      <p:childTnLst>
+                        <p:par>
+                          <p:cTn id="16" fill="hold">
+                            <p:stCondLst>
+                              <p:cond delay="0"/>
+                            </p:stCondLst>
+                            <p:childTnLst>
+                              <p:par>
+                                <p:cTn id="17" presetID="1" presetClass="entr" presetSubtype="0" fill="hold" nodeType="clickEffect">
+                                  <p:stCondLst>
+                                    <p:cond delay="0"/>
+                                  </p:stCondLst>
+                                  <p:childTnLst>
+                                    <p:set>
+                                      <p:cBhvr>
+                                        <p:cTn id="18" dur="1" fill="hold">
+                                          <p:stCondLst>
+                                            <p:cond delay="0"/>
+                                          </p:stCondLst>
+                                        </p:cTn>
+                                        <p:tgtEl>
+                                          <p:spTgt spid="3">
+                                            <p:txEl>
+                                              <p:pRg st="3" end="3"/>
+                                            </p:txEl>
+                                          </p:spTgt>
+                                        </p:tgtEl>
+                                        <p:attrNameLst>
+                                          <p:attrName>style.visibility</p:attrName>
+                                        </p:attrNameLst>
+                                      </p:cBhvr>
+                                      <p:to>
+                                        <p:strVal val="visible"/>
+                                      </p:to>
+                                    </p:set>
+                                  </p:childTnLst>
+                                </p:cTn>
+                              </p:par>
+                            </p:childTnLst>
+                          </p:cTn>
+                        </p:par>
+                      </p:childTnLst>
+                    </p:cTn>
+                  </p:par>
+                  <p:par>
+                    <p:cTn id="19" fill="hold">
+                      <p:stCondLst>
+                        <p:cond delay="indefinite"/>
+                      </p:stCondLst>
+                      <p:childTnLst>
+                        <p:par>
+                          <p:cTn id="20" fill="hold">
+                            <p:stCondLst>
+                              <p:cond delay="0"/>
+                            </p:stCondLst>
+                            <p:childTnLst>
+                              <p:par>
+                                <p:cTn id="21" presetID="1" presetClass="entr" presetSubtype="0" fill="hold" nodeType="clickEffect">
+                                  <p:stCondLst>
+                                    <p:cond delay="0"/>
+                                  </p:stCondLst>
+                                  <p:childTnLst>
+                                    <p:set>
+                                      <p:cBhvr>
+                                        <p:cTn id="22" dur="1" fill="hold">
+                                          <p:stCondLst>
+                                            <p:cond delay="0"/>
+                                          </p:stCondLst>
+                                        </p:cTn>
+                                        <p:tgtEl>
+                                          <p:spTgt spid="3">
+                                            <p:txEl>
+                                              <p:pRg st="4" end="4"/>
+                                            </p:txEl>
+                                          </p:spTgt>
+                                        </p:tgtEl>
+                                        <p:attrNameLst>
+                                          <p:attrName>style.visibility</p:attrName>
+                                        </p:attrNameLst>
+                                      </p:cBhvr>
+                                      <p:to>
+                                        <p:strVal val="visible"/>
+                                      </p:to>
+                                    </p:set>
+                                  </p:childTnLst>
+                                </p:cTn>
+                              </p:par>
+                            </p:childTnLst>
+                          </p:cTn>
+                        </p:par>
+                      </p:childTnLst>
+                    </p:cTn>
+                  </p:par>
+                </p:childTnLst>
+              </p:cTn>
+              <p:prevCondLst>
+                <p:cond evt="onPrev" delay="0">
+                  <p:tgtEl>
+                    <p:sldTgt/>
+                  </p:tgtEl>
+                </p:cond>
+              </p:prevCondLst>
+              <p:nextCondLst>
+                <p:cond evt="onNext" delay="0">
+                  <p:tgtEl>
+                    <p:sldTgt/>
+                  </p:tgtEl>
+                </p:cond>
+              </p:nextCondLst>
+            </p:seq>
+          </p:childTnLst>
+        </p:cTn>
+      </p:par>
+    </p:tnLst>
+  </p:timing>
 </p:sld>
 </file>
 
@@ -5853,8 +7402,12 @@
           <a:p>
             <a:pPr rtl="0"/>
             <a:r>
-              <a:rPr lang="fr-FR" dirty="0"/>
-              <a:t>Questions ?</a:t>
+              <a:rPr lang="fr-FR" dirty="0" err="1"/>
+              <a:t>Any</a:t>
+            </a:r>
+            <a:r>
+              <a:rPr lang="fr-FR" dirty="0"/>
+              <a:t> questions ?</a:t>
             </a:r>
           </a:p>
         </p:txBody>
@@ -5897,13 +7450,13 @@
   <p:clrMapOvr>
     <a:masterClrMapping/>
   </p:clrMapOvr>
-  <mc:AlternateContent xmlns:mc="http://schemas.openxmlformats.org/markup-compatibility/2006">
-    <mc:Choice xmlns:p159="http://schemas.microsoft.com/office/powerpoint/2015/09/main" Requires="p159">
+  <mc:AlternateContent xmlns:mc="http://schemas.openxmlformats.org/markup-compatibility/2006" xmlns:p159="http://schemas.microsoft.com/office/powerpoint/2015/09/main">
+    <mc:Choice Requires="p159">
       <p:transition xmlns:p14="http://schemas.microsoft.com/office/powerpoint/2010/main" spd="slow" p14:dur="2000">
         <p159:morph option="byObject"/>
       </p:transition>
     </mc:Choice>
-    <mc:Fallback>
+    <mc:Fallback xmlns="">
       <p:transition spd="slow">
         <p:fade/>
       </p:transition>
@@ -6002,13 +7555,13 @@
   <p:clrMapOvr>
     <a:masterClrMapping/>
   </p:clrMapOvr>
-  <mc:AlternateContent xmlns:mc="http://schemas.openxmlformats.org/markup-compatibility/2006">
-    <mc:Choice xmlns:p159="http://schemas.microsoft.com/office/powerpoint/2015/09/main" Requires="p159">
+  <mc:AlternateContent xmlns:mc="http://schemas.openxmlformats.org/markup-compatibility/2006" xmlns:p159="http://schemas.microsoft.com/office/powerpoint/2015/09/main">
+    <mc:Choice Requires="p159">
       <p:transition xmlns:p14="http://schemas.microsoft.com/office/powerpoint/2010/main" spd="slow" p14:dur="2000">
         <p159:morph option="byObject"/>
       </p:transition>
     </mc:Choice>
-    <mc:Fallback>
+    <mc:Fallback xmlns="">
       <p:transition spd="slow">
         <p:fade/>
       </p:transition>
@@ -6288,18 +7841,195 @@
   <p:clrMapOvr>
     <a:masterClrMapping/>
   </p:clrMapOvr>
-  <mc:AlternateContent xmlns:mc="http://schemas.openxmlformats.org/markup-compatibility/2006">
-    <mc:Choice xmlns:p159="http://schemas.microsoft.com/office/powerpoint/2015/09/main" Requires="p159">
+  <mc:AlternateContent xmlns:mc="http://schemas.openxmlformats.org/markup-compatibility/2006" xmlns:p159="http://schemas.microsoft.com/office/powerpoint/2015/09/main">
+    <mc:Choice Requires="p159">
       <p:transition xmlns:p14="http://schemas.microsoft.com/office/powerpoint/2010/main" spd="slow" p14:dur="2000">
         <p159:morph option="byObject"/>
       </p:transition>
     </mc:Choice>
-    <mc:Fallback>
+    <mc:Fallback xmlns="">
       <p:transition spd="slow">
         <p:fade/>
       </p:transition>
     </mc:Fallback>
   </mc:AlternateContent>
+  <p:timing>
+    <p:tnLst>
+      <p:par>
+        <p:cTn id="1" dur="indefinite" restart="never" nodeType="tmRoot">
+          <p:childTnLst>
+            <p:seq concurrent="1" nextAc="seek">
+              <p:cTn id="2" dur="indefinite" nodeType="mainSeq">
+                <p:childTnLst>
+                  <p:par>
+                    <p:cTn id="3" fill="hold">
+                      <p:stCondLst>
+                        <p:cond delay="indefinite"/>
+                      </p:stCondLst>
+                      <p:childTnLst>
+                        <p:par>
+                          <p:cTn id="4" fill="hold">
+                            <p:stCondLst>
+                              <p:cond delay="0"/>
+                            </p:stCondLst>
+                            <p:childTnLst>
+                              <p:par>
+                                <p:cTn id="5" presetID="1" presetClass="entr" presetSubtype="0" fill="hold" nodeType="clickEffect">
+                                  <p:stCondLst>
+                                    <p:cond delay="0"/>
+                                  </p:stCondLst>
+                                  <p:childTnLst>
+                                    <p:set>
+                                      <p:cBhvr>
+                                        <p:cTn id="6" dur="1" fill="hold">
+                                          <p:stCondLst>
+                                            <p:cond delay="0"/>
+                                          </p:stCondLst>
+                                        </p:cTn>
+                                        <p:tgtEl>
+                                          <p:spTgt spid="14">
+                                            <p:txEl>
+                                              <p:pRg st="0" end="0"/>
+                                            </p:txEl>
+                                          </p:spTgt>
+                                        </p:tgtEl>
+                                        <p:attrNameLst>
+                                          <p:attrName>style.visibility</p:attrName>
+                                        </p:attrNameLst>
+                                      </p:cBhvr>
+                                      <p:to>
+                                        <p:strVal val="visible"/>
+                                      </p:to>
+                                    </p:set>
+                                  </p:childTnLst>
+                                </p:cTn>
+                              </p:par>
+                            </p:childTnLst>
+                          </p:cTn>
+                        </p:par>
+                      </p:childTnLst>
+                    </p:cTn>
+                  </p:par>
+                  <p:par>
+                    <p:cTn id="7" fill="hold">
+                      <p:stCondLst>
+                        <p:cond delay="indefinite"/>
+                      </p:stCondLst>
+                      <p:childTnLst>
+                        <p:par>
+                          <p:cTn id="8" fill="hold">
+                            <p:stCondLst>
+                              <p:cond delay="0"/>
+                            </p:stCondLst>
+                            <p:childTnLst>
+                              <p:par>
+                                <p:cTn id="9" presetID="1" presetClass="entr" presetSubtype="0" fill="hold" nodeType="clickEffect">
+                                  <p:stCondLst>
+                                    <p:cond delay="0"/>
+                                  </p:stCondLst>
+                                  <p:childTnLst>
+                                    <p:set>
+                                      <p:cBhvr>
+                                        <p:cTn id="10" dur="1" fill="hold">
+                                          <p:stCondLst>
+                                            <p:cond delay="0"/>
+                                          </p:stCondLst>
+                                        </p:cTn>
+                                        <p:tgtEl>
+                                          <p:spTgt spid="14">
+                                            <p:txEl>
+                                              <p:pRg st="1" end="1"/>
+                                            </p:txEl>
+                                          </p:spTgt>
+                                        </p:tgtEl>
+                                        <p:attrNameLst>
+                                          <p:attrName>style.visibility</p:attrName>
+                                        </p:attrNameLst>
+                                      </p:cBhvr>
+                                      <p:to>
+                                        <p:strVal val="visible"/>
+                                      </p:to>
+                                    </p:set>
+                                  </p:childTnLst>
+                                </p:cTn>
+                              </p:par>
+                            </p:childTnLst>
+                          </p:cTn>
+                        </p:par>
+                      </p:childTnLst>
+                    </p:cTn>
+                  </p:par>
+                  <p:par>
+                    <p:cTn id="11" fill="hold">
+                      <p:stCondLst>
+                        <p:cond delay="indefinite"/>
+                      </p:stCondLst>
+                      <p:childTnLst>
+                        <p:par>
+                          <p:cTn id="12" fill="hold">
+                            <p:stCondLst>
+                              <p:cond delay="0"/>
+                            </p:stCondLst>
+                            <p:childTnLst>
+                              <p:par>
+                                <p:cTn id="13" presetID="1" presetClass="entr" presetSubtype="0" fill="hold" nodeType="clickEffect">
+                                  <p:stCondLst>
+                                    <p:cond delay="0"/>
+                                  </p:stCondLst>
+                                  <p:childTnLst>
+                                    <p:set>
+                                      <p:cBhvr>
+                                        <p:cTn id="14" dur="1" fill="hold">
+                                          <p:stCondLst>
+                                            <p:cond delay="0"/>
+                                          </p:stCondLst>
+                                        </p:cTn>
+                                        <p:tgtEl>
+                                          <p:spTgt spid="14">
+                                            <p:txEl>
+                                              <p:pRg st="2" end="2"/>
+                                            </p:txEl>
+                                          </p:spTgt>
+                                        </p:tgtEl>
+                                        <p:attrNameLst>
+                                          <p:attrName>style.visibility</p:attrName>
+                                        </p:attrNameLst>
+                                      </p:cBhvr>
+                                      <p:to>
+                                        <p:strVal val="visible"/>
+                                      </p:to>
+                                    </p:set>
+                                  </p:childTnLst>
+                                </p:cTn>
+                              </p:par>
+                            </p:childTnLst>
+                          </p:cTn>
+                        </p:par>
+                      </p:childTnLst>
+                    </p:cTn>
+                  </p:par>
+                </p:childTnLst>
+              </p:cTn>
+              <p:prevCondLst>
+                <p:cond evt="onPrev" delay="0">
+                  <p:tgtEl>
+                    <p:sldTgt/>
+                  </p:tgtEl>
+                </p:cond>
+              </p:prevCondLst>
+              <p:nextCondLst>
+                <p:cond evt="onNext" delay="0">
+                  <p:tgtEl>
+                    <p:sldTgt/>
+                  </p:tgtEl>
+                </p:cond>
+              </p:nextCondLst>
+            </p:seq>
+          </p:childTnLst>
+        </p:cTn>
+      </p:par>
+    </p:tnLst>
+  </p:timing>
 </p:sld>
 </file>
 
@@ -6485,18 +8215,1116 @@
   <p:clrMapOvr>
     <a:masterClrMapping/>
   </p:clrMapOvr>
-  <mc:AlternateContent xmlns:mc="http://schemas.openxmlformats.org/markup-compatibility/2006">
-    <mc:Choice xmlns:p159="http://schemas.microsoft.com/office/powerpoint/2015/09/main" Requires="p159">
+  <mc:AlternateContent xmlns:mc="http://schemas.openxmlformats.org/markup-compatibility/2006" xmlns:p159="http://schemas.microsoft.com/office/powerpoint/2015/09/main">
+    <mc:Choice Requires="p159">
       <p:transition xmlns:p14="http://schemas.microsoft.com/office/powerpoint/2010/main" spd="slow" p14:dur="2000">
         <p159:morph option="byObject"/>
       </p:transition>
     </mc:Choice>
-    <mc:Fallback>
+    <mc:Fallback xmlns="">
       <p:transition spd="slow">
         <p:fade/>
       </p:transition>
     </mc:Fallback>
   </mc:AlternateContent>
+  <p:timing>
+    <p:tnLst>
+      <p:par>
+        <p:cTn id="1" dur="indefinite" restart="never" nodeType="tmRoot">
+          <p:childTnLst>
+            <p:seq concurrent="1" nextAc="seek">
+              <p:cTn id="2" dur="indefinite" nodeType="mainSeq">
+                <p:childTnLst>
+                  <p:par>
+                    <p:cTn id="3" fill="hold">
+                      <p:stCondLst>
+                        <p:cond delay="indefinite"/>
+                      </p:stCondLst>
+                      <p:childTnLst>
+                        <p:par>
+                          <p:cTn id="4" fill="hold">
+                            <p:stCondLst>
+                              <p:cond delay="0"/>
+                            </p:stCondLst>
+                            <p:childTnLst>
+                              <p:par>
+                                <p:cTn id="5" presetID="10" presetClass="entr" presetSubtype="0" fill="hold" nodeType="clickEffect">
+                                  <p:stCondLst>
+                                    <p:cond delay="0"/>
+                                  </p:stCondLst>
+                                  <p:childTnLst>
+                                    <p:set>
+                                      <p:cBhvr>
+                                        <p:cTn id="6" dur="1" fill="hold">
+                                          <p:stCondLst>
+                                            <p:cond delay="0"/>
+                                          </p:stCondLst>
+                                        </p:cTn>
+                                        <p:tgtEl>
+                                          <p:spTgt spid="14">
+                                            <p:txEl>
+                                              <p:pRg st="0" end="0"/>
+                                            </p:txEl>
+                                          </p:spTgt>
+                                        </p:tgtEl>
+                                        <p:attrNameLst>
+                                          <p:attrName>style.visibility</p:attrName>
+                                        </p:attrNameLst>
+                                      </p:cBhvr>
+                                      <p:to>
+                                        <p:strVal val="visible"/>
+                                      </p:to>
+                                    </p:set>
+                                    <p:animEffect transition="in" filter="fade">
+                                      <p:cBhvr>
+                                        <p:cTn id="7" dur="500"/>
+                                        <p:tgtEl>
+                                          <p:spTgt spid="14">
+                                            <p:txEl>
+                                              <p:pRg st="0" end="0"/>
+                                            </p:txEl>
+                                          </p:spTgt>
+                                        </p:tgtEl>
+                                      </p:cBhvr>
+                                    </p:animEffect>
+                                  </p:childTnLst>
+                                </p:cTn>
+                              </p:par>
+                            </p:childTnLst>
+                          </p:cTn>
+                        </p:par>
+                      </p:childTnLst>
+                    </p:cTn>
+                  </p:par>
+                  <p:par>
+                    <p:cTn id="8" fill="hold">
+                      <p:stCondLst>
+                        <p:cond delay="indefinite"/>
+                      </p:stCondLst>
+                      <p:childTnLst>
+                        <p:par>
+                          <p:cTn id="9" fill="hold">
+                            <p:stCondLst>
+                              <p:cond delay="0"/>
+                            </p:stCondLst>
+                            <p:childTnLst>
+                              <p:par>
+                                <p:cTn id="10" presetID="10" presetClass="entr" presetSubtype="0" fill="hold" nodeType="clickEffect">
+                                  <p:stCondLst>
+                                    <p:cond delay="0"/>
+                                  </p:stCondLst>
+                                  <p:childTnLst>
+                                    <p:set>
+                                      <p:cBhvr>
+                                        <p:cTn id="11" dur="1" fill="hold">
+                                          <p:stCondLst>
+                                            <p:cond delay="0"/>
+                                          </p:stCondLst>
+                                        </p:cTn>
+                                        <p:tgtEl>
+                                          <p:spTgt spid="14">
+                                            <p:txEl>
+                                              <p:pRg st="1" end="1"/>
+                                            </p:txEl>
+                                          </p:spTgt>
+                                        </p:tgtEl>
+                                        <p:attrNameLst>
+                                          <p:attrName>style.visibility</p:attrName>
+                                        </p:attrNameLst>
+                                      </p:cBhvr>
+                                      <p:to>
+                                        <p:strVal val="visible"/>
+                                      </p:to>
+                                    </p:set>
+                                    <p:animEffect transition="in" filter="fade">
+                                      <p:cBhvr>
+                                        <p:cTn id="12" dur="500"/>
+                                        <p:tgtEl>
+                                          <p:spTgt spid="14">
+                                            <p:txEl>
+                                              <p:pRg st="1" end="1"/>
+                                            </p:txEl>
+                                          </p:spTgt>
+                                        </p:tgtEl>
+                                      </p:cBhvr>
+                                    </p:animEffect>
+                                  </p:childTnLst>
+                                </p:cTn>
+                              </p:par>
+                            </p:childTnLst>
+                          </p:cTn>
+                        </p:par>
+                      </p:childTnLst>
+                    </p:cTn>
+                  </p:par>
+                  <p:par>
+                    <p:cTn id="13" fill="hold">
+                      <p:stCondLst>
+                        <p:cond delay="indefinite"/>
+                      </p:stCondLst>
+                      <p:childTnLst>
+                        <p:par>
+                          <p:cTn id="14" fill="hold">
+                            <p:stCondLst>
+                              <p:cond delay="0"/>
+                            </p:stCondLst>
+                            <p:childTnLst>
+                              <p:par>
+                                <p:cTn id="15" presetID="10" presetClass="entr" presetSubtype="0" fill="hold" nodeType="clickEffect">
+                                  <p:stCondLst>
+                                    <p:cond delay="0"/>
+                                  </p:stCondLst>
+                                  <p:childTnLst>
+                                    <p:set>
+                                      <p:cBhvr>
+                                        <p:cTn id="16" dur="1" fill="hold">
+                                          <p:stCondLst>
+                                            <p:cond delay="0"/>
+                                          </p:stCondLst>
+                                        </p:cTn>
+                                        <p:tgtEl>
+                                          <p:spTgt spid="14">
+                                            <p:txEl>
+                                              <p:pRg st="2" end="2"/>
+                                            </p:txEl>
+                                          </p:spTgt>
+                                        </p:tgtEl>
+                                        <p:attrNameLst>
+                                          <p:attrName>style.visibility</p:attrName>
+                                        </p:attrNameLst>
+                                      </p:cBhvr>
+                                      <p:to>
+                                        <p:strVal val="visible"/>
+                                      </p:to>
+                                    </p:set>
+                                    <p:animEffect transition="in" filter="fade">
+                                      <p:cBhvr>
+                                        <p:cTn id="17" dur="500"/>
+                                        <p:tgtEl>
+                                          <p:spTgt spid="14">
+                                            <p:txEl>
+                                              <p:pRg st="2" end="2"/>
+                                            </p:txEl>
+                                          </p:spTgt>
+                                        </p:tgtEl>
+                                      </p:cBhvr>
+                                    </p:animEffect>
+                                  </p:childTnLst>
+                                </p:cTn>
+                              </p:par>
+                            </p:childTnLst>
+                          </p:cTn>
+                        </p:par>
+                      </p:childTnLst>
+                    </p:cTn>
+                  </p:par>
+                  <p:par>
+                    <p:cTn id="18" fill="hold">
+                      <p:stCondLst>
+                        <p:cond delay="indefinite"/>
+                      </p:stCondLst>
+                      <p:childTnLst>
+                        <p:par>
+                          <p:cTn id="19" fill="hold">
+                            <p:stCondLst>
+                              <p:cond delay="0"/>
+                            </p:stCondLst>
+                            <p:childTnLst>
+                              <p:par>
+                                <p:cTn id="20" presetID="2" presetClass="entr" presetSubtype="4" fill="hold" nodeType="clickEffect">
+                                  <p:stCondLst>
+                                    <p:cond delay="0"/>
+                                  </p:stCondLst>
+                                  <p:childTnLst>
+                                    <p:set>
+                                      <p:cBhvr>
+                                        <p:cTn id="21" dur="1" fill="hold">
+                                          <p:stCondLst>
+                                            <p:cond delay="0"/>
+                                          </p:stCondLst>
+                                        </p:cTn>
+                                        <p:tgtEl>
+                                          <p:spTgt spid="14">
+                                            <p:txEl>
+                                              <p:pRg st="3" end="3"/>
+                                            </p:txEl>
+                                          </p:spTgt>
+                                        </p:tgtEl>
+                                        <p:attrNameLst>
+                                          <p:attrName>style.visibility</p:attrName>
+                                        </p:attrNameLst>
+                                      </p:cBhvr>
+                                      <p:to>
+                                        <p:strVal val="visible"/>
+                                      </p:to>
+                                    </p:set>
+                                    <p:anim calcmode="lin" valueType="num">
+                                      <p:cBhvr additive="base">
+                                        <p:cTn id="22" dur="500" fill="hold"/>
+                                        <p:tgtEl>
+                                          <p:spTgt spid="14">
+                                            <p:txEl>
+                                              <p:pRg st="3" end="3"/>
+                                            </p:txEl>
+                                          </p:spTgt>
+                                        </p:tgtEl>
+                                        <p:attrNameLst>
+                                          <p:attrName>ppt_x</p:attrName>
+                                        </p:attrNameLst>
+                                      </p:cBhvr>
+                                      <p:tavLst>
+                                        <p:tav tm="0">
+                                          <p:val>
+                                            <p:strVal val="#ppt_x"/>
+                                          </p:val>
+                                        </p:tav>
+                                        <p:tav tm="100000">
+                                          <p:val>
+                                            <p:strVal val="#ppt_x"/>
+                                          </p:val>
+                                        </p:tav>
+                                      </p:tavLst>
+                                    </p:anim>
+                                    <p:anim calcmode="lin" valueType="num">
+                                      <p:cBhvr additive="base">
+                                        <p:cTn id="23" dur="500" fill="hold"/>
+                                        <p:tgtEl>
+                                          <p:spTgt spid="14">
+                                            <p:txEl>
+                                              <p:pRg st="3" end="3"/>
+                                            </p:txEl>
+                                          </p:spTgt>
+                                        </p:tgtEl>
+                                        <p:attrNameLst>
+                                          <p:attrName>ppt_y</p:attrName>
+                                        </p:attrNameLst>
+                                      </p:cBhvr>
+                                      <p:tavLst>
+                                        <p:tav tm="0">
+                                          <p:val>
+                                            <p:strVal val="1+#ppt_h/2"/>
+                                          </p:val>
+                                        </p:tav>
+                                        <p:tav tm="100000">
+                                          <p:val>
+                                            <p:strVal val="#ppt_y"/>
+                                          </p:val>
+                                        </p:tav>
+                                      </p:tavLst>
+                                    </p:anim>
+                                  </p:childTnLst>
+                                </p:cTn>
+                              </p:par>
+                            </p:childTnLst>
+                          </p:cTn>
+                        </p:par>
+                      </p:childTnLst>
+                    </p:cTn>
+                  </p:par>
+                  <p:par>
+                    <p:cTn id="24" fill="hold">
+                      <p:stCondLst>
+                        <p:cond delay="indefinite"/>
+                      </p:stCondLst>
+                      <p:childTnLst>
+                        <p:par>
+                          <p:cTn id="25" fill="hold">
+                            <p:stCondLst>
+                              <p:cond delay="0"/>
+                            </p:stCondLst>
+                            <p:childTnLst>
+                              <p:par>
+                                <p:cTn id="26" presetID="2" presetClass="entr" presetSubtype="4" fill="hold" nodeType="clickEffect">
+                                  <p:stCondLst>
+                                    <p:cond delay="0"/>
+                                  </p:stCondLst>
+                                  <p:childTnLst>
+                                    <p:set>
+                                      <p:cBhvr>
+                                        <p:cTn id="27" dur="1" fill="hold">
+                                          <p:stCondLst>
+                                            <p:cond delay="0"/>
+                                          </p:stCondLst>
+                                        </p:cTn>
+                                        <p:tgtEl>
+                                          <p:spTgt spid="14">
+                                            <p:txEl>
+                                              <p:pRg st="4" end="4"/>
+                                            </p:txEl>
+                                          </p:spTgt>
+                                        </p:tgtEl>
+                                        <p:attrNameLst>
+                                          <p:attrName>style.visibility</p:attrName>
+                                        </p:attrNameLst>
+                                      </p:cBhvr>
+                                      <p:to>
+                                        <p:strVal val="visible"/>
+                                      </p:to>
+                                    </p:set>
+                                    <p:anim calcmode="lin" valueType="num">
+                                      <p:cBhvr additive="base">
+                                        <p:cTn id="28" dur="500" fill="hold"/>
+                                        <p:tgtEl>
+                                          <p:spTgt spid="14">
+                                            <p:txEl>
+                                              <p:pRg st="4" end="4"/>
+                                            </p:txEl>
+                                          </p:spTgt>
+                                        </p:tgtEl>
+                                        <p:attrNameLst>
+                                          <p:attrName>ppt_x</p:attrName>
+                                        </p:attrNameLst>
+                                      </p:cBhvr>
+                                      <p:tavLst>
+                                        <p:tav tm="0">
+                                          <p:val>
+                                            <p:strVal val="#ppt_x"/>
+                                          </p:val>
+                                        </p:tav>
+                                        <p:tav tm="100000">
+                                          <p:val>
+                                            <p:strVal val="#ppt_x"/>
+                                          </p:val>
+                                        </p:tav>
+                                      </p:tavLst>
+                                    </p:anim>
+                                    <p:anim calcmode="lin" valueType="num">
+                                      <p:cBhvr additive="base">
+                                        <p:cTn id="29" dur="500" fill="hold"/>
+                                        <p:tgtEl>
+                                          <p:spTgt spid="14">
+                                            <p:txEl>
+                                              <p:pRg st="4" end="4"/>
+                                            </p:txEl>
+                                          </p:spTgt>
+                                        </p:tgtEl>
+                                        <p:attrNameLst>
+                                          <p:attrName>ppt_y</p:attrName>
+                                        </p:attrNameLst>
+                                      </p:cBhvr>
+                                      <p:tavLst>
+                                        <p:tav tm="0">
+                                          <p:val>
+                                            <p:strVal val="1+#ppt_h/2"/>
+                                          </p:val>
+                                        </p:tav>
+                                        <p:tav tm="100000">
+                                          <p:val>
+                                            <p:strVal val="#ppt_y"/>
+                                          </p:val>
+                                        </p:tav>
+                                      </p:tavLst>
+                                    </p:anim>
+                                  </p:childTnLst>
+                                </p:cTn>
+                              </p:par>
+                            </p:childTnLst>
+                          </p:cTn>
+                        </p:par>
+                      </p:childTnLst>
+                    </p:cTn>
+                  </p:par>
+                  <p:par>
+                    <p:cTn id="30" fill="hold">
+                      <p:stCondLst>
+                        <p:cond delay="indefinite"/>
+                      </p:stCondLst>
+                      <p:childTnLst>
+                        <p:par>
+                          <p:cTn id="31" fill="hold">
+                            <p:stCondLst>
+                              <p:cond delay="0"/>
+                            </p:stCondLst>
+                            <p:childTnLst>
+                              <p:par>
+                                <p:cTn id="32" presetID="2" presetClass="entr" presetSubtype="4" fill="hold" nodeType="clickEffect">
+                                  <p:stCondLst>
+                                    <p:cond delay="0"/>
+                                  </p:stCondLst>
+                                  <p:childTnLst>
+                                    <p:set>
+                                      <p:cBhvr>
+                                        <p:cTn id="33" dur="1" fill="hold">
+                                          <p:stCondLst>
+                                            <p:cond delay="0"/>
+                                          </p:stCondLst>
+                                        </p:cTn>
+                                        <p:tgtEl>
+                                          <p:spTgt spid="14">
+                                            <p:txEl>
+                                              <p:pRg st="5" end="5"/>
+                                            </p:txEl>
+                                          </p:spTgt>
+                                        </p:tgtEl>
+                                        <p:attrNameLst>
+                                          <p:attrName>style.visibility</p:attrName>
+                                        </p:attrNameLst>
+                                      </p:cBhvr>
+                                      <p:to>
+                                        <p:strVal val="visible"/>
+                                      </p:to>
+                                    </p:set>
+                                    <p:anim calcmode="lin" valueType="num">
+                                      <p:cBhvr additive="base">
+                                        <p:cTn id="34" dur="500" fill="hold"/>
+                                        <p:tgtEl>
+                                          <p:spTgt spid="14">
+                                            <p:txEl>
+                                              <p:pRg st="5" end="5"/>
+                                            </p:txEl>
+                                          </p:spTgt>
+                                        </p:tgtEl>
+                                        <p:attrNameLst>
+                                          <p:attrName>ppt_x</p:attrName>
+                                        </p:attrNameLst>
+                                      </p:cBhvr>
+                                      <p:tavLst>
+                                        <p:tav tm="0">
+                                          <p:val>
+                                            <p:strVal val="#ppt_x"/>
+                                          </p:val>
+                                        </p:tav>
+                                        <p:tav tm="100000">
+                                          <p:val>
+                                            <p:strVal val="#ppt_x"/>
+                                          </p:val>
+                                        </p:tav>
+                                      </p:tavLst>
+                                    </p:anim>
+                                    <p:anim calcmode="lin" valueType="num">
+                                      <p:cBhvr additive="base">
+                                        <p:cTn id="35" dur="500" fill="hold"/>
+                                        <p:tgtEl>
+                                          <p:spTgt spid="14">
+                                            <p:txEl>
+                                              <p:pRg st="5" end="5"/>
+                                            </p:txEl>
+                                          </p:spTgt>
+                                        </p:tgtEl>
+                                        <p:attrNameLst>
+                                          <p:attrName>ppt_y</p:attrName>
+                                        </p:attrNameLst>
+                                      </p:cBhvr>
+                                      <p:tavLst>
+                                        <p:tav tm="0">
+                                          <p:val>
+                                            <p:strVal val="1+#ppt_h/2"/>
+                                          </p:val>
+                                        </p:tav>
+                                        <p:tav tm="100000">
+                                          <p:val>
+                                            <p:strVal val="#ppt_y"/>
+                                          </p:val>
+                                        </p:tav>
+                                      </p:tavLst>
+                                    </p:anim>
+                                  </p:childTnLst>
+                                </p:cTn>
+                              </p:par>
+                            </p:childTnLst>
+                          </p:cTn>
+                        </p:par>
+                      </p:childTnLst>
+                    </p:cTn>
+                  </p:par>
+                  <p:par>
+                    <p:cTn id="36" fill="hold">
+                      <p:stCondLst>
+                        <p:cond delay="indefinite"/>
+                      </p:stCondLst>
+                      <p:childTnLst>
+                        <p:par>
+                          <p:cTn id="37" fill="hold">
+                            <p:stCondLst>
+                              <p:cond delay="0"/>
+                            </p:stCondLst>
+                            <p:childTnLst>
+                              <p:par>
+                                <p:cTn id="38" presetID="10" presetClass="entr" presetSubtype="0" fill="hold" nodeType="clickEffect">
+                                  <p:stCondLst>
+                                    <p:cond delay="0"/>
+                                  </p:stCondLst>
+                                  <p:childTnLst>
+                                    <p:set>
+                                      <p:cBhvr>
+                                        <p:cTn id="39" dur="1" fill="hold">
+                                          <p:stCondLst>
+                                            <p:cond delay="0"/>
+                                          </p:stCondLst>
+                                        </p:cTn>
+                                        <p:tgtEl>
+                                          <p:spTgt spid="14">
+                                            <p:txEl>
+                                              <p:pRg st="6" end="6"/>
+                                            </p:txEl>
+                                          </p:spTgt>
+                                        </p:tgtEl>
+                                        <p:attrNameLst>
+                                          <p:attrName>style.visibility</p:attrName>
+                                        </p:attrNameLst>
+                                      </p:cBhvr>
+                                      <p:to>
+                                        <p:strVal val="visible"/>
+                                      </p:to>
+                                    </p:set>
+                                    <p:animEffect transition="in" filter="fade">
+                                      <p:cBhvr>
+                                        <p:cTn id="40" dur="500"/>
+                                        <p:tgtEl>
+                                          <p:spTgt spid="14">
+                                            <p:txEl>
+                                              <p:pRg st="6" end="6"/>
+                                            </p:txEl>
+                                          </p:spTgt>
+                                        </p:tgtEl>
+                                      </p:cBhvr>
+                                    </p:animEffect>
+                                  </p:childTnLst>
+                                </p:cTn>
+                              </p:par>
+                            </p:childTnLst>
+                          </p:cTn>
+                        </p:par>
+                      </p:childTnLst>
+                    </p:cTn>
+                  </p:par>
+                  <p:par>
+                    <p:cTn id="41" fill="hold">
+                      <p:stCondLst>
+                        <p:cond delay="indefinite"/>
+                      </p:stCondLst>
+                      <p:childTnLst>
+                        <p:par>
+                          <p:cTn id="42" fill="hold">
+                            <p:stCondLst>
+                              <p:cond delay="0"/>
+                            </p:stCondLst>
+                            <p:childTnLst>
+                              <p:par>
+                                <p:cTn id="43" presetID="2" presetClass="entr" presetSubtype="4" fill="hold" nodeType="clickEffect">
+                                  <p:stCondLst>
+                                    <p:cond delay="0"/>
+                                  </p:stCondLst>
+                                  <p:childTnLst>
+                                    <p:set>
+                                      <p:cBhvr>
+                                        <p:cTn id="44" dur="1" fill="hold">
+                                          <p:stCondLst>
+                                            <p:cond delay="0"/>
+                                          </p:stCondLst>
+                                        </p:cTn>
+                                        <p:tgtEl>
+                                          <p:spTgt spid="14">
+                                            <p:txEl>
+                                              <p:pRg st="7" end="7"/>
+                                            </p:txEl>
+                                          </p:spTgt>
+                                        </p:tgtEl>
+                                        <p:attrNameLst>
+                                          <p:attrName>style.visibility</p:attrName>
+                                        </p:attrNameLst>
+                                      </p:cBhvr>
+                                      <p:to>
+                                        <p:strVal val="visible"/>
+                                      </p:to>
+                                    </p:set>
+                                    <p:anim calcmode="lin" valueType="num">
+                                      <p:cBhvr additive="base">
+                                        <p:cTn id="45" dur="500" fill="hold"/>
+                                        <p:tgtEl>
+                                          <p:spTgt spid="14">
+                                            <p:txEl>
+                                              <p:pRg st="7" end="7"/>
+                                            </p:txEl>
+                                          </p:spTgt>
+                                        </p:tgtEl>
+                                        <p:attrNameLst>
+                                          <p:attrName>ppt_x</p:attrName>
+                                        </p:attrNameLst>
+                                      </p:cBhvr>
+                                      <p:tavLst>
+                                        <p:tav tm="0">
+                                          <p:val>
+                                            <p:strVal val="#ppt_x"/>
+                                          </p:val>
+                                        </p:tav>
+                                        <p:tav tm="100000">
+                                          <p:val>
+                                            <p:strVal val="#ppt_x"/>
+                                          </p:val>
+                                        </p:tav>
+                                      </p:tavLst>
+                                    </p:anim>
+                                    <p:anim calcmode="lin" valueType="num">
+                                      <p:cBhvr additive="base">
+                                        <p:cTn id="46" dur="500" fill="hold"/>
+                                        <p:tgtEl>
+                                          <p:spTgt spid="14">
+                                            <p:txEl>
+                                              <p:pRg st="7" end="7"/>
+                                            </p:txEl>
+                                          </p:spTgt>
+                                        </p:tgtEl>
+                                        <p:attrNameLst>
+                                          <p:attrName>ppt_y</p:attrName>
+                                        </p:attrNameLst>
+                                      </p:cBhvr>
+                                      <p:tavLst>
+                                        <p:tav tm="0">
+                                          <p:val>
+                                            <p:strVal val="1+#ppt_h/2"/>
+                                          </p:val>
+                                        </p:tav>
+                                        <p:tav tm="100000">
+                                          <p:val>
+                                            <p:strVal val="#ppt_y"/>
+                                          </p:val>
+                                        </p:tav>
+                                      </p:tavLst>
+                                    </p:anim>
+                                  </p:childTnLst>
+                                </p:cTn>
+                              </p:par>
+                            </p:childTnLst>
+                          </p:cTn>
+                        </p:par>
+                      </p:childTnLst>
+                    </p:cTn>
+                  </p:par>
+                  <p:par>
+                    <p:cTn id="47" fill="hold">
+                      <p:stCondLst>
+                        <p:cond delay="indefinite"/>
+                      </p:stCondLst>
+                      <p:childTnLst>
+                        <p:par>
+                          <p:cTn id="48" fill="hold">
+                            <p:stCondLst>
+                              <p:cond delay="0"/>
+                            </p:stCondLst>
+                            <p:childTnLst>
+                              <p:par>
+                                <p:cTn id="49" presetID="2" presetClass="entr" presetSubtype="4" fill="hold" nodeType="clickEffect">
+                                  <p:stCondLst>
+                                    <p:cond delay="0"/>
+                                  </p:stCondLst>
+                                  <p:childTnLst>
+                                    <p:set>
+                                      <p:cBhvr>
+                                        <p:cTn id="50" dur="1" fill="hold">
+                                          <p:stCondLst>
+                                            <p:cond delay="0"/>
+                                          </p:stCondLst>
+                                        </p:cTn>
+                                        <p:tgtEl>
+                                          <p:spTgt spid="14">
+                                            <p:txEl>
+                                              <p:pRg st="8" end="8"/>
+                                            </p:txEl>
+                                          </p:spTgt>
+                                        </p:tgtEl>
+                                        <p:attrNameLst>
+                                          <p:attrName>style.visibility</p:attrName>
+                                        </p:attrNameLst>
+                                      </p:cBhvr>
+                                      <p:to>
+                                        <p:strVal val="visible"/>
+                                      </p:to>
+                                    </p:set>
+                                    <p:anim calcmode="lin" valueType="num">
+                                      <p:cBhvr additive="base">
+                                        <p:cTn id="51" dur="500" fill="hold"/>
+                                        <p:tgtEl>
+                                          <p:spTgt spid="14">
+                                            <p:txEl>
+                                              <p:pRg st="8" end="8"/>
+                                            </p:txEl>
+                                          </p:spTgt>
+                                        </p:tgtEl>
+                                        <p:attrNameLst>
+                                          <p:attrName>ppt_x</p:attrName>
+                                        </p:attrNameLst>
+                                      </p:cBhvr>
+                                      <p:tavLst>
+                                        <p:tav tm="0">
+                                          <p:val>
+                                            <p:strVal val="#ppt_x"/>
+                                          </p:val>
+                                        </p:tav>
+                                        <p:tav tm="100000">
+                                          <p:val>
+                                            <p:strVal val="#ppt_x"/>
+                                          </p:val>
+                                        </p:tav>
+                                      </p:tavLst>
+                                    </p:anim>
+                                    <p:anim calcmode="lin" valueType="num">
+                                      <p:cBhvr additive="base">
+                                        <p:cTn id="52" dur="500" fill="hold"/>
+                                        <p:tgtEl>
+                                          <p:spTgt spid="14">
+                                            <p:txEl>
+                                              <p:pRg st="8" end="8"/>
+                                            </p:txEl>
+                                          </p:spTgt>
+                                        </p:tgtEl>
+                                        <p:attrNameLst>
+                                          <p:attrName>ppt_y</p:attrName>
+                                        </p:attrNameLst>
+                                      </p:cBhvr>
+                                      <p:tavLst>
+                                        <p:tav tm="0">
+                                          <p:val>
+                                            <p:strVal val="1+#ppt_h/2"/>
+                                          </p:val>
+                                        </p:tav>
+                                        <p:tav tm="100000">
+                                          <p:val>
+                                            <p:strVal val="#ppt_y"/>
+                                          </p:val>
+                                        </p:tav>
+                                      </p:tavLst>
+                                    </p:anim>
+                                  </p:childTnLst>
+                                </p:cTn>
+                              </p:par>
+                            </p:childTnLst>
+                          </p:cTn>
+                        </p:par>
+                      </p:childTnLst>
+                    </p:cTn>
+                  </p:par>
+                  <p:par>
+                    <p:cTn id="53" fill="hold">
+                      <p:stCondLst>
+                        <p:cond delay="indefinite"/>
+                      </p:stCondLst>
+                      <p:childTnLst>
+                        <p:par>
+                          <p:cTn id="54" fill="hold">
+                            <p:stCondLst>
+                              <p:cond delay="0"/>
+                            </p:stCondLst>
+                            <p:childTnLst>
+                              <p:par>
+                                <p:cTn id="55" presetID="2" presetClass="entr" presetSubtype="4" fill="hold" nodeType="clickEffect">
+                                  <p:stCondLst>
+                                    <p:cond delay="0"/>
+                                  </p:stCondLst>
+                                  <p:childTnLst>
+                                    <p:set>
+                                      <p:cBhvr>
+                                        <p:cTn id="56" dur="1" fill="hold">
+                                          <p:stCondLst>
+                                            <p:cond delay="0"/>
+                                          </p:stCondLst>
+                                        </p:cTn>
+                                        <p:tgtEl>
+                                          <p:spTgt spid="14">
+                                            <p:txEl>
+                                              <p:pRg st="9" end="9"/>
+                                            </p:txEl>
+                                          </p:spTgt>
+                                        </p:tgtEl>
+                                        <p:attrNameLst>
+                                          <p:attrName>style.visibility</p:attrName>
+                                        </p:attrNameLst>
+                                      </p:cBhvr>
+                                      <p:to>
+                                        <p:strVal val="visible"/>
+                                      </p:to>
+                                    </p:set>
+                                    <p:anim calcmode="lin" valueType="num">
+                                      <p:cBhvr additive="base">
+                                        <p:cTn id="57" dur="500" fill="hold"/>
+                                        <p:tgtEl>
+                                          <p:spTgt spid="14">
+                                            <p:txEl>
+                                              <p:pRg st="9" end="9"/>
+                                            </p:txEl>
+                                          </p:spTgt>
+                                        </p:tgtEl>
+                                        <p:attrNameLst>
+                                          <p:attrName>ppt_x</p:attrName>
+                                        </p:attrNameLst>
+                                      </p:cBhvr>
+                                      <p:tavLst>
+                                        <p:tav tm="0">
+                                          <p:val>
+                                            <p:strVal val="#ppt_x"/>
+                                          </p:val>
+                                        </p:tav>
+                                        <p:tav tm="100000">
+                                          <p:val>
+                                            <p:strVal val="#ppt_x"/>
+                                          </p:val>
+                                        </p:tav>
+                                      </p:tavLst>
+                                    </p:anim>
+                                    <p:anim calcmode="lin" valueType="num">
+                                      <p:cBhvr additive="base">
+                                        <p:cTn id="58" dur="500" fill="hold"/>
+                                        <p:tgtEl>
+                                          <p:spTgt spid="14">
+                                            <p:txEl>
+                                              <p:pRg st="9" end="9"/>
+                                            </p:txEl>
+                                          </p:spTgt>
+                                        </p:tgtEl>
+                                        <p:attrNameLst>
+                                          <p:attrName>ppt_y</p:attrName>
+                                        </p:attrNameLst>
+                                      </p:cBhvr>
+                                      <p:tavLst>
+                                        <p:tav tm="0">
+                                          <p:val>
+                                            <p:strVal val="1+#ppt_h/2"/>
+                                          </p:val>
+                                        </p:tav>
+                                        <p:tav tm="100000">
+                                          <p:val>
+                                            <p:strVal val="#ppt_y"/>
+                                          </p:val>
+                                        </p:tav>
+                                      </p:tavLst>
+                                    </p:anim>
+                                  </p:childTnLst>
+                                </p:cTn>
+                              </p:par>
+                            </p:childTnLst>
+                          </p:cTn>
+                        </p:par>
+                      </p:childTnLst>
+                    </p:cTn>
+                  </p:par>
+                  <p:par>
+                    <p:cTn id="59" fill="hold">
+                      <p:stCondLst>
+                        <p:cond delay="indefinite"/>
+                      </p:stCondLst>
+                      <p:childTnLst>
+                        <p:par>
+                          <p:cTn id="60" fill="hold">
+                            <p:stCondLst>
+                              <p:cond delay="0"/>
+                            </p:stCondLst>
+                            <p:childTnLst>
+                              <p:par>
+                                <p:cTn id="61" presetID="2" presetClass="entr" presetSubtype="4" fill="hold" nodeType="clickEffect">
+                                  <p:stCondLst>
+                                    <p:cond delay="0"/>
+                                  </p:stCondLst>
+                                  <p:childTnLst>
+                                    <p:set>
+                                      <p:cBhvr>
+                                        <p:cTn id="62" dur="1" fill="hold">
+                                          <p:stCondLst>
+                                            <p:cond delay="0"/>
+                                          </p:stCondLst>
+                                        </p:cTn>
+                                        <p:tgtEl>
+                                          <p:spTgt spid="14">
+                                            <p:txEl>
+                                              <p:pRg st="10" end="10"/>
+                                            </p:txEl>
+                                          </p:spTgt>
+                                        </p:tgtEl>
+                                        <p:attrNameLst>
+                                          <p:attrName>style.visibility</p:attrName>
+                                        </p:attrNameLst>
+                                      </p:cBhvr>
+                                      <p:to>
+                                        <p:strVal val="visible"/>
+                                      </p:to>
+                                    </p:set>
+                                    <p:anim calcmode="lin" valueType="num">
+                                      <p:cBhvr additive="base">
+                                        <p:cTn id="63" dur="500" fill="hold"/>
+                                        <p:tgtEl>
+                                          <p:spTgt spid="14">
+                                            <p:txEl>
+                                              <p:pRg st="10" end="10"/>
+                                            </p:txEl>
+                                          </p:spTgt>
+                                        </p:tgtEl>
+                                        <p:attrNameLst>
+                                          <p:attrName>ppt_x</p:attrName>
+                                        </p:attrNameLst>
+                                      </p:cBhvr>
+                                      <p:tavLst>
+                                        <p:tav tm="0">
+                                          <p:val>
+                                            <p:strVal val="#ppt_x"/>
+                                          </p:val>
+                                        </p:tav>
+                                        <p:tav tm="100000">
+                                          <p:val>
+                                            <p:strVal val="#ppt_x"/>
+                                          </p:val>
+                                        </p:tav>
+                                      </p:tavLst>
+                                    </p:anim>
+                                    <p:anim calcmode="lin" valueType="num">
+                                      <p:cBhvr additive="base">
+                                        <p:cTn id="64" dur="500" fill="hold"/>
+                                        <p:tgtEl>
+                                          <p:spTgt spid="14">
+                                            <p:txEl>
+                                              <p:pRg st="10" end="10"/>
+                                            </p:txEl>
+                                          </p:spTgt>
+                                        </p:tgtEl>
+                                        <p:attrNameLst>
+                                          <p:attrName>ppt_y</p:attrName>
+                                        </p:attrNameLst>
+                                      </p:cBhvr>
+                                      <p:tavLst>
+                                        <p:tav tm="0">
+                                          <p:val>
+                                            <p:strVal val="1+#ppt_h/2"/>
+                                          </p:val>
+                                        </p:tav>
+                                        <p:tav tm="100000">
+                                          <p:val>
+                                            <p:strVal val="#ppt_y"/>
+                                          </p:val>
+                                        </p:tav>
+                                      </p:tavLst>
+                                    </p:anim>
+                                  </p:childTnLst>
+                                </p:cTn>
+                              </p:par>
+                            </p:childTnLst>
+                          </p:cTn>
+                        </p:par>
+                      </p:childTnLst>
+                    </p:cTn>
+                  </p:par>
+                  <p:par>
+                    <p:cTn id="65" fill="hold">
+                      <p:stCondLst>
+                        <p:cond delay="indefinite"/>
+                      </p:stCondLst>
+                      <p:childTnLst>
+                        <p:par>
+                          <p:cTn id="66" fill="hold">
+                            <p:stCondLst>
+                              <p:cond delay="0"/>
+                            </p:stCondLst>
+                            <p:childTnLst>
+                              <p:par>
+                                <p:cTn id="67" presetID="2" presetClass="entr" presetSubtype="4" fill="hold" nodeType="clickEffect">
+                                  <p:stCondLst>
+                                    <p:cond delay="0"/>
+                                  </p:stCondLst>
+                                  <p:childTnLst>
+                                    <p:set>
+                                      <p:cBhvr>
+                                        <p:cTn id="68" dur="1" fill="hold">
+                                          <p:stCondLst>
+                                            <p:cond delay="0"/>
+                                          </p:stCondLst>
+                                        </p:cTn>
+                                        <p:tgtEl>
+                                          <p:spTgt spid="14">
+                                            <p:txEl>
+                                              <p:pRg st="11" end="11"/>
+                                            </p:txEl>
+                                          </p:spTgt>
+                                        </p:tgtEl>
+                                        <p:attrNameLst>
+                                          <p:attrName>style.visibility</p:attrName>
+                                        </p:attrNameLst>
+                                      </p:cBhvr>
+                                      <p:to>
+                                        <p:strVal val="visible"/>
+                                      </p:to>
+                                    </p:set>
+                                    <p:anim calcmode="lin" valueType="num">
+                                      <p:cBhvr additive="base">
+                                        <p:cTn id="69" dur="500" fill="hold"/>
+                                        <p:tgtEl>
+                                          <p:spTgt spid="14">
+                                            <p:txEl>
+                                              <p:pRg st="11" end="11"/>
+                                            </p:txEl>
+                                          </p:spTgt>
+                                        </p:tgtEl>
+                                        <p:attrNameLst>
+                                          <p:attrName>ppt_x</p:attrName>
+                                        </p:attrNameLst>
+                                      </p:cBhvr>
+                                      <p:tavLst>
+                                        <p:tav tm="0">
+                                          <p:val>
+                                            <p:strVal val="#ppt_x"/>
+                                          </p:val>
+                                        </p:tav>
+                                        <p:tav tm="100000">
+                                          <p:val>
+                                            <p:strVal val="#ppt_x"/>
+                                          </p:val>
+                                        </p:tav>
+                                      </p:tavLst>
+                                    </p:anim>
+                                    <p:anim calcmode="lin" valueType="num">
+                                      <p:cBhvr additive="base">
+                                        <p:cTn id="70" dur="500" fill="hold"/>
+                                        <p:tgtEl>
+                                          <p:spTgt spid="14">
+                                            <p:txEl>
+                                              <p:pRg st="11" end="11"/>
+                                            </p:txEl>
+                                          </p:spTgt>
+                                        </p:tgtEl>
+                                        <p:attrNameLst>
+                                          <p:attrName>ppt_y</p:attrName>
+                                        </p:attrNameLst>
+                                      </p:cBhvr>
+                                      <p:tavLst>
+                                        <p:tav tm="0">
+                                          <p:val>
+                                            <p:strVal val="1+#ppt_h/2"/>
+                                          </p:val>
+                                        </p:tav>
+                                        <p:tav tm="100000">
+                                          <p:val>
+                                            <p:strVal val="#ppt_y"/>
+                                          </p:val>
+                                        </p:tav>
+                                      </p:tavLst>
+                                    </p:anim>
+                                  </p:childTnLst>
+                                </p:cTn>
+                              </p:par>
+                            </p:childTnLst>
+                          </p:cTn>
+                        </p:par>
+                      </p:childTnLst>
+                    </p:cTn>
+                  </p:par>
+                </p:childTnLst>
+              </p:cTn>
+              <p:prevCondLst>
+                <p:cond evt="onPrev" delay="0">
+                  <p:tgtEl>
+                    <p:sldTgt/>
+                  </p:tgtEl>
+                </p:cond>
+              </p:prevCondLst>
+              <p:nextCondLst>
+                <p:cond evt="onNext" delay="0">
+                  <p:tgtEl>
+                    <p:sldTgt/>
+                  </p:tgtEl>
+                </p:cond>
+              </p:nextCondLst>
+            </p:seq>
+          </p:childTnLst>
+        </p:cTn>
+      </p:par>
+    </p:tnLst>
+  </p:timing>
 </p:sld>
 </file>
 
@@ -6654,18 +9482,764 @@
   <p:clrMapOvr>
     <a:masterClrMapping/>
   </p:clrMapOvr>
-  <mc:AlternateContent xmlns:mc="http://schemas.openxmlformats.org/markup-compatibility/2006">
-    <mc:Choice xmlns:p159="http://schemas.microsoft.com/office/powerpoint/2015/09/main" Requires="p159">
+  <mc:AlternateContent xmlns:mc="http://schemas.openxmlformats.org/markup-compatibility/2006" xmlns:p159="http://schemas.microsoft.com/office/powerpoint/2015/09/main">
+    <mc:Choice Requires="p159">
       <p:transition xmlns:p14="http://schemas.microsoft.com/office/powerpoint/2010/main" spd="slow" p14:dur="2000">
         <p159:morph option="byObject"/>
       </p:transition>
     </mc:Choice>
-    <mc:Fallback>
+    <mc:Fallback xmlns="">
       <p:transition spd="slow">
         <p:fade/>
       </p:transition>
     </mc:Fallback>
   </mc:AlternateContent>
+  <p:timing>
+    <p:tnLst>
+      <p:par>
+        <p:cTn id="1" dur="indefinite" restart="never" nodeType="tmRoot">
+          <p:childTnLst>
+            <p:seq concurrent="1" nextAc="seek">
+              <p:cTn id="2" dur="indefinite" nodeType="mainSeq">
+                <p:childTnLst>
+                  <p:par>
+                    <p:cTn id="3" fill="hold">
+                      <p:stCondLst>
+                        <p:cond delay="indefinite"/>
+                      </p:stCondLst>
+                      <p:childTnLst>
+                        <p:par>
+                          <p:cTn id="4" fill="hold">
+                            <p:stCondLst>
+                              <p:cond delay="0"/>
+                            </p:stCondLst>
+                            <p:childTnLst>
+                              <p:par>
+                                <p:cTn id="5" presetID="1" presetClass="entr" presetSubtype="0" fill="hold" nodeType="clickEffect">
+                                  <p:stCondLst>
+                                    <p:cond delay="0"/>
+                                  </p:stCondLst>
+                                  <p:childTnLst>
+                                    <p:set>
+                                      <p:cBhvr>
+                                        <p:cTn id="6" dur="1" fill="hold">
+                                          <p:stCondLst>
+                                            <p:cond delay="0"/>
+                                          </p:stCondLst>
+                                        </p:cTn>
+                                        <p:tgtEl>
+                                          <p:spTgt spid="3">
+                                            <p:txEl>
+                                              <p:pRg st="0" end="0"/>
+                                            </p:txEl>
+                                          </p:spTgt>
+                                        </p:tgtEl>
+                                        <p:attrNameLst>
+                                          <p:attrName>style.visibility</p:attrName>
+                                        </p:attrNameLst>
+                                      </p:cBhvr>
+                                      <p:to>
+                                        <p:strVal val="visible"/>
+                                      </p:to>
+                                    </p:set>
+                                  </p:childTnLst>
+                                </p:cTn>
+                              </p:par>
+                            </p:childTnLst>
+                          </p:cTn>
+                        </p:par>
+                      </p:childTnLst>
+                    </p:cTn>
+                  </p:par>
+                  <p:par>
+                    <p:cTn id="7" fill="hold">
+                      <p:stCondLst>
+                        <p:cond delay="indefinite"/>
+                      </p:stCondLst>
+                      <p:childTnLst>
+                        <p:par>
+                          <p:cTn id="8" fill="hold">
+                            <p:stCondLst>
+                              <p:cond delay="0"/>
+                            </p:stCondLst>
+                            <p:childTnLst>
+                              <p:par>
+                                <p:cTn id="9" presetID="1" presetClass="entr" presetSubtype="0" fill="hold" nodeType="clickEffect">
+                                  <p:stCondLst>
+                                    <p:cond delay="0"/>
+                                  </p:stCondLst>
+                                  <p:childTnLst>
+                                    <p:set>
+                                      <p:cBhvr>
+                                        <p:cTn id="10" dur="1" fill="hold">
+                                          <p:stCondLst>
+                                            <p:cond delay="0"/>
+                                          </p:stCondLst>
+                                        </p:cTn>
+                                        <p:tgtEl>
+                                          <p:spTgt spid="3">
+                                            <p:txEl>
+                                              <p:pRg st="1" end="1"/>
+                                            </p:txEl>
+                                          </p:spTgt>
+                                        </p:tgtEl>
+                                        <p:attrNameLst>
+                                          <p:attrName>style.visibility</p:attrName>
+                                        </p:attrNameLst>
+                                      </p:cBhvr>
+                                      <p:to>
+                                        <p:strVal val="visible"/>
+                                      </p:to>
+                                    </p:set>
+                                  </p:childTnLst>
+                                </p:cTn>
+                              </p:par>
+                            </p:childTnLst>
+                          </p:cTn>
+                        </p:par>
+                      </p:childTnLst>
+                    </p:cTn>
+                  </p:par>
+                  <p:par>
+                    <p:cTn id="11" fill="hold">
+                      <p:stCondLst>
+                        <p:cond delay="indefinite"/>
+                      </p:stCondLst>
+                      <p:childTnLst>
+                        <p:par>
+                          <p:cTn id="12" fill="hold">
+                            <p:stCondLst>
+                              <p:cond delay="0"/>
+                            </p:stCondLst>
+                            <p:childTnLst>
+                              <p:par>
+                                <p:cTn id="13" presetID="2" presetClass="entr" presetSubtype="4" fill="hold" nodeType="clickEffect">
+                                  <p:stCondLst>
+                                    <p:cond delay="0"/>
+                                  </p:stCondLst>
+                                  <p:childTnLst>
+                                    <p:set>
+                                      <p:cBhvr>
+                                        <p:cTn id="14" dur="1" fill="hold">
+                                          <p:stCondLst>
+                                            <p:cond delay="0"/>
+                                          </p:stCondLst>
+                                        </p:cTn>
+                                        <p:tgtEl>
+                                          <p:spTgt spid="3">
+                                            <p:txEl>
+                                              <p:pRg st="2" end="2"/>
+                                            </p:txEl>
+                                          </p:spTgt>
+                                        </p:tgtEl>
+                                        <p:attrNameLst>
+                                          <p:attrName>style.visibility</p:attrName>
+                                        </p:attrNameLst>
+                                      </p:cBhvr>
+                                      <p:to>
+                                        <p:strVal val="visible"/>
+                                      </p:to>
+                                    </p:set>
+                                    <p:anim calcmode="lin" valueType="num">
+                                      <p:cBhvr additive="base">
+                                        <p:cTn id="15" dur="500" fill="hold"/>
+                                        <p:tgtEl>
+                                          <p:spTgt spid="3">
+                                            <p:txEl>
+                                              <p:pRg st="2" end="2"/>
+                                            </p:txEl>
+                                          </p:spTgt>
+                                        </p:tgtEl>
+                                        <p:attrNameLst>
+                                          <p:attrName>ppt_x</p:attrName>
+                                        </p:attrNameLst>
+                                      </p:cBhvr>
+                                      <p:tavLst>
+                                        <p:tav tm="0">
+                                          <p:val>
+                                            <p:strVal val="#ppt_x"/>
+                                          </p:val>
+                                        </p:tav>
+                                        <p:tav tm="100000">
+                                          <p:val>
+                                            <p:strVal val="#ppt_x"/>
+                                          </p:val>
+                                        </p:tav>
+                                      </p:tavLst>
+                                    </p:anim>
+                                    <p:anim calcmode="lin" valueType="num">
+                                      <p:cBhvr additive="base">
+                                        <p:cTn id="16" dur="500" fill="hold"/>
+                                        <p:tgtEl>
+                                          <p:spTgt spid="3">
+                                            <p:txEl>
+                                              <p:pRg st="2" end="2"/>
+                                            </p:txEl>
+                                          </p:spTgt>
+                                        </p:tgtEl>
+                                        <p:attrNameLst>
+                                          <p:attrName>ppt_y</p:attrName>
+                                        </p:attrNameLst>
+                                      </p:cBhvr>
+                                      <p:tavLst>
+                                        <p:tav tm="0">
+                                          <p:val>
+                                            <p:strVal val="1+#ppt_h/2"/>
+                                          </p:val>
+                                        </p:tav>
+                                        <p:tav tm="100000">
+                                          <p:val>
+                                            <p:strVal val="#ppt_y"/>
+                                          </p:val>
+                                        </p:tav>
+                                      </p:tavLst>
+                                    </p:anim>
+                                  </p:childTnLst>
+                                </p:cTn>
+                              </p:par>
+                            </p:childTnLst>
+                          </p:cTn>
+                        </p:par>
+                      </p:childTnLst>
+                    </p:cTn>
+                  </p:par>
+                  <p:par>
+                    <p:cTn id="17" fill="hold">
+                      <p:stCondLst>
+                        <p:cond delay="indefinite"/>
+                      </p:stCondLst>
+                      <p:childTnLst>
+                        <p:par>
+                          <p:cTn id="18" fill="hold">
+                            <p:stCondLst>
+                              <p:cond delay="0"/>
+                            </p:stCondLst>
+                            <p:childTnLst>
+                              <p:par>
+                                <p:cTn id="19" presetID="2" presetClass="entr" presetSubtype="4" fill="hold" nodeType="clickEffect">
+                                  <p:stCondLst>
+                                    <p:cond delay="0"/>
+                                  </p:stCondLst>
+                                  <p:childTnLst>
+                                    <p:set>
+                                      <p:cBhvr>
+                                        <p:cTn id="20" dur="1" fill="hold">
+                                          <p:stCondLst>
+                                            <p:cond delay="0"/>
+                                          </p:stCondLst>
+                                        </p:cTn>
+                                        <p:tgtEl>
+                                          <p:spTgt spid="3">
+                                            <p:txEl>
+                                              <p:pRg st="3" end="3"/>
+                                            </p:txEl>
+                                          </p:spTgt>
+                                        </p:tgtEl>
+                                        <p:attrNameLst>
+                                          <p:attrName>style.visibility</p:attrName>
+                                        </p:attrNameLst>
+                                      </p:cBhvr>
+                                      <p:to>
+                                        <p:strVal val="visible"/>
+                                      </p:to>
+                                    </p:set>
+                                    <p:anim calcmode="lin" valueType="num">
+                                      <p:cBhvr additive="base">
+                                        <p:cTn id="21" dur="500" fill="hold"/>
+                                        <p:tgtEl>
+                                          <p:spTgt spid="3">
+                                            <p:txEl>
+                                              <p:pRg st="3" end="3"/>
+                                            </p:txEl>
+                                          </p:spTgt>
+                                        </p:tgtEl>
+                                        <p:attrNameLst>
+                                          <p:attrName>ppt_x</p:attrName>
+                                        </p:attrNameLst>
+                                      </p:cBhvr>
+                                      <p:tavLst>
+                                        <p:tav tm="0">
+                                          <p:val>
+                                            <p:strVal val="#ppt_x"/>
+                                          </p:val>
+                                        </p:tav>
+                                        <p:tav tm="100000">
+                                          <p:val>
+                                            <p:strVal val="#ppt_x"/>
+                                          </p:val>
+                                        </p:tav>
+                                      </p:tavLst>
+                                    </p:anim>
+                                    <p:anim calcmode="lin" valueType="num">
+                                      <p:cBhvr additive="base">
+                                        <p:cTn id="22" dur="500" fill="hold"/>
+                                        <p:tgtEl>
+                                          <p:spTgt spid="3">
+                                            <p:txEl>
+                                              <p:pRg st="3" end="3"/>
+                                            </p:txEl>
+                                          </p:spTgt>
+                                        </p:tgtEl>
+                                        <p:attrNameLst>
+                                          <p:attrName>ppt_y</p:attrName>
+                                        </p:attrNameLst>
+                                      </p:cBhvr>
+                                      <p:tavLst>
+                                        <p:tav tm="0">
+                                          <p:val>
+                                            <p:strVal val="1+#ppt_h/2"/>
+                                          </p:val>
+                                        </p:tav>
+                                        <p:tav tm="100000">
+                                          <p:val>
+                                            <p:strVal val="#ppt_y"/>
+                                          </p:val>
+                                        </p:tav>
+                                      </p:tavLst>
+                                    </p:anim>
+                                  </p:childTnLst>
+                                </p:cTn>
+                              </p:par>
+                            </p:childTnLst>
+                          </p:cTn>
+                        </p:par>
+                      </p:childTnLst>
+                    </p:cTn>
+                  </p:par>
+                  <p:par>
+                    <p:cTn id="23" fill="hold">
+                      <p:stCondLst>
+                        <p:cond delay="indefinite"/>
+                      </p:stCondLst>
+                      <p:childTnLst>
+                        <p:par>
+                          <p:cTn id="24" fill="hold">
+                            <p:stCondLst>
+                              <p:cond delay="0"/>
+                            </p:stCondLst>
+                            <p:childTnLst>
+                              <p:par>
+                                <p:cTn id="25" presetID="2" presetClass="entr" presetSubtype="4" fill="hold" nodeType="clickEffect">
+                                  <p:stCondLst>
+                                    <p:cond delay="0"/>
+                                  </p:stCondLst>
+                                  <p:childTnLst>
+                                    <p:set>
+                                      <p:cBhvr>
+                                        <p:cTn id="26" dur="1" fill="hold">
+                                          <p:stCondLst>
+                                            <p:cond delay="0"/>
+                                          </p:stCondLst>
+                                        </p:cTn>
+                                        <p:tgtEl>
+                                          <p:spTgt spid="3">
+                                            <p:txEl>
+                                              <p:pRg st="4" end="4"/>
+                                            </p:txEl>
+                                          </p:spTgt>
+                                        </p:tgtEl>
+                                        <p:attrNameLst>
+                                          <p:attrName>style.visibility</p:attrName>
+                                        </p:attrNameLst>
+                                      </p:cBhvr>
+                                      <p:to>
+                                        <p:strVal val="visible"/>
+                                      </p:to>
+                                    </p:set>
+                                    <p:anim calcmode="lin" valueType="num">
+                                      <p:cBhvr additive="base">
+                                        <p:cTn id="27" dur="500" fill="hold"/>
+                                        <p:tgtEl>
+                                          <p:spTgt spid="3">
+                                            <p:txEl>
+                                              <p:pRg st="4" end="4"/>
+                                            </p:txEl>
+                                          </p:spTgt>
+                                        </p:tgtEl>
+                                        <p:attrNameLst>
+                                          <p:attrName>ppt_x</p:attrName>
+                                        </p:attrNameLst>
+                                      </p:cBhvr>
+                                      <p:tavLst>
+                                        <p:tav tm="0">
+                                          <p:val>
+                                            <p:strVal val="#ppt_x"/>
+                                          </p:val>
+                                        </p:tav>
+                                        <p:tav tm="100000">
+                                          <p:val>
+                                            <p:strVal val="#ppt_x"/>
+                                          </p:val>
+                                        </p:tav>
+                                      </p:tavLst>
+                                    </p:anim>
+                                    <p:anim calcmode="lin" valueType="num">
+                                      <p:cBhvr additive="base">
+                                        <p:cTn id="28" dur="500" fill="hold"/>
+                                        <p:tgtEl>
+                                          <p:spTgt spid="3">
+                                            <p:txEl>
+                                              <p:pRg st="4" end="4"/>
+                                            </p:txEl>
+                                          </p:spTgt>
+                                        </p:tgtEl>
+                                        <p:attrNameLst>
+                                          <p:attrName>ppt_y</p:attrName>
+                                        </p:attrNameLst>
+                                      </p:cBhvr>
+                                      <p:tavLst>
+                                        <p:tav tm="0">
+                                          <p:val>
+                                            <p:strVal val="1+#ppt_h/2"/>
+                                          </p:val>
+                                        </p:tav>
+                                        <p:tav tm="100000">
+                                          <p:val>
+                                            <p:strVal val="#ppt_y"/>
+                                          </p:val>
+                                        </p:tav>
+                                      </p:tavLst>
+                                    </p:anim>
+                                  </p:childTnLst>
+                                </p:cTn>
+                              </p:par>
+                            </p:childTnLst>
+                          </p:cTn>
+                        </p:par>
+                      </p:childTnLst>
+                    </p:cTn>
+                  </p:par>
+                  <p:par>
+                    <p:cTn id="29" fill="hold">
+                      <p:stCondLst>
+                        <p:cond delay="indefinite"/>
+                      </p:stCondLst>
+                      <p:childTnLst>
+                        <p:par>
+                          <p:cTn id="30" fill="hold">
+                            <p:stCondLst>
+                              <p:cond delay="0"/>
+                            </p:stCondLst>
+                            <p:childTnLst>
+                              <p:par>
+                                <p:cTn id="31" presetID="2" presetClass="entr" presetSubtype="4" fill="hold" nodeType="clickEffect">
+                                  <p:stCondLst>
+                                    <p:cond delay="0"/>
+                                  </p:stCondLst>
+                                  <p:childTnLst>
+                                    <p:set>
+                                      <p:cBhvr>
+                                        <p:cTn id="32" dur="1" fill="hold">
+                                          <p:stCondLst>
+                                            <p:cond delay="0"/>
+                                          </p:stCondLst>
+                                        </p:cTn>
+                                        <p:tgtEl>
+                                          <p:spTgt spid="3">
+                                            <p:txEl>
+                                              <p:pRg st="5" end="5"/>
+                                            </p:txEl>
+                                          </p:spTgt>
+                                        </p:tgtEl>
+                                        <p:attrNameLst>
+                                          <p:attrName>style.visibility</p:attrName>
+                                        </p:attrNameLst>
+                                      </p:cBhvr>
+                                      <p:to>
+                                        <p:strVal val="visible"/>
+                                      </p:to>
+                                    </p:set>
+                                    <p:anim calcmode="lin" valueType="num">
+                                      <p:cBhvr additive="base">
+                                        <p:cTn id="33" dur="500" fill="hold"/>
+                                        <p:tgtEl>
+                                          <p:spTgt spid="3">
+                                            <p:txEl>
+                                              <p:pRg st="5" end="5"/>
+                                            </p:txEl>
+                                          </p:spTgt>
+                                        </p:tgtEl>
+                                        <p:attrNameLst>
+                                          <p:attrName>ppt_x</p:attrName>
+                                        </p:attrNameLst>
+                                      </p:cBhvr>
+                                      <p:tavLst>
+                                        <p:tav tm="0">
+                                          <p:val>
+                                            <p:strVal val="#ppt_x"/>
+                                          </p:val>
+                                        </p:tav>
+                                        <p:tav tm="100000">
+                                          <p:val>
+                                            <p:strVal val="#ppt_x"/>
+                                          </p:val>
+                                        </p:tav>
+                                      </p:tavLst>
+                                    </p:anim>
+                                    <p:anim calcmode="lin" valueType="num">
+                                      <p:cBhvr additive="base">
+                                        <p:cTn id="34" dur="500" fill="hold"/>
+                                        <p:tgtEl>
+                                          <p:spTgt spid="3">
+                                            <p:txEl>
+                                              <p:pRg st="5" end="5"/>
+                                            </p:txEl>
+                                          </p:spTgt>
+                                        </p:tgtEl>
+                                        <p:attrNameLst>
+                                          <p:attrName>ppt_y</p:attrName>
+                                        </p:attrNameLst>
+                                      </p:cBhvr>
+                                      <p:tavLst>
+                                        <p:tav tm="0">
+                                          <p:val>
+                                            <p:strVal val="1+#ppt_h/2"/>
+                                          </p:val>
+                                        </p:tav>
+                                        <p:tav tm="100000">
+                                          <p:val>
+                                            <p:strVal val="#ppt_y"/>
+                                          </p:val>
+                                        </p:tav>
+                                      </p:tavLst>
+                                    </p:anim>
+                                  </p:childTnLst>
+                                </p:cTn>
+                              </p:par>
+                            </p:childTnLst>
+                          </p:cTn>
+                        </p:par>
+                      </p:childTnLst>
+                    </p:cTn>
+                  </p:par>
+                  <p:par>
+                    <p:cTn id="35" fill="hold">
+                      <p:stCondLst>
+                        <p:cond delay="indefinite"/>
+                      </p:stCondLst>
+                      <p:childTnLst>
+                        <p:par>
+                          <p:cTn id="36" fill="hold">
+                            <p:stCondLst>
+                              <p:cond delay="0"/>
+                            </p:stCondLst>
+                            <p:childTnLst>
+                              <p:par>
+                                <p:cTn id="37" presetID="2" presetClass="entr" presetSubtype="4" fill="hold" nodeType="clickEffect">
+                                  <p:stCondLst>
+                                    <p:cond delay="0"/>
+                                  </p:stCondLst>
+                                  <p:childTnLst>
+                                    <p:set>
+                                      <p:cBhvr>
+                                        <p:cTn id="38" dur="1" fill="hold">
+                                          <p:stCondLst>
+                                            <p:cond delay="0"/>
+                                          </p:stCondLst>
+                                        </p:cTn>
+                                        <p:tgtEl>
+                                          <p:spTgt spid="3">
+                                            <p:txEl>
+                                              <p:pRg st="6" end="6"/>
+                                            </p:txEl>
+                                          </p:spTgt>
+                                        </p:tgtEl>
+                                        <p:attrNameLst>
+                                          <p:attrName>style.visibility</p:attrName>
+                                        </p:attrNameLst>
+                                      </p:cBhvr>
+                                      <p:to>
+                                        <p:strVal val="visible"/>
+                                      </p:to>
+                                    </p:set>
+                                    <p:anim calcmode="lin" valueType="num">
+                                      <p:cBhvr additive="base">
+                                        <p:cTn id="39" dur="500" fill="hold"/>
+                                        <p:tgtEl>
+                                          <p:spTgt spid="3">
+                                            <p:txEl>
+                                              <p:pRg st="6" end="6"/>
+                                            </p:txEl>
+                                          </p:spTgt>
+                                        </p:tgtEl>
+                                        <p:attrNameLst>
+                                          <p:attrName>ppt_x</p:attrName>
+                                        </p:attrNameLst>
+                                      </p:cBhvr>
+                                      <p:tavLst>
+                                        <p:tav tm="0">
+                                          <p:val>
+                                            <p:strVal val="#ppt_x"/>
+                                          </p:val>
+                                        </p:tav>
+                                        <p:tav tm="100000">
+                                          <p:val>
+                                            <p:strVal val="#ppt_x"/>
+                                          </p:val>
+                                        </p:tav>
+                                      </p:tavLst>
+                                    </p:anim>
+                                    <p:anim calcmode="lin" valueType="num">
+                                      <p:cBhvr additive="base">
+                                        <p:cTn id="40" dur="500" fill="hold"/>
+                                        <p:tgtEl>
+                                          <p:spTgt spid="3">
+                                            <p:txEl>
+                                              <p:pRg st="6" end="6"/>
+                                            </p:txEl>
+                                          </p:spTgt>
+                                        </p:tgtEl>
+                                        <p:attrNameLst>
+                                          <p:attrName>ppt_y</p:attrName>
+                                        </p:attrNameLst>
+                                      </p:cBhvr>
+                                      <p:tavLst>
+                                        <p:tav tm="0">
+                                          <p:val>
+                                            <p:strVal val="1+#ppt_h/2"/>
+                                          </p:val>
+                                        </p:tav>
+                                        <p:tav tm="100000">
+                                          <p:val>
+                                            <p:strVal val="#ppt_y"/>
+                                          </p:val>
+                                        </p:tav>
+                                      </p:tavLst>
+                                    </p:anim>
+                                  </p:childTnLst>
+                                </p:cTn>
+                              </p:par>
+                            </p:childTnLst>
+                          </p:cTn>
+                        </p:par>
+                      </p:childTnLst>
+                    </p:cTn>
+                  </p:par>
+                  <p:par>
+                    <p:cTn id="41" fill="hold">
+                      <p:stCondLst>
+                        <p:cond delay="indefinite"/>
+                      </p:stCondLst>
+                      <p:childTnLst>
+                        <p:par>
+                          <p:cTn id="42" fill="hold">
+                            <p:stCondLst>
+                              <p:cond delay="0"/>
+                            </p:stCondLst>
+                            <p:childTnLst>
+                              <p:par>
+                                <p:cTn id="43" presetID="2" presetClass="entr" presetSubtype="4" fill="hold" nodeType="clickEffect">
+                                  <p:stCondLst>
+                                    <p:cond delay="0"/>
+                                  </p:stCondLst>
+                                  <p:childTnLst>
+                                    <p:set>
+                                      <p:cBhvr>
+                                        <p:cTn id="44" dur="1" fill="hold">
+                                          <p:stCondLst>
+                                            <p:cond delay="0"/>
+                                          </p:stCondLst>
+                                        </p:cTn>
+                                        <p:tgtEl>
+                                          <p:spTgt spid="3">
+                                            <p:txEl>
+                                              <p:pRg st="7" end="7"/>
+                                            </p:txEl>
+                                          </p:spTgt>
+                                        </p:tgtEl>
+                                        <p:attrNameLst>
+                                          <p:attrName>style.visibility</p:attrName>
+                                        </p:attrNameLst>
+                                      </p:cBhvr>
+                                      <p:to>
+                                        <p:strVal val="visible"/>
+                                      </p:to>
+                                    </p:set>
+                                    <p:anim calcmode="lin" valueType="num">
+                                      <p:cBhvr additive="base">
+                                        <p:cTn id="45" dur="500" fill="hold"/>
+                                        <p:tgtEl>
+                                          <p:spTgt spid="3">
+                                            <p:txEl>
+                                              <p:pRg st="7" end="7"/>
+                                            </p:txEl>
+                                          </p:spTgt>
+                                        </p:tgtEl>
+                                        <p:attrNameLst>
+                                          <p:attrName>ppt_x</p:attrName>
+                                        </p:attrNameLst>
+                                      </p:cBhvr>
+                                      <p:tavLst>
+                                        <p:tav tm="0">
+                                          <p:val>
+                                            <p:strVal val="#ppt_x"/>
+                                          </p:val>
+                                        </p:tav>
+                                        <p:tav tm="100000">
+                                          <p:val>
+                                            <p:strVal val="#ppt_x"/>
+                                          </p:val>
+                                        </p:tav>
+                                      </p:tavLst>
+                                    </p:anim>
+                                    <p:anim calcmode="lin" valueType="num">
+                                      <p:cBhvr additive="base">
+                                        <p:cTn id="46" dur="500" fill="hold"/>
+                                        <p:tgtEl>
+                                          <p:spTgt spid="3">
+                                            <p:txEl>
+                                              <p:pRg st="7" end="7"/>
+                                            </p:txEl>
+                                          </p:spTgt>
+                                        </p:tgtEl>
+                                        <p:attrNameLst>
+                                          <p:attrName>ppt_y</p:attrName>
+                                        </p:attrNameLst>
+                                      </p:cBhvr>
+                                      <p:tavLst>
+                                        <p:tav tm="0">
+                                          <p:val>
+                                            <p:strVal val="1+#ppt_h/2"/>
+                                          </p:val>
+                                        </p:tav>
+                                        <p:tav tm="100000">
+                                          <p:val>
+                                            <p:strVal val="#ppt_y"/>
+                                          </p:val>
+                                        </p:tav>
+                                      </p:tavLst>
+                                    </p:anim>
+                                  </p:childTnLst>
+                                </p:cTn>
+                              </p:par>
+                            </p:childTnLst>
+                          </p:cTn>
+                        </p:par>
+                      </p:childTnLst>
+                    </p:cTn>
+                  </p:par>
+                </p:childTnLst>
+              </p:cTn>
+              <p:prevCondLst>
+                <p:cond evt="onPrev" delay="0">
+                  <p:tgtEl>
+                    <p:sldTgt/>
+                  </p:tgtEl>
+                </p:cond>
+              </p:prevCondLst>
+              <p:nextCondLst>
+                <p:cond evt="onNext" delay="0">
+                  <p:tgtEl>
+                    <p:sldTgt/>
+                  </p:tgtEl>
+                </p:cond>
+              </p:nextCondLst>
+            </p:seq>
+          </p:childTnLst>
+        </p:cTn>
+      </p:par>
+    </p:tnLst>
+  </p:timing>
 </p:sld>
 </file>
 
@@ -6932,18 +10506,522 @@
   <p:clrMapOvr>
     <a:masterClrMapping/>
   </p:clrMapOvr>
-  <mc:AlternateContent xmlns:mc="http://schemas.openxmlformats.org/markup-compatibility/2006">
-    <mc:Choice xmlns:p159="http://schemas.microsoft.com/office/powerpoint/2015/09/main" Requires="p159">
+  <mc:AlternateContent xmlns:mc="http://schemas.openxmlformats.org/markup-compatibility/2006" xmlns:p159="http://schemas.microsoft.com/office/powerpoint/2015/09/main">
+    <mc:Choice Requires="p159">
       <p:transition xmlns:p14="http://schemas.microsoft.com/office/powerpoint/2010/main" spd="slow" p14:dur="2000">
         <p159:morph option="byObject"/>
       </p:transition>
     </mc:Choice>
-    <mc:Fallback>
+    <mc:Fallback xmlns="">
       <p:transition spd="slow">
         <p:fade/>
       </p:transition>
     </mc:Fallback>
   </mc:AlternateContent>
+  <p:timing>
+    <p:tnLst>
+      <p:par>
+        <p:cTn id="1" dur="indefinite" restart="never" nodeType="tmRoot">
+          <p:childTnLst>
+            <p:seq concurrent="1" nextAc="seek">
+              <p:cTn id="2" dur="indefinite" nodeType="mainSeq">
+                <p:childTnLst>
+                  <p:par>
+                    <p:cTn id="3" fill="hold">
+                      <p:stCondLst>
+                        <p:cond delay="indefinite"/>
+                      </p:stCondLst>
+                      <p:childTnLst>
+                        <p:par>
+                          <p:cTn id="4" fill="hold">
+                            <p:stCondLst>
+                              <p:cond delay="0"/>
+                            </p:stCondLst>
+                            <p:childTnLst>
+                              <p:par>
+                                <p:cTn id="5" presetID="10" presetClass="entr" presetSubtype="0" fill="hold" nodeType="clickEffect">
+                                  <p:stCondLst>
+                                    <p:cond delay="0"/>
+                                  </p:stCondLst>
+                                  <p:childTnLst>
+                                    <p:set>
+                                      <p:cBhvr>
+                                        <p:cTn id="6" dur="1" fill="hold">
+                                          <p:stCondLst>
+                                            <p:cond delay="0"/>
+                                          </p:stCondLst>
+                                        </p:cTn>
+                                        <p:tgtEl>
+                                          <p:spTgt spid="3">
+                                            <p:txEl>
+                                              <p:pRg st="0" end="0"/>
+                                            </p:txEl>
+                                          </p:spTgt>
+                                        </p:tgtEl>
+                                        <p:attrNameLst>
+                                          <p:attrName>style.visibility</p:attrName>
+                                        </p:attrNameLst>
+                                      </p:cBhvr>
+                                      <p:to>
+                                        <p:strVal val="visible"/>
+                                      </p:to>
+                                    </p:set>
+                                    <p:animEffect transition="in" filter="fade">
+                                      <p:cBhvr>
+                                        <p:cTn id="7" dur="500"/>
+                                        <p:tgtEl>
+                                          <p:spTgt spid="3">
+                                            <p:txEl>
+                                              <p:pRg st="0" end="0"/>
+                                            </p:txEl>
+                                          </p:spTgt>
+                                        </p:tgtEl>
+                                      </p:cBhvr>
+                                    </p:animEffect>
+                                  </p:childTnLst>
+                                </p:cTn>
+                              </p:par>
+                            </p:childTnLst>
+                          </p:cTn>
+                        </p:par>
+                      </p:childTnLst>
+                    </p:cTn>
+                  </p:par>
+                  <p:par>
+                    <p:cTn id="8" fill="hold">
+                      <p:stCondLst>
+                        <p:cond delay="indefinite"/>
+                      </p:stCondLst>
+                      <p:childTnLst>
+                        <p:par>
+                          <p:cTn id="9" fill="hold">
+                            <p:stCondLst>
+                              <p:cond delay="0"/>
+                            </p:stCondLst>
+                            <p:childTnLst>
+                              <p:par>
+                                <p:cTn id="10" presetID="2" presetClass="entr" presetSubtype="4" fill="hold" nodeType="clickEffect">
+                                  <p:stCondLst>
+                                    <p:cond delay="0"/>
+                                  </p:stCondLst>
+                                  <p:childTnLst>
+                                    <p:set>
+                                      <p:cBhvr>
+                                        <p:cTn id="11" dur="1" fill="hold">
+                                          <p:stCondLst>
+                                            <p:cond delay="0"/>
+                                          </p:stCondLst>
+                                        </p:cTn>
+                                        <p:tgtEl>
+                                          <p:spTgt spid="3">
+                                            <p:txEl>
+                                              <p:pRg st="1" end="1"/>
+                                            </p:txEl>
+                                          </p:spTgt>
+                                        </p:tgtEl>
+                                        <p:attrNameLst>
+                                          <p:attrName>style.visibility</p:attrName>
+                                        </p:attrNameLst>
+                                      </p:cBhvr>
+                                      <p:to>
+                                        <p:strVal val="visible"/>
+                                      </p:to>
+                                    </p:set>
+                                    <p:anim calcmode="lin" valueType="num">
+                                      <p:cBhvr additive="base">
+                                        <p:cTn id="12" dur="500" fill="hold"/>
+                                        <p:tgtEl>
+                                          <p:spTgt spid="3">
+                                            <p:txEl>
+                                              <p:pRg st="1" end="1"/>
+                                            </p:txEl>
+                                          </p:spTgt>
+                                        </p:tgtEl>
+                                        <p:attrNameLst>
+                                          <p:attrName>ppt_x</p:attrName>
+                                        </p:attrNameLst>
+                                      </p:cBhvr>
+                                      <p:tavLst>
+                                        <p:tav tm="0">
+                                          <p:val>
+                                            <p:strVal val="#ppt_x"/>
+                                          </p:val>
+                                        </p:tav>
+                                        <p:tav tm="100000">
+                                          <p:val>
+                                            <p:strVal val="#ppt_x"/>
+                                          </p:val>
+                                        </p:tav>
+                                      </p:tavLst>
+                                    </p:anim>
+                                    <p:anim calcmode="lin" valueType="num">
+                                      <p:cBhvr additive="base">
+                                        <p:cTn id="13" dur="500" fill="hold"/>
+                                        <p:tgtEl>
+                                          <p:spTgt spid="3">
+                                            <p:txEl>
+                                              <p:pRg st="1" end="1"/>
+                                            </p:txEl>
+                                          </p:spTgt>
+                                        </p:tgtEl>
+                                        <p:attrNameLst>
+                                          <p:attrName>ppt_y</p:attrName>
+                                        </p:attrNameLst>
+                                      </p:cBhvr>
+                                      <p:tavLst>
+                                        <p:tav tm="0">
+                                          <p:val>
+                                            <p:strVal val="1+#ppt_h/2"/>
+                                          </p:val>
+                                        </p:tav>
+                                        <p:tav tm="100000">
+                                          <p:val>
+                                            <p:strVal val="#ppt_y"/>
+                                          </p:val>
+                                        </p:tav>
+                                      </p:tavLst>
+                                    </p:anim>
+                                  </p:childTnLst>
+                                </p:cTn>
+                              </p:par>
+                            </p:childTnLst>
+                          </p:cTn>
+                        </p:par>
+                      </p:childTnLst>
+                    </p:cTn>
+                  </p:par>
+                  <p:par>
+                    <p:cTn id="14" fill="hold">
+                      <p:stCondLst>
+                        <p:cond delay="indefinite"/>
+                      </p:stCondLst>
+                      <p:childTnLst>
+                        <p:par>
+                          <p:cTn id="15" fill="hold">
+                            <p:stCondLst>
+                              <p:cond delay="0"/>
+                            </p:stCondLst>
+                            <p:childTnLst>
+                              <p:par>
+                                <p:cTn id="16" presetID="2" presetClass="entr" presetSubtype="4" fill="hold" nodeType="clickEffect">
+                                  <p:stCondLst>
+                                    <p:cond delay="0"/>
+                                  </p:stCondLst>
+                                  <p:childTnLst>
+                                    <p:set>
+                                      <p:cBhvr>
+                                        <p:cTn id="17" dur="1" fill="hold">
+                                          <p:stCondLst>
+                                            <p:cond delay="0"/>
+                                          </p:stCondLst>
+                                        </p:cTn>
+                                        <p:tgtEl>
+                                          <p:spTgt spid="3">
+                                            <p:txEl>
+                                              <p:pRg st="2" end="2"/>
+                                            </p:txEl>
+                                          </p:spTgt>
+                                        </p:tgtEl>
+                                        <p:attrNameLst>
+                                          <p:attrName>style.visibility</p:attrName>
+                                        </p:attrNameLst>
+                                      </p:cBhvr>
+                                      <p:to>
+                                        <p:strVal val="visible"/>
+                                      </p:to>
+                                    </p:set>
+                                    <p:anim calcmode="lin" valueType="num">
+                                      <p:cBhvr additive="base">
+                                        <p:cTn id="18" dur="500" fill="hold"/>
+                                        <p:tgtEl>
+                                          <p:spTgt spid="3">
+                                            <p:txEl>
+                                              <p:pRg st="2" end="2"/>
+                                            </p:txEl>
+                                          </p:spTgt>
+                                        </p:tgtEl>
+                                        <p:attrNameLst>
+                                          <p:attrName>ppt_x</p:attrName>
+                                        </p:attrNameLst>
+                                      </p:cBhvr>
+                                      <p:tavLst>
+                                        <p:tav tm="0">
+                                          <p:val>
+                                            <p:strVal val="#ppt_x"/>
+                                          </p:val>
+                                        </p:tav>
+                                        <p:tav tm="100000">
+                                          <p:val>
+                                            <p:strVal val="#ppt_x"/>
+                                          </p:val>
+                                        </p:tav>
+                                      </p:tavLst>
+                                    </p:anim>
+                                    <p:anim calcmode="lin" valueType="num">
+                                      <p:cBhvr additive="base">
+                                        <p:cTn id="19" dur="500" fill="hold"/>
+                                        <p:tgtEl>
+                                          <p:spTgt spid="3">
+                                            <p:txEl>
+                                              <p:pRg st="2" end="2"/>
+                                            </p:txEl>
+                                          </p:spTgt>
+                                        </p:tgtEl>
+                                        <p:attrNameLst>
+                                          <p:attrName>ppt_y</p:attrName>
+                                        </p:attrNameLst>
+                                      </p:cBhvr>
+                                      <p:tavLst>
+                                        <p:tav tm="0">
+                                          <p:val>
+                                            <p:strVal val="1+#ppt_h/2"/>
+                                          </p:val>
+                                        </p:tav>
+                                        <p:tav tm="100000">
+                                          <p:val>
+                                            <p:strVal val="#ppt_y"/>
+                                          </p:val>
+                                        </p:tav>
+                                      </p:tavLst>
+                                    </p:anim>
+                                  </p:childTnLst>
+                                </p:cTn>
+                              </p:par>
+                            </p:childTnLst>
+                          </p:cTn>
+                        </p:par>
+                      </p:childTnLst>
+                    </p:cTn>
+                  </p:par>
+                  <p:par>
+                    <p:cTn id="20" fill="hold">
+                      <p:stCondLst>
+                        <p:cond delay="indefinite"/>
+                      </p:stCondLst>
+                      <p:childTnLst>
+                        <p:par>
+                          <p:cTn id="21" fill="hold">
+                            <p:stCondLst>
+                              <p:cond delay="0"/>
+                            </p:stCondLst>
+                            <p:childTnLst>
+                              <p:par>
+                                <p:cTn id="22" presetID="2" presetClass="entr" presetSubtype="4" fill="hold" nodeType="clickEffect">
+                                  <p:stCondLst>
+                                    <p:cond delay="0"/>
+                                  </p:stCondLst>
+                                  <p:childTnLst>
+                                    <p:set>
+                                      <p:cBhvr>
+                                        <p:cTn id="23" dur="1" fill="hold">
+                                          <p:stCondLst>
+                                            <p:cond delay="0"/>
+                                          </p:stCondLst>
+                                        </p:cTn>
+                                        <p:tgtEl>
+                                          <p:spTgt spid="3">
+                                            <p:txEl>
+                                              <p:pRg st="3" end="3"/>
+                                            </p:txEl>
+                                          </p:spTgt>
+                                        </p:tgtEl>
+                                        <p:attrNameLst>
+                                          <p:attrName>style.visibility</p:attrName>
+                                        </p:attrNameLst>
+                                      </p:cBhvr>
+                                      <p:to>
+                                        <p:strVal val="visible"/>
+                                      </p:to>
+                                    </p:set>
+                                    <p:anim calcmode="lin" valueType="num">
+                                      <p:cBhvr additive="base">
+                                        <p:cTn id="24" dur="500" fill="hold"/>
+                                        <p:tgtEl>
+                                          <p:spTgt spid="3">
+                                            <p:txEl>
+                                              <p:pRg st="3" end="3"/>
+                                            </p:txEl>
+                                          </p:spTgt>
+                                        </p:tgtEl>
+                                        <p:attrNameLst>
+                                          <p:attrName>ppt_x</p:attrName>
+                                        </p:attrNameLst>
+                                      </p:cBhvr>
+                                      <p:tavLst>
+                                        <p:tav tm="0">
+                                          <p:val>
+                                            <p:strVal val="#ppt_x"/>
+                                          </p:val>
+                                        </p:tav>
+                                        <p:tav tm="100000">
+                                          <p:val>
+                                            <p:strVal val="#ppt_x"/>
+                                          </p:val>
+                                        </p:tav>
+                                      </p:tavLst>
+                                    </p:anim>
+                                    <p:anim calcmode="lin" valueType="num">
+                                      <p:cBhvr additive="base">
+                                        <p:cTn id="25" dur="500" fill="hold"/>
+                                        <p:tgtEl>
+                                          <p:spTgt spid="3">
+                                            <p:txEl>
+                                              <p:pRg st="3" end="3"/>
+                                            </p:txEl>
+                                          </p:spTgt>
+                                        </p:tgtEl>
+                                        <p:attrNameLst>
+                                          <p:attrName>ppt_y</p:attrName>
+                                        </p:attrNameLst>
+                                      </p:cBhvr>
+                                      <p:tavLst>
+                                        <p:tav tm="0">
+                                          <p:val>
+                                            <p:strVal val="1+#ppt_h/2"/>
+                                          </p:val>
+                                        </p:tav>
+                                        <p:tav tm="100000">
+                                          <p:val>
+                                            <p:strVal val="#ppt_y"/>
+                                          </p:val>
+                                        </p:tav>
+                                      </p:tavLst>
+                                    </p:anim>
+                                  </p:childTnLst>
+                                </p:cTn>
+                              </p:par>
+                            </p:childTnLst>
+                          </p:cTn>
+                        </p:par>
+                      </p:childTnLst>
+                    </p:cTn>
+                  </p:par>
+                  <p:par>
+                    <p:cTn id="26" fill="hold">
+                      <p:stCondLst>
+                        <p:cond delay="indefinite"/>
+                      </p:stCondLst>
+                      <p:childTnLst>
+                        <p:par>
+                          <p:cTn id="27" fill="hold">
+                            <p:stCondLst>
+                              <p:cond delay="0"/>
+                            </p:stCondLst>
+                            <p:childTnLst>
+                              <p:par>
+                                <p:cTn id="28" presetID="10" presetClass="entr" presetSubtype="0" fill="hold" nodeType="clickEffect">
+                                  <p:stCondLst>
+                                    <p:cond delay="0"/>
+                                  </p:stCondLst>
+                                  <p:childTnLst>
+                                    <p:set>
+                                      <p:cBhvr>
+                                        <p:cTn id="29" dur="1" fill="hold">
+                                          <p:stCondLst>
+                                            <p:cond delay="0"/>
+                                          </p:stCondLst>
+                                        </p:cTn>
+                                        <p:tgtEl>
+                                          <p:spTgt spid="3">
+                                            <p:txEl>
+                                              <p:pRg st="4" end="4"/>
+                                            </p:txEl>
+                                          </p:spTgt>
+                                        </p:tgtEl>
+                                        <p:attrNameLst>
+                                          <p:attrName>style.visibility</p:attrName>
+                                        </p:attrNameLst>
+                                      </p:cBhvr>
+                                      <p:to>
+                                        <p:strVal val="visible"/>
+                                      </p:to>
+                                    </p:set>
+                                    <p:animEffect transition="in" filter="fade">
+                                      <p:cBhvr>
+                                        <p:cTn id="30" dur="500"/>
+                                        <p:tgtEl>
+                                          <p:spTgt spid="3">
+                                            <p:txEl>
+                                              <p:pRg st="4" end="4"/>
+                                            </p:txEl>
+                                          </p:spTgt>
+                                        </p:tgtEl>
+                                      </p:cBhvr>
+                                    </p:animEffect>
+                                  </p:childTnLst>
+                                </p:cTn>
+                              </p:par>
+                              <p:par>
+                                <p:cTn id="31" presetID="10" presetClass="entr" presetSubtype="0" fill="hold" nodeType="withEffect">
+                                  <p:stCondLst>
+                                    <p:cond delay="0"/>
+                                  </p:stCondLst>
+                                  <p:childTnLst>
+                                    <p:set>
+                                      <p:cBhvr>
+                                        <p:cTn id="32" dur="1" fill="hold">
+                                          <p:stCondLst>
+                                            <p:cond delay="0"/>
+                                          </p:stCondLst>
+                                        </p:cTn>
+                                        <p:tgtEl>
+                                          <p:spTgt spid="3">
+                                            <p:txEl>
+                                              <p:pRg st="5" end="5"/>
+                                            </p:txEl>
+                                          </p:spTgt>
+                                        </p:tgtEl>
+                                        <p:attrNameLst>
+                                          <p:attrName>style.visibility</p:attrName>
+                                        </p:attrNameLst>
+                                      </p:cBhvr>
+                                      <p:to>
+                                        <p:strVal val="visible"/>
+                                      </p:to>
+                                    </p:set>
+                                    <p:animEffect transition="in" filter="fade">
+                                      <p:cBhvr>
+                                        <p:cTn id="33" dur="500"/>
+                                        <p:tgtEl>
+                                          <p:spTgt spid="3">
+                                            <p:txEl>
+                                              <p:pRg st="5" end="5"/>
+                                            </p:txEl>
+                                          </p:spTgt>
+                                        </p:tgtEl>
+                                      </p:cBhvr>
+                                    </p:animEffect>
+                                  </p:childTnLst>
+                                </p:cTn>
+                              </p:par>
+                            </p:childTnLst>
+                          </p:cTn>
+                        </p:par>
+                      </p:childTnLst>
+                    </p:cTn>
+                  </p:par>
+                </p:childTnLst>
+              </p:cTn>
+              <p:prevCondLst>
+                <p:cond evt="onPrev" delay="0">
+                  <p:tgtEl>
+                    <p:sldTgt/>
+                  </p:tgtEl>
+                </p:cond>
+              </p:prevCondLst>
+              <p:nextCondLst>
+                <p:cond evt="onNext" delay="0">
+                  <p:tgtEl>
+                    <p:sldTgt/>
+                  </p:tgtEl>
+                </p:cond>
+              </p:nextCondLst>
+            </p:seq>
+          </p:childTnLst>
+        </p:cTn>
+      </p:par>
+    </p:tnLst>
+  </p:timing>
 </p:sld>
 </file>
 
@@ -7084,18 +11162,406 @@
   <p:clrMapOvr>
     <a:masterClrMapping/>
   </p:clrMapOvr>
-  <mc:AlternateContent xmlns:mc="http://schemas.openxmlformats.org/markup-compatibility/2006">
-    <mc:Choice xmlns:p159="http://schemas.microsoft.com/office/powerpoint/2015/09/main" Requires="p159">
+  <mc:AlternateContent xmlns:mc="http://schemas.openxmlformats.org/markup-compatibility/2006" xmlns:p159="http://schemas.microsoft.com/office/powerpoint/2015/09/main">
+    <mc:Choice Requires="p159">
       <p:transition xmlns:p14="http://schemas.microsoft.com/office/powerpoint/2010/main" spd="slow" p14:dur="2000">
         <p159:morph option="byObject"/>
       </p:transition>
     </mc:Choice>
-    <mc:Fallback>
+    <mc:Fallback xmlns="">
       <p:transition spd="slow">
         <p:fade/>
       </p:transition>
     </mc:Fallback>
   </mc:AlternateContent>
+  <p:timing>
+    <p:tnLst>
+      <p:par>
+        <p:cTn id="1" dur="indefinite" restart="never" nodeType="tmRoot">
+          <p:childTnLst>
+            <p:seq concurrent="1" nextAc="seek">
+              <p:cTn id="2" dur="indefinite" nodeType="mainSeq">
+                <p:childTnLst>
+                  <p:par>
+                    <p:cTn id="3" fill="hold">
+                      <p:stCondLst>
+                        <p:cond delay="indefinite"/>
+                      </p:stCondLst>
+                      <p:childTnLst>
+                        <p:par>
+                          <p:cTn id="4" fill="hold">
+                            <p:stCondLst>
+                              <p:cond delay="0"/>
+                            </p:stCondLst>
+                            <p:childTnLst>
+                              <p:par>
+                                <p:cTn id="5" presetID="1" presetClass="entr" presetSubtype="0" fill="hold" nodeType="clickEffect">
+                                  <p:stCondLst>
+                                    <p:cond delay="0"/>
+                                  </p:stCondLst>
+                                  <p:childTnLst>
+                                    <p:set>
+                                      <p:cBhvr>
+                                        <p:cTn id="6" dur="1" fill="hold">
+                                          <p:stCondLst>
+                                            <p:cond delay="0"/>
+                                          </p:stCondLst>
+                                        </p:cTn>
+                                        <p:tgtEl>
+                                          <p:spTgt spid="3">
+                                            <p:txEl>
+                                              <p:pRg st="0" end="0"/>
+                                            </p:txEl>
+                                          </p:spTgt>
+                                        </p:tgtEl>
+                                        <p:attrNameLst>
+                                          <p:attrName>style.visibility</p:attrName>
+                                        </p:attrNameLst>
+                                      </p:cBhvr>
+                                      <p:to>
+                                        <p:strVal val="visible"/>
+                                      </p:to>
+                                    </p:set>
+                                  </p:childTnLst>
+                                </p:cTn>
+                              </p:par>
+                            </p:childTnLst>
+                          </p:cTn>
+                        </p:par>
+                      </p:childTnLst>
+                    </p:cTn>
+                  </p:par>
+                  <p:par>
+                    <p:cTn id="7" fill="hold">
+                      <p:stCondLst>
+                        <p:cond delay="indefinite"/>
+                      </p:stCondLst>
+                      <p:childTnLst>
+                        <p:par>
+                          <p:cTn id="8" fill="hold">
+                            <p:stCondLst>
+                              <p:cond delay="0"/>
+                            </p:stCondLst>
+                            <p:childTnLst>
+                              <p:par>
+                                <p:cTn id="9" presetID="2" presetClass="entr" presetSubtype="4" fill="hold" nodeType="clickEffect">
+                                  <p:stCondLst>
+                                    <p:cond delay="0"/>
+                                  </p:stCondLst>
+                                  <p:childTnLst>
+                                    <p:set>
+                                      <p:cBhvr>
+                                        <p:cTn id="10" dur="1" fill="hold">
+                                          <p:stCondLst>
+                                            <p:cond delay="0"/>
+                                          </p:stCondLst>
+                                        </p:cTn>
+                                        <p:tgtEl>
+                                          <p:spTgt spid="3">
+                                            <p:txEl>
+                                              <p:pRg st="1" end="1"/>
+                                            </p:txEl>
+                                          </p:spTgt>
+                                        </p:tgtEl>
+                                        <p:attrNameLst>
+                                          <p:attrName>style.visibility</p:attrName>
+                                        </p:attrNameLst>
+                                      </p:cBhvr>
+                                      <p:to>
+                                        <p:strVal val="visible"/>
+                                      </p:to>
+                                    </p:set>
+                                    <p:anim calcmode="lin" valueType="num">
+                                      <p:cBhvr additive="base">
+                                        <p:cTn id="11" dur="500" fill="hold"/>
+                                        <p:tgtEl>
+                                          <p:spTgt spid="3">
+                                            <p:txEl>
+                                              <p:pRg st="1" end="1"/>
+                                            </p:txEl>
+                                          </p:spTgt>
+                                        </p:tgtEl>
+                                        <p:attrNameLst>
+                                          <p:attrName>ppt_x</p:attrName>
+                                        </p:attrNameLst>
+                                      </p:cBhvr>
+                                      <p:tavLst>
+                                        <p:tav tm="0">
+                                          <p:val>
+                                            <p:strVal val="#ppt_x"/>
+                                          </p:val>
+                                        </p:tav>
+                                        <p:tav tm="100000">
+                                          <p:val>
+                                            <p:strVal val="#ppt_x"/>
+                                          </p:val>
+                                        </p:tav>
+                                      </p:tavLst>
+                                    </p:anim>
+                                    <p:anim calcmode="lin" valueType="num">
+                                      <p:cBhvr additive="base">
+                                        <p:cTn id="12" dur="500" fill="hold"/>
+                                        <p:tgtEl>
+                                          <p:spTgt spid="3">
+                                            <p:txEl>
+                                              <p:pRg st="1" end="1"/>
+                                            </p:txEl>
+                                          </p:spTgt>
+                                        </p:tgtEl>
+                                        <p:attrNameLst>
+                                          <p:attrName>ppt_y</p:attrName>
+                                        </p:attrNameLst>
+                                      </p:cBhvr>
+                                      <p:tavLst>
+                                        <p:tav tm="0">
+                                          <p:val>
+                                            <p:strVal val="1+#ppt_h/2"/>
+                                          </p:val>
+                                        </p:tav>
+                                        <p:tav tm="100000">
+                                          <p:val>
+                                            <p:strVal val="#ppt_y"/>
+                                          </p:val>
+                                        </p:tav>
+                                      </p:tavLst>
+                                    </p:anim>
+                                  </p:childTnLst>
+                                </p:cTn>
+                              </p:par>
+                            </p:childTnLst>
+                          </p:cTn>
+                        </p:par>
+                      </p:childTnLst>
+                    </p:cTn>
+                  </p:par>
+                  <p:par>
+                    <p:cTn id="13" fill="hold">
+                      <p:stCondLst>
+                        <p:cond delay="indefinite"/>
+                      </p:stCondLst>
+                      <p:childTnLst>
+                        <p:par>
+                          <p:cTn id="14" fill="hold">
+                            <p:stCondLst>
+                              <p:cond delay="0"/>
+                            </p:stCondLst>
+                            <p:childTnLst>
+                              <p:par>
+                                <p:cTn id="15" presetID="2" presetClass="entr" presetSubtype="4" fill="hold" nodeType="clickEffect">
+                                  <p:stCondLst>
+                                    <p:cond delay="0"/>
+                                  </p:stCondLst>
+                                  <p:childTnLst>
+                                    <p:set>
+                                      <p:cBhvr>
+                                        <p:cTn id="16" dur="1" fill="hold">
+                                          <p:stCondLst>
+                                            <p:cond delay="0"/>
+                                          </p:stCondLst>
+                                        </p:cTn>
+                                        <p:tgtEl>
+                                          <p:spTgt spid="3">
+                                            <p:txEl>
+                                              <p:pRg st="2" end="2"/>
+                                            </p:txEl>
+                                          </p:spTgt>
+                                        </p:tgtEl>
+                                        <p:attrNameLst>
+                                          <p:attrName>style.visibility</p:attrName>
+                                        </p:attrNameLst>
+                                      </p:cBhvr>
+                                      <p:to>
+                                        <p:strVal val="visible"/>
+                                      </p:to>
+                                    </p:set>
+                                    <p:anim calcmode="lin" valueType="num">
+                                      <p:cBhvr additive="base">
+                                        <p:cTn id="17" dur="500" fill="hold"/>
+                                        <p:tgtEl>
+                                          <p:spTgt spid="3">
+                                            <p:txEl>
+                                              <p:pRg st="2" end="2"/>
+                                            </p:txEl>
+                                          </p:spTgt>
+                                        </p:tgtEl>
+                                        <p:attrNameLst>
+                                          <p:attrName>ppt_x</p:attrName>
+                                        </p:attrNameLst>
+                                      </p:cBhvr>
+                                      <p:tavLst>
+                                        <p:tav tm="0">
+                                          <p:val>
+                                            <p:strVal val="#ppt_x"/>
+                                          </p:val>
+                                        </p:tav>
+                                        <p:tav tm="100000">
+                                          <p:val>
+                                            <p:strVal val="#ppt_x"/>
+                                          </p:val>
+                                        </p:tav>
+                                      </p:tavLst>
+                                    </p:anim>
+                                    <p:anim calcmode="lin" valueType="num">
+                                      <p:cBhvr additive="base">
+                                        <p:cTn id="18" dur="500" fill="hold"/>
+                                        <p:tgtEl>
+                                          <p:spTgt spid="3">
+                                            <p:txEl>
+                                              <p:pRg st="2" end="2"/>
+                                            </p:txEl>
+                                          </p:spTgt>
+                                        </p:tgtEl>
+                                        <p:attrNameLst>
+                                          <p:attrName>ppt_y</p:attrName>
+                                        </p:attrNameLst>
+                                      </p:cBhvr>
+                                      <p:tavLst>
+                                        <p:tav tm="0">
+                                          <p:val>
+                                            <p:strVal val="1+#ppt_h/2"/>
+                                          </p:val>
+                                        </p:tav>
+                                        <p:tav tm="100000">
+                                          <p:val>
+                                            <p:strVal val="#ppt_y"/>
+                                          </p:val>
+                                        </p:tav>
+                                      </p:tavLst>
+                                    </p:anim>
+                                  </p:childTnLst>
+                                </p:cTn>
+                              </p:par>
+                            </p:childTnLst>
+                          </p:cTn>
+                        </p:par>
+                      </p:childTnLst>
+                    </p:cTn>
+                  </p:par>
+                  <p:par>
+                    <p:cTn id="19" fill="hold">
+                      <p:stCondLst>
+                        <p:cond delay="indefinite"/>
+                      </p:stCondLst>
+                      <p:childTnLst>
+                        <p:par>
+                          <p:cTn id="20" fill="hold">
+                            <p:stCondLst>
+                              <p:cond delay="0"/>
+                            </p:stCondLst>
+                            <p:childTnLst>
+                              <p:par>
+                                <p:cTn id="21" presetID="2" presetClass="entr" presetSubtype="4" fill="hold" nodeType="clickEffect">
+                                  <p:stCondLst>
+                                    <p:cond delay="0"/>
+                                  </p:stCondLst>
+                                  <p:childTnLst>
+                                    <p:set>
+                                      <p:cBhvr>
+                                        <p:cTn id="22" dur="1" fill="hold">
+                                          <p:stCondLst>
+                                            <p:cond delay="0"/>
+                                          </p:stCondLst>
+                                        </p:cTn>
+                                        <p:tgtEl>
+                                          <p:spTgt spid="3">
+                                            <p:txEl>
+                                              <p:pRg st="3" end="3"/>
+                                            </p:txEl>
+                                          </p:spTgt>
+                                        </p:tgtEl>
+                                        <p:attrNameLst>
+                                          <p:attrName>style.visibility</p:attrName>
+                                        </p:attrNameLst>
+                                      </p:cBhvr>
+                                      <p:to>
+                                        <p:strVal val="visible"/>
+                                      </p:to>
+                                    </p:set>
+                                    <p:anim calcmode="lin" valueType="num">
+                                      <p:cBhvr additive="base">
+                                        <p:cTn id="23" dur="500" fill="hold"/>
+                                        <p:tgtEl>
+                                          <p:spTgt spid="3">
+                                            <p:txEl>
+                                              <p:pRg st="3" end="3"/>
+                                            </p:txEl>
+                                          </p:spTgt>
+                                        </p:tgtEl>
+                                        <p:attrNameLst>
+                                          <p:attrName>ppt_x</p:attrName>
+                                        </p:attrNameLst>
+                                      </p:cBhvr>
+                                      <p:tavLst>
+                                        <p:tav tm="0">
+                                          <p:val>
+                                            <p:strVal val="#ppt_x"/>
+                                          </p:val>
+                                        </p:tav>
+                                        <p:tav tm="100000">
+                                          <p:val>
+                                            <p:strVal val="#ppt_x"/>
+                                          </p:val>
+                                        </p:tav>
+                                      </p:tavLst>
+                                    </p:anim>
+                                    <p:anim calcmode="lin" valueType="num">
+                                      <p:cBhvr additive="base">
+                                        <p:cTn id="24" dur="500" fill="hold"/>
+                                        <p:tgtEl>
+                                          <p:spTgt spid="3">
+                                            <p:txEl>
+                                              <p:pRg st="3" end="3"/>
+                                            </p:txEl>
+                                          </p:spTgt>
+                                        </p:tgtEl>
+                                        <p:attrNameLst>
+                                          <p:attrName>ppt_y</p:attrName>
+                                        </p:attrNameLst>
+                                      </p:cBhvr>
+                                      <p:tavLst>
+                                        <p:tav tm="0">
+                                          <p:val>
+                                            <p:strVal val="1+#ppt_h/2"/>
+                                          </p:val>
+                                        </p:tav>
+                                        <p:tav tm="100000">
+                                          <p:val>
+                                            <p:strVal val="#ppt_y"/>
+                                          </p:val>
+                                        </p:tav>
+                                      </p:tavLst>
+                                    </p:anim>
+                                  </p:childTnLst>
+                                </p:cTn>
+                              </p:par>
+                            </p:childTnLst>
+                          </p:cTn>
+                        </p:par>
+                      </p:childTnLst>
+                    </p:cTn>
+                  </p:par>
+                </p:childTnLst>
+              </p:cTn>
+              <p:prevCondLst>
+                <p:cond evt="onPrev" delay="0">
+                  <p:tgtEl>
+                    <p:sldTgt/>
+                  </p:tgtEl>
+                </p:cond>
+              </p:prevCondLst>
+              <p:nextCondLst>
+                <p:cond evt="onNext" delay="0">
+                  <p:tgtEl>
+                    <p:sldTgt/>
+                  </p:tgtEl>
+                </p:cond>
+              </p:nextCondLst>
+            </p:seq>
+          </p:childTnLst>
+        </p:cTn>
+      </p:par>
+    </p:tnLst>
+  </p:timing>
 </p:sld>
 </file>
 
@@ -7242,18 +11708,293 @@
   <p:clrMapOvr>
     <a:masterClrMapping/>
   </p:clrMapOvr>
-  <mc:AlternateContent xmlns:mc="http://schemas.openxmlformats.org/markup-compatibility/2006">
-    <mc:Choice xmlns:p159="http://schemas.microsoft.com/office/powerpoint/2015/09/main" Requires="p159">
+  <mc:AlternateContent xmlns:mc="http://schemas.openxmlformats.org/markup-compatibility/2006" xmlns:p159="http://schemas.microsoft.com/office/powerpoint/2015/09/main">
+    <mc:Choice Requires="p159">
       <p:transition xmlns:p14="http://schemas.microsoft.com/office/powerpoint/2010/main" spd="slow" p14:dur="2000">
         <p159:morph option="byObject"/>
       </p:transition>
     </mc:Choice>
-    <mc:Fallback>
+    <mc:Fallback xmlns="">
       <p:transition spd="slow">
         <p:fade/>
       </p:transition>
     </mc:Fallback>
   </mc:AlternateContent>
+  <p:timing>
+    <p:tnLst>
+      <p:par>
+        <p:cTn id="1" dur="indefinite" restart="never" nodeType="tmRoot">
+          <p:childTnLst>
+            <p:seq concurrent="1" nextAc="seek">
+              <p:cTn id="2" dur="indefinite" nodeType="mainSeq">
+                <p:childTnLst>
+                  <p:par>
+                    <p:cTn id="3" fill="hold">
+                      <p:stCondLst>
+                        <p:cond delay="indefinite"/>
+                      </p:stCondLst>
+                      <p:childTnLst>
+                        <p:par>
+                          <p:cTn id="4" fill="hold">
+                            <p:stCondLst>
+                              <p:cond delay="0"/>
+                            </p:stCondLst>
+                            <p:childTnLst>
+                              <p:par>
+                                <p:cTn id="5" presetID="1" presetClass="entr" presetSubtype="0" fill="hold" nodeType="clickEffect">
+                                  <p:stCondLst>
+                                    <p:cond delay="0"/>
+                                  </p:stCondLst>
+                                  <p:childTnLst>
+                                    <p:set>
+                                      <p:cBhvr>
+                                        <p:cTn id="6" dur="1" fill="hold">
+                                          <p:stCondLst>
+                                            <p:cond delay="0"/>
+                                          </p:stCondLst>
+                                        </p:cTn>
+                                        <p:tgtEl>
+                                          <p:spTgt spid="3">
+                                            <p:txEl>
+                                              <p:pRg st="0" end="0"/>
+                                            </p:txEl>
+                                          </p:spTgt>
+                                        </p:tgtEl>
+                                        <p:attrNameLst>
+                                          <p:attrName>style.visibility</p:attrName>
+                                        </p:attrNameLst>
+                                      </p:cBhvr>
+                                      <p:to>
+                                        <p:strVal val="visible"/>
+                                      </p:to>
+                                    </p:set>
+                                  </p:childTnLst>
+                                </p:cTn>
+                              </p:par>
+                            </p:childTnLst>
+                          </p:cTn>
+                        </p:par>
+                      </p:childTnLst>
+                    </p:cTn>
+                  </p:par>
+                  <p:par>
+                    <p:cTn id="7" fill="hold">
+                      <p:stCondLst>
+                        <p:cond delay="indefinite"/>
+                      </p:stCondLst>
+                      <p:childTnLst>
+                        <p:par>
+                          <p:cTn id="8" fill="hold">
+                            <p:stCondLst>
+                              <p:cond delay="0"/>
+                            </p:stCondLst>
+                            <p:childTnLst>
+                              <p:par>
+                                <p:cTn id="9" presetID="1" presetClass="entr" presetSubtype="0" fill="hold" nodeType="clickEffect">
+                                  <p:stCondLst>
+                                    <p:cond delay="0"/>
+                                  </p:stCondLst>
+                                  <p:childTnLst>
+                                    <p:set>
+                                      <p:cBhvr>
+                                        <p:cTn id="10" dur="1" fill="hold">
+                                          <p:stCondLst>
+                                            <p:cond delay="0"/>
+                                          </p:stCondLst>
+                                        </p:cTn>
+                                        <p:tgtEl>
+                                          <p:spTgt spid="3">
+                                            <p:txEl>
+                                              <p:pRg st="1" end="1"/>
+                                            </p:txEl>
+                                          </p:spTgt>
+                                        </p:tgtEl>
+                                        <p:attrNameLst>
+                                          <p:attrName>style.visibility</p:attrName>
+                                        </p:attrNameLst>
+                                      </p:cBhvr>
+                                      <p:to>
+                                        <p:strVal val="visible"/>
+                                      </p:to>
+                                    </p:set>
+                                  </p:childTnLst>
+                                </p:cTn>
+                              </p:par>
+                            </p:childTnLst>
+                          </p:cTn>
+                        </p:par>
+                      </p:childTnLst>
+                    </p:cTn>
+                  </p:par>
+                  <p:par>
+                    <p:cTn id="11" fill="hold">
+                      <p:stCondLst>
+                        <p:cond delay="indefinite"/>
+                      </p:stCondLst>
+                      <p:childTnLst>
+                        <p:par>
+                          <p:cTn id="12" fill="hold">
+                            <p:stCondLst>
+                              <p:cond delay="0"/>
+                            </p:stCondLst>
+                            <p:childTnLst>
+                              <p:par>
+                                <p:cTn id="13" presetID="1" presetClass="entr" presetSubtype="0" fill="hold" nodeType="clickEffect">
+                                  <p:stCondLst>
+                                    <p:cond delay="0"/>
+                                  </p:stCondLst>
+                                  <p:childTnLst>
+                                    <p:set>
+                                      <p:cBhvr>
+                                        <p:cTn id="14" dur="1" fill="hold">
+                                          <p:stCondLst>
+                                            <p:cond delay="0"/>
+                                          </p:stCondLst>
+                                        </p:cTn>
+                                        <p:tgtEl>
+                                          <p:spTgt spid="3">
+                                            <p:txEl>
+                                              <p:pRg st="2" end="2"/>
+                                            </p:txEl>
+                                          </p:spTgt>
+                                        </p:tgtEl>
+                                        <p:attrNameLst>
+                                          <p:attrName>style.visibility</p:attrName>
+                                        </p:attrNameLst>
+                                      </p:cBhvr>
+                                      <p:to>
+                                        <p:strVal val="visible"/>
+                                      </p:to>
+                                    </p:set>
+                                  </p:childTnLst>
+                                </p:cTn>
+                              </p:par>
+                            </p:childTnLst>
+                          </p:cTn>
+                        </p:par>
+                      </p:childTnLst>
+                    </p:cTn>
+                  </p:par>
+                  <p:par>
+                    <p:cTn id="15" fill="hold">
+                      <p:stCondLst>
+                        <p:cond delay="indefinite"/>
+                      </p:stCondLst>
+                      <p:childTnLst>
+                        <p:par>
+                          <p:cTn id="16" fill="hold">
+                            <p:stCondLst>
+                              <p:cond delay="0"/>
+                            </p:stCondLst>
+                            <p:childTnLst>
+                              <p:par>
+                                <p:cTn id="17" presetID="1" presetClass="entr" presetSubtype="0" fill="hold" nodeType="clickEffect">
+                                  <p:stCondLst>
+                                    <p:cond delay="0"/>
+                                  </p:stCondLst>
+                                  <p:childTnLst>
+                                    <p:set>
+                                      <p:cBhvr>
+                                        <p:cTn id="18" dur="1" fill="hold">
+                                          <p:stCondLst>
+                                            <p:cond delay="0"/>
+                                          </p:stCondLst>
+                                        </p:cTn>
+                                        <p:tgtEl>
+                                          <p:spTgt spid="3">
+                                            <p:txEl>
+                                              <p:pRg st="3" end="3"/>
+                                            </p:txEl>
+                                          </p:spTgt>
+                                        </p:tgtEl>
+                                        <p:attrNameLst>
+                                          <p:attrName>style.visibility</p:attrName>
+                                        </p:attrNameLst>
+                                      </p:cBhvr>
+                                      <p:to>
+                                        <p:strVal val="visible"/>
+                                      </p:to>
+                                    </p:set>
+                                  </p:childTnLst>
+                                </p:cTn>
+                              </p:par>
+                            </p:childTnLst>
+                          </p:cTn>
+                        </p:par>
+                      </p:childTnLst>
+                    </p:cTn>
+                  </p:par>
+                  <p:par>
+                    <p:cTn id="19" fill="hold">
+                      <p:stCondLst>
+                        <p:cond delay="indefinite"/>
+                      </p:stCondLst>
+                      <p:childTnLst>
+                        <p:par>
+                          <p:cTn id="20" fill="hold">
+                            <p:stCondLst>
+                              <p:cond delay="0"/>
+                            </p:stCondLst>
+                            <p:childTnLst>
+                              <p:par>
+                                <p:cTn id="21" presetID="1" presetClass="entr" presetSubtype="0" fill="hold" nodeType="clickEffect">
+                                  <p:stCondLst>
+                                    <p:cond delay="0"/>
+                                  </p:stCondLst>
+                                  <p:childTnLst>
+                                    <p:set>
+                                      <p:cBhvr>
+                                        <p:cTn id="22" dur="1" fill="hold">
+                                          <p:stCondLst>
+                                            <p:cond delay="0"/>
+                                          </p:stCondLst>
+                                        </p:cTn>
+                                        <p:tgtEl>
+                                          <p:spTgt spid="3">
+                                            <p:txEl>
+                                              <p:pRg st="4" end="4"/>
+                                            </p:txEl>
+                                          </p:spTgt>
+                                        </p:tgtEl>
+                                        <p:attrNameLst>
+                                          <p:attrName>style.visibility</p:attrName>
+                                        </p:attrNameLst>
+                                      </p:cBhvr>
+                                      <p:to>
+                                        <p:strVal val="visible"/>
+                                      </p:to>
+                                    </p:set>
+                                  </p:childTnLst>
+                                </p:cTn>
+                              </p:par>
+                            </p:childTnLst>
+                          </p:cTn>
+                        </p:par>
+                      </p:childTnLst>
+                    </p:cTn>
+                  </p:par>
+                </p:childTnLst>
+              </p:cTn>
+              <p:prevCondLst>
+                <p:cond evt="onPrev" delay="0">
+                  <p:tgtEl>
+                    <p:sldTgt/>
+                  </p:tgtEl>
+                </p:cond>
+              </p:prevCondLst>
+              <p:nextCondLst>
+                <p:cond evt="onNext" delay="0">
+                  <p:tgtEl>
+                    <p:sldTgt/>
+                  </p:tgtEl>
+                </p:cond>
+              </p:nextCondLst>
+            </p:seq>
+          </p:childTnLst>
+        </p:cTn>
+      </p:par>
+    </p:tnLst>
+  </p:timing>
 </p:sld>
 </file>
 
@@ -7470,18 +12211,170 @@
   <p:clrMapOvr>
     <a:masterClrMapping/>
   </p:clrMapOvr>
-  <mc:AlternateContent xmlns:mc="http://schemas.openxmlformats.org/markup-compatibility/2006">
-    <mc:Choice xmlns:p159="http://schemas.microsoft.com/office/powerpoint/2015/09/main" Requires="p159">
+  <mc:AlternateContent xmlns:mc="http://schemas.openxmlformats.org/markup-compatibility/2006" xmlns:p159="http://schemas.microsoft.com/office/powerpoint/2015/09/main">
+    <mc:Choice Requires="p159">
       <p:transition xmlns:p14="http://schemas.microsoft.com/office/powerpoint/2010/main" spd="slow" p14:dur="2000">
         <p159:morph option="byObject"/>
       </p:transition>
     </mc:Choice>
-    <mc:Fallback>
+    <mc:Fallback xmlns="">
       <p:transition spd="slow">
         <p:fade/>
       </p:transition>
     </mc:Fallback>
   </mc:AlternateContent>
+  <p:timing>
+    <p:tnLst>
+      <p:par>
+        <p:cTn id="1" dur="indefinite" restart="never" nodeType="tmRoot">
+          <p:childTnLst>
+            <p:seq concurrent="1" nextAc="seek">
+              <p:cTn id="2" dur="indefinite" nodeType="mainSeq">
+                <p:childTnLst>
+                  <p:par>
+                    <p:cTn id="3" fill="hold">
+                      <p:stCondLst>
+                        <p:cond delay="indefinite"/>
+                      </p:stCondLst>
+                      <p:childTnLst>
+                        <p:par>
+                          <p:cTn id="4" fill="hold">
+                            <p:stCondLst>
+                              <p:cond delay="0"/>
+                            </p:stCondLst>
+                            <p:childTnLst>
+                              <p:par>
+                                <p:cTn id="5" presetID="10" presetClass="entr" presetSubtype="0" fill="hold" nodeType="clickEffect">
+                                  <p:stCondLst>
+                                    <p:cond delay="0"/>
+                                  </p:stCondLst>
+                                  <p:childTnLst>
+                                    <p:set>
+                                      <p:cBhvr>
+                                        <p:cTn id="6" dur="1" fill="hold">
+                                          <p:stCondLst>
+                                            <p:cond delay="0"/>
+                                          </p:stCondLst>
+                                        </p:cTn>
+                                        <p:tgtEl>
+                                          <p:spTgt spid="3">
+                                            <p:txEl>
+                                              <p:pRg st="0" end="0"/>
+                                            </p:txEl>
+                                          </p:spTgt>
+                                        </p:tgtEl>
+                                        <p:attrNameLst>
+                                          <p:attrName>style.visibility</p:attrName>
+                                        </p:attrNameLst>
+                                      </p:cBhvr>
+                                      <p:to>
+                                        <p:strVal val="visible"/>
+                                      </p:to>
+                                    </p:set>
+                                    <p:animEffect transition="in" filter="fade">
+                                      <p:cBhvr>
+                                        <p:cTn id="7" dur="500"/>
+                                        <p:tgtEl>
+                                          <p:spTgt spid="3">
+                                            <p:txEl>
+                                              <p:pRg st="0" end="0"/>
+                                            </p:txEl>
+                                          </p:spTgt>
+                                        </p:tgtEl>
+                                      </p:cBhvr>
+                                    </p:animEffect>
+                                  </p:childTnLst>
+                                </p:cTn>
+                              </p:par>
+                            </p:childTnLst>
+                          </p:cTn>
+                        </p:par>
+                      </p:childTnLst>
+                    </p:cTn>
+                  </p:par>
+                  <p:par>
+                    <p:cTn id="8" fill="hold">
+                      <p:stCondLst>
+                        <p:cond delay="indefinite"/>
+                      </p:stCondLst>
+                      <p:childTnLst>
+                        <p:par>
+                          <p:cTn id="9" fill="hold">
+                            <p:stCondLst>
+                              <p:cond delay="0"/>
+                            </p:stCondLst>
+                            <p:childTnLst>
+                              <p:par>
+                                <p:cTn id="10" presetID="10" presetClass="entr" presetSubtype="0" fill="hold" nodeType="clickEffect">
+                                  <p:stCondLst>
+                                    <p:cond delay="0"/>
+                                  </p:stCondLst>
+                                  <p:childTnLst>
+                                    <p:set>
+                                      <p:cBhvr>
+                                        <p:cTn id="11" dur="1" fill="hold">
+                                          <p:stCondLst>
+                                            <p:cond delay="0"/>
+                                          </p:stCondLst>
+                                        </p:cTn>
+                                        <p:tgtEl>
+                                          <p:spTgt spid="3">
+                                            <p:txEl>
+                                              <p:pRg st="1" end="1"/>
+                                            </p:txEl>
+                                          </p:spTgt>
+                                        </p:tgtEl>
+                                        <p:attrNameLst>
+                                          <p:attrName>style.visibility</p:attrName>
+                                        </p:attrNameLst>
+                                      </p:cBhvr>
+                                      <p:to>
+                                        <p:strVal val="visible"/>
+                                      </p:to>
+                                    </p:set>
+                                    <p:animEffect transition="in" filter="fade">
+                                      <p:cBhvr>
+                                        <p:cTn id="12" dur="500"/>
+                                        <p:tgtEl>
+                                          <p:spTgt spid="3">
+                                            <p:txEl>
+                                              <p:pRg st="1" end="1"/>
+                                            </p:txEl>
+                                          </p:spTgt>
+                                        </p:tgtEl>
+                                      </p:cBhvr>
+                                    </p:animEffect>
+                                  </p:childTnLst>
+                                </p:cTn>
+                              </p:par>
+                            </p:childTnLst>
+                          </p:cTn>
+                        </p:par>
+                      </p:childTnLst>
+                    </p:cTn>
+                  </p:par>
+                </p:childTnLst>
+              </p:cTn>
+              <p:prevCondLst>
+                <p:cond evt="onPrev" delay="0">
+                  <p:tgtEl>
+                    <p:sldTgt/>
+                  </p:tgtEl>
+                </p:cond>
+              </p:prevCondLst>
+              <p:nextCondLst>
+                <p:cond evt="onNext" delay="0">
+                  <p:tgtEl>
+                    <p:sldTgt/>
+                  </p:tgtEl>
+                </p:cond>
+              </p:nextCondLst>
+            </p:seq>
+          </p:childTnLst>
+        </p:cTn>
+      </p:par>
+    </p:tnLst>
+  </p:timing>
 </p:sld>
 </file>
 
@@ -7599,18 +12492,146 @@
   <p:clrMapOvr>
     <a:masterClrMapping/>
   </p:clrMapOvr>
-  <mc:AlternateContent xmlns:mc="http://schemas.openxmlformats.org/markup-compatibility/2006">
-    <mc:Choice xmlns:p159="http://schemas.microsoft.com/office/powerpoint/2015/09/main" Requires="p159">
+  <mc:AlternateContent xmlns:mc="http://schemas.openxmlformats.org/markup-compatibility/2006" xmlns:p159="http://schemas.microsoft.com/office/powerpoint/2015/09/main">
+    <mc:Choice Requires="p159">
       <p:transition xmlns:p14="http://schemas.microsoft.com/office/powerpoint/2010/main" spd="slow" p14:dur="2000">
         <p159:morph option="byObject"/>
       </p:transition>
     </mc:Choice>
-    <mc:Fallback>
+    <mc:Fallback xmlns="">
       <p:transition spd="slow">
         <p:fade/>
       </p:transition>
     </mc:Fallback>
   </mc:AlternateContent>
+  <p:timing>
+    <p:tnLst>
+      <p:par>
+        <p:cTn id="1" dur="indefinite" restart="never" nodeType="tmRoot">
+          <p:childTnLst>
+            <p:seq concurrent="1" nextAc="seek">
+              <p:cTn id="2" dur="indefinite" nodeType="mainSeq">
+                <p:childTnLst>
+                  <p:par>
+                    <p:cTn id="3" fill="hold">
+                      <p:stCondLst>
+                        <p:cond delay="indefinite"/>
+                      </p:stCondLst>
+                      <p:childTnLst>
+                        <p:par>
+                          <p:cTn id="4" fill="hold">
+                            <p:stCondLst>
+                              <p:cond delay="0"/>
+                            </p:stCondLst>
+                            <p:childTnLst>
+                              <p:par>
+                                <p:cTn id="5" presetID="1" presetClass="entr" presetSubtype="0" fill="hold" nodeType="clickEffect">
+                                  <p:stCondLst>
+                                    <p:cond delay="0"/>
+                                  </p:stCondLst>
+                                  <p:childTnLst>
+                                    <p:set>
+                                      <p:cBhvr>
+                                        <p:cTn id="6" dur="1" fill="hold">
+                                          <p:stCondLst>
+                                            <p:cond delay="0"/>
+                                          </p:stCondLst>
+                                        </p:cTn>
+                                        <p:tgtEl>
+                                          <p:spTgt spid="3">
+                                            <p:txEl>
+                                              <p:pRg st="0" end="0"/>
+                                            </p:txEl>
+                                          </p:spTgt>
+                                        </p:tgtEl>
+                                        <p:attrNameLst>
+                                          <p:attrName>style.visibility</p:attrName>
+                                        </p:attrNameLst>
+                                      </p:cBhvr>
+                                      <p:to>
+                                        <p:strVal val="visible"/>
+                                      </p:to>
+                                    </p:set>
+                                  </p:childTnLst>
+                                </p:cTn>
+                              </p:par>
+                            </p:childTnLst>
+                          </p:cTn>
+                        </p:par>
+                      </p:childTnLst>
+                    </p:cTn>
+                  </p:par>
+                  <p:par>
+                    <p:cTn id="7" fill="hold">
+                      <p:stCondLst>
+                        <p:cond delay="indefinite"/>
+                      </p:stCondLst>
+                      <p:childTnLst>
+                        <p:par>
+                          <p:cTn id="8" fill="hold">
+                            <p:stCondLst>
+                              <p:cond delay="0"/>
+                            </p:stCondLst>
+                            <p:childTnLst>
+                              <p:par>
+                                <p:cTn id="9" presetID="1" presetClass="entr" presetSubtype="0" fill="hold" nodeType="clickEffect">
+                                  <p:stCondLst>
+                                    <p:cond delay="0"/>
+                                  </p:stCondLst>
+                                  <p:childTnLst>
+                                    <p:set>
+                                      <p:cBhvr>
+                                        <p:cTn id="10" dur="1" fill="hold">
+                                          <p:stCondLst>
+                                            <p:cond delay="0"/>
+                                          </p:stCondLst>
+                                        </p:cTn>
+                                        <p:tgtEl>
+                                          <p:spTgt spid="3">
+                                            <p:txEl>
+                                              <p:pRg st="1" end="1"/>
+                                            </p:txEl>
+                                          </p:spTgt>
+                                        </p:tgtEl>
+                                        <p:attrNameLst>
+                                          <p:attrName>style.visibility</p:attrName>
+                                        </p:attrNameLst>
+                                      </p:cBhvr>
+                                      <p:to>
+                                        <p:strVal val="visible"/>
+                                      </p:to>
+                                    </p:set>
+                                  </p:childTnLst>
+                                </p:cTn>
+                              </p:par>
+                            </p:childTnLst>
+                          </p:cTn>
+                        </p:par>
+                      </p:childTnLst>
+                    </p:cTn>
+                  </p:par>
+                </p:childTnLst>
+              </p:cTn>
+              <p:prevCondLst>
+                <p:cond evt="onPrev" delay="0">
+                  <p:tgtEl>
+                    <p:sldTgt/>
+                  </p:tgtEl>
+                </p:cond>
+              </p:prevCondLst>
+              <p:nextCondLst>
+                <p:cond evt="onNext" delay="0">
+                  <p:tgtEl>
+                    <p:sldTgt/>
+                  </p:tgtEl>
+                </p:cond>
+              </p:nextCondLst>
+            </p:seq>
+          </p:childTnLst>
+        </p:cTn>
+      </p:par>
+    </p:tnLst>
+  </p:timing>
 </p:sld>
 </file>
 
@@ -8398,132 +13419,6 @@
 </file>
 
 <file path=customXml/item1.xml><?xml version="1.0" encoding="utf-8"?>
-<p:properties xmlns:p="http://schemas.microsoft.com/office/2006/metadata/properties" xmlns:xsi="http://www.w3.org/2001/XMLSchema-instance" xmlns:pc="http://schemas.microsoft.com/office/infopath/2007/PartnerControls">
-  <documentManagement>
-    <DirectSourceMarket xmlns="4873beb7-5857-4685-be1f-d57550cc96cc" xsi:nil="true"/>
-    <ApprovalStatus xmlns="4873beb7-5857-4685-be1f-d57550cc96cc">InProgress</ApprovalStatus>
-    <MarketSpecific xmlns="4873beb7-5857-4685-be1f-d57550cc96cc">false</MarketSpecific>
-    <LocComments xmlns="4873beb7-5857-4685-be1f-d57550cc96cc" xsi:nil="true"/>
-    <ThumbnailAssetId xmlns="4873beb7-5857-4685-be1f-d57550cc96cc" xsi:nil="true"/>
-    <PrimaryImageGen xmlns="4873beb7-5857-4685-be1f-d57550cc96cc">true</PrimaryImageGen>
-    <LegacyData xmlns="4873beb7-5857-4685-be1f-d57550cc96cc" xsi:nil="true"/>
-    <LocRecommendedHandoff xmlns="4873beb7-5857-4685-be1f-d57550cc96cc" xsi:nil="true"/>
-    <BusinessGroup xmlns="4873beb7-5857-4685-be1f-d57550cc96cc" xsi:nil="true"/>
-    <BlockPublish xmlns="4873beb7-5857-4685-be1f-d57550cc96cc">false</BlockPublish>
-    <TPFriendlyName xmlns="4873beb7-5857-4685-be1f-d57550cc96cc" xsi:nil="true"/>
-    <NumericId xmlns="4873beb7-5857-4685-be1f-d57550cc96cc" xsi:nil="true"/>
-    <APEditor xmlns="4873beb7-5857-4685-be1f-d57550cc96cc">
-      <UserInfo>
-        <DisplayName/>
-        <AccountId xsi:nil="true"/>
-        <AccountType/>
-      </UserInfo>
-    </APEditor>
-    <SourceTitle xmlns="4873beb7-5857-4685-be1f-d57550cc96cc" xsi:nil="true"/>
-    <OpenTemplate xmlns="4873beb7-5857-4685-be1f-d57550cc96cc">true</OpenTemplate>
-    <UALocComments xmlns="4873beb7-5857-4685-be1f-d57550cc96cc" xsi:nil="true"/>
-    <ParentAssetId xmlns="4873beb7-5857-4685-be1f-d57550cc96cc" xsi:nil="true"/>
-    <IntlLangReviewDate xmlns="4873beb7-5857-4685-be1f-d57550cc96cc" xsi:nil="true"/>
-    <FeatureTagsTaxHTField0 xmlns="4873beb7-5857-4685-be1f-d57550cc96cc">
-      <Terms xmlns="http://schemas.microsoft.com/office/infopath/2007/PartnerControls"/>
-    </FeatureTagsTaxHTField0>
-    <PublishStatusLookup xmlns="4873beb7-5857-4685-be1f-d57550cc96cc">
-      <Value>1566889</Value>
-    </PublishStatusLookup>
-    <Providers xmlns="4873beb7-5857-4685-be1f-d57550cc96cc" xsi:nil="true"/>
-    <MachineTranslated xmlns="4873beb7-5857-4685-be1f-d57550cc96cc">false</MachineTranslated>
-    <OriginalSourceMarket xmlns="4873beb7-5857-4685-be1f-d57550cc96cc" xsi:nil="true"/>
-    <APDescription xmlns="4873beb7-5857-4685-be1f-d57550cc96cc" xsi:nil="true"/>
-    <ClipArtFilename xmlns="4873beb7-5857-4685-be1f-d57550cc96cc" xsi:nil="true"/>
-    <ContentItem xmlns="4873beb7-5857-4685-be1f-d57550cc96cc" xsi:nil="true"/>
-    <TPInstallLocation xmlns="4873beb7-5857-4685-be1f-d57550cc96cc" xsi:nil="true"/>
-    <PublishTargets xmlns="4873beb7-5857-4685-be1f-d57550cc96cc">OfficeOnlineVNext</PublishTargets>
-    <TimesCloned xmlns="4873beb7-5857-4685-be1f-d57550cc96cc" xsi:nil="true"/>
-    <AssetStart xmlns="4873beb7-5857-4685-be1f-d57550cc96cc">2012-05-23T08:44:00+00:00</AssetStart>
-    <Provider xmlns="4873beb7-5857-4685-be1f-d57550cc96cc" xsi:nil="true"/>
-    <AcquiredFrom xmlns="4873beb7-5857-4685-be1f-d57550cc96cc">Internal MS</AcquiredFrom>
-    <FriendlyTitle xmlns="4873beb7-5857-4685-be1f-d57550cc96cc" xsi:nil="true"/>
-    <LastHandOff xmlns="4873beb7-5857-4685-be1f-d57550cc96cc" xsi:nil="true"/>
-    <TPClientViewer xmlns="4873beb7-5857-4685-be1f-d57550cc96cc" xsi:nil="true"/>
-    <UACurrentWords xmlns="4873beb7-5857-4685-be1f-d57550cc96cc" xsi:nil="true"/>
-    <ArtSampleDocs xmlns="4873beb7-5857-4685-be1f-d57550cc96cc" xsi:nil="true"/>
-    <UALocRecommendation xmlns="4873beb7-5857-4685-be1f-d57550cc96cc">Localize</UALocRecommendation>
-    <Manager xmlns="4873beb7-5857-4685-be1f-d57550cc96cc" xsi:nil="true"/>
-    <ShowIn xmlns="4873beb7-5857-4685-be1f-d57550cc96cc">Show everywhere</ShowIn>
-    <UANotes xmlns="4873beb7-5857-4685-be1f-d57550cc96cc" xsi:nil="true"/>
-    <TemplateStatus xmlns="4873beb7-5857-4685-be1f-d57550cc96cc">Complete</TemplateStatus>
-    <InternalTagsTaxHTField0 xmlns="4873beb7-5857-4685-be1f-d57550cc96cc">
-      <Terms xmlns="http://schemas.microsoft.com/office/infopath/2007/PartnerControls"/>
-    </InternalTagsTaxHTField0>
-    <CSXHash xmlns="4873beb7-5857-4685-be1f-d57550cc96cc" xsi:nil="true"/>
-    <Downloads xmlns="4873beb7-5857-4685-be1f-d57550cc96cc">0</Downloads>
-    <VoteCount xmlns="4873beb7-5857-4685-be1f-d57550cc96cc" xsi:nil="true"/>
-    <OOCacheId xmlns="4873beb7-5857-4685-be1f-d57550cc96cc" xsi:nil="true"/>
-    <IsDeleted xmlns="4873beb7-5857-4685-be1f-d57550cc96cc">false</IsDeleted>
-    <AssetExpire xmlns="4873beb7-5857-4685-be1f-d57550cc96cc">2029-01-01T08:00:00+00:00</AssetExpire>
-    <DSATActionTaken xmlns="4873beb7-5857-4685-be1f-d57550cc96cc" xsi:nil="true"/>
-    <CSXSubmissionMarket xmlns="4873beb7-5857-4685-be1f-d57550cc96cc" xsi:nil="true"/>
-    <TPExecutable xmlns="4873beb7-5857-4685-be1f-d57550cc96cc" xsi:nil="true"/>
-    <SubmitterId xmlns="4873beb7-5857-4685-be1f-d57550cc96cc" xsi:nil="true"/>
-    <EditorialTags xmlns="4873beb7-5857-4685-be1f-d57550cc96cc" xsi:nil="true"/>
-    <ApprovalLog xmlns="4873beb7-5857-4685-be1f-d57550cc96cc" xsi:nil="true"/>
-    <AssetType xmlns="4873beb7-5857-4685-be1f-d57550cc96cc">TP</AssetType>
-    <BugNumber xmlns="4873beb7-5857-4685-be1f-d57550cc96cc" xsi:nil="true"/>
-    <CSXSubmissionDate xmlns="4873beb7-5857-4685-be1f-d57550cc96cc" xsi:nil="true"/>
-    <CSXUpdate xmlns="4873beb7-5857-4685-be1f-d57550cc96cc">false</CSXUpdate>
-    <Milestone xmlns="4873beb7-5857-4685-be1f-d57550cc96cc" xsi:nil="true"/>
-    <RecommendationsModifier xmlns="4873beb7-5857-4685-be1f-d57550cc96cc" xsi:nil="true"/>
-    <OriginAsset xmlns="4873beb7-5857-4685-be1f-d57550cc96cc" xsi:nil="true"/>
-    <TPComponent xmlns="4873beb7-5857-4685-be1f-d57550cc96cc" xsi:nil="true"/>
-    <AssetId xmlns="4873beb7-5857-4685-be1f-d57550cc96cc">TP102901017</AssetId>
-    <IntlLocPriority xmlns="4873beb7-5857-4685-be1f-d57550cc96cc" xsi:nil="true"/>
-    <PolicheckWords xmlns="4873beb7-5857-4685-be1f-d57550cc96cc" xsi:nil="true"/>
-    <TPLaunchHelpLink xmlns="4873beb7-5857-4685-be1f-d57550cc96cc" xsi:nil="true"/>
-    <TPApplication xmlns="4873beb7-5857-4685-be1f-d57550cc96cc" xsi:nil="true"/>
-    <CrawlForDependencies xmlns="4873beb7-5857-4685-be1f-d57550cc96cc">false</CrawlForDependencies>
-    <HandoffToMSDN xmlns="4873beb7-5857-4685-be1f-d57550cc96cc" xsi:nil="true"/>
-    <PlannedPubDate xmlns="4873beb7-5857-4685-be1f-d57550cc96cc" xsi:nil="true"/>
-    <IntlLangReviewer xmlns="4873beb7-5857-4685-be1f-d57550cc96cc" xsi:nil="true"/>
-    <TrustLevel xmlns="4873beb7-5857-4685-be1f-d57550cc96cc">1 Microsoft Managed Content</TrustLevel>
-    <LocLastLocAttemptVersionLookup xmlns="4873beb7-5857-4685-be1f-d57550cc96cc">836753</LocLastLocAttemptVersionLookup>
-    <IsSearchable xmlns="4873beb7-5857-4685-be1f-d57550cc96cc">true</IsSearchable>
-    <TemplateTemplateType xmlns="4873beb7-5857-4685-be1f-d57550cc96cc">PowerPoint Design Template</TemplateTemplateType>
-    <CampaignTagsTaxHTField0 xmlns="4873beb7-5857-4685-be1f-d57550cc96cc">
-      <Terms xmlns="http://schemas.microsoft.com/office/infopath/2007/PartnerControls"/>
-    </CampaignTagsTaxHTField0>
-    <TPNamespace xmlns="4873beb7-5857-4685-be1f-d57550cc96cc" xsi:nil="true"/>
-    <TaxCatchAll xmlns="4873beb7-5857-4685-be1f-d57550cc96cc"/>
-    <Markets xmlns="4873beb7-5857-4685-be1f-d57550cc96cc"/>
-    <UAProjectedTotalWords xmlns="4873beb7-5857-4685-be1f-d57550cc96cc" xsi:nil="true"/>
-    <IntlLangReview xmlns="4873beb7-5857-4685-be1f-d57550cc96cc">false</IntlLangReview>
-    <OutputCachingOn xmlns="4873beb7-5857-4685-be1f-d57550cc96cc">false</OutputCachingOn>
-    <AverageRating xmlns="4873beb7-5857-4685-be1f-d57550cc96cc" xsi:nil="true"/>
-    <APAuthor xmlns="4873beb7-5857-4685-be1f-d57550cc96cc">
-      <UserInfo>
-        <DisplayName>REDMOND\v-anij</DisplayName>
-        <AccountId>2469</AccountId>
-        <AccountType/>
-      </UserInfo>
-    </APAuthor>
-    <LocManualTestRequired xmlns="4873beb7-5857-4685-be1f-d57550cc96cc">false</LocManualTestRequired>
-    <TPCommandLine xmlns="4873beb7-5857-4685-be1f-d57550cc96cc" xsi:nil="true"/>
-    <TPAppVersion xmlns="4873beb7-5857-4685-be1f-d57550cc96cc" xsi:nil="true"/>
-    <EditorialStatus xmlns="4873beb7-5857-4685-be1f-d57550cc96cc">Complete</EditorialStatus>
-    <LastModifiedDateTime xmlns="4873beb7-5857-4685-be1f-d57550cc96cc" xsi:nil="true"/>
-    <ScenarioTagsTaxHTField0 xmlns="4873beb7-5857-4685-be1f-d57550cc96cc">
-      <Terms xmlns="http://schemas.microsoft.com/office/infopath/2007/PartnerControls"/>
-    </ScenarioTagsTaxHTField0>
-    <OriginalRelease xmlns="4873beb7-5857-4685-be1f-d57550cc96cc">15</OriginalRelease>
-    <TPLaunchHelpLinkType xmlns="4873beb7-5857-4685-be1f-d57550cc96cc">Template</TPLaunchHelpLinkType>
-    <LocalizationTagsTaxHTField0 xmlns="4873beb7-5857-4685-be1f-d57550cc96cc">
-      <Terms xmlns="http://schemas.microsoft.com/office/infopath/2007/PartnerControls"/>
-    </LocalizationTagsTaxHTField0>
-    <LocMarketGroupTiers2 xmlns="4873beb7-5857-4685-be1f-d57550cc96cc" xsi:nil="true"/>
-  </documentManagement>
-</p:properties>
-</file>
-
-<file path=customXml/item2.xml><?xml version="1.0" encoding="utf-8"?>
 <ct:contentTypeSchema xmlns:ct="http://schemas.microsoft.com/office/2006/metadata/contentType" xmlns:ma="http://schemas.microsoft.com/office/2006/metadata/properties/metaAttributes" ct:_="" ma:_="" ma:contentTypeName="TemplateFile" ma:contentTypeID="0x0101006EDDDB5EE6D98C44930B742096920B300400F5B6D36B3EF94B4E9A635CDF2A18F5B8" ma:contentTypeVersion="72" ma:contentTypeDescription="Create a new document." ma:contentTypeScope="" ma:versionID="a23e56308344d904b51738559c3d67c9">
   <xsd:schema xmlns:xsd="http://www.w3.org/2001/XMLSchema" xmlns:xs="http://www.w3.org/2001/XMLSchema" xmlns:p="http://schemas.microsoft.com/office/2006/metadata/properties" xmlns:ns2="4873beb7-5857-4685-be1f-d57550cc96cc" targetNamespace="http://schemas.microsoft.com/office/2006/metadata/properties" ma:root="true" ma:fieldsID="cd0908cc4600e77bf5da051303e00c8d" ns2:_="">
     <xsd:import namespace="4873beb7-5857-4685-be1f-d57550cc96cc"/>
@@ -9563,6 +14458,132 @@
 </ct:contentTypeSchema>
 </file>
 
+<file path=customXml/item2.xml><?xml version="1.0" encoding="utf-8"?>
+<p:properties xmlns:p="http://schemas.microsoft.com/office/2006/metadata/properties" xmlns:xsi="http://www.w3.org/2001/XMLSchema-instance" xmlns:pc="http://schemas.microsoft.com/office/infopath/2007/PartnerControls">
+  <documentManagement>
+    <DirectSourceMarket xmlns="4873beb7-5857-4685-be1f-d57550cc96cc" xsi:nil="true"/>
+    <ApprovalStatus xmlns="4873beb7-5857-4685-be1f-d57550cc96cc">InProgress</ApprovalStatus>
+    <MarketSpecific xmlns="4873beb7-5857-4685-be1f-d57550cc96cc">false</MarketSpecific>
+    <LocComments xmlns="4873beb7-5857-4685-be1f-d57550cc96cc" xsi:nil="true"/>
+    <ThumbnailAssetId xmlns="4873beb7-5857-4685-be1f-d57550cc96cc" xsi:nil="true"/>
+    <PrimaryImageGen xmlns="4873beb7-5857-4685-be1f-d57550cc96cc">true</PrimaryImageGen>
+    <LegacyData xmlns="4873beb7-5857-4685-be1f-d57550cc96cc" xsi:nil="true"/>
+    <LocRecommendedHandoff xmlns="4873beb7-5857-4685-be1f-d57550cc96cc" xsi:nil="true"/>
+    <BusinessGroup xmlns="4873beb7-5857-4685-be1f-d57550cc96cc" xsi:nil="true"/>
+    <BlockPublish xmlns="4873beb7-5857-4685-be1f-d57550cc96cc">false</BlockPublish>
+    <TPFriendlyName xmlns="4873beb7-5857-4685-be1f-d57550cc96cc" xsi:nil="true"/>
+    <NumericId xmlns="4873beb7-5857-4685-be1f-d57550cc96cc" xsi:nil="true"/>
+    <APEditor xmlns="4873beb7-5857-4685-be1f-d57550cc96cc">
+      <UserInfo>
+        <DisplayName/>
+        <AccountId xsi:nil="true"/>
+        <AccountType/>
+      </UserInfo>
+    </APEditor>
+    <SourceTitle xmlns="4873beb7-5857-4685-be1f-d57550cc96cc" xsi:nil="true"/>
+    <OpenTemplate xmlns="4873beb7-5857-4685-be1f-d57550cc96cc">true</OpenTemplate>
+    <UALocComments xmlns="4873beb7-5857-4685-be1f-d57550cc96cc" xsi:nil="true"/>
+    <ParentAssetId xmlns="4873beb7-5857-4685-be1f-d57550cc96cc" xsi:nil="true"/>
+    <IntlLangReviewDate xmlns="4873beb7-5857-4685-be1f-d57550cc96cc" xsi:nil="true"/>
+    <FeatureTagsTaxHTField0 xmlns="4873beb7-5857-4685-be1f-d57550cc96cc">
+      <Terms xmlns="http://schemas.microsoft.com/office/infopath/2007/PartnerControls"/>
+    </FeatureTagsTaxHTField0>
+    <PublishStatusLookup xmlns="4873beb7-5857-4685-be1f-d57550cc96cc">
+      <Value>1566889</Value>
+    </PublishStatusLookup>
+    <Providers xmlns="4873beb7-5857-4685-be1f-d57550cc96cc" xsi:nil="true"/>
+    <MachineTranslated xmlns="4873beb7-5857-4685-be1f-d57550cc96cc">false</MachineTranslated>
+    <OriginalSourceMarket xmlns="4873beb7-5857-4685-be1f-d57550cc96cc" xsi:nil="true"/>
+    <APDescription xmlns="4873beb7-5857-4685-be1f-d57550cc96cc" xsi:nil="true"/>
+    <ClipArtFilename xmlns="4873beb7-5857-4685-be1f-d57550cc96cc" xsi:nil="true"/>
+    <ContentItem xmlns="4873beb7-5857-4685-be1f-d57550cc96cc" xsi:nil="true"/>
+    <TPInstallLocation xmlns="4873beb7-5857-4685-be1f-d57550cc96cc" xsi:nil="true"/>
+    <PublishTargets xmlns="4873beb7-5857-4685-be1f-d57550cc96cc">OfficeOnlineVNext</PublishTargets>
+    <TimesCloned xmlns="4873beb7-5857-4685-be1f-d57550cc96cc" xsi:nil="true"/>
+    <AssetStart xmlns="4873beb7-5857-4685-be1f-d57550cc96cc">2012-05-23T08:44:00+00:00</AssetStart>
+    <Provider xmlns="4873beb7-5857-4685-be1f-d57550cc96cc" xsi:nil="true"/>
+    <AcquiredFrom xmlns="4873beb7-5857-4685-be1f-d57550cc96cc">Internal MS</AcquiredFrom>
+    <FriendlyTitle xmlns="4873beb7-5857-4685-be1f-d57550cc96cc" xsi:nil="true"/>
+    <LastHandOff xmlns="4873beb7-5857-4685-be1f-d57550cc96cc" xsi:nil="true"/>
+    <TPClientViewer xmlns="4873beb7-5857-4685-be1f-d57550cc96cc" xsi:nil="true"/>
+    <UACurrentWords xmlns="4873beb7-5857-4685-be1f-d57550cc96cc" xsi:nil="true"/>
+    <ArtSampleDocs xmlns="4873beb7-5857-4685-be1f-d57550cc96cc" xsi:nil="true"/>
+    <UALocRecommendation xmlns="4873beb7-5857-4685-be1f-d57550cc96cc">Localize</UALocRecommendation>
+    <Manager xmlns="4873beb7-5857-4685-be1f-d57550cc96cc" xsi:nil="true"/>
+    <ShowIn xmlns="4873beb7-5857-4685-be1f-d57550cc96cc">Show everywhere</ShowIn>
+    <UANotes xmlns="4873beb7-5857-4685-be1f-d57550cc96cc" xsi:nil="true"/>
+    <TemplateStatus xmlns="4873beb7-5857-4685-be1f-d57550cc96cc">Complete</TemplateStatus>
+    <InternalTagsTaxHTField0 xmlns="4873beb7-5857-4685-be1f-d57550cc96cc">
+      <Terms xmlns="http://schemas.microsoft.com/office/infopath/2007/PartnerControls"/>
+    </InternalTagsTaxHTField0>
+    <CSXHash xmlns="4873beb7-5857-4685-be1f-d57550cc96cc" xsi:nil="true"/>
+    <Downloads xmlns="4873beb7-5857-4685-be1f-d57550cc96cc">0</Downloads>
+    <VoteCount xmlns="4873beb7-5857-4685-be1f-d57550cc96cc" xsi:nil="true"/>
+    <OOCacheId xmlns="4873beb7-5857-4685-be1f-d57550cc96cc" xsi:nil="true"/>
+    <IsDeleted xmlns="4873beb7-5857-4685-be1f-d57550cc96cc">false</IsDeleted>
+    <AssetExpire xmlns="4873beb7-5857-4685-be1f-d57550cc96cc">2029-01-01T08:00:00+00:00</AssetExpire>
+    <DSATActionTaken xmlns="4873beb7-5857-4685-be1f-d57550cc96cc" xsi:nil="true"/>
+    <CSXSubmissionMarket xmlns="4873beb7-5857-4685-be1f-d57550cc96cc" xsi:nil="true"/>
+    <TPExecutable xmlns="4873beb7-5857-4685-be1f-d57550cc96cc" xsi:nil="true"/>
+    <SubmitterId xmlns="4873beb7-5857-4685-be1f-d57550cc96cc" xsi:nil="true"/>
+    <EditorialTags xmlns="4873beb7-5857-4685-be1f-d57550cc96cc" xsi:nil="true"/>
+    <ApprovalLog xmlns="4873beb7-5857-4685-be1f-d57550cc96cc" xsi:nil="true"/>
+    <AssetType xmlns="4873beb7-5857-4685-be1f-d57550cc96cc">TP</AssetType>
+    <BugNumber xmlns="4873beb7-5857-4685-be1f-d57550cc96cc" xsi:nil="true"/>
+    <CSXSubmissionDate xmlns="4873beb7-5857-4685-be1f-d57550cc96cc" xsi:nil="true"/>
+    <CSXUpdate xmlns="4873beb7-5857-4685-be1f-d57550cc96cc">false</CSXUpdate>
+    <Milestone xmlns="4873beb7-5857-4685-be1f-d57550cc96cc" xsi:nil="true"/>
+    <RecommendationsModifier xmlns="4873beb7-5857-4685-be1f-d57550cc96cc" xsi:nil="true"/>
+    <OriginAsset xmlns="4873beb7-5857-4685-be1f-d57550cc96cc" xsi:nil="true"/>
+    <TPComponent xmlns="4873beb7-5857-4685-be1f-d57550cc96cc" xsi:nil="true"/>
+    <AssetId xmlns="4873beb7-5857-4685-be1f-d57550cc96cc">TP102901017</AssetId>
+    <IntlLocPriority xmlns="4873beb7-5857-4685-be1f-d57550cc96cc" xsi:nil="true"/>
+    <PolicheckWords xmlns="4873beb7-5857-4685-be1f-d57550cc96cc" xsi:nil="true"/>
+    <TPLaunchHelpLink xmlns="4873beb7-5857-4685-be1f-d57550cc96cc" xsi:nil="true"/>
+    <TPApplication xmlns="4873beb7-5857-4685-be1f-d57550cc96cc" xsi:nil="true"/>
+    <CrawlForDependencies xmlns="4873beb7-5857-4685-be1f-d57550cc96cc">false</CrawlForDependencies>
+    <HandoffToMSDN xmlns="4873beb7-5857-4685-be1f-d57550cc96cc" xsi:nil="true"/>
+    <PlannedPubDate xmlns="4873beb7-5857-4685-be1f-d57550cc96cc" xsi:nil="true"/>
+    <IntlLangReviewer xmlns="4873beb7-5857-4685-be1f-d57550cc96cc" xsi:nil="true"/>
+    <TrustLevel xmlns="4873beb7-5857-4685-be1f-d57550cc96cc">1 Microsoft Managed Content</TrustLevel>
+    <LocLastLocAttemptVersionLookup xmlns="4873beb7-5857-4685-be1f-d57550cc96cc">836753</LocLastLocAttemptVersionLookup>
+    <IsSearchable xmlns="4873beb7-5857-4685-be1f-d57550cc96cc">true</IsSearchable>
+    <TemplateTemplateType xmlns="4873beb7-5857-4685-be1f-d57550cc96cc">PowerPoint Design Template</TemplateTemplateType>
+    <CampaignTagsTaxHTField0 xmlns="4873beb7-5857-4685-be1f-d57550cc96cc">
+      <Terms xmlns="http://schemas.microsoft.com/office/infopath/2007/PartnerControls"/>
+    </CampaignTagsTaxHTField0>
+    <TPNamespace xmlns="4873beb7-5857-4685-be1f-d57550cc96cc" xsi:nil="true"/>
+    <TaxCatchAll xmlns="4873beb7-5857-4685-be1f-d57550cc96cc"/>
+    <Markets xmlns="4873beb7-5857-4685-be1f-d57550cc96cc"/>
+    <UAProjectedTotalWords xmlns="4873beb7-5857-4685-be1f-d57550cc96cc" xsi:nil="true"/>
+    <IntlLangReview xmlns="4873beb7-5857-4685-be1f-d57550cc96cc">false</IntlLangReview>
+    <OutputCachingOn xmlns="4873beb7-5857-4685-be1f-d57550cc96cc">false</OutputCachingOn>
+    <AverageRating xmlns="4873beb7-5857-4685-be1f-d57550cc96cc" xsi:nil="true"/>
+    <APAuthor xmlns="4873beb7-5857-4685-be1f-d57550cc96cc">
+      <UserInfo>
+        <DisplayName>REDMOND\v-anij</DisplayName>
+        <AccountId>2469</AccountId>
+        <AccountType/>
+      </UserInfo>
+    </APAuthor>
+    <LocManualTestRequired xmlns="4873beb7-5857-4685-be1f-d57550cc96cc">false</LocManualTestRequired>
+    <TPCommandLine xmlns="4873beb7-5857-4685-be1f-d57550cc96cc" xsi:nil="true"/>
+    <TPAppVersion xmlns="4873beb7-5857-4685-be1f-d57550cc96cc" xsi:nil="true"/>
+    <EditorialStatus xmlns="4873beb7-5857-4685-be1f-d57550cc96cc">Complete</EditorialStatus>
+    <LastModifiedDateTime xmlns="4873beb7-5857-4685-be1f-d57550cc96cc" xsi:nil="true"/>
+    <ScenarioTagsTaxHTField0 xmlns="4873beb7-5857-4685-be1f-d57550cc96cc">
+      <Terms xmlns="http://schemas.microsoft.com/office/infopath/2007/PartnerControls"/>
+    </ScenarioTagsTaxHTField0>
+    <OriginalRelease xmlns="4873beb7-5857-4685-be1f-d57550cc96cc">15</OriginalRelease>
+    <TPLaunchHelpLinkType xmlns="4873beb7-5857-4685-be1f-d57550cc96cc">Template</TPLaunchHelpLinkType>
+    <LocalizationTagsTaxHTField0 xmlns="4873beb7-5857-4685-be1f-d57550cc96cc">
+      <Terms xmlns="http://schemas.microsoft.com/office/infopath/2007/PartnerControls"/>
+    </LocalizationTagsTaxHTField0>
+    <LocMarketGroupTiers2 xmlns="4873beb7-5857-4685-be1f-d57550cc96cc" xsi:nil="true"/>
+  </documentManagement>
+</p:properties>
+</file>
+
 <file path=customXml/item3.xml><?xml version="1.0" encoding="utf-8"?>
 <?mso-contentType ?>
 <FormTemplates xmlns="http://schemas.microsoft.com/sharepoint/v3/contenttype/forms">
@@ -9573,16 +14594,6 @@
 </file>
 
 <file path=customXml/itemProps1.xml><?xml version="1.0" encoding="utf-8"?>
-<ds:datastoreItem xmlns:ds="http://schemas.openxmlformats.org/officeDocument/2006/customXml" ds:itemID="{04098515-0C12-46CF-BC7C-69B4A13CD5FA}">
-  <ds:schemaRefs>
-    <ds:schemaRef ds:uri="http://schemas.microsoft.com/office/2006/metadata/properties"/>
-    <ds:schemaRef ds:uri="http://schemas.microsoft.com/office/infopath/2007/PartnerControls"/>
-    <ds:schemaRef ds:uri="4873beb7-5857-4685-be1f-d57550cc96cc"/>
-  </ds:schemaRefs>
-</ds:datastoreItem>
-</file>
-
-<file path=customXml/itemProps2.xml><?xml version="1.0" encoding="utf-8"?>
 <ds:datastoreItem xmlns:ds="http://schemas.openxmlformats.org/officeDocument/2006/customXml" ds:itemID="{0B5C6E15-39DC-470B-9445-F754B9458020}">
   <ds:schemaRefs>
     <ds:schemaRef ds:uri="http://schemas.microsoft.com/office/2006/metadata/contentType"/>
@@ -9600,6 +14611,16 @@
 </ds:datastoreItem>
 </file>
 
+<file path=customXml/itemProps2.xml><?xml version="1.0" encoding="utf-8"?>
+<ds:datastoreItem xmlns:ds="http://schemas.openxmlformats.org/officeDocument/2006/customXml" ds:itemID="{04098515-0C12-46CF-BC7C-69B4A13CD5FA}">
+  <ds:schemaRefs>
+    <ds:schemaRef ds:uri="http://schemas.microsoft.com/office/2006/metadata/properties"/>
+    <ds:schemaRef ds:uri="http://schemas.microsoft.com/office/infopath/2007/PartnerControls"/>
+    <ds:schemaRef ds:uri="4873beb7-5857-4685-be1f-d57550cc96cc"/>
+  </ds:schemaRefs>
+</ds:datastoreItem>
+</file>
+
 <file path=customXml/itemProps3.xml><?xml version="1.0" encoding="utf-8"?>
 <ds:datastoreItem xmlns:ds="http://schemas.openxmlformats.org/officeDocument/2006/customXml" ds:itemID="{746CFF6F-D9AA-4BC0-911A-0A1356771912}">
   <ds:schemaRefs>
